--- a/presentation/CommunAction.pptx
+++ b/presentation/CommunAction.pptx
@@ -4,19 +4,27 @@
   <p:sldMasterIdLst>
     <p:sldMasterId id="2147483708" r:id="rId1"/>
   </p:sldMasterIdLst>
+  <p:notesMasterIdLst>
+    <p:notesMasterId r:id="rId16"/>
+  </p:notesMasterIdLst>
+  <p:handoutMasterIdLst>
+    <p:handoutMasterId r:id="rId17"/>
+  </p:handoutMasterIdLst>
   <p:sldIdLst>
     <p:sldId id="256" r:id="rId2"/>
     <p:sldId id="257" r:id="rId3"/>
-    <p:sldId id="259" r:id="rId4"/>
-    <p:sldId id="258" r:id="rId5"/>
-    <p:sldId id="260" r:id="rId6"/>
-    <p:sldId id="264" r:id="rId7"/>
-    <p:sldId id="261" r:id="rId8"/>
-    <p:sldId id="262" r:id="rId9"/>
-    <p:sldId id="263" r:id="rId10"/>
-    <p:sldId id="266" r:id="rId11"/>
-    <p:sldId id="265" r:id="rId12"/>
-    <p:sldId id="267" r:id="rId13"/>
+    <p:sldId id="268" r:id="rId4"/>
+    <p:sldId id="269" r:id="rId5"/>
+    <p:sldId id="259" r:id="rId6"/>
+    <p:sldId id="258" r:id="rId7"/>
+    <p:sldId id="260" r:id="rId8"/>
+    <p:sldId id="264" r:id="rId9"/>
+    <p:sldId id="261" r:id="rId10"/>
+    <p:sldId id="262" r:id="rId11"/>
+    <p:sldId id="263" r:id="rId12"/>
+    <p:sldId id="266" r:id="rId13"/>
+    <p:sldId id="265" r:id="rId14"/>
+    <p:sldId id="267" r:id="rId15"/>
   </p:sldIdLst>
   <p:sldSz cx="12192000" cy="6858000"/>
   <p:notesSz cx="6858000" cy="9144000"/>
@@ -235,6 +243,547 @@
 </pc:chgInfo>
 </file>
 
+<file path=ppt/handoutMasters/handoutMaster1.xml><?xml version="1.0" encoding="utf-8"?>
+<p:handoutMaster xmlns:a="http://schemas.openxmlformats.org/drawingml/2006/main" xmlns:r="http://schemas.openxmlformats.org/officeDocument/2006/relationships" xmlns:p="http://schemas.openxmlformats.org/presentationml/2006/main">
+  <p:cSld>
+    <p:bg>
+      <p:bgRef idx="1001">
+        <a:schemeClr val="bg1"/>
+      </p:bgRef>
+    </p:bg>
+    <p:spTree>
+      <p:nvGrpSpPr>
+        <p:cNvPr id="1" name=""/>
+        <p:cNvGrpSpPr/>
+        <p:nvPr/>
+      </p:nvGrpSpPr>
+      <p:grpSpPr>
+        <a:xfrm>
+          <a:off x="0" y="0"/>
+          <a:ext cx="0" cy="0"/>
+          <a:chOff x="0" y="0"/>
+          <a:chExt cx="0" cy="0"/>
+        </a:xfrm>
+      </p:grpSpPr>
+      <p:sp>
+        <p:nvSpPr>
+          <p:cNvPr id="2" name="Espace réservé de l'en-tête 1">
+            <a:extLst>
+              <a:ext uri="{FF2B5EF4-FFF2-40B4-BE49-F238E27FC236}">
+                <a16:creationId xmlns:a16="http://schemas.microsoft.com/office/drawing/2014/main" id="{8644760A-0CED-4524-B0B6-28C2BD5D95B8}"/>
+              </a:ext>
+            </a:extLst>
+          </p:cNvPr>
+          <p:cNvSpPr>
+            <a:spLocks noGrp="1"/>
+          </p:cNvSpPr>
+          <p:nvPr>
+            <p:ph type="hdr" sz="quarter"/>
+          </p:nvPr>
+        </p:nvSpPr>
+        <p:spPr>
+          <a:xfrm>
+            <a:off x="0" y="0"/>
+            <a:ext cx="2971800" cy="458788"/>
+          </a:xfrm>
+          <a:prstGeom prst="rect">
+            <a:avLst/>
+          </a:prstGeom>
+        </p:spPr>
+        <p:txBody>
+          <a:bodyPr vert="horz" lIns="91440" tIns="45720" rIns="91440" bIns="45720" rtlCol="0"/>
+          <a:lstStyle>
+            <a:lvl1pPr algn="l">
+              <a:defRPr sz="1200"/>
+            </a:lvl1pPr>
+          </a:lstStyle>
+          <a:p>
+            <a:endParaRPr lang="en-CA"/>
+          </a:p>
+        </p:txBody>
+      </p:sp>
+      <p:sp>
+        <p:nvSpPr>
+          <p:cNvPr id="3" name="Espace réservé de la date 2">
+            <a:extLst>
+              <a:ext uri="{FF2B5EF4-FFF2-40B4-BE49-F238E27FC236}">
+                <a16:creationId xmlns:a16="http://schemas.microsoft.com/office/drawing/2014/main" id="{51C3BB30-F71D-4779-A03A-DE3D020254B6}"/>
+              </a:ext>
+            </a:extLst>
+          </p:cNvPr>
+          <p:cNvSpPr>
+            <a:spLocks noGrp="1"/>
+          </p:cNvSpPr>
+          <p:nvPr>
+            <p:ph type="dt" sz="quarter" idx="1"/>
+          </p:nvPr>
+        </p:nvSpPr>
+        <p:spPr>
+          <a:xfrm>
+            <a:off x="3884613" y="0"/>
+            <a:ext cx="2971800" cy="458788"/>
+          </a:xfrm>
+          <a:prstGeom prst="rect">
+            <a:avLst/>
+          </a:prstGeom>
+        </p:spPr>
+        <p:txBody>
+          <a:bodyPr vert="horz" lIns="91440" tIns="45720" rIns="91440" bIns="45720" rtlCol="0"/>
+          <a:lstStyle>
+            <a:lvl1pPr algn="r">
+              <a:defRPr sz="1200"/>
+            </a:lvl1pPr>
+          </a:lstStyle>
+          <a:p>
+            <a:fld id="{B8A3D528-FB5C-4D45-B05E-18CF8F8001C6}" type="datetimeFigureOut">
+              <a:rPr lang="en-CA" smtClean="0"/>
+              <a:t>2019-10-20</a:t>
+            </a:fld>
+            <a:endParaRPr lang="en-CA"/>
+          </a:p>
+        </p:txBody>
+      </p:sp>
+      <p:sp>
+        <p:nvSpPr>
+          <p:cNvPr id="4" name="Espace réservé du pied de page 3">
+            <a:extLst>
+              <a:ext uri="{FF2B5EF4-FFF2-40B4-BE49-F238E27FC236}">
+                <a16:creationId xmlns:a16="http://schemas.microsoft.com/office/drawing/2014/main" id="{8B39467F-21FB-49F1-9E77-21A51F430FAB}"/>
+              </a:ext>
+            </a:extLst>
+          </p:cNvPr>
+          <p:cNvSpPr>
+            <a:spLocks noGrp="1"/>
+          </p:cNvSpPr>
+          <p:nvPr>
+            <p:ph type="ftr" sz="quarter" idx="2"/>
+          </p:nvPr>
+        </p:nvSpPr>
+        <p:spPr>
+          <a:xfrm>
+            <a:off x="0" y="8685213"/>
+            <a:ext cx="2971800" cy="458787"/>
+          </a:xfrm>
+          <a:prstGeom prst="rect">
+            <a:avLst/>
+          </a:prstGeom>
+        </p:spPr>
+        <p:txBody>
+          <a:bodyPr vert="horz" lIns="91440" tIns="45720" rIns="91440" bIns="45720" rtlCol="0" anchor="b"/>
+          <a:lstStyle>
+            <a:lvl1pPr algn="l">
+              <a:defRPr sz="1200"/>
+            </a:lvl1pPr>
+          </a:lstStyle>
+          <a:p>
+            <a:endParaRPr lang="en-CA"/>
+          </a:p>
+        </p:txBody>
+      </p:sp>
+      <p:sp>
+        <p:nvSpPr>
+          <p:cNvPr id="5" name="Espace réservé du numéro de diapositive 4">
+            <a:extLst>
+              <a:ext uri="{FF2B5EF4-FFF2-40B4-BE49-F238E27FC236}">
+                <a16:creationId xmlns:a16="http://schemas.microsoft.com/office/drawing/2014/main" id="{218DCF81-67A6-4D3D-AE8E-A44BBF1A1636}"/>
+              </a:ext>
+            </a:extLst>
+          </p:cNvPr>
+          <p:cNvSpPr>
+            <a:spLocks noGrp="1"/>
+          </p:cNvSpPr>
+          <p:nvPr>
+            <p:ph type="sldNum" sz="quarter" idx="3"/>
+          </p:nvPr>
+        </p:nvSpPr>
+        <p:spPr>
+          <a:xfrm>
+            <a:off x="3884613" y="8685213"/>
+            <a:ext cx="2971800" cy="458787"/>
+          </a:xfrm>
+          <a:prstGeom prst="rect">
+            <a:avLst/>
+          </a:prstGeom>
+        </p:spPr>
+        <p:txBody>
+          <a:bodyPr vert="horz" lIns="91440" tIns="45720" rIns="91440" bIns="45720" rtlCol="0" anchor="b"/>
+          <a:lstStyle>
+            <a:lvl1pPr algn="r">
+              <a:defRPr sz="1200"/>
+            </a:lvl1pPr>
+          </a:lstStyle>
+          <a:p>
+            <a:fld id="{FD9A5612-4E0F-4985-85AE-C8E4DCDB60DD}" type="slidenum">
+              <a:rPr lang="en-CA" smtClean="0"/>
+              <a:t>‹N°›</a:t>
+            </a:fld>
+            <a:endParaRPr lang="en-CA"/>
+          </a:p>
+        </p:txBody>
+      </p:sp>
+    </p:spTree>
+    <p:extLst>
+      <p:ext uri="{BB962C8B-B14F-4D97-AF65-F5344CB8AC3E}">
+        <p14:creationId xmlns:p14="http://schemas.microsoft.com/office/powerpoint/2010/main" val="1782253992"/>
+      </p:ext>
+    </p:extLst>
+  </p:cSld>
+  <p:clrMap bg1="lt1" tx1="dk1" bg2="lt2" tx2="dk2" accent1="accent1" accent2="accent2" accent3="accent3" accent4="accent4" accent5="accent5" accent6="accent6" hlink="hlink" folHlink="folHlink"/>
+  <p:hf hdr="0" ftr="0" dt="0"/>
+</p:handoutMaster>
+</file>
+
+<file path=ppt/notesMasters/notesMaster1.xml><?xml version="1.0" encoding="utf-8"?>
+<p:notesMaster xmlns:a="http://schemas.openxmlformats.org/drawingml/2006/main" xmlns:r="http://schemas.openxmlformats.org/officeDocument/2006/relationships" xmlns:p="http://schemas.openxmlformats.org/presentationml/2006/main">
+  <p:cSld>
+    <p:bg>
+      <p:bgRef idx="1001">
+        <a:schemeClr val="bg1"/>
+      </p:bgRef>
+    </p:bg>
+    <p:spTree>
+      <p:nvGrpSpPr>
+        <p:cNvPr id="1" name=""/>
+        <p:cNvGrpSpPr/>
+        <p:nvPr/>
+      </p:nvGrpSpPr>
+      <p:grpSpPr>
+        <a:xfrm>
+          <a:off x="0" y="0"/>
+          <a:ext cx="0" cy="0"/>
+          <a:chOff x="0" y="0"/>
+          <a:chExt cx="0" cy="0"/>
+        </a:xfrm>
+      </p:grpSpPr>
+      <p:sp>
+        <p:nvSpPr>
+          <p:cNvPr id="2" name="Espace réservé de l'en-tête 1"/>
+          <p:cNvSpPr>
+            <a:spLocks noGrp="1"/>
+          </p:cNvSpPr>
+          <p:nvPr>
+            <p:ph type="hdr" sz="quarter"/>
+          </p:nvPr>
+        </p:nvSpPr>
+        <p:spPr>
+          <a:xfrm>
+            <a:off x="0" y="0"/>
+            <a:ext cx="2971800" cy="458788"/>
+          </a:xfrm>
+          <a:prstGeom prst="rect">
+            <a:avLst/>
+          </a:prstGeom>
+        </p:spPr>
+        <p:txBody>
+          <a:bodyPr vert="horz" lIns="91440" tIns="45720" rIns="91440" bIns="45720" rtlCol="0"/>
+          <a:lstStyle>
+            <a:lvl1pPr algn="l">
+              <a:defRPr sz="1200"/>
+            </a:lvl1pPr>
+          </a:lstStyle>
+          <a:p>
+            <a:endParaRPr lang="en-CA"/>
+          </a:p>
+        </p:txBody>
+      </p:sp>
+      <p:sp>
+        <p:nvSpPr>
+          <p:cNvPr id="3" name="Espace réservé de la date 2"/>
+          <p:cNvSpPr>
+            <a:spLocks noGrp="1"/>
+          </p:cNvSpPr>
+          <p:nvPr>
+            <p:ph type="dt" idx="1"/>
+          </p:nvPr>
+        </p:nvSpPr>
+        <p:spPr>
+          <a:xfrm>
+            <a:off x="3884613" y="0"/>
+            <a:ext cx="2971800" cy="458788"/>
+          </a:xfrm>
+          <a:prstGeom prst="rect">
+            <a:avLst/>
+          </a:prstGeom>
+        </p:spPr>
+        <p:txBody>
+          <a:bodyPr vert="horz" lIns="91440" tIns="45720" rIns="91440" bIns="45720" rtlCol="0"/>
+          <a:lstStyle>
+            <a:lvl1pPr algn="r">
+              <a:defRPr sz="1200"/>
+            </a:lvl1pPr>
+          </a:lstStyle>
+          <a:p>
+            <a:fld id="{ED4450BA-E74B-4074-B01F-20A4D35CD716}" type="datetimeFigureOut">
+              <a:rPr lang="en-CA" smtClean="0"/>
+              <a:t>2019-10-20</a:t>
+            </a:fld>
+            <a:endParaRPr lang="en-CA"/>
+          </a:p>
+        </p:txBody>
+      </p:sp>
+      <p:sp>
+        <p:nvSpPr>
+          <p:cNvPr id="4" name="Espace réservé de l'image des diapositives 3"/>
+          <p:cNvSpPr>
+            <a:spLocks noGrp="1" noRot="1" noChangeAspect="1"/>
+          </p:cNvSpPr>
+          <p:nvPr>
+            <p:ph type="sldImg" idx="2"/>
+          </p:nvPr>
+        </p:nvSpPr>
+        <p:spPr>
+          <a:xfrm>
+            <a:off x="685800" y="1143000"/>
+            <a:ext cx="5486400" cy="3086100"/>
+          </a:xfrm>
+          <a:prstGeom prst="rect">
+            <a:avLst/>
+          </a:prstGeom>
+          <a:noFill/>
+          <a:ln w="12700">
+            <a:solidFill>
+              <a:prstClr val="black"/>
+            </a:solidFill>
+          </a:ln>
+        </p:spPr>
+        <p:txBody>
+          <a:bodyPr vert="horz" lIns="91440" tIns="45720" rIns="91440" bIns="45720" rtlCol="0" anchor="ctr"/>
+          <a:lstStyle/>
+          <a:p>
+            <a:endParaRPr lang="en-CA"/>
+          </a:p>
+        </p:txBody>
+      </p:sp>
+      <p:sp>
+        <p:nvSpPr>
+          <p:cNvPr id="5" name="Espace réservé des notes 4"/>
+          <p:cNvSpPr>
+            <a:spLocks noGrp="1"/>
+          </p:cNvSpPr>
+          <p:nvPr>
+            <p:ph type="body" sz="quarter" idx="3"/>
+          </p:nvPr>
+        </p:nvSpPr>
+        <p:spPr>
+          <a:xfrm>
+            <a:off x="685800" y="4400550"/>
+            <a:ext cx="5486400" cy="3600450"/>
+          </a:xfrm>
+          <a:prstGeom prst="rect">
+            <a:avLst/>
+          </a:prstGeom>
+        </p:spPr>
+        <p:txBody>
+          <a:bodyPr vert="horz" lIns="91440" tIns="45720" rIns="91440" bIns="45720" rtlCol="0"/>
+          <a:lstStyle/>
+          <a:p>
+            <a:pPr lvl="0"/>
+            <a:r>
+              <a:rPr lang="fr-FR"/>
+              <a:t>Cliquez pour modifier les styles du texte du masque</a:t>
+            </a:r>
+          </a:p>
+          <a:p>
+            <a:pPr lvl="1"/>
+            <a:r>
+              <a:rPr lang="fr-FR"/>
+              <a:t>Deuxième niveau</a:t>
+            </a:r>
+          </a:p>
+          <a:p>
+            <a:pPr lvl="2"/>
+            <a:r>
+              <a:rPr lang="fr-FR"/>
+              <a:t>Troisième niveau</a:t>
+            </a:r>
+          </a:p>
+          <a:p>
+            <a:pPr lvl="3"/>
+            <a:r>
+              <a:rPr lang="fr-FR"/>
+              <a:t>Quatrième niveau</a:t>
+            </a:r>
+          </a:p>
+          <a:p>
+            <a:pPr lvl="4"/>
+            <a:r>
+              <a:rPr lang="fr-FR"/>
+              <a:t>Cinquième niveau</a:t>
+            </a:r>
+            <a:endParaRPr lang="en-CA"/>
+          </a:p>
+        </p:txBody>
+      </p:sp>
+      <p:sp>
+        <p:nvSpPr>
+          <p:cNvPr id="6" name="Espace réservé du pied de page 5"/>
+          <p:cNvSpPr>
+            <a:spLocks noGrp="1"/>
+          </p:cNvSpPr>
+          <p:nvPr>
+            <p:ph type="ftr" sz="quarter" idx="4"/>
+          </p:nvPr>
+        </p:nvSpPr>
+        <p:spPr>
+          <a:xfrm>
+            <a:off x="0" y="8685213"/>
+            <a:ext cx="2971800" cy="458787"/>
+          </a:xfrm>
+          <a:prstGeom prst="rect">
+            <a:avLst/>
+          </a:prstGeom>
+        </p:spPr>
+        <p:txBody>
+          <a:bodyPr vert="horz" lIns="91440" tIns="45720" rIns="91440" bIns="45720" rtlCol="0" anchor="b"/>
+          <a:lstStyle>
+            <a:lvl1pPr algn="l">
+              <a:defRPr sz="1200"/>
+            </a:lvl1pPr>
+          </a:lstStyle>
+          <a:p>
+            <a:endParaRPr lang="en-CA"/>
+          </a:p>
+        </p:txBody>
+      </p:sp>
+      <p:sp>
+        <p:nvSpPr>
+          <p:cNvPr id="7" name="Espace réservé du numéro de diapositive 6"/>
+          <p:cNvSpPr>
+            <a:spLocks noGrp="1"/>
+          </p:cNvSpPr>
+          <p:nvPr>
+            <p:ph type="sldNum" sz="quarter" idx="5"/>
+          </p:nvPr>
+        </p:nvSpPr>
+        <p:spPr>
+          <a:xfrm>
+            <a:off x="3884613" y="8685213"/>
+            <a:ext cx="2971800" cy="458787"/>
+          </a:xfrm>
+          <a:prstGeom prst="rect">
+            <a:avLst/>
+          </a:prstGeom>
+        </p:spPr>
+        <p:txBody>
+          <a:bodyPr vert="horz" lIns="91440" tIns="45720" rIns="91440" bIns="45720" rtlCol="0" anchor="b"/>
+          <a:lstStyle>
+            <a:lvl1pPr algn="r">
+              <a:defRPr sz="1200"/>
+            </a:lvl1pPr>
+          </a:lstStyle>
+          <a:p>
+            <a:fld id="{6E5469D4-D0FB-46F0-B698-EB03AAEACC1A}" type="slidenum">
+              <a:rPr lang="en-CA" smtClean="0"/>
+              <a:t>‹N°›</a:t>
+            </a:fld>
+            <a:endParaRPr lang="en-CA"/>
+          </a:p>
+        </p:txBody>
+      </p:sp>
+    </p:spTree>
+    <p:extLst>
+      <p:ext uri="{BB962C8B-B14F-4D97-AF65-F5344CB8AC3E}">
+        <p14:creationId xmlns:p14="http://schemas.microsoft.com/office/powerpoint/2010/main" val="702011488"/>
+      </p:ext>
+    </p:extLst>
+  </p:cSld>
+  <p:clrMap bg1="lt1" tx1="dk1" bg2="lt2" tx2="dk2" accent1="accent1" accent2="accent2" accent3="accent3" accent4="accent4" accent5="accent5" accent6="accent6" hlink="hlink" folHlink="folHlink"/>
+  <p:hf hdr="0" ftr="0" dt="0"/>
+  <p:notesStyle>
+    <a:lvl1pPr marL="0" algn="l" defTabSz="914400" rtl="0" eaLnBrk="1" latinLnBrk="0" hangingPunct="1">
+      <a:defRPr sz="1200" kern="1200">
+        <a:solidFill>
+          <a:schemeClr val="tx1"/>
+        </a:solidFill>
+        <a:latin typeface="+mn-lt"/>
+        <a:ea typeface="+mn-ea"/>
+        <a:cs typeface="+mn-cs"/>
+      </a:defRPr>
+    </a:lvl1pPr>
+    <a:lvl2pPr marL="457200" algn="l" defTabSz="914400" rtl="0" eaLnBrk="1" latinLnBrk="0" hangingPunct="1">
+      <a:defRPr sz="1200" kern="1200">
+        <a:solidFill>
+          <a:schemeClr val="tx1"/>
+        </a:solidFill>
+        <a:latin typeface="+mn-lt"/>
+        <a:ea typeface="+mn-ea"/>
+        <a:cs typeface="+mn-cs"/>
+      </a:defRPr>
+    </a:lvl2pPr>
+    <a:lvl3pPr marL="914400" algn="l" defTabSz="914400" rtl="0" eaLnBrk="1" latinLnBrk="0" hangingPunct="1">
+      <a:defRPr sz="1200" kern="1200">
+        <a:solidFill>
+          <a:schemeClr val="tx1"/>
+        </a:solidFill>
+        <a:latin typeface="+mn-lt"/>
+        <a:ea typeface="+mn-ea"/>
+        <a:cs typeface="+mn-cs"/>
+      </a:defRPr>
+    </a:lvl3pPr>
+    <a:lvl4pPr marL="1371600" algn="l" defTabSz="914400" rtl="0" eaLnBrk="1" latinLnBrk="0" hangingPunct="1">
+      <a:defRPr sz="1200" kern="1200">
+        <a:solidFill>
+          <a:schemeClr val="tx1"/>
+        </a:solidFill>
+        <a:latin typeface="+mn-lt"/>
+        <a:ea typeface="+mn-ea"/>
+        <a:cs typeface="+mn-cs"/>
+      </a:defRPr>
+    </a:lvl4pPr>
+    <a:lvl5pPr marL="1828800" algn="l" defTabSz="914400" rtl="0" eaLnBrk="1" latinLnBrk="0" hangingPunct="1">
+      <a:defRPr sz="1200" kern="1200">
+        <a:solidFill>
+          <a:schemeClr val="tx1"/>
+        </a:solidFill>
+        <a:latin typeface="+mn-lt"/>
+        <a:ea typeface="+mn-ea"/>
+        <a:cs typeface="+mn-cs"/>
+      </a:defRPr>
+    </a:lvl5pPr>
+    <a:lvl6pPr marL="2286000" algn="l" defTabSz="914400" rtl="0" eaLnBrk="1" latinLnBrk="0" hangingPunct="1">
+      <a:defRPr sz="1200" kern="1200">
+        <a:solidFill>
+          <a:schemeClr val="tx1"/>
+        </a:solidFill>
+        <a:latin typeface="+mn-lt"/>
+        <a:ea typeface="+mn-ea"/>
+        <a:cs typeface="+mn-cs"/>
+      </a:defRPr>
+    </a:lvl6pPr>
+    <a:lvl7pPr marL="2743200" algn="l" defTabSz="914400" rtl="0" eaLnBrk="1" latinLnBrk="0" hangingPunct="1">
+      <a:defRPr sz="1200" kern="1200">
+        <a:solidFill>
+          <a:schemeClr val="tx1"/>
+        </a:solidFill>
+        <a:latin typeface="+mn-lt"/>
+        <a:ea typeface="+mn-ea"/>
+        <a:cs typeface="+mn-cs"/>
+      </a:defRPr>
+    </a:lvl7pPr>
+    <a:lvl8pPr marL="3200400" algn="l" defTabSz="914400" rtl="0" eaLnBrk="1" latinLnBrk="0" hangingPunct="1">
+      <a:defRPr sz="1200" kern="1200">
+        <a:solidFill>
+          <a:schemeClr val="tx1"/>
+        </a:solidFill>
+        <a:latin typeface="+mn-lt"/>
+        <a:ea typeface="+mn-ea"/>
+        <a:cs typeface="+mn-cs"/>
+      </a:defRPr>
+    </a:lvl8pPr>
+    <a:lvl9pPr marL="3657600" algn="l" defTabSz="914400" rtl="0" eaLnBrk="1" latinLnBrk="0" hangingPunct="1">
+      <a:defRPr sz="1200" kern="1200">
+        <a:solidFill>
+          <a:schemeClr val="tx1"/>
+        </a:solidFill>
+        <a:latin typeface="+mn-lt"/>
+        <a:ea typeface="+mn-ea"/>
+        <a:cs typeface="+mn-cs"/>
+      </a:defRPr>
+    </a:lvl9pPr>
+  </p:notesStyle>
+</p:notesMaster>
+</file>
+
 <file path=ppt/slideLayouts/slideLayout1.xml><?xml version="1.0" encoding="utf-8"?>
 <p:sldLayout xmlns:a="http://schemas.openxmlformats.org/drawingml/2006/main" xmlns:r="http://schemas.openxmlformats.org/officeDocument/2006/relationships" xmlns:p="http://schemas.openxmlformats.org/presentationml/2006/main" type="title" preserve="1">
   <p:cSld name="Diapositive de titre">
@@ -446,9 +995,9 @@
           <a:bodyPr/>
           <a:lstStyle/>
           <a:p>
-            <a:fld id="{13B3C45F-FA15-4CC3-A140-296AD9F012C3}" type="datetimeFigureOut">
+            <a:fld id="{BFAE9FF1-848B-4EFE-94B6-1800E1388CB9}" type="datetime1">
               <a:rPr lang="en-CA" smtClean="0"/>
-              <a:t>2019-10-12</a:t>
+              <a:t>2019-10-20</a:t>
             </a:fld>
             <a:endParaRPr lang="en-CA"/>
           </a:p>
@@ -490,7 +1039,7 @@
           <a:p>
             <a:fld id="{7A79C5EC-18BC-4A24-B361-A108AE58E0DA}" type="slidenum">
               <a:rPr lang="en-CA" smtClean="0"/>
-              <a:t>‹Nº›</a:t>
+              <a:t>‹N°›</a:t>
             </a:fld>
             <a:endParaRPr lang="en-CA"/>
           </a:p>
@@ -737,9 +1286,9 @@
           <a:bodyPr/>
           <a:lstStyle/>
           <a:p>
-            <a:fld id="{13B3C45F-FA15-4CC3-A140-296AD9F012C3}" type="datetimeFigureOut">
+            <a:fld id="{5E7B7732-3F68-45A3-9AE1-62D1E189183F}" type="datetime1">
               <a:rPr lang="en-CA" smtClean="0"/>
-              <a:t>2019-10-12</a:t>
+              <a:t>2019-10-20</a:t>
             </a:fld>
             <a:endParaRPr lang="en-CA"/>
           </a:p>
@@ -781,7 +1330,7 @@
           <a:p>
             <a:fld id="{7A79C5EC-18BC-4A24-B361-A108AE58E0DA}" type="slidenum">
               <a:rPr lang="en-CA" smtClean="0"/>
-              <a:t>‹Nº›</a:t>
+              <a:t>‹N°›</a:t>
             </a:fld>
             <a:endParaRPr lang="en-CA"/>
           </a:p>
@@ -996,9 +1545,9 @@
           <a:bodyPr/>
           <a:lstStyle/>
           <a:p>
-            <a:fld id="{13B3C45F-FA15-4CC3-A140-296AD9F012C3}" type="datetimeFigureOut">
+            <a:fld id="{6337C19F-BFF0-42EF-97DE-513A483C8084}" type="datetime1">
               <a:rPr lang="en-CA" smtClean="0"/>
-              <a:t>2019-10-12</a:t>
+              <a:t>2019-10-20</a:t>
             </a:fld>
             <a:endParaRPr lang="en-CA"/>
           </a:p>
@@ -1040,7 +1589,7 @@
           <a:p>
             <a:fld id="{7A79C5EC-18BC-4A24-B361-A108AE58E0DA}" type="slidenum">
               <a:rPr lang="en-CA" smtClean="0"/>
-              <a:t>‹Nº›</a:t>
+              <a:t>‹N°›</a:t>
             </a:fld>
             <a:endParaRPr lang="en-CA"/>
           </a:p>
@@ -1465,9 +2014,9 @@
           <a:bodyPr/>
           <a:lstStyle/>
           <a:p>
-            <a:fld id="{13B3C45F-FA15-4CC3-A140-296AD9F012C3}" type="datetimeFigureOut">
+            <a:fld id="{C83E4B7D-B817-4FD1-BD89-89EA88D97723}" type="datetime1">
               <a:rPr lang="en-CA" smtClean="0"/>
-              <a:t>2019-10-12</a:t>
+              <a:t>2019-10-20</a:t>
             </a:fld>
             <a:endParaRPr lang="en-CA"/>
           </a:p>
@@ -1509,7 +2058,7 @@
           <a:p>
             <a:fld id="{7A79C5EC-18BC-4A24-B361-A108AE58E0DA}" type="slidenum">
               <a:rPr lang="en-CA" smtClean="0"/>
-              <a:t>‹Nº›</a:t>
+              <a:t>‹N°›</a:t>
             </a:fld>
             <a:endParaRPr lang="en-CA"/>
           </a:p>
@@ -1645,9 +2194,9 @@
           <a:bodyPr/>
           <a:lstStyle/>
           <a:p>
-            <a:fld id="{13B3C45F-FA15-4CC3-A140-296AD9F012C3}" type="datetimeFigureOut">
+            <a:fld id="{0798C252-E1F2-4BC4-8AF9-29BE0322A100}" type="datetime1">
               <a:rPr lang="en-CA" smtClean="0"/>
-              <a:t>2019-10-12</a:t>
+              <a:t>2019-10-20</a:t>
             </a:fld>
             <a:endParaRPr lang="en-CA"/>
           </a:p>
@@ -1689,7 +2238,7 @@
           <a:p>
             <a:fld id="{7A79C5EC-18BC-4A24-B361-A108AE58E0DA}" type="slidenum">
               <a:rPr lang="en-CA" smtClean="0"/>
-              <a:t>‹Nº›</a:t>
+              <a:t>‹N°›</a:t>
             </a:fld>
             <a:endParaRPr lang="en-CA"/>
           </a:p>
@@ -2221,9 +2770,9 @@
           <a:bodyPr/>
           <a:lstStyle/>
           <a:p>
-            <a:fld id="{13B3C45F-FA15-4CC3-A140-296AD9F012C3}" type="datetimeFigureOut">
+            <a:fld id="{74AD3FBD-F92A-4527-9D27-5D88DFA0E997}" type="datetime1">
               <a:rPr lang="en-CA" smtClean="0"/>
-              <a:t>2019-10-12</a:t>
+              <a:t>2019-10-20</a:t>
             </a:fld>
             <a:endParaRPr lang="en-CA"/>
           </a:p>
@@ -2265,7 +2814,7 @@
           <a:p>
             <a:fld id="{7A79C5EC-18BC-4A24-B361-A108AE58E0DA}" type="slidenum">
               <a:rPr lang="en-CA" smtClean="0"/>
-              <a:t>‹Nº›</a:t>
+              <a:t>‹N°›</a:t>
             </a:fld>
             <a:endParaRPr lang="en-CA"/>
           </a:p>
@@ -2553,9 +3102,9 @@
           <a:bodyPr/>
           <a:lstStyle/>
           <a:p>
-            <a:fld id="{13B3C45F-FA15-4CC3-A140-296AD9F012C3}" type="datetimeFigureOut">
+            <a:fld id="{AD719C4B-DF58-437C-B121-CF161EA58623}" type="datetime1">
               <a:rPr lang="en-CA" smtClean="0"/>
-              <a:t>2019-10-12</a:t>
+              <a:t>2019-10-20</a:t>
             </a:fld>
             <a:endParaRPr lang="en-CA"/>
           </a:p>
@@ -2597,7 +3146,7 @@
           <a:p>
             <a:fld id="{7A79C5EC-18BC-4A24-B361-A108AE58E0DA}" type="slidenum">
               <a:rPr lang="en-CA" smtClean="0"/>
-              <a:t>‹Nº›</a:t>
+              <a:t>‹N°›</a:t>
             </a:fld>
             <a:endParaRPr lang="en-CA"/>
           </a:p>
@@ -2728,9 +3277,9 @@
           <a:bodyPr/>
           <a:lstStyle/>
           <a:p>
-            <a:fld id="{13B3C45F-FA15-4CC3-A140-296AD9F012C3}" type="datetimeFigureOut">
+            <a:fld id="{7B1A81F3-8325-4B49-9D8B-9B9827336BD8}" type="datetime1">
               <a:rPr lang="en-CA" smtClean="0"/>
-              <a:t>2019-10-12</a:t>
+              <a:t>2019-10-20</a:t>
             </a:fld>
             <a:endParaRPr lang="en-CA"/>
           </a:p>
@@ -2772,7 +3321,7 @@
           <a:p>
             <a:fld id="{7A79C5EC-18BC-4A24-B361-A108AE58E0DA}" type="slidenum">
               <a:rPr lang="en-CA" smtClean="0"/>
-              <a:t>‹Nº›</a:t>
+              <a:t>‹N°›</a:t>
             </a:fld>
             <a:endParaRPr lang="en-CA"/>
           </a:p>
@@ -2908,9 +3457,9 @@
           <a:bodyPr/>
           <a:lstStyle/>
           <a:p>
-            <a:fld id="{13B3C45F-FA15-4CC3-A140-296AD9F012C3}" type="datetimeFigureOut">
+            <a:fld id="{6CFFDCD4-5269-4C1B-BB83-A5DFE248693A}" type="datetime1">
               <a:rPr lang="en-CA" smtClean="0"/>
-              <a:t>2019-10-12</a:t>
+              <a:t>2019-10-20</a:t>
             </a:fld>
             <a:endParaRPr lang="en-CA"/>
           </a:p>
@@ -2952,7 +3501,7 @@
           <a:p>
             <a:fld id="{7A79C5EC-18BC-4A24-B361-A108AE58E0DA}" type="slidenum">
               <a:rPr lang="en-CA" smtClean="0"/>
-              <a:t>‹Nº›</a:t>
+              <a:t>‹N°›</a:t>
             </a:fld>
             <a:endParaRPr lang="en-CA"/>
           </a:p>
@@ -3078,9 +3627,9 @@
           <a:bodyPr/>
           <a:lstStyle/>
           <a:p>
-            <a:fld id="{13B3C45F-FA15-4CC3-A140-296AD9F012C3}" type="datetimeFigureOut">
+            <a:fld id="{87879D38-739C-4925-B7A5-083048A51BCF}" type="datetime1">
               <a:rPr lang="en-CA" smtClean="0"/>
-              <a:t>2019-10-12</a:t>
+              <a:t>2019-10-20</a:t>
             </a:fld>
             <a:endParaRPr lang="en-CA"/>
           </a:p>
@@ -3122,7 +3671,7 @@
           <a:p>
             <a:fld id="{7A79C5EC-18BC-4A24-B361-A108AE58E0DA}" type="slidenum">
               <a:rPr lang="en-CA" smtClean="0"/>
-              <a:t>‹Nº›</a:t>
+              <a:t>‹N°›</a:t>
             </a:fld>
             <a:endParaRPr lang="en-CA"/>
           </a:p>
@@ -3335,9 +3884,9 @@
           <a:bodyPr/>
           <a:lstStyle/>
           <a:p>
-            <a:fld id="{13B3C45F-FA15-4CC3-A140-296AD9F012C3}" type="datetimeFigureOut">
+            <a:fld id="{5CB32453-2ABB-469E-84B1-2EF374E0A396}" type="datetime1">
               <a:rPr lang="en-CA" smtClean="0"/>
-              <a:t>2019-10-12</a:t>
+              <a:t>2019-10-20</a:t>
             </a:fld>
             <a:endParaRPr lang="en-CA"/>
           </a:p>
@@ -3379,7 +3928,7 @@
           <a:p>
             <a:fld id="{7A79C5EC-18BC-4A24-B361-A108AE58E0DA}" type="slidenum">
               <a:rPr lang="en-CA" smtClean="0"/>
-              <a:t>‹Nº›</a:t>
+              <a:t>‹N°›</a:t>
             </a:fld>
             <a:endParaRPr lang="en-CA"/>
           </a:p>
@@ -3627,9 +4176,9 @@
           <a:bodyPr/>
           <a:lstStyle/>
           <a:p>
-            <a:fld id="{13B3C45F-FA15-4CC3-A140-296AD9F012C3}" type="datetimeFigureOut">
+            <a:fld id="{8763D3DA-4EB6-48C5-AC23-1AD4298DC266}" type="datetime1">
               <a:rPr lang="en-CA" smtClean="0"/>
-              <a:t>2019-10-12</a:t>
+              <a:t>2019-10-20</a:t>
             </a:fld>
             <a:endParaRPr lang="en-CA"/>
           </a:p>
@@ -3671,7 +4220,7 @@
           <a:p>
             <a:fld id="{7A79C5EC-18BC-4A24-B361-A108AE58E0DA}" type="slidenum">
               <a:rPr lang="en-CA" smtClean="0"/>
-              <a:t>‹Nº›</a:t>
+              <a:t>‹N°›</a:t>
             </a:fld>
             <a:endParaRPr lang="en-CA"/>
           </a:p>
@@ -3687,7 +4236,7 @@
   <p:clrMapOvr>
     <a:masterClrMapping/>
   </p:clrMapOvr>
-  <p:extLst>
+  <p:extLst mod="1">
     <p:ext uri="{DCECCB84-F9BA-43D5-87BE-67443E8EF086}">
       <p15:sldGuideLst xmlns:p15="http://schemas.microsoft.com/office/powerpoint/2012/main"/>
     </p:ext>
@@ -4062,9 +4611,9 @@
           <a:bodyPr/>
           <a:lstStyle/>
           <a:p>
-            <a:fld id="{13B3C45F-FA15-4CC3-A140-296AD9F012C3}" type="datetimeFigureOut">
+            <a:fld id="{48A0CBC6-8EEC-4C5B-855E-FC0AC3E2B999}" type="datetime1">
               <a:rPr lang="en-CA" smtClean="0"/>
-              <a:t>2019-10-12</a:t>
+              <a:t>2019-10-20</a:t>
             </a:fld>
             <a:endParaRPr lang="en-CA"/>
           </a:p>
@@ -4106,7 +4655,7 @@
           <a:p>
             <a:fld id="{7A79C5EC-18BC-4A24-B361-A108AE58E0DA}" type="slidenum">
               <a:rPr lang="en-CA" smtClean="0"/>
-              <a:t>‹Nº›</a:t>
+              <a:t>‹N°›</a:t>
             </a:fld>
             <a:endParaRPr lang="en-CA"/>
           </a:p>
@@ -4122,7 +4671,7 @@
   <p:clrMapOvr>
     <a:masterClrMapping/>
   </p:clrMapOvr>
-  <p:extLst>
+  <p:extLst mod="1">
     <p:ext uri="{DCECCB84-F9BA-43D5-87BE-67443E8EF086}">
       <p15:sldGuideLst xmlns:p15="http://schemas.microsoft.com/office/powerpoint/2012/main"/>
     </p:ext>
@@ -4185,9 +4734,9 @@
           <a:bodyPr/>
           <a:lstStyle/>
           <a:p>
-            <a:fld id="{13B3C45F-FA15-4CC3-A140-296AD9F012C3}" type="datetimeFigureOut">
+            <a:fld id="{9EEC71B5-B980-4E9F-A4B7-6F039F2E9F91}" type="datetime1">
               <a:rPr lang="en-CA" smtClean="0"/>
-              <a:t>2019-10-12</a:t>
+              <a:t>2019-10-20</a:t>
             </a:fld>
             <a:endParaRPr lang="en-CA"/>
           </a:p>
@@ -4229,7 +4778,7 @@
           <a:p>
             <a:fld id="{7A79C5EC-18BC-4A24-B361-A108AE58E0DA}" type="slidenum">
               <a:rPr lang="en-CA" smtClean="0"/>
-              <a:t>‹Nº›</a:t>
+              <a:t>‹N°›</a:t>
             </a:fld>
             <a:endParaRPr lang="en-CA"/>
           </a:p>
@@ -4280,9 +4829,9 @@
           <a:bodyPr/>
           <a:lstStyle/>
           <a:p>
-            <a:fld id="{13B3C45F-FA15-4CC3-A140-296AD9F012C3}" type="datetimeFigureOut">
+            <a:fld id="{8766990C-5B52-4FFB-85B6-3A3B8A858ACE}" type="datetime1">
               <a:rPr lang="en-CA" smtClean="0"/>
-              <a:t>2019-10-12</a:t>
+              <a:t>2019-10-20</a:t>
             </a:fld>
             <a:endParaRPr lang="en-CA"/>
           </a:p>
@@ -4324,7 +4873,7 @@
           <a:p>
             <a:fld id="{7A79C5EC-18BC-4A24-B361-A108AE58E0DA}" type="slidenum">
               <a:rPr lang="en-CA" smtClean="0"/>
-              <a:t>‹Nº›</a:t>
+              <a:t>‹N°›</a:t>
             </a:fld>
             <a:endParaRPr lang="en-CA"/>
           </a:p>
@@ -4563,9 +5112,9 @@
           <a:bodyPr/>
           <a:lstStyle/>
           <a:p>
-            <a:fld id="{13B3C45F-FA15-4CC3-A140-296AD9F012C3}" type="datetimeFigureOut">
+            <a:fld id="{0A64F24D-BB6D-4632-A551-F1BA07DCC583}" type="datetime1">
               <a:rPr lang="en-CA" smtClean="0"/>
-              <a:t>2019-10-12</a:t>
+              <a:t>2019-10-20</a:t>
             </a:fld>
             <a:endParaRPr lang="en-CA"/>
           </a:p>
@@ -4607,7 +5156,7 @@
           <a:p>
             <a:fld id="{7A79C5EC-18BC-4A24-B361-A108AE58E0DA}" type="slidenum">
               <a:rPr lang="en-CA" smtClean="0"/>
-              <a:t>‹Nº›</a:t>
+              <a:t>‹N°›</a:t>
             </a:fld>
             <a:endParaRPr lang="en-CA"/>
           </a:p>
@@ -4623,7 +5172,7 @@
   <p:clrMapOvr>
     <a:masterClrMapping/>
   </p:clrMapOvr>
-  <p:extLst>
+  <p:extLst mod="1">
     <p:ext uri="{DCECCB84-F9BA-43D5-87BE-67443E8EF086}">
       <p15:sldGuideLst xmlns:p15="http://schemas.microsoft.com/office/powerpoint/2012/main"/>
     </p:ext>
@@ -4859,9 +5408,9 @@
           <a:bodyPr/>
           <a:lstStyle/>
           <a:p>
-            <a:fld id="{13B3C45F-FA15-4CC3-A140-296AD9F012C3}" type="datetimeFigureOut">
+            <a:fld id="{9CD94F31-78ED-4118-8A03-5ECFF722D99B}" type="datetime1">
               <a:rPr lang="en-CA" smtClean="0"/>
-              <a:t>2019-10-12</a:t>
+              <a:t>2019-10-20</a:t>
             </a:fld>
             <a:endParaRPr lang="en-CA"/>
           </a:p>
@@ -4913,7 +5462,7 @@
           <a:p>
             <a:fld id="{7A79C5EC-18BC-4A24-B361-A108AE58E0DA}" type="slidenum">
               <a:rPr lang="en-CA" smtClean="0"/>
-              <a:t>‹Nº›</a:t>
+              <a:t>‹N°›</a:t>
             </a:fld>
             <a:endParaRPr lang="en-CA"/>
           </a:p>
@@ -5090,9 +5639,9 @@
             </a:lvl1pPr>
           </a:lstStyle>
           <a:p>
-            <a:fld id="{13B3C45F-FA15-4CC3-A140-296AD9F012C3}" type="datetimeFigureOut">
+            <a:fld id="{A69C0212-2374-4363-BC54-F8AF15393913}" type="datetime1">
               <a:rPr lang="en-CA" smtClean="0"/>
-              <a:t>2019-10-12</a:t>
+              <a:t>2019-10-20</a:t>
             </a:fld>
             <a:endParaRPr lang="en-CA"/>
           </a:p>
@@ -5186,7 +5735,7 @@
           <a:p>
             <a:fld id="{7A79C5EC-18BC-4A24-B361-A108AE58E0DA}" type="slidenum">
               <a:rPr lang="en-CA" smtClean="0"/>
-              <a:t>‹Nº›</a:t>
+              <a:t>‹N°›</a:t>
             </a:fld>
             <a:endParaRPr lang="en-CA"/>
           </a:p>
@@ -5219,6 +5768,7 @@
     <p:sldLayoutId id="2147483724" r:id="rId16"/>
     <p:sldLayoutId id="2147483725" r:id="rId17"/>
   </p:sldLayoutIdLst>
+  <p:hf hdr="0" ftr="0" dt="0"/>
   <p:txStyles>
     <p:titleStyle>
       <a:lvl1pPr algn="l" defTabSz="457200" rtl="0" eaLnBrk="1" latinLnBrk="0" hangingPunct="1">
@@ -5841,7 +6391,7 @@
       </a:lvl9pPr>
     </p:otherStyle>
   </p:txStyles>
-  <p:extLst>
+  <p:extLst mod="1">
     <p:ext uri="{27BBF7A9-308A-43DC-89C8-2F10F3537804}">
       <p15:sldGuideLst xmlns:p15="http://schemas.microsoft.com/office/powerpoint/2012/main"/>
     </p:ext>
@@ -6130,6 +6680,35 @@
           </a:effectLst>
         </p:spPr>
       </p:pic>
+      <p:sp>
+        <p:nvSpPr>
+          <p:cNvPr id="4" name="Espace réservé du numéro de diapositive 3">
+            <a:extLst>
+              <a:ext uri="{FF2B5EF4-FFF2-40B4-BE49-F238E27FC236}">
+                <a16:creationId xmlns:a16="http://schemas.microsoft.com/office/drawing/2014/main" id="{59029A7C-5E43-4C5D-B890-CE77C4ADA613}"/>
+              </a:ext>
+            </a:extLst>
+          </p:cNvPr>
+          <p:cNvSpPr>
+            <a:spLocks noGrp="1"/>
+          </p:cNvSpPr>
+          <p:nvPr>
+            <p:ph type="sldNum" sz="quarter" idx="12"/>
+          </p:nvPr>
+        </p:nvSpPr>
+        <p:spPr/>
+        <p:txBody>
+          <a:bodyPr/>
+          <a:lstStyle/>
+          <a:p>
+            <a:fld id="{7A79C5EC-18BC-4A24-B361-A108AE58E0DA}" type="slidenum">
+              <a:rPr lang="en-CA" smtClean="0"/>
+              <a:t>1</a:t>
+            </a:fld>
+            <a:endParaRPr lang="en-CA"/>
+          </a:p>
+        </p:txBody>
+      </p:sp>
     </p:spTree>
     <p:extLst>
       <p:ext uri="{BB962C8B-B14F-4D97-AF65-F5344CB8AC3E}">
@@ -6178,8 +6757,8 @@
         </p:nvSpPr>
         <p:spPr>
           <a:xfrm>
-            <a:off x="2398712" y="444499"/>
-            <a:ext cx="8002588" cy="592609"/>
+            <a:off x="2665412" y="444499"/>
+            <a:ext cx="7532688" cy="592609"/>
           </a:xfrm>
         </p:spPr>
         <p:txBody>
@@ -6197,7 +6776,7 @@
               <a:rPr lang="fr-FR" sz="3100" u="sng" dirty="0">
                 <a:effectLst/>
               </a:rPr>
-              <a:t>PROBLÈMES ET SOLUTIONS LIÉS AU DÉVELOPPEMENT DE L’APPLICATION</a:t>
+              <a:t>8. UTILISATION DE CSS ET DE BOOTSTRAP</a:t>
             </a:r>
             <a:endParaRPr lang="fr-CA" sz="3100" u="sng" cap="none" dirty="0">
               <a:latin typeface="Ebrima" panose="02000000000000000000" pitchFamily="2" charset="0"/>
@@ -6258,7 +6837,7 @@
         <p:spPr>
           <a:xfrm>
             <a:off x="584200" y="1153755"/>
-            <a:ext cx="10737850" cy="369332"/>
+            <a:ext cx="10737850" cy="1477328"/>
           </a:xfrm>
           <a:prstGeom prst="rect">
             <a:avLst/>
@@ -6274,15 +6853,59 @@
             <a:pPr lvl="0" algn="just"/>
             <a:r>
               <a:rPr lang="fr-FR" dirty="0"/>
-              <a:t>TEXTE </a:t>
-            </a:r>
+              <a:t>Afin de donner l'apparence souhaitée de notre page, nous utilisons le langage CSS et la bibliothèque Bootstrap.</a:t>
+            </a:r>
+          </a:p>
+          <a:p>
+            <a:pPr lvl="0" algn="just"/>
+            <a:endParaRPr lang="fr-FR" dirty="0"/>
+          </a:p>
+          <a:p>
+            <a:pPr algn="just"/>
+            <a:r>
+              <a:rPr lang="fr-CA" dirty="0"/>
+              <a:t>Voici quelques exemples:</a:t>
+            </a:r>
+          </a:p>
+          <a:p>
+            <a:pPr lvl="0" algn="just"/>
+            <a:endParaRPr lang="fr-CA" dirty="0"/>
+          </a:p>
+        </p:txBody>
+      </p:sp>
+      <p:sp>
+        <p:nvSpPr>
+          <p:cNvPr id="3" name="Espace réservé du numéro de diapositive 2">
+            <a:extLst>
+              <a:ext uri="{FF2B5EF4-FFF2-40B4-BE49-F238E27FC236}">
+                <a16:creationId xmlns:a16="http://schemas.microsoft.com/office/drawing/2014/main" id="{DF6F4BED-0A26-49F2-9241-EFABF77C7EF1}"/>
+              </a:ext>
+            </a:extLst>
+          </p:cNvPr>
+          <p:cNvSpPr>
+            <a:spLocks noGrp="1"/>
+          </p:cNvSpPr>
+          <p:nvPr>
+            <p:ph type="sldNum" sz="quarter" idx="12"/>
+          </p:nvPr>
+        </p:nvSpPr>
+        <p:spPr/>
+        <p:txBody>
+          <a:bodyPr/>
+          <a:lstStyle/>
+          <a:p>
+            <a:fld id="{7A79C5EC-18BC-4A24-B361-A108AE58E0DA}" type="slidenum">
+              <a:rPr lang="en-CA" smtClean="0"/>
+              <a:t>10</a:t>
+            </a:fld>
+            <a:endParaRPr lang="en-CA"/>
           </a:p>
         </p:txBody>
       </p:sp>
     </p:spTree>
     <p:extLst>
       <p:ext uri="{BB962C8B-B14F-4D97-AF65-F5344CB8AC3E}">
-        <p14:creationId xmlns:p14="http://schemas.microsoft.com/office/powerpoint/2010/main" val="3300978045"/>
+        <p14:creationId xmlns:p14="http://schemas.microsoft.com/office/powerpoint/2010/main" val="2219750947"/>
       </p:ext>
     </p:extLst>
   </p:cSld>
@@ -6346,7 +6969,7 @@
               <a:rPr lang="fr-FR" sz="3100" u="sng" dirty="0">
                 <a:effectLst/>
               </a:rPr>
-              <a:t>CONCLUSIONS ET PERSPECTIVES</a:t>
+              <a:t>9. UTILISATION DE JAVASCRIPT ET AJAX</a:t>
             </a:r>
             <a:endParaRPr lang="fr-CA" sz="3100" u="sng" cap="none" dirty="0">
               <a:latin typeface="Ebrima" panose="02000000000000000000" pitchFamily="2" charset="0"/>
@@ -6407,7 +7030,7 @@
         <p:spPr>
           <a:xfrm>
             <a:off x="584200" y="1153755"/>
-            <a:ext cx="10737850" cy="369332"/>
+            <a:ext cx="10737850" cy="1200329"/>
           </a:xfrm>
           <a:prstGeom prst="rect">
             <a:avLst/>
@@ -6423,16 +7046,55 @@
             <a:pPr lvl="0" algn="just"/>
             <a:r>
               <a:rPr lang="fr-FR" dirty="0"/>
-              <a:t>TEXTE </a:t>
-            </a:r>
+              <a:t>Afin de rendre l’application plus interactive, nous avons utilisé JavaScript et AJAX pour afficher certains éléments de la page de manière plus interactive. </a:t>
+            </a:r>
+          </a:p>
+          <a:p>
+            <a:pPr lvl="0" algn="just"/>
             <a:endParaRPr lang="fr-CA" dirty="0"/>
+          </a:p>
+          <a:p>
+            <a:pPr lvl="0" algn="just"/>
+            <a:r>
+              <a:rPr lang="fr-CA" dirty="0"/>
+              <a:t>Voici quelques exemples:</a:t>
+            </a:r>
+          </a:p>
+        </p:txBody>
+      </p:sp>
+      <p:sp>
+        <p:nvSpPr>
+          <p:cNvPr id="3" name="Espace réservé du numéro de diapositive 2">
+            <a:extLst>
+              <a:ext uri="{FF2B5EF4-FFF2-40B4-BE49-F238E27FC236}">
+                <a16:creationId xmlns:a16="http://schemas.microsoft.com/office/drawing/2014/main" id="{82FEFFD9-9FD6-4C3B-B093-BBE03C4FF225}"/>
+              </a:ext>
+            </a:extLst>
+          </p:cNvPr>
+          <p:cNvSpPr>
+            <a:spLocks noGrp="1"/>
+          </p:cNvSpPr>
+          <p:nvPr>
+            <p:ph type="sldNum" sz="quarter" idx="12"/>
+          </p:nvPr>
+        </p:nvSpPr>
+        <p:spPr/>
+        <p:txBody>
+          <a:bodyPr/>
+          <a:lstStyle/>
+          <a:p>
+            <a:fld id="{7A79C5EC-18BC-4A24-B361-A108AE58E0DA}" type="slidenum">
+              <a:rPr lang="en-CA" smtClean="0"/>
+              <a:t>11</a:t>
+            </a:fld>
+            <a:endParaRPr lang="en-CA"/>
           </a:p>
         </p:txBody>
       </p:sp>
     </p:spTree>
     <p:extLst>
       <p:ext uri="{BB962C8B-B14F-4D97-AF65-F5344CB8AC3E}">
-        <p14:creationId xmlns:p14="http://schemas.microsoft.com/office/powerpoint/2010/main" val="1229103947"/>
+        <p14:creationId xmlns:p14="http://schemas.microsoft.com/office/powerpoint/2010/main" val="2785327264"/>
       </p:ext>
     </p:extLst>
   </p:cSld>
@@ -6477,13 +7139,13 @@
         </p:nvSpPr>
         <p:spPr>
           <a:xfrm>
-            <a:off x="2665412" y="444499"/>
-            <a:ext cx="7532688" cy="592609"/>
+            <a:off x="2398712" y="444499"/>
+            <a:ext cx="8002588" cy="592609"/>
           </a:xfrm>
         </p:spPr>
         <p:txBody>
           <a:bodyPr>
-            <a:normAutofit/>
+            <a:normAutofit fontScale="90000"/>
           </a:bodyPr>
           <a:lstStyle/>
           <a:p>
@@ -6496,7 +7158,7 @@
               <a:rPr lang="fr-FR" sz="3100" u="sng" dirty="0">
                 <a:effectLst/>
               </a:rPr>
-              <a:t>DEMOSTRATION</a:t>
+              <a:t>10. PROBLÈMES ET SOLUTIONS LIÉS AU DÉVELOPPEMENT DE L’APPLICATION</a:t>
             </a:r>
             <a:endParaRPr lang="fr-CA" sz="3100" u="sng" cap="none" dirty="0">
               <a:latin typeface="Ebrima" panose="02000000000000000000" pitchFamily="2" charset="0"/>
@@ -6573,9 +7235,766 @@
             <a:pPr lvl="0" algn="just"/>
             <a:r>
               <a:rPr lang="fr-FR" dirty="0"/>
+              <a:t>Pendant le développement de l'application, nous trouvons les problèmes suivants:</a:t>
+            </a:r>
+          </a:p>
+        </p:txBody>
+      </p:sp>
+      <p:graphicFrame>
+        <p:nvGraphicFramePr>
+          <p:cNvPr id="8" name="Tableau 7">
+            <a:extLst>
+              <a:ext uri="{FF2B5EF4-FFF2-40B4-BE49-F238E27FC236}">
+                <a16:creationId xmlns:a16="http://schemas.microsoft.com/office/drawing/2014/main" id="{1747A867-5854-4EE2-A496-9D1D0FB7CC63}"/>
+              </a:ext>
+            </a:extLst>
+          </p:cNvPr>
+          <p:cNvGraphicFramePr>
+            <a:graphicFrameLocks noGrp="1"/>
+          </p:cNvGraphicFramePr>
+          <p:nvPr>
+            <p:extLst>
+              <p:ext uri="{D42A27DB-BD31-4B8C-83A1-F6EECF244321}">
+                <p14:modId xmlns:p14="http://schemas.microsoft.com/office/powerpoint/2010/main" val="919437863"/>
+              </p:ext>
+            </p:extLst>
+          </p:nvPr>
+        </p:nvGraphicFramePr>
+        <p:xfrm>
+          <a:off x="584200" y="1945640"/>
+          <a:ext cx="11015922" cy="3210560"/>
+        </p:xfrm>
+        <a:graphic>
+          <a:graphicData uri="http://schemas.openxmlformats.org/drawingml/2006/table">
+            <a:tbl>
+              <a:tblPr firstRow="1" bandRow="1">
+                <a:tableStyleId>{5C22544A-7EE6-4342-B048-85BDC9FD1C3A}</a:tableStyleId>
+              </a:tblPr>
+              <a:tblGrid>
+                <a:gridCol w="4561958">
+                  <a:extLst>
+                    <a:ext uri="{9D8B030D-6E8A-4147-A177-3AD203B41FA5}">
+                      <a16:colId xmlns:a16="http://schemas.microsoft.com/office/drawing/2014/main" val="4198972695"/>
+                    </a:ext>
+                  </a:extLst>
+                </a:gridCol>
+                <a:gridCol w="6453964">
+                  <a:extLst>
+                    <a:ext uri="{9D8B030D-6E8A-4147-A177-3AD203B41FA5}">
+                      <a16:colId xmlns:a16="http://schemas.microsoft.com/office/drawing/2014/main" val="2878343701"/>
+                    </a:ext>
+                  </a:extLst>
+                </a:gridCol>
+              </a:tblGrid>
+              <a:tr h="370840">
+                <a:tc>
+                  <a:txBody>
+                    <a:bodyPr/>
+                    <a:lstStyle/>
+                    <a:p>
+                      <a:r>
+                        <a:rPr lang="fr-CA" noProof="0" dirty="0"/>
+                        <a:t>Problème</a:t>
+                      </a:r>
+                    </a:p>
+                  </a:txBody>
+                  <a:tcPr/>
+                </a:tc>
+                <a:tc>
+                  <a:txBody>
+                    <a:bodyPr/>
+                    <a:lstStyle/>
+                    <a:p>
+                      <a:r>
+                        <a:rPr lang="fr-CA" noProof="0" dirty="0"/>
+                        <a:t>Solution</a:t>
+                      </a:r>
+                    </a:p>
+                  </a:txBody>
+                  <a:tcPr/>
+                </a:tc>
+                <a:extLst>
+                  <a:ext uri="{0D108BD9-81ED-4DB2-BD59-A6C34878D82A}">
+                    <a16:rowId xmlns:a16="http://schemas.microsoft.com/office/drawing/2014/main" val="4289731011"/>
+                  </a:ext>
+                </a:extLst>
+              </a:tr>
+              <a:tr h="370840">
+                <a:tc>
+                  <a:txBody>
+                    <a:bodyPr/>
+                    <a:lstStyle/>
+                    <a:p>
+                      <a:pPr marL="285750" indent="-285750">
+                        <a:buFont typeface="Arial" panose="020B0604020202020204" pitchFamily="34" charset="0"/>
+                        <a:buChar char="•"/>
+                      </a:pPr>
+                      <a:r>
+                        <a:rPr lang="fr-CA" noProof="0" dirty="0"/>
+                        <a:t>Absence</a:t>
+                      </a:r>
+                      <a:r>
+                        <a:rPr lang="es-CO" dirty="0"/>
+                        <a:t> de </a:t>
+                      </a:r>
+                      <a:r>
+                        <a:rPr lang="fr-FR" dirty="0"/>
+                        <a:t>débogueur</a:t>
+                      </a:r>
+                      <a:endParaRPr lang="es-CO" dirty="0"/>
+                    </a:p>
+                  </a:txBody>
+                  <a:tcPr/>
+                </a:tc>
+                <a:tc>
+                  <a:txBody>
+                    <a:bodyPr/>
+                    <a:lstStyle/>
+                    <a:p>
+                      <a:pPr marL="285750" indent="-285750">
+                        <a:buFont typeface="Arial" panose="020B0604020202020204" pitchFamily="34" charset="0"/>
+                        <a:buChar char="•"/>
+                      </a:pPr>
+                      <a:r>
+                        <a:rPr lang="fr-FR" dirty="0"/>
+                        <a:t>Patience et interprétation des erreurs affichées à l'écran</a:t>
+                      </a:r>
+                      <a:r>
+                        <a:rPr lang="en-CA" dirty="0"/>
+                        <a:t>. </a:t>
+                      </a:r>
+                    </a:p>
+                    <a:p>
+                      <a:pPr marL="285750" indent="-285750">
+                        <a:buFont typeface="Arial" panose="020B0604020202020204" pitchFamily="34" charset="0"/>
+                        <a:buChar char="•"/>
+                      </a:pPr>
+                      <a:r>
+                        <a:rPr lang="fr-FR" dirty="0"/>
+                        <a:t>Impressions à l'écran avec « </a:t>
+                      </a:r>
+                      <a:r>
+                        <a:rPr lang="fr-FR" dirty="0" err="1"/>
+                        <a:t>echo</a:t>
+                      </a:r>
+                      <a:r>
+                        <a:rPr lang="fr-FR" dirty="0"/>
+                        <a:t> » pour identifier les processus d'exécution.</a:t>
+                      </a:r>
+                    </a:p>
+                  </a:txBody>
+                  <a:tcPr/>
+                </a:tc>
+                <a:extLst>
+                  <a:ext uri="{0D108BD9-81ED-4DB2-BD59-A6C34878D82A}">
+                    <a16:rowId xmlns:a16="http://schemas.microsoft.com/office/drawing/2014/main" val="2808465594"/>
+                  </a:ext>
+                </a:extLst>
+              </a:tr>
+              <a:tr h="370840">
+                <a:tc>
+                  <a:txBody>
+                    <a:bodyPr/>
+                    <a:lstStyle/>
+                    <a:p>
+                      <a:pPr marL="285750" indent="-285750">
+                        <a:buFont typeface="Arial" panose="020B0604020202020204" pitchFamily="34" charset="0"/>
+                        <a:buChar char="•"/>
+                      </a:pPr>
+                      <a:r>
+                        <a:rPr lang="fr-FR" dirty="0"/>
+                        <a:t>Recherche sur des sujets inconnus</a:t>
+                      </a:r>
+                    </a:p>
+                  </a:txBody>
+                  <a:tcPr/>
+                </a:tc>
+                <a:tc>
+                  <a:txBody>
+                    <a:bodyPr/>
+                    <a:lstStyle/>
+                    <a:p>
+                      <a:pPr marL="285750" indent="-285750">
+                        <a:buFont typeface="Arial" panose="020B0604020202020204" pitchFamily="34" charset="0"/>
+                        <a:buChar char="•"/>
+                      </a:pPr>
+                      <a:r>
+                        <a:rPr lang="fr-FR" dirty="0"/>
+                        <a:t>Recherche en ligne en français, anglais et espagnol (pages de programmation, vidéos YouTube, etc.)</a:t>
+                      </a:r>
+                    </a:p>
+                  </a:txBody>
+                  <a:tcPr/>
+                </a:tc>
+                <a:extLst>
+                  <a:ext uri="{0D108BD9-81ED-4DB2-BD59-A6C34878D82A}">
+                    <a16:rowId xmlns:a16="http://schemas.microsoft.com/office/drawing/2014/main" val="3055264572"/>
+                  </a:ext>
+                </a:extLst>
+              </a:tr>
+              <a:tr h="370840">
+                <a:tc>
+                  <a:txBody>
+                    <a:bodyPr/>
+                    <a:lstStyle/>
+                    <a:p>
+                      <a:pPr marL="285750" indent="-285750">
+                        <a:buFont typeface="Arial" panose="020B0604020202020204" pitchFamily="34" charset="0"/>
+                        <a:buChar char="•"/>
+                      </a:pPr>
+                      <a:r>
+                        <a:rPr lang="es-CO" dirty="0"/>
+                        <a:t>Long </a:t>
+                      </a:r>
+                      <a:r>
+                        <a:rPr lang="fr-CA" noProof="0" dirty="0"/>
+                        <a:t>temps</a:t>
+                      </a:r>
+                      <a:r>
+                        <a:rPr lang="es-CO" dirty="0"/>
+                        <a:t> de </a:t>
+                      </a:r>
+                      <a:r>
+                        <a:rPr lang="fr-CA" noProof="0" dirty="0"/>
+                        <a:t>recherche</a:t>
+                      </a:r>
+                    </a:p>
+                  </a:txBody>
+                  <a:tcPr/>
+                </a:tc>
+                <a:tc>
+                  <a:txBody>
+                    <a:bodyPr/>
+                    <a:lstStyle/>
+                    <a:p>
+                      <a:pPr marL="285750" indent="-285750">
+                        <a:buFont typeface="Arial" panose="020B0604020202020204" pitchFamily="34" charset="0"/>
+                        <a:buChar char="•"/>
+                      </a:pPr>
+                      <a:r>
+                        <a:rPr lang="fr-FR" dirty="0"/>
+                        <a:t>Patience</a:t>
+                      </a:r>
+                    </a:p>
+                  </a:txBody>
+                  <a:tcPr/>
+                </a:tc>
+                <a:extLst>
+                  <a:ext uri="{0D108BD9-81ED-4DB2-BD59-A6C34878D82A}">
+                    <a16:rowId xmlns:a16="http://schemas.microsoft.com/office/drawing/2014/main" val="989331345"/>
+                  </a:ext>
+                </a:extLst>
+              </a:tr>
+              <a:tr h="370840">
+                <a:tc>
+                  <a:txBody>
+                    <a:bodyPr/>
+                    <a:lstStyle/>
+                    <a:p>
+                      <a:pPr marL="285750" indent="-285750">
+                        <a:buFont typeface="Arial" panose="020B0604020202020204" pitchFamily="34" charset="0"/>
+                        <a:buChar char="•"/>
+                      </a:pPr>
+                      <a:r>
+                        <a:rPr lang="fr-FR" dirty="0"/>
+                        <a:t>Deux membres de l'équipe ont abandonné le cours</a:t>
+                      </a:r>
+                    </a:p>
+                  </a:txBody>
+                  <a:tcPr/>
+                </a:tc>
+                <a:tc>
+                  <a:txBody>
+                    <a:bodyPr/>
+                    <a:lstStyle/>
+                    <a:p>
+                      <a:pPr marL="285750" indent="-285750">
+                        <a:buFont typeface="Arial" panose="020B0604020202020204" pitchFamily="34" charset="0"/>
+                        <a:buChar char="•"/>
+                      </a:pPr>
+                      <a:r>
+                        <a:rPr lang="fr-FR" dirty="0"/>
+                        <a:t>Nouvelle désignation des tâches et augmentation de la vitesse de travail.</a:t>
+                      </a:r>
+                    </a:p>
+                  </a:txBody>
+                  <a:tcPr/>
+                </a:tc>
+                <a:extLst>
+                  <a:ext uri="{0D108BD9-81ED-4DB2-BD59-A6C34878D82A}">
+                    <a16:rowId xmlns:a16="http://schemas.microsoft.com/office/drawing/2014/main" val="3726166962"/>
+                  </a:ext>
+                </a:extLst>
+              </a:tr>
+            </a:tbl>
+          </a:graphicData>
+        </a:graphic>
+      </p:graphicFrame>
+      <p:sp>
+        <p:nvSpPr>
+          <p:cNvPr id="9" name="Espace réservé du numéro de diapositive 8">
+            <a:extLst>
+              <a:ext uri="{FF2B5EF4-FFF2-40B4-BE49-F238E27FC236}">
+                <a16:creationId xmlns:a16="http://schemas.microsoft.com/office/drawing/2014/main" id="{D19D4068-8C69-4A18-A3F3-ECB46A0A7401}"/>
+              </a:ext>
+            </a:extLst>
+          </p:cNvPr>
+          <p:cNvSpPr>
+            <a:spLocks noGrp="1"/>
+          </p:cNvSpPr>
+          <p:nvPr>
+            <p:ph type="sldNum" sz="quarter" idx="12"/>
+          </p:nvPr>
+        </p:nvSpPr>
+        <p:spPr/>
+        <p:txBody>
+          <a:bodyPr/>
+          <a:lstStyle/>
+          <a:p>
+            <a:fld id="{7A79C5EC-18BC-4A24-B361-A108AE58E0DA}" type="slidenum">
+              <a:rPr lang="en-CA" smtClean="0"/>
+              <a:t>12</a:t>
+            </a:fld>
+            <a:endParaRPr lang="en-CA"/>
+          </a:p>
+        </p:txBody>
+      </p:sp>
+    </p:spTree>
+    <p:extLst>
+      <p:ext uri="{BB962C8B-B14F-4D97-AF65-F5344CB8AC3E}">
+        <p14:creationId xmlns:p14="http://schemas.microsoft.com/office/powerpoint/2010/main" val="3300978045"/>
+      </p:ext>
+    </p:extLst>
+  </p:cSld>
+  <p:clrMapOvr>
+    <a:masterClrMapping/>
+  </p:clrMapOvr>
+</p:sld>
+</file>
+
+<file path=ppt/slides/slide13.xml><?xml version="1.0" encoding="utf-8"?>
+<p:sld xmlns:a="http://schemas.openxmlformats.org/drawingml/2006/main" xmlns:r="http://schemas.openxmlformats.org/officeDocument/2006/relationships" xmlns:p="http://schemas.openxmlformats.org/presentationml/2006/main">
+  <p:cSld>
+    <p:spTree>
+      <p:nvGrpSpPr>
+        <p:cNvPr id="1" name=""/>
+        <p:cNvGrpSpPr/>
+        <p:nvPr/>
+      </p:nvGrpSpPr>
+      <p:grpSpPr>
+        <a:xfrm>
+          <a:off x="0" y="0"/>
+          <a:ext cx="0" cy="0"/>
+          <a:chOff x="0" y="0"/>
+          <a:chExt cx="0" cy="0"/>
+        </a:xfrm>
+      </p:grpSpPr>
+      <p:sp>
+        <p:nvSpPr>
+          <p:cNvPr id="2" name="Titre 1">
+            <a:extLst>
+              <a:ext uri="{FF2B5EF4-FFF2-40B4-BE49-F238E27FC236}">
+                <a16:creationId xmlns:a16="http://schemas.microsoft.com/office/drawing/2014/main" id="{847B2002-85EF-4E53-BF50-1164BFEF0883}"/>
+              </a:ext>
+            </a:extLst>
+          </p:cNvPr>
+          <p:cNvSpPr>
+            <a:spLocks noGrp="1"/>
+          </p:cNvSpPr>
+          <p:nvPr>
+            <p:ph type="ctrTitle"/>
+          </p:nvPr>
+        </p:nvSpPr>
+        <p:spPr>
+          <a:xfrm>
+            <a:off x="2665412" y="444499"/>
+            <a:ext cx="7532688" cy="592609"/>
+          </a:xfrm>
+        </p:spPr>
+        <p:txBody>
+          <a:bodyPr>
+            <a:normAutofit/>
+          </a:bodyPr>
+          <a:lstStyle/>
+          <a:p>
+            <a:pPr>
+              <a:lnSpc>
+                <a:spcPct val="90000"/>
+              </a:lnSpc>
+            </a:pPr>
+            <a:r>
+              <a:rPr lang="fr-FR" sz="3100" u="sng" dirty="0">
+                <a:effectLst/>
+              </a:rPr>
+              <a:t>11. CONCLUSIONS ET PERSPECTIVES</a:t>
+            </a:r>
+            <a:endParaRPr lang="fr-CA" sz="3100" u="sng" cap="none" dirty="0">
+              <a:latin typeface="Ebrima" panose="02000000000000000000" pitchFamily="2" charset="0"/>
+              <a:ea typeface="Ebrima" panose="02000000000000000000" pitchFamily="2" charset="0"/>
+              <a:cs typeface="Ebrima" panose="02000000000000000000" pitchFamily="2" charset="0"/>
+            </a:endParaRPr>
+          </a:p>
+        </p:txBody>
+      </p:sp>
+      <p:pic>
+        <p:nvPicPr>
+          <p:cNvPr id="6" name="Image 5">
+            <a:extLst>
+              <a:ext uri="{FF2B5EF4-FFF2-40B4-BE49-F238E27FC236}">
+                <a16:creationId xmlns:a16="http://schemas.microsoft.com/office/drawing/2014/main" id="{45D547AC-FD75-4884-8CCB-15E6D9412640}"/>
+              </a:ext>
+            </a:extLst>
+          </p:cNvPr>
+          <p:cNvPicPr>
+            <a:picLocks noChangeAspect="1"/>
+          </p:cNvPicPr>
+          <p:nvPr/>
+        </p:nvPicPr>
+        <p:blipFill>
+          <a:blip r:embed="rId2">
+            <a:extLst>
+              <a:ext uri="{28A0092B-C50C-407E-A947-70E740481C1C}">
+                <a14:useLocalDpi xmlns:a14="http://schemas.microsoft.com/office/drawing/2010/main" val="0"/>
+              </a:ext>
+            </a:extLst>
+          </a:blip>
+          <a:stretch>
+            <a:fillRect/>
+          </a:stretch>
+        </p:blipFill>
+        <p:spPr>
+          <a:xfrm>
+            <a:off x="0" y="133351"/>
+            <a:ext cx="2540000" cy="776758"/>
+          </a:xfrm>
+          <a:prstGeom prst="rect">
+            <a:avLst/>
+          </a:prstGeom>
+        </p:spPr>
+      </p:pic>
+      <p:sp>
+        <p:nvSpPr>
+          <p:cNvPr id="7" name="ZoneTexte 6">
+            <a:extLst>
+              <a:ext uri="{FF2B5EF4-FFF2-40B4-BE49-F238E27FC236}">
+                <a16:creationId xmlns:a16="http://schemas.microsoft.com/office/drawing/2014/main" id="{91FB25D9-30FE-4009-A340-75BB7ACF4219}"/>
+              </a:ext>
+            </a:extLst>
+          </p:cNvPr>
+          <p:cNvSpPr txBox="1"/>
+          <p:nvPr/>
+        </p:nvSpPr>
+        <p:spPr>
+          <a:xfrm>
+            <a:off x="584200" y="1153755"/>
+            <a:ext cx="10737850" cy="4247317"/>
+          </a:xfrm>
+          <a:prstGeom prst="rect">
+            <a:avLst/>
+          </a:prstGeom>
+          <a:noFill/>
+        </p:spPr>
+        <p:txBody>
+          <a:bodyPr wrap="square" rtlCol="0">
+            <a:spAutoFit/>
+          </a:bodyPr>
+          <a:lstStyle/>
+          <a:p>
+            <a:pPr marL="285750" lvl="0" indent="-285750" algn="just">
+              <a:buFont typeface="Arial" panose="020B0604020202020204" pitchFamily="34" charset="0"/>
+              <a:buChar char="•"/>
+            </a:pPr>
+            <a:r>
+              <a:rPr lang="fr-FR" dirty="0"/>
+              <a:t>Développer cette application nous a donné l'occasion d'apprendre de nombreux concepts sur PHP et JavaScript.</a:t>
+            </a:r>
+          </a:p>
+          <a:p>
+            <a:pPr marL="285750" lvl="0" indent="-285750" algn="just">
+              <a:buFont typeface="Arial" panose="020B0604020202020204" pitchFamily="34" charset="0"/>
+              <a:buChar char="•"/>
+            </a:pPr>
+            <a:endParaRPr lang="fr-FR" dirty="0"/>
+          </a:p>
+          <a:p>
+            <a:pPr marL="285750" lvl="0" indent="-285750" algn="just">
+              <a:buFont typeface="Arial" panose="020B0604020202020204" pitchFamily="34" charset="0"/>
+              <a:buChar char="•"/>
+            </a:pPr>
+            <a:r>
+              <a:rPr lang="fr-FR" dirty="0"/>
+              <a:t>Il était très intéressant d'avoir une première approche de la manière de travailler sur le marché du travail.</a:t>
+            </a:r>
+          </a:p>
+          <a:p>
+            <a:pPr lvl="0" algn="just"/>
+            <a:endParaRPr lang="fr-FR" dirty="0"/>
+          </a:p>
+          <a:p>
+            <a:pPr marL="285750" lvl="0" indent="-285750" algn="just">
+              <a:buFont typeface="Arial" panose="020B0604020202020204" pitchFamily="34" charset="0"/>
+              <a:buChar char="•"/>
+            </a:pPr>
+            <a:r>
+              <a:rPr lang="fr-FR" dirty="0"/>
+              <a:t>Nous avons pu constater l’importance du travail d’équipe et la communication pour le développement d’un projet. </a:t>
+            </a:r>
+          </a:p>
+          <a:p>
+            <a:pPr marL="285750" lvl="0" indent="-285750" algn="just">
+              <a:buFont typeface="Arial" panose="020B0604020202020204" pitchFamily="34" charset="0"/>
+              <a:buChar char="•"/>
+            </a:pPr>
+            <a:endParaRPr lang="fr-FR" dirty="0"/>
+          </a:p>
+          <a:p>
+            <a:pPr marL="285750" lvl="0" indent="-285750" algn="just">
+              <a:buFont typeface="Arial" panose="020B0604020202020204" pitchFamily="34" charset="0"/>
+              <a:buChar char="•"/>
+            </a:pPr>
+            <a:r>
+              <a:rPr lang="fr-FR" dirty="0"/>
+              <a:t>L'absence de débogueur rend très difficile la programmation d'applications Web si vous êtes débutant.</a:t>
+            </a:r>
+          </a:p>
+          <a:p>
+            <a:pPr marL="285750" lvl="0" indent="-285750" algn="just">
+              <a:buFont typeface="Arial" panose="020B0604020202020204" pitchFamily="34" charset="0"/>
+              <a:buChar char="•"/>
+            </a:pPr>
+            <a:endParaRPr lang="fr-FR" dirty="0"/>
+          </a:p>
+          <a:p>
+            <a:pPr marL="285750" lvl="0" indent="-285750" algn="just">
+              <a:buFont typeface="Arial" panose="020B0604020202020204" pitchFamily="34" charset="0"/>
+              <a:buChar char="•"/>
+            </a:pPr>
+            <a:r>
+              <a:rPr lang="fr-FR" dirty="0"/>
+              <a:t>Nous voulons continuer à améliorer l'application pour la mettre en ligne.</a:t>
+            </a:r>
+          </a:p>
+          <a:p>
+            <a:pPr marL="285750" lvl="0" indent="-285750" algn="just">
+              <a:buFont typeface="Arial" panose="020B0604020202020204" pitchFamily="34" charset="0"/>
+              <a:buChar char="•"/>
+            </a:pPr>
+            <a:endParaRPr lang="fr-FR" dirty="0"/>
+          </a:p>
+          <a:p>
+            <a:pPr marL="285750" lvl="0" indent="-285750" algn="just">
+              <a:buFont typeface="Arial" panose="020B0604020202020204" pitchFamily="34" charset="0"/>
+              <a:buChar char="•"/>
+            </a:pPr>
+            <a:endParaRPr lang="fr-CA" dirty="0"/>
+          </a:p>
+        </p:txBody>
+      </p:sp>
+      <p:sp>
+        <p:nvSpPr>
+          <p:cNvPr id="3" name="Espace réservé du numéro de diapositive 2">
+            <a:extLst>
+              <a:ext uri="{FF2B5EF4-FFF2-40B4-BE49-F238E27FC236}">
+                <a16:creationId xmlns:a16="http://schemas.microsoft.com/office/drawing/2014/main" id="{92744A74-79D9-4D3F-9BD2-1896BFDEE026}"/>
+              </a:ext>
+            </a:extLst>
+          </p:cNvPr>
+          <p:cNvSpPr>
+            <a:spLocks noGrp="1"/>
+          </p:cNvSpPr>
+          <p:nvPr>
+            <p:ph type="sldNum" sz="quarter" idx="12"/>
+          </p:nvPr>
+        </p:nvSpPr>
+        <p:spPr/>
+        <p:txBody>
+          <a:bodyPr/>
+          <a:lstStyle/>
+          <a:p>
+            <a:fld id="{7A79C5EC-18BC-4A24-B361-A108AE58E0DA}" type="slidenum">
+              <a:rPr lang="en-CA" smtClean="0"/>
+              <a:t>13</a:t>
+            </a:fld>
+            <a:endParaRPr lang="en-CA"/>
+          </a:p>
+        </p:txBody>
+      </p:sp>
+    </p:spTree>
+    <p:extLst>
+      <p:ext uri="{BB962C8B-B14F-4D97-AF65-F5344CB8AC3E}">
+        <p14:creationId xmlns:p14="http://schemas.microsoft.com/office/powerpoint/2010/main" val="1229103947"/>
+      </p:ext>
+    </p:extLst>
+  </p:cSld>
+  <p:clrMapOvr>
+    <a:masterClrMapping/>
+  </p:clrMapOvr>
+</p:sld>
+</file>
+
+<file path=ppt/slides/slide14.xml><?xml version="1.0" encoding="utf-8"?>
+<p:sld xmlns:a="http://schemas.openxmlformats.org/drawingml/2006/main" xmlns:r="http://schemas.openxmlformats.org/officeDocument/2006/relationships" xmlns:p="http://schemas.openxmlformats.org/presentationml/2006/main">
+  <p:cSld>
+    <p:spTree>
+      <p:nvGrpSpPr>
+        <p:cNvPr id="1" name=""/>
+        <p:cNvGrpSpPr/>
+        <p:nvPr/>
+      </p:nvGrpSpPr>
+      <p:grpSpPr>
+        <a:xfrm>
+          <a:off x="0" y="0"/>
+          <a:ext cx="0" cy="0"/>
+          <a:chOff x="0" y="0"/>
+          <a:chExt cx="0" cy="0"/>
+        </a:xfrm>
+      </p:grpSpPr>
+      <p:sp>
+        <p:nvSpPr>
+          <p:cNvPr id="2" name="Titre 1">
+            <a:extLst>
+              <a:ext uri="{FF2B5EF4-FFF2-40B4-BE49-F238E27FC236}">
+                <a16:creationId xmlns:a16="http://schemas.microsoft.com/office/drawing/2014/main" id="{847B2002-85EF-4E53-BF50-1164BFEF0883}"/>
+              </a:ext>
+            </a:extLst>
+          </p:cNvPr>
+          <p:cNvSpPr>
+            <a:spLocks noGrp="1"/>
+          </p:cNvSpPr>
+          <p:nvPr>
+            <p:ph type="ctrTitle"/>
+          </p:nvPr>
+        </p:nvSpPr>
+        <p:spPr>
+          <a:xfrm>
+            <a:off x="2665412" y="444499"/>
+            <a:ext cx="7532688" cy="592609"/>
+          </a:xfrm>
+        </p:spPr>
+        <p:txBody>
+          <a:bodyPr>
+            <a:normAutofit/>
+          </a:bodyPr>
+          <a:lstStyle/>
+          <a:p>
+            <a:pPr>
+              <a:lnSpc>
+                <a:spcPct val="90000"/>
+              </a:lnSpc>
+            </a:pPr>
+            <a:r>
+              <a:rPr lang="fr-FR" sz="3100" u="sng" dirty="0">
+                <a:effectLst/>
+              </a:rPr>
+              <a:t>12. DEMOSTRATION</a:t>
+            </a:r>
+            <a:endParaRPr lang="fr-CA" sz="3100" u="sng" cap="none" dirty="0">
+              <a:latin typeface="Ebrima" panose="02000000000000000000" pitchFamily="2" charset="0"/>
+              <a:ea typeface="Ebrima" panose="02000000000000000000" pitchFamily="2" charset="0"/>
+              <a:cs typeface="Ebrima" panose="02000000000000000000" pitchFamily="2" charset="0"/>
+            </a:endParaRPr>
+          </a:p>
+        </p:txBody>
+      </p:sp>
+      <p:pic>
+        <p:nvPicPr>
+          <p:cNvPr id="6" name="Image 5">
+            <a:extLst>
+              <a:ext uri="{FF2B5EF4-FFF2-40B4-BE49-F238E27FC236}">
+                <a16:creationId xmlns:a16="http://schemas.microsoft.com/office/drawing/2014/main" id="{45D547AC-FD75-4884-8CCB-15E6D9412640}"/>
+              </a:ext>
+            </a:extLst>
+          </p:cNvPr>
+          <p:cNvPicPr>
+            <a:picLocks noChangeAspect="1"/>
+          </p:cNvPicPr>
+          <p:nvPr/>
+        </p:nvPicPr>
+        <p:blipFill>
+          <a:blip r:embed="rId2">
+            <a:extLst>
+              <a:ext uri="{28A0092B-C50C-407E-A947-70E740481C1C}">
+                <a14:useLocalDpi xmlns:a14="http://schemas.microsoft.com/office/drawing/2010/main" val="0"/>
+              </a:ext>
+            </a:extLst>
+          </a:blip>
+          <a:stretch>
+            <a:fillRect/>
+          </a:stretch>
+        </p:blipFill>
+        <p:spPr>
+          <a:xfrm>
+            <a:off x="0" y="133351"/>
+            <a:ext cx="2540000" cy="776758"/>
+          </a:xfrm>
+          <a:prstGeom prst="rect">
+            <a:avLst/>
+          </a:prstGeom>
+        </p:spPr>
+      </p:pic>
+      <p:sp>
+        <p:nvSpPr>
+          <p:cNvPr id="7" name="ZoneTexte 6">
+            <a:extLst>
+              <a:ext uri="{FF2B5EF4-FFF2-40B4-BE49-F238E27FC236}">
+                <a16:creationId xmlns:a16="http://schemas.microsoft.com/office/drawing/2014/main" id="{91FB25D9-30FE-4009-A340-75BB7ACF4219}"/>
+              </a:ext>
+            </a:extLst>
+          </p:cNvPr>
+          <p:cNvSpPr txBox="1"/>
+          <p:nvPr/>
+        </p:nvSpPr>
+        <p:spPr>
+          <a:xfrm>
+            <a:off x="584200" y="1153755"/>
+            <a:ext cx="10737850" cy="369332"/>
+          </a:xfrm>
+          <a:prstGeom prst="rect">
+            <a:avLst/>
+          </a:prstGeom>
+          <a:noFill/>
+        </p:spPr>
+        <p:txBody>
+          <a:bodyPr wrap="square" rtlCol="0">
+            <a:spAutoFit/>
+          </a:bodyPr>
+          <a:lstStyle/>
+          <a:p>
+            <a:pPr lvl="0" algn="just"/>
+            <a:r>
+              <a:rPr lang="fr-FR" dirty="0"/>
               <a:t>Link</a:t>
             </a:r>
             <a:endParaRPr lang="fr-CA" dirty="0"/>
+          </a:p>
+        </p:txBody>
+      </p:sp>
+      <p:sp>
+        <p:nvSpPr>
+          <p:cNvPr id="3" name="Espace réservé du numéro de diapositive 2">
+            <a:extLst>
+              <a:ext uri="{FF2B5EF4-FFF2-40B4-BE49-F238E27FC236}">
+                <a16:creationId xmlns:a16="http://schemas.microsoft.com/office/drawing/2014/main" id="{71116F50-7596-4FBB-A012-D38ADA80BE75}"/>
+              </a:ext>
+            </a:extLst>
+          </p:cNvPr>
+          <p:cNvSpPr>
+            <a:spLocks noGrp="1"/>
+          </p:cNvSpPr>
+          <p:nvPr>
+            <p:ph type="sldNum" sz="quarter" idx="12"/>
+          </p:nvPr>
+        </p:nvSpPr>
+        <p:spPr/>
+        <p:txBody>
+          <a:bodyPr/>
+          <a:lstStyle/>
+          <a:p>
+            <a:fld id="{7A79C5EC-18BC-4A24-B361-A108AE58E0DA}" type="slidenum">
+              <a:rPr lang="en-CA" smtClean="0"/>
+              <a:t>14</a:t>
+            </a:fld>
+            <a:endParaRPr lang="en-CA"/>
           </a:p>
         </p:txBody>
       </p:sp>
@@ -6671,7 +8090,7 @@
                 <a:ea typeface="Ebrima" panose="02000000000000000000" pitchFamily="2" charset="0"/>
                 <a:cs typeface="Ebrima" panose="02000000000000000000" pitchFamily="2" charset="0"/>
               </a:rPr>
-              <a:t>C’EST QUOI COMMUNACTION?</a:t>
+              <a:t>PLAN DE PRÉSENTATION</a:t>
             </a:r>
             <a:endParaRPr lang="en-CA" sz="3100" u="sng" cap="none" dirty="0">
               <a:latin typeface="Ebrima" panose="02000000000000000000" pitchFamily="2" charset="0"/>
@@ -6732,7 +8151,7 @@
         <p:spPr>
           <a:xfrm>
             <a:off x="908050" y="1279959"/>
-            <a:ext cx="10375900" cy="2308324"/>
+            <a:ext cx="10375900" cy="7848302"/>
           </a:xfrm>
           <a:prstGeom prst="rect">
             <a:avLst/>
@@ -6747,314 +8166,289 @@
           <a:p>
             <a:pPr algn="just"/>
             <a:r>
-              <a:rPr lang="fr-FR" dirty="0">
+              <a:rPr lang="fr-FR" sz="2400" dirty="0">
                 <a:ea typeface="Tahoma" panose="020B0604030504040204" pitchFamily="34" charset="0"/>
                 <a:cs typeface="Tahoma" panose="020B0604030504040204" pitchFamily="34" charset="0"/>
               </a:rPr>
-              <a:t>C'est une application web qui permet de faire du bénévolat et d'aider quelqu'un </a:t>
-            </a:r>
-            <a:r>
-              <a:rPr lang="fr-FR" dirty="0"/>
-              <a:t>qui a besoin d'une aide particulière, c’est-à-dire, selon une catégorie spécifique, un utilisateur souhaitant faire du bénévolat peut aider un autre utilisateur ayant besoin de ce type d’aide. Il faut juste de rédiger une publication et demander l’aide correspondante.</a:t>
+              <a:t>La présentation est divisée dans les </a:t>
+            </a:r>
+            <a:r>
+              <a:rPr lang="fr-FR" sz="2400" b="1" dirty="0">
+                <a:ea typeface="Tahoma" panose="020B0604030504040204" pitchFamily="34" charset="0"/>
+                <a:cs typeface="Tahoma" panose="020B0604030504040204" pitchFamily="34" charset="0"/>
+              </a:rPr>
+              <a:t>sujets suivants </a:t>
+            </a:r>
+            <a:r>
+              <a:rPr lang="fr-FR" sz="2400" dirty="0">
+                <a:ea typeface="Tahoma" panose="020B0604030504040204" pitchFamily="34" charset="0"/>
+                <a:cs typeface="Tahoma" panose="020B0604030504040204" pitchFamily="34" charset="0"/>
+              </a:rPr>
+              <a:t>:</a:t>
             </a:r>
           </a:p>
           <a:p>
             <a:pPr algn="just"/>
-            <a:endParaRPr lang="fr-FR" dirty="0">
+            <a:endParaRPr lang="fr-FR" sz="2400" dirty="0">
               <a:ea typeface="Tahoma" panose="020B0604030504040204" pitchFamily="34" charset="0"/>
               <a:cs typeface="Tahoma" panose="020B0604030504040204" pitchFamily="34" charset="0"/>
             </a:endParaRPr>
           </a:p>
           <a:p>
-            <a:pPr algn="just"/>
-            <a:r>
-              <a:rPr lang="fr-FR" dirty="0">
+            <a:pPr marL="457200" indent="-457200" algn="just">
+              <a:buFont typeface="+mj-lt"/>
+              <a:buAutoNum type="arabicPeriod"/>
+            </a:pPr>
+            <a:r>
+              <a:rPr lang="fr-FR" sz="2400" dirty="0">
                 <a:ea typeface="Tahoma" panose="020B0604030504040204" pitchFamily="34" charset="0"/>
                 <a:cs typeface="Tahoma" panose="020B0604030504040204" pitchFamily="34" charset="0"/>
               </a:rPr>
-              <a:t>Il s’agit d’un système de soutien communautaire dans lequel toutes les activités d’aide sont menées à titre gratuit et dans le but d’aider une personne.</a:t>
-            </a:r>
-            <a:endParaRPr lang="en-CA" dirty="0">
+              <a:t>Description de l'application WEB</a:t>
+            </a:r>
+          </a:p>
+          <a:p>
+            <a:pPr marL="457200" indent="-457200" algn="just">
+              <a:buFont typeface="+mj-lt"/>
+              <a:buAutoNum type="arabicPeriod"/>
+            </a:pPr>
+            <a:r>
+              <a:rPr lang="fr-FR" sz="2400" dirty="0">
+                <a:ea typeface="Tahoma" panose="020B0604030504040204" pitchFamily="34" charset="0"/>
+                <a:cs typeface="Tahoma" panose="020B0604030504040204" pitchFamily="34" charset="0"/>
+              </a:rPr>
+              <a:t>Contexte</a:t>
+            </a:r>
+          </a:p>
+          <a:p>
+            <a:pPr marL="457200" indent="-457200" algn="just">
+              <a:buFont typeface="+mj-lt"/>
+              <a:buAutoNum type="arabicPeriod"/>
+            </a:pPr>
+            <a:r>
+              <a:rPr lang="fr-FR" sz="2400" dirty="0">
+                <a:ea typeface="Tahoma" panose="020B0604030504040204" pitchFamily="34" charset="0"/>
+                <a:cs typeface="Tahoma" panose="020B0604030504040204" pitchFamily="34" charset="0"/>
+              </a:rPr>
+              <a:t>Identification des fonctionnalités de l'application</a:t>
+            </a:r>
+          </a:p>
+          <a:p>
+            <a:pPr marL="457200" indent="-457200" algn="just">
+              <a:buFont typeface="+mj-lt"/>
+              <a:buAutoNum type="arabicPeriod"/>
+            </a:pPr>
+            <a:r>
+              <a:rPr lang="fr-FR" sz="2400" dirty="0">
+                <a:ea typeface="Tahoma" panose="020B0604030504040204" pitchFamily="34" charset="0"/>
+                <a:cs typeface="Tahoma" panose="020B0604030504040204" pitchFamily="34" charset="0"/>
+              </a:rPr>
+              <a:t>Public ciblé de l’application</a:t>
+            </a:r>
+          </a:p>
+          <a:p>
+            <a:pPr marL="457200" indent="-457200" algn="just">
+              <a:buFont typeface="+mj-lt"/>
+              <a:buAutoNum type="arabicPeriod"/>
+            </a:pPr>
+            <a:r>
+              <a:rPr lang="fr-FR" sz="2400" dirty="0">
+                <a:ea typeface="Tahoma" panose="020B0604030504040204" pitchFamily="34" charset="0"/>
+                <a:cs typeface="Tahoma" panose="020B0604030504040204" pitchFamily="34" charset="0"/>
+              </a:rPr>
+              <a:t>Modélisation de données</a:t>
+            </a:r>
+          </a:p>
+          <a:p>
+            <a:pPr marL="457200" indent="-457200" algn="just">
+              <a:buFont typeface="+mj-lt"/>
+              <a:buAutoNum type="arabicPeriod"/>
+            </a:pPr>
+            <a:r>
+              <a:rPr lang="fr-FR" sz="2400" dirty="0">
+                <a:ea typeface="Tahoma" panose="020B0604030504040204" pitchFamily="34" charset="0"/>
+                <a:cs typeface="Tahoma" panose="020B0604030504040204" pitchFamily="34" charset="0"/>
+              </a:rPr>
+              <a:t>Outil de travail d'équipe</a:t>
+            </a:r>
+          </a:p>
+          <a:p>
+            <a:pPr marL="457200" indent="-457200" algn="just">
+              <a:buFont typeface="+mj-lt"/>
+              <a:buAutoNum type="arabicPeriod"/>
+            </a:pPr>
+            <a:r>
+              <a:rPr lang="fr-FR" sz="2400" dirty="0">
+                <a:ea typeface="Tahoma" panose="020B0604030504040204" pitchFamily="34" charset="0"/>
+                <a:cs typeface="Tahoma" panose="020B0604030504040204" pitchFamily="34" charset="0"/>
+              </a:rPr>
+              <a:t>Architecture d'application WEB</a:t>
+            </a:r>
+          </a:p>
+          <a:p>
+            <a:pPr marL="457200" indent="-457200" algn="just">
+              <a:buFont typeface="+mj-lt"/>
+              <a:buAutoNum type="arabicPeriod"/>
+            </a:pPr>
+            <a:r>
+              <a:rPr lang="fr-FR" sz="2400" dirty="0"/>
+              <a:t>Utilisation de </a:t>
+            </a:r>
+            <a:r>
+              <a:rPr lang="fr-FR" sz="2400" dirty="0" err="1"/>
+              <a:t>css</a:t>
+            </a:r>
+            <a:r>
+              <a:rPr lang="fr-FR" sz="2400" dirty="0"/>
+              <a:t> et de </a:t>
+            </a:r>
+            <a:r>
+              <a:rPr lang="fr-FR" sz="2400" dirty="0" err="1"/>
+              <a:t>bootstrap</a:t>
+            </a:r>
+            <a:r>
+              <a:rPr lang="fr-FR" sz="2400" dirty="0">
+                <a:ea typeface="Tahoma" panose="020B0604030504040204" pitchFamily="34" charset="0"/>
+                <a:cs typeface="Tahoma" panose="020B0604030504040204" pitchFamily="34" charset="0"/>
+              </a:rPr>
+              <a:t> – Exemples</a:t>
+            </a:r>
+          </a:p>
+          <a:p>
+            <a:pPr marL="457200" indent="-457200" algn="just">
+              <a:buFont typeface="+mj-lt"/>
+              <a:buAutoNum type="arabicPeriod"/>
+            </a:pPr>
+            <a:r>
+              <a:rPr lang="fr-FR" sz="2400" dirty="0"/>
+              <a:t>Utilisation de javascript et ajax – Exemples</a:t>
+            </a:r>
+          </a:p>
+          <a:p>
+            <a:pPr marL="457200" indent="-457200" algn="just">
+              <a:buFont typeface="+mj-lt"/>
+              <a:buAutoNum type="arabicPeriod"/>
+            </a:pPr>
+            <a:r>
+              <a:rPr lang="fr-FR" sz="2400" dirty="0"/>
+              <a:t>Problèmes et solutions liés au développement de l’application</a:t>
+            </a:r>
+          </a:p>
+          <a:p>
+            <a:pPr marL="457200" indent="-457200" algn="just">
+              <a:buFont typeface="+mj-lt"/>
+              <a:buAutoNum type="arabicPeriod"/>
+            </a:pPr>
+            <a:r>
+              <a:rPr lang="fr-FR" sz="2400" dirty="0"/>
+              <a:t>Conclusions et perspectives</a:t>
+            </a:r>
+          </a:p>
+          <a:p>
+            <a:pPr marL="457200" indent="-457200" algn="just">
+              <a:buFont typeface="+mj-lt"/>
+              <a:buAutoNum type="arabicPeriod"/>
+            </a:pPr>
+            <a:r>
+              <a:rPr lang="fr-FR" sz="2400" dirty="0"/>
+              <a:t>Démonstration</a:t>
+            </a:r>
+          </a:p>
+          <a:p>
+            <a:pPr marL="285750" indent="-285750" algn="just">
+              <a:buFontTx/>
+              <a:buChar char="-"/>
+            </a:pPr>
+            <a:endParaRPr lang="fr-FR" sz="2400" dirty="0"/>
+          </a:p>
+          <a:p>
+            <a:pPr marL="285750" indent="-285750" algn="just">
+              <a:buFontTx/>
+              <a:buChar char="-"/>
+            </a:pPr>
+            <a:endParaRPr lang="fr-FR" sz="2400" dirty="0">
               <a:ea typeface="Tahoma" panose="020B0604030504040204" pitchFamily="34" charset="0"/>
               <a:cs typeface="Tahoma" panose="020B0604030504040204" pitchFamily="34" charset="0"/>
             </a:endParaRPr>
           </a:p>
           <a:p>
-            <a:pPr algn="just"/>
-            <a:endParaRPr lang="en-CA" dirty="0"/>
-          </a:p>
-        </p:txBody>
-      </p:sp>
-      <p:pic>
-        <p:nvPicPr>
-          <p:cNvPr id="14" name="Image 13">
+            <a:pPr marL="285750" indent="-285750" algn="just">
+              <a:buFontTx/>
+              <a:buChar char="-"/>
+            </a:pPr>
+            <a:endParaRPr lang="fr-FR" sz="2400" dirty="0">
+              <a:ea typeface="Tahoma" panose="020B0604030504040204" pitchFamily="34" charset="0"/>
+              <a:cs typeface="Tahoma" panose="020B0604030504040204" pitchFamily="34" charset="0"/>
+            </a:endParaRPr>
+          </a:p>
+          <a:p>
+            <a:pPr marL="285750" indent="-285750" algn="just">
+              <a:buFontTx/>
+              <a:buChar char="-"/>
+            </a:pPr>
+            <a:endParaRPr lang="fr-FR" sz="2400" dirty="0">
+              <a:ea typeface="Tahoma" panose="020B0604030504040204" pitchFamily="34" charset="0"/>
+              <a:cs typeface="Tahoma" panose="020B0604030504040204" pitchFamily="34" charset="0"/>
+            </a:endParaRPr>
+          </a:p>
+          <a:p>
+            <a:pPr marL="285750" indent="-285750" algn="just">
+              <a:buFontTx/>
+              <a:buChar char="-"/>
+            </a:pPr>
+            <a:endParaRPr lang="fr-FR" sz="2400" dirty="0">
+              <a:ea typeface="Tahoma" panose="020B0604030504040204" pitchFamily="34" charset="0"/>
+              <a:cs typeface="Tahoma" panose="020B0604030504040204" pitchFamily="34" charset="0"/>
+            </a:endParaRPr>
+          </a:p>
+          <a:p>
+            <a:pPr marL="285750" indent="-285750" algn="just">
+              <a:buFontTx/>
+              <a:buChar char="-"/>
+            </a:pPr>
+            <a:endParaRPr lang="fr-FR" sz="2400" dirty="0">
+              <a:ea typeface="Tahoma" panose="020B0604030504040204" pitchFamily="34" charset="0"/>
+              <a:cs typeface="Tahoma" panose="020B0604030504040204" pitchFamily="34" charset="0"/>
+            </a:endParaRPr>
+          </a:p>
+          <a:p>
+            <a:pPr marL="285750" indent="-285750" algn="just">
+              <a:buFontTx/>
+              <a:buChar char="-"/>
+            </a:pPr>
+            <a:endParaRPr lang="en-CA" sz="2400" dirty="0"/>
+          </a:p>
+        </p:txBody>
+      </p:sp>
+      <p:sp>
+        <p:nvSpPr>
+          <p:cNvPr id="3" name="Espace réservé du numéro de diapositive 2">
             <a:extLst>
               <a:ext uri="{FF2B5EF4-FFF2-40B4-BE49-F238E27FC236}">
-                <a16:creationId xmlns:a16="http://schemas.microsoft.com/office/drawing/2014/main" id="{A8283403-4B3E-4BDD-BA55-AED6BD30D24A}"/>
+                <a16:creationId xmlns:a16="http://schemas.microsoft.com/office/drawing/2014/main" id="{82BE3105-284A-4361-9E53-019FD39FBCAD}"/>
               </a:ext>
             </a:extLst>
           </p:cNvPr>
-          <p:cNvPicPr>
-            <a:picLocks noChangeAspect="1"/>
-          </p:cNvPicPr>
-          <p:nvPr/>
-        </p:nvPicPr>
-        <p:blipFill>
-          <a:blip r:embed="rId4"/>
-          <a:stretch>
-            <a:fillRect/>
-          </a:stretch>
-        </p:blipFill>
-        <p:spPr>
-          <a:xfrm>
-            <a:off x="562178" y="3625180"/>
-            <a:ext cx="1454599" cy="1795853"/>
-          </a:xfrm>
-          <a:prstGeom prst="rect">
-            <a:avLst/>
-          </a:prstGeom>
-        </p:spPr>
-      </p:pic>
-      <p:pic>
-        <p:nvPicPr>
-          <p:cNvPr id="15" name="Image 14">
-            <a:extLst>
-              <a:ext uri="{FF2B5EF4-FFF2-40B4-BE49-F238E27FC236}">
-                <a16:creationId xmlns:a16="http://schemas.microsoft.com/office/drawing/2014/main" id="{708FD9AC-12FA-4620-9ABC-5C18D9646232}"/>
-              </a:ext>
-            </a:extLst>
-          </p:cNvPr>
-          <p:cNvPicPr>
-            <a:picLocks noChangeAspect="1"/>
-          </p:cNvPicPr>
-          <p:nvPr/>
-        </p:nvPicPr>
-        <p:blipFill>
-          <a:blip r:embed="rId5"/>
-          <a:stretch>
-            <a:fillRect/>
-          </a:stretch>
-        </p:blipFill>
-        <p:spPr>
-          <a:xfrm>
-            <a:off x="2867181" y="3687799"/>
-            <a:ext cx="1416654" cy="1625600"/>
-          </a:xfrm>
-          <a:prstGeom prst="rect">
-            <a:avLst/>
-          </a:prstGeom>
-        </p:spPr>
-      </p:pic>
-      <p:pic>
-        <p:nvPicPr>
-          <p:cNvPr id="16" name="Image 15">
-            <a:extLst>
-              <a:ext uri="{FF2B5EF4-FFF2-40B4-BE49-F238E27FC236}">
-                <a16:creationId xmlns:a16="http://schemas.microsoft.com/office/drawing/2014/main" id="{A34CEF4D-666E-41B4-B2D5-5690F6FD0343}"/>
-              </a:ext>
-            </a:extLst>
-          </p:cNvPr>
-          <p:cNvPicPr>
-            <a:picLocks noChangeAspect="1"/>
-          </p:cNvPicPr>
-          <p:nvPr/>
-        </p:nvPicPr>
-        <p:blipFill>
-          <a:blip r:embed="rId6"/>
-          <a:stretch>
-            <a:fillRect/>
-          </a:stretch>
-        </p:blipFill>
-        <p:spPr>
-          <a:xfrm>
-            <a:off x="4038392" y="5242662"/>
-            <a:ext cx="1776703" cy="1425761"/>
-          </a:xfrm>
-          <a:prstGeom prst="rect">
-            <a:avLst/>
-          </a:prstGeom>
-        </p:spPr>
-      </p:pic>
-      <p:pic>
-        <p:nvPicPr>
-          <p:cNvPr id="17" name="Image 16">
-            <a:extLst>
-              <a:ext uri="{FF2B5EF4-FFF2-40B4-BE49-F238E27FC236}">
-                <a16:creationId xmlns:a16="http://schemas.microsoft.com/office/drawing/2014/main" id="{EB473C96-26A7-448B-B5D7-06091DDF2585}"/>
-              </a:ext>
-            </a:extLst>
-          </p:cNvPr>
-          <p:cNvPicPr>
-            <a:picLocks noChangeAspect="1"/>
-          </p:cNvPicPr>
-          <p:nvPr/>
-        </p:nvPicPr>
-        <p:blipFill>
-          <a:blip r:embed="rId7"/>
-          <a:stretch>
-            <a:fillRect/>
-          </a:stretch>
-        </p:blipFill>
-        <p:spPr>
-          <a:xfrm>
-            <a:off x="10748844" y="3297449"/>
-            <a:ext cx="968222" cy="1931094"/>
-          </a:xfrm>
-          <a:prstGeom prst="rect">
-            <a:avLst/>
-          </a:prstGeom>
-        </p:spPr>
-      </p:pic>
-      <p:pic>
-        <p:nvPicPr>
-          <p:cNvPr id="18" name="Image 17">
-            <a:extLst>
-              <a:ext uri="{FF2B5EF4-FFF2-40B4-BE49-F238E27FC236}">
-                <a16:creationId xmlns:a16="http://schemas.microsoft.com/office/drawing/2014/main" id="{7FE01B9C-DE9C-4F06-8C6E-055C557AC176}"/>
-              </a:ext>
-            </a:extLst>
-          </p:cNvPr>
-          <p:cNvPicPr>
-            <a:picLocks noChangeAspect="1"/>
-          </p:cNvPicPr>
-          <p:nvPr/>
-        </p:nvPicPr>
-        <p:blipFill>
-          <a:blip r:embed="rId8"/>
-          <a:stretch>
-            <a:fillRect/>
-          </a:stretch>
-        </p:blipFill>
-        <p:spPr>
-          <a:xfrm>
-            <a:off x="5526206" y="3517546"/>
-            <a:ext cx="1453407" cy="1795853"/>
-          </a:xfrm>
-          <a:prstGeom prst="rect">
-            <a:avLst/>
-          </a:prstGeom>
-        </p:spPr>
-      </p:pic>
-      <p:pic>
-        <p:nvPicPr>
-          <p:cNvPr id="19" name="Image 18">
-            <a:extLst>
-              <a:ext uri="{FF2B5EF4-FFF2-40B4-BE49-F238E27FC236}">
-                <a16:creationId xmlns:a16="http://schemas.microsoft.com/office/drawing/2014/main" id="{79FBD1E3-F7CD-4456-8A6B-43D1423FAD9D}"/>
-              </a:ext>
-            </a:extLst>
-          </p:cNvPr>
-          <p:cNvPicPr>
-            <a:picLocks noChangeAspect="1"/>
-          </p:cNvPicPr>
-          <p:nvPr/>
-        </p:nvPicPr>
-        <p:blipFill>
-          <a:blip r:embed="rId9"/>
-          <a:stretch>
-            <a:fillRect/>
-          </a:stretch>
-        </p:blipFill>
-        <p:spPr>
-          <a:xfrm>
-            <a:off x="1762593" y="5228543"/>
-            <a:ext cx="1278871" cy="1449387"/>
-          </a:xfrm>
-          <a:prstGeom prst="rect">
-            <a:avLst/>
-          </a:prstGeom>
-        </p:spPr>
-      </p:pic>
-      <p:pic>
-        <p:nvPicPr>
-          <p:cNvPr id="20" name="Image 19">
-            <a:extLst>
-              <a:ext uri="{FF2B5EF4-FFF2-40B4-BE49-F238E27FC236}">
-                <a16:creationId xmlns:a16="http://schemas.microsoft.com/office/drawing/2014/main" id="{4051ADFE-A055-4A8D-8ED0-10FC57F922E8}"/>
-              </a:ext>
-            </a:extLst>
-          </p:cNvPr>
-          <p:cNvPicPr>
-            <a:picLocks noChangeAspect="1"/>
-          </p:cNvPicPr>
-          <p:nvPr/>
-        </p:nvPicPr>
-        <p:blipFill>
-          <a:blip r:embed="rId10"/>
-          <a:stretch>
-            <a:fillRect/>
-          </a:stretch>
-        </p:blipFill>
-        <p:spPr>
-          <a:xfrm>
-            <a:off x="6861262" y="4910137"/>
-            <a:ext cx="1810412" cy="1687512"/>
-          </a:xfrm>
-          <a:prstGeom prst="rect">
-            <a:avLst/>
-          </a:prstGeom>
-        </p:spPr>
-      </p:pic>
-      <p:pic>
-        <p:nvPicPr>
-          <p:cNvPr id="21" name="Image 20">
-            <a:extLst>
-              <a:ext uri="{FF2B5EF4-FFF2-40B4-BE49-F238E27FC236}">
-                <a16:creationId xmlns:a16="http://schemas.microsoft.com/office/drawing/2014/main" id="{7AD9136E-425C-4E23-9D49-D234E24E20AD}"/>
-              </a:ext>
-            </a:extLst>
-          </p:cNvPr>
-          <p:cNvPicPr>
-            <a:picLocks noChangeAspect="1"/>
-          </p:cNvPicPr>
-          <p:nvPr/>
-        </p:nvPicPr>
-        <p:blipFill>
-          <a:blip r:embed="rId11"/>
-          <a:stretch>
-            <a:fillRect/>
-          </a:stretch>
-        </p:blipFill>
-        <p:spPr>
-          <a:xfrm>
-            <a:off x="8118286" y="3687799"/>
-            <a:ext cx="1537885" cy="1657859"/>
-          </a:xfrm>
-          <a:prstGeom prst="rect">
-            <a:avLst/>
-          </a:prstGeom>
-        </p:spPr>
-      </p:pic>
-      <p:pic>
-        <p:nvPicPr>
-          <p:cNvPr id="22" name="Image 21">
-            <a:extLst>
-              <a:ext uri="{FF2B5EF4-FFF2-40B4-BE49-F238E27FC236}">
-                <a16:creationId xmlns:a16="http://schemas.microsoft.com/office/drawing/2014/main" id="{2EB9E1C1-6649-45EF-9546-D4FFA8FDFB96}"/>
-              </a:ext>
-            </a:extLst>
-          </p:cNvPr>
-          <p:cNvPicPr>
-            <a:picLocks noChangeAspect="1"/>
-          </p:cNvPicPr>
-          <p:nvPr/>
-        </p:nvPicPr>
-        <p:blipFill>
-          <a:blip r:embed="rId12"/>
-          <a:stretch>
-            <a:fillRect/>
-          </a:stretch>
-        </p:blipFill>
-        <p:spPr>
-          <a:xfrm>
-            <a:off x="9418579" y="5159845"/>
-            <a:ext cx="1671679" cy="1398054"/>
-          </a:xfrm>
-          <a:prstGeom prst="rect">
-            <a:avLst/>
-          </a:prstGeom>
-        </p:spPr>
-      </p:pic>
+          <p:cNvSpPr>
+            <a:spLocks noGrp="1"/>
+          </p:cNvSpPr>
+          <p:nvPr>
+            <p:ph type="sldNum" sz="quarter" idx="12"/>
+          </p:nvPr>
+        </p:nvSpPr>
+        <p:spPr/>
+        <p:txBody>
+          <a:bodyPr/>
+          <a:lstStyle/>
+          <a:p>
+            <a:fld id="{7A79C5EC-18BC-4A24-B361-A108AE58E0DA}" type="slidenum">
+              <a:rPr lang="en-CA" smtClean="0"/>
+              <a:t>2</a:t>
+            </a:fld>
+            <a:endParaRPr lang="en-CA"/>
+          </a:p>
+        </p:txBody>
+      </p:sp>
     </p:spTree>
     <p:extLst>
       <p:ext uri="{BB962C8B-B14F-4D97-AF65-F5344CB8AC3E}">
@@ -7071,6 +8465,29 @@
 <file path=ppt/slides/slide3.xml><?xml version="1.0" encoding="utf-8"?>
 <p:sld xmlns:a="http://schemas.openxmlformats.org/drawingml/2006/main" xmlns:r="http://schemas.openxmlformats.org/officeDocument/2006/relationships" xmlns:p="http://schemas.openxmlformats.org/presentationml/2006/main">
   <p:cSld>
+    <p:bg>
+      <p:bgPr>
+        <a:blipFill rotWithShape="1">
+          <a:blip r:embed="rId2">
+            <a:duotone>
+              <a:schemeClr val="bg2">
+                <a:shade val="28000"/>
+                <a:satMod val="94000"/>
+                <a:lumMod val="20000"/>
+              </a:schemeClr>
+              <a:schemeClr val="bg2">
+                <a:tint val="94000"/>
+                <a:shade val="84000"/>
+                <a:satMod val="148000"/>
+                <a:lumMod val="114000"/>
+              </a:schemeClr>
+            </a:duotone>
+          </a:blip>
+          <a:stretch/>
+        </a:blipFill>
+        <a:effectLst/>
+      </p:bgPr>
+    </p:bg>
     <p:spTree>
       <p:nvGrpSpPr>
         <p:cNvPr id="1" name=""/>
@@ -7104,12 +8521,12 @@
         <p:spPr>
           <a:xfrm>
             <a:off x="2665412" y="260351"/>
-            <a:ext cx="9221788" cy="776758"/>
+            <a:ext cx="7291388" cy="776758"/>
           </a:xfrm>
         </p:spPr>
         <p:txBody>
           <a:bodyPr>
-            <a:normAutofit fontScale="90000"/>
+            <a:normAutofit/>
           </a:bodyPr>
           <a:lstStyle/>
           <a:p>
@@ -7119,14 +8536,14 @@
               </a:lnSpc>
             </a:pPr>
             <a:r>
-              <a:rPr lang="fr-FR" sz="3400" u="sng" cap="none" dirty="0">
+              <a:rPr lang="fr-FR" sz="3100" u="sng" cap="none" dirty="0">
                 <a:latin typeface="Ebrima" panose="02000000000000000000" pitchFamily="2" charset="0"/>
                 <a:ea typeface="Ebrima" panose="02000000000000000000" pitchFamily="2" charset="0"/>
                 <a:cs typeface="Ebrima" panose="02000000000000000000" pitchFamily="2" charset="0"/>
               </a:rPr>
-              <a:t>IDENTIFICATION DES FONCTIONNALITÉS DU PAGE</a:t>
-            </a:r>
-            <a:endParaRPr lang="en-CA" sz="3400" u="sng" cap="none" dirty="0">
+              <a:t>1. C’EST QUOI COMMUNACTION?</a:t>
+            </a:r>
+            <a:endParaRPr lang="en-CA" sz="3100" u="sng" cap="none" dirty="0">
               <a:latin typeface="Ebrima" panose="02000000000000000000" pitchFamily="2" charset="0"/>
               <a:ea typeface="Ebrima" panose="02000000000000000000" pitchFamily="2" charset="0"/>
               <a:cs typeface="Ebrima" panose="02000000000000000000" pitchFamily="2" charset="0"/>
@@ -7140,42 +8557,6 @@
             <a:extLst>
               <a:ext uri="{FF2B5EF4-FFF2-40B4-BE49-F238E27FC236}">
                 <a16:creationId xmlns:a16="http://schemas.microsoft.com/office/drawing/2014/main" id="{45D547AC-FD75-4884-8CCB-15E6D9412640}"/>
-              </a:ext>
-            </a:extLst>
-          </p:cNvPr>
-          <p:cNvPicPr>
-            <a:picLocks noChangeAspect="1"/>
-          </p:cNvPicPr>
-          <p:nvPr/>
-        </p:nvPicPr>
-        <p:blipFill>
-          <a:blip r:embed="rId2">
-            <a:extLst>
-              <a:ext uri="{28A0092B-C50C-407E-A947-70E740481C1C}">
-                <a14:useLocalDpi xmlns:a14="http://schemas.microsoft.com/office/drawing/2010/main" val="0"/>
-              </a:ext>
-            </a:extLst>
-          </a:blip>
-          <a:stretch>
-            <a:fillRect/>
-          </a:stretch>
-        </p:blipFill>
-        <p:spPr>
-          <a:xfrm>
-            <a:off x="0" y="133351"/>
-            <a:ext cx="2540000" cy="776758"/>
-          </a:xfrm>
-          <a:prstGeom prst="rect">
-            <a:avLst/>
-          </a:prstGeom>
-        </p:spPr>
-      </p:pic>
-      <p:pic>
-        <p:nvPicPr>
-          <p:cNvPr id="5" name="Image 4">
-            <a:extLst>
-              <a:ext uri="{FF2B5EF4-FFF2-40B4-BE49-F238E27FC236}">
-                <a16:creationId xmlns:a16="http://schemas.microsoft.com/office/drawing/2014/main" id="{5F93B43B-6A13-4679-9256-D33D76750887}"/>
               </a:ext>
             </a:extLst>
           </p:cNvPr>
@@ -7197,21 +8578,104 @@
           </a:stretch>
         </p:blipFill>
         <p:spPr>
-          <a:xfrm rot="1512678">
-            <a:off x="10149076" y="1781552"/>
-            <a:ext cx="1738124" cy="1294348"/>
+          <a:xfrm>
+            <a:off x="0" y="133351"/>
+            <a:ext cx="2540000" cy="776758"/>
           </a:xfrm>
           <a:prstGeom prst="rect">
             <a:avLst/>
           </a:prstGeom>
         </p:spPr>
       </p:pic>
+      <p:sp>
+        <p:nvSpPr>
+          <p:cNvPr id="11" name="ZoneTexte 10">
+            <a:extLst>
+              <a:ext uri="{FF2B5EF4-FFF2-40B4-BE49-F238E27FC236}">
+                <a16:creationId xmlns:a16="http://schemas.microsoft.com/office/drawing/2014/main" id="{2A9D3AE3-8A5D-42DA-AE55-24657E616430}"/>
+              </a:ext>
+            </a:extLst>
+          </p:cNvPr>
+          <p:cNvSpPr txBox="1"/>
+          <p:nvPr/>
+        </p:nvSpPr>
+        <p:spPr>
+          <a:xfrm>
+            <a:off x="908050" y="1279959"/>
+            <a:ext cx="10375900" cy="2308324"/>
+          </a:xfrm>
+          <a:prstGeom prst="rect">
+            <a:avLst/>
+          </a:prstGeom>
+          <a:noFill/>
+        </p:spPr>
+        <p:txBody>
+          <a:bodyPr wrap="square" rtlCol="0">
+            <a:spAutoFit/>
+          </a:bodyPr>
+          <a:lstStyle/>
+          <a:p>
+            <a:pPr algn="just"/>
+            <a:r>
+              <a:rPr lang="fr-FR" dirty="0">
+                <a:ea typeface="Tahoma" panose="020B0604030504040204" pitchFamily="34" charset="0"/>
+                <a:cs typeface="Tahoma" panose="020B0604030504040204" pitchFamily="34" charset="0"/>
+              </a:rPr>
+              <a:t>C'est une application web qui permet de </a:t>
+            </a:r>
+            <a:r>
+              <a:rPr lang="fr-FR" b="1" dirty="0">
+                <a:ea typeface="Tahoma" panose="020B0604030504040204" pitchFamily="34" charset="0"/>
+                <a:cs typeface="Tahoma" panose="020B0604030504040204" pitchFamily="34" charset="0"/>
+              </a:rPr>
+              <a:t>faire du bénévolat et d'aider quelqu'un </a:t>
+            </a:r>
+            <a:r>
+              <a:rPr lang="fr-FR" dirty="0"/>
+              <a:t>qui a besoin d'une aide particulière, c’est-à-dire, selon une catégorie spécifique, un utilisateur souhaitant faire du bénévolat peut aider un autre utilisateur ayant besoin de ce type d’aide. Il faut juste de rédiger une publication et </a:t>
+            </a:r>
+            <a:r>
+              <a:rPr lang="fr-FR" b="1" dirty="0"/>
+              <a:t>demander l’aide correspondante</a:t>
+            </a:r>
+            <a:r>
+              <a:rPr lang="fr-FR" dirty="0"/>
+              <a:t>.</a:t>
+            </a:r>
+          </a:p>
+          <a:p>
+            <a:pPr algn="just"/>
+            <a:endParaRPr lang="fr-FR" dirty="0">
+              <a:ea typeface="Tahoma" panose="020B0604030504040204" pitchFamily="34" charset="0"/>
+              <a:cs typeface="Tahoma" panose="020B0604030504040204" pitchFamily="34" charset="0"/>
+            </a:endParaRPr>
+          </a:p>
+          <a:p>
+            <a:pPr algn="just"/>
+            <a:r>
+              <a:rPr lang="fr-FR" dirty="0">
+                <a:ea typeface="Tahoma" panose="020B0604030504040204" pitchFamily="34" charset="0"/>
+                <a:cs typeface="Tahoma" panose="020B0604030504040204" pitchFamily="34" charset="0"/>
+              </a:rPr>
+              <a:t>Il s’agit d’un système de soutien communautaire dans lequel toutes les activités d’aide sont menées à titre gratuit et dans le but d’aider une personne.</a:t>
+            </a:r>
+            <a:endParaRPr lang="en-CA" dirty="0">
+              <a:ea typeface="Tahoma" panose="020B0604030504040204" pitchFamily="34" charset="0"/>
+              <a:cs typeface="Tahoma" panose="020B0604030504040204" pitchFamily="34" charset="0"/>
+            </a:endParaRPr>
+          </a:p>
+          <a:p>
+            <a:pPr algn="just"/>
+            <a:endParaRPr lang="en-CA" dirty="0"/>
+          </a:p>
+        </p:txBody>
+      </p:sp>
       <p:pic>
         <p:nvPicPr>
-          <p:cNvPr id="8" name="Image 7">
+          <p:cNvPr id="14" name="Image 13">
             <a:extLst>
               <a:ext uri="{FF2B5EF4-FFF2-40B4-BE49-F238E27FC236}">
-                <a16:creationId xmlns:a16="http://schemas.microsoft.com/office/drawing/2014/main" id="{1678EAF0-D55A-4C9E-979D-A79B28F8BB5A}"/>
+                <a16:creationId xmlns:a16="http://schemas.microsoft.com/office/drawing/2014/main" id="{A8283403-4B3E-4BDD-BA55-AED6BD30D24A}"/>
               </a:ext>
             </a:extLst>
           </p:cNvPr>
@@ -7221,21 +8685,15 @@
           <p:nvPr/>
         </p:nvPicPr>
         <p:blipFill>
-          <a:blip r:embed="rId4">
-            <a:extLst>
-              <a:ext uri="{28A0092B-C50C-407E-A947-70E740481C1C}">
-                <a14:useLocalDpi xmlns:a14="http://schemas.microsoft.com/office/drawing/2010/main" val="0"/>
-              </a:ext>
-            </a:extLst>
-          </a:blip>
+          <a:blip r:embed="rId4"/>
           <a:stretch>
             <a:fillRect/>
           </a:stretch>
         </p:blipFill>
         <p:spPr>
-          <a:xfrm rot="20442954">
-            <a:off x="140657" y="1775967"/>
-            <a:ext cx="1750441" cy="1303520"/>
+          <a:xfrm>
+            <a:off x="562178" y="3625180"/>
+            <a:ext cx="1454599" cy="1795853"/>
           </a:xfrm>
           <a:prstGeom prst="rect">
             <a:avLst/>
@@ -7244,10 +8702,10 @@
       </p:pic>
       <p:pic>
         <p:nvPicPr>
-          <p:cNvPr id="10" name="Image 9">
+          <p:cNvPr id="15" name="Image 14">
             <a:extLst>
               <a:ext uri="{FF2B5EF4-FFF2-40B4-BE49-F238E27FC236}">
-                <a16:creationId xmlns:a16="http://schemas.microsoft.com/office/drawing/2014/main" id="{0328837E-D733-42C0-AABA-65225BB0F698}"/>
+                <a16:creationId xmlns:a16="http://schemas.microsoft.com/office/drawing/2014/main" id="{708FD9AC-12FA-4620-9ABC-5C18D9646232}"/>
               </a:ext>
             </a:extLst>
           </p:cNvPr>
@@ -7257,21 +8715,15 @@
           <p:nvPr/>
         </p:nvPicPr>
         <p:blipFill>
-          <a:blip r:embed="rId5">
-            <a:extLst>
-              <a:ext uri="{28A0092B-C50C-407E-A947-70E740481C1C}">
-                <a14:useLocalDpi xmlns:a14="http://schemas.microsoft.com/office/drawing/2010/main" val="0"/>
-              </a:ext>
-            </a:extLst>
-          </a:blip>
+          <a:blip r:embed="rId5"/>
           <a:stretch>
             <a:fillRect/>
           </a:stretch>
         </p:blipFill>
         <p:spPr>
           <a:xfrm>
-            <a:off x="8203141" y="5308500"/>
-            <a:ext cx="1866591" cy="1390015"/>
+            <a:off x="2867181" y="3687799"/>
+            <a:ext cx="1416654" cy="1625600"/>
           </a:xfrm>
           <a:prstGeom prst="rect">
             <a:avLst/>
@@ -7280,10 +8732,10 @@
       </p:pic>
       <p:pic>
         <p:nvPicPr>
-          <p:cNvPr id="12" name="Image 11">
+          <p:cNvPr id="16" name="Image 15">
             <a:extLst>
               <a:ext uri="{FF2B5EF4-FFF2-40B4-BE49-F238E27FC236}">
-                <a16:creationId xmlns:a16="http://schemas.microsoft.com/office/drawing/2014/main" id="{6C63FD2B-36E5-47BE-A6BD-66A4167C7A55}"/>
+                <a16:creationId xmlns:a16="http://schemas.microsoft.com/office/drawing/2014/main" id="{A34CEF4D-666E-41B4-B2D5-5690F6FD0343}"/>
               </a:ext>
             </a:extLst>
           </p:cNvPr>
@@ -7293,21 +8745,15 @@
           <p:nvPr/>
         </p:nvPicPr>
         <p:blipFill>
-          <a:blip r:embed="rId6">
-            <a:extLst>
-              <a:ext uri="{28A0092B-C50C-407E-A947-70E740481C1C}">
-                <a14:useLocalDpi xmlns:a14="http://schemas.microsoft.com/office/drawing/2010/main" val="0"/>
-              </a:ext>
-            </a:extLst>
-          </a:blip>
+          <a:blip r:embed="rId6"/>
           <a:stretch>
             <a:fillRect/>
           </a:stretch>
         </p:blipFill>
         <p:spPr>
           <a:xfrm>
-            <a:off x="394231" y="3932937"/>
-            <a:ext cx="1614497" cy="1485681"/>
+            <a:off x="4038392" y="5242662"/>
+            <a:ext cx="1776703" cy="1425761"/>
           </a:xfrm>
           <a:prstGeom prst="rect">
             <a:avLst/>
@@ -7316,10 +8762,10 @@
       </p:pic>
       <p:pic>
         <p:nvPicPr>
-          <p:cNvPr id="14" name="Image 13">
+          <p:cNvPr id="17" name="Image 16">
             <a:extLst>
               <a:ext uri="{FF2B5EF4-FFF2-40B4-BE49-F238E27FC236}">
-                <a16:creationId xmlns:a16="http://schemas.microsoft.com/office/drawing/2014/main" id="{C2E6D974-8439-4A20-B673-B14110C19F75}"/>
+                <a16:creationId xmlns:a16="http://schemas.microsoft.com/office/drawing/2014/main" id="{EB473C96-26A7-448B-B5D7-06091DDF2585}"/>
               </a:ext>
             </a:extLst>
           </p:cNvPr>
@@ -7329,21 +8775,15 @@
           <p:nvPr/>
         </p:nvPicPr>
         <p:blipFill>
-          <a:blip r:embed="rId7">
-            <a:extLst>
-              <a:ext uri="{28A0092B-C50C-407E-A947-70E740481C1C}">
-                <a14:useLocalDpi xmlns:a14="http://schemas.microsoft.com/office/drawing/2010/main" val="0"/>
-              </a:ext>
-            </a:extLst>
-          </a:blip>
+          <a:blip r:embed="rId7"/>
           <a:stretch>
             <a:fillRect/>
           </a:stretch>
         </p:blipFill>
         <p:spPr>
-          <a:xfrm rot="20675743">
-            <a:off x="10600471" y="2763715"/>
-            <a:ext cx="1185518" cy="1485681"/>
+          <a:xfrm>
+            <a:off x="10748844" y="3297449"/>
+            <a:ext cx="968222" cy="1931094"/>
           </a:xfrm>
           <a:prstGeom prst="rect">
             <a:avLst/>
@@ -7352,10 +8792,10 @@
       </p:pic>
       <p:pic>
         <p:nvPicPr>
-          <p:cNvPr id="16" name="Image 15">
+          <p:cNvPr id="18" name="Image 17">
             <a:extLst>
               <a:ext uri="{FF2B5EF4-FFF2-40B4-BE49-F238E27FC236}">
-                <a16:creationId xmlns:a16="http://schemas.microsoft.com/office/drawing/2014/main" id="{2E2A93CD-5150-4819-BE10-6868274EBB4D}"/>
+                <a16:creationId xmlns:a16="http://schemas.microsoft.com/office/drawing/2014/main" id="{7FE01B9C-DE9C-4F06-8C6E-055C557AC176}"/>
               </a:ext>
             </a:extLst>
           </p:cNvPr>
@@ -7365,21 +8805,15 @@
           <p:nvPr/>
         </p:nvPicPr>
         <p:blipFill>
-          <a:blip r:embed="rId8">
-            <a:extLst>
-              <a:ext uri="{28A0092B-C50C-407E-A947-70E740481C1C}">
-                <a14:useLocalDpi xmlns:a14="http://schemas.microsoft.com/office/drawing/2010/main" val="0"/>
-              </a:ext>
-            </a:extLst>
-          </a:blip>
+          <a:blip r:embed="rId8"/>
           <a:stretch>
             <a:fillRect/>
           </a:stretch>
         </p:blipFill>
         <p:spPr>
-          <a:xfrm rot="1097104">
-            <a:off x="9678615" y="4045217"/>
-            <a:ext cx="1856919" cy="1708760"/>
+          <a:xfrm>
+            <a:off x="5526206" y="3517546"/>
+            <a:ext cx="1453407" cy="1795853"/>
           </a:xfrm>
           <a:prstGeom prst="rect">
             <a:avLst/>
@@ -7388,10 +8822,10 @@
       </p:pic>
       <p:pic>
         <p:nvPicPr>
-          <p:cNvPr id="18" name="Image 17">
+          <p:cNvPr id="19" name="Image 18">
             <a:extLst>
               <a:ext uri="{FF2B5EF4-FFF2-40B4-BE49-F238E27FC236}">
-                <a16:creationId xmlns:a16="http://schemas.microsoft.com/office/drawing/2014/main" id="{1A00E8A8-2B1D-48CA-BC45-287084143CA1}"/>
+                <a16:creationId xmlns:a16="http://schemas.microsoft.com/office/drawing/2014/main" id="{79FBD1E3-F7CD-4456-8A6B-43D1423FAD9D}"/>
               </a:ext>
             </a:extLst>
           </p:cNvPr>
@@ -7401,21 +8835,15 @@
           <p:nvPr/>
         </p:nvPicPr>
         <p:blipFill>
-          <a:blip r:embed="rId9">
-            <a:extLst>
-              <a:ext uri="{28A0092B-C50C-407E-A947-70E740481C1C}">
-                <a14:useLocalDpi xmlns:a14="http://schemas.microsoft.com/office/drawing/2010/main" val="0"/>
-              </a:ext>
-            </a:extLst>
-          </a:blip>
+          <a:blip r:embed="rId9"/>
           <a:stretch>
             <a:fillRect/>
           </a:stretch>
         </p:blipFill>
         <p:spPr>
           <a:xfrm>
-            <a:off x="10384315" y="4632803"/>
-            <a:ext cx="1617831" cy="1488749"/>
+            <a:off x="1762593" y="5228543"/>
+            <a:ext cx="1278871" cy="1449387"/>
           </a:xfrm>
           <a:prstGeom prst="rect">
             <a:avLst/>
@@ -7427,7 +8855,7 @@
           <p:cNvPr id="20" name="Image 19">
             <a:extLst>
               <a:ext uri="{FF2B5EF4-FFF2-40B4-BE49-F238E27FC236}">
-                <a16:creationId xmlns:a16="http://schemas.microsoft.com/office/drawing/2014/main" id="{7DD675E1-7B96-4DFE-9EA5-6294560FCBF9}"/>
+                <a16:creationId xmlns:a16="http://schemas.microsoft.com/office/drawing/2014/main" id="{4051ADFE-A055-4A8D-8ED0-10FC57F922E8}"/>
               </a:ext>
             </a:extLst>
           </p:cNvPr>
@@ -7437,21 +8865,15 @@
           <p:nvPr/>
         </p:nvPicPr>
         <p:blipFill>
-          <a:blip r:embed="rId10">
-            <a:extLst>
-              <a:ext uri="{28A0092B-C50C-407E-A947-70E740481C1C}">
-                <a14:useLocalDpi xmlns:a14="http://schemas.microsoft.com/office/drawing/2010/main" val="0"/>
-              </a:ext>
-            </a:extLst>
-          </a:blip>
+          <a:blip r:embed="rId10"/>
           <a:stretch>
             <a:fillRect/>
           </a:stretch>
         </p:blipFill>
         <p:spPr>
-          <a:xfrm rot="699955">
-            <a:off x="6748288" y="5144881"/>
-            <a:ext cx="1510537" cy="1390015"/>
+          <a:xfrm>
+            <a:off x="6861262" y="4910137"/>
+            <a:ext cx="1810412" cy="1687512"/>
           </a:xfrm>
           <a:prstGeom prst="rect">
             <a:avLst/>
@@ -7460,10 +8882,10 @@
       </p:pic>
       <p:pic>
         <p:nvPicPr>
-          <p:cNvPr id="22" name="Image 21">
+          <p:cNvPr id="21" name="Image 20">
             <a:extLst>
               <a:ext uri="{FF2B5EF4-FFF2-40B4-BE49-F238E27FC236}">
-                <a16:creationId xmlns:a16="http://schemas.microsoft.com/office/drawing/2014/main" id="{151E1314-759B-474B-BAF6-22FAB072BDC1}"/>
+                <a16:creationId xmlns:a16="http://schemas.microsoft.com/office/drawing/2014/main" id="{7AD9136E-425C-4E23-9D49-D234E24E20AD}"/>
               </a:ext>
             </a:extLst>
           </p:cNvPr>
@@ -7473,21 +8895,15 @@
           <p:nvPr/>
         </p:nvPicPr>
         <p:blipFill>
-          <a:blip r:embed="rId11">
-            <a:extLst>
-              <a:ext uri="{28A0092B-C50C-407E-A947-70E740481C1C}">
-                <a14:useLocalDpi xmlns:a14="http://schemas.microsoft.com/office/drawing/2010/main" val="0"/>
-              </a:ext>
-            </a:extLst>
-          </a:blip>
+          <a:blip r:embed="rId11"/>
           <a:stretch>
             <a:fillRect/>
           </a:stretch>
         </p:blipFill>
         <p:spPr>
-          <a:xfrm rot="20978584">
-            <a:off x="4828852" y="5072383"/>
-            <a:ext cx="2061302" cy="1535013"/>
+          <a:xfrm>
+            <a:off x="8118286" y="3687799"/>
+            <a:ext cx="1537885" cy="1657859"/>
           </a:xfrm>
           <a:prstGeom prst="rect">
             <a:avLst/>
@@ -7496,10 +8912,10 @@
       </p:pic>
       <p:pic>
         <p:nvPicPr>
-          <p:cNvPr id="24" name="Image 23">
+          <p:cNvPr id="22" name="Image 21">
             <a:extLst>
               <a:ext uri="{FF2B5EF4-FFF2-40B4-BE49-F238E27FC236}">
-                <a16:creationId xmlns:a16="http://schemas.microsoft.com/office/drawing/2014/main" id="{EDE8177F-D97D-4CED-BC15-8F2367A491A1}"/>
+                <a16:creationId xmlns:a16="http://schemas.microsoft.com/office/drawing/2014/main" id="{2EB9E1C1-6649-45EF-9546-D4FFA8FDFB96}"/>
               </a:ext>
             </a:extLst>
           </p:cNvPr>
@@ -7509,266 +8925,54 @@
           <p:nvPr/>
         </p:nvPicPr>
         <p:blipFill>
-          <a:blip r:embed="rId12">
-            <a:extLst>
-              <a:ext uri="{28A0092B-C50C-407E-A947-70E740481C1C}">
-                <a14:useLocalDpi xmlns:a14="http://schemas.microsoft.com/office/drawing/2010/main" val="0"/>
-              </a:ext>
-            </a:extLst>
-          </a:blip>
+          <a:blip r:embed="rId12"/>
           <a:stretch>
             <a:fillRect/>
           </a:stretch>
         </p:blipFill>
         <p:spPr>
-          <a:xfrm rot="710672">
-            <a:off x="3089359" y="5236128"/>
-            <a:ext cx="1866590" cy="1390014"/>
+          <a:xfrm>
+            <a:off x="9418579" y="5159845"/>
+            <a:ext cx="1671679" cy="1398054"/>
           </a:xfrm>
           <a:prstGeom prst="rect">
             <a:avLst/>
           </a:prstGeom>
         </p:spPr>
       </p:pic>
-      <p:pic>
-        <p:nvPicPr>
-          <p:cNvPr id="26" name="Image 25">
+      <p:sp>
+        <p:nvSpPr>
+          <p:cNvPr id="3" name="Espace réservé du numéro de diapositive 2">
             <a:extLst>
               <a:ext uri="{FF2B5EF4-FFF2-40B4-BE49-F238E27FC236}">
-                <a16:creationId xmlns:a16="http://schemas.microsoft.com/office/drawing/2014/main" id="{760B0038-13A3-425B-9B79-95EEC3698A40}"/>
+                <a16:creationId xmlns:a16="http://schemas.microsoft.com/office/drawing/2014/main" id="{732E5B10-6120-4129-843F-A5755C782E37}"/>
               </a:ext>
             </a:extLst>
           </p:cNvPr>
-          <p:cNvPicPr>
-            <a:picLocks noChangeAspect="1"/>
-          </p:cNvPicPr>
-          <p:nvPr/>
-        </p:nvPicPr>
-        <p:blipFill>
-          <a:blip r:embed="rId13">
-            <a:extLst>
-              <a:ext uri="{28A0092B-C50C-407E-A947-70E740481C1C}">
-                <a14:useLocalDpi xmlns:a14="http://schemas.microsoft.com/office/drawing/2010/main" val="0"/>
-              </a:ext>
-            </a:extLst>
-          </a:blip>
-          <a:stretch>
-            <a:fillRect/>
-          </a:stretch>
-        </p:blipFill>
-        <p:spPr>
-          <a:xfrm>
-            <a:off x="1514400" y="5418618"/>
-            <a:ext cx="1866590" cy="1390014"/>
-          </a:xfrm>
-          <a:prstGeom prst="rect">
-            <a:avLst/>
-          </a:prstGeom>
-        </p:spPr>
-      </p:pic>
-      <p:pic>
-        <p:nvPicPr>
-          <p:cNvPr id="28" name="Image 27">
-            <a:extLst>
-              <a:ext uri="{FF2B5EF4-FFF2-40B4-BE49-F238E27FC236}">
-                <a16:creationId xmlns:a16="http://schemas.microsoft.com/office/drawing/2014/main" id="{E3E46E22-63BB-4717-BA8B-DD9B268E5701}"/>
-              </a:ext>
-            </a:extLst>
-          </p:cNvPr>
-          <p:cNvPicPr>
-            <a:picLocks noChangeAspect="1"/>
-          </p:cNvPicPr>
-          <p:nvPr/>
-        </p:nvPicPr>
-        <p:blipFill>
-          <a:blip r:embed="rId14">
-            <a:extLst>
-              <a:ext uri="{28A0092B-C50C-407E-A947-70E740481C1C}">
-                <a14:useLocalDpi xmlns:a14="http://schemas.microsoft.com/office/drawing/2010/main" val="0"/>
-              </a:ext>
-            </a:extLst>
-          </a:blip>
-          <a:stretch>
-            <a:fillRect/>
-          </a:stretch>
-        </p:blipFill>
-        <p:spPr>
-          <a:xfrm rot="20801564">
-            <a:off x="189854" y="4723611"/>
-            <a:ext cx="1866590" cy="1390014"/>
-          </a:xfrm>
-          <a:prstGeom prst="rect">
-            <a:avLst/>
-          </a:prstGeom>
-        </p:spPr>
-      </p:pic>
-      <p:pic>
-        <p:nvPicPr>
-          <p:cNvPr id="30" name="Image 29">
-            <a:extLst>
-              <a:ext uri="{FF2B5EF4-FFF2-40B4-BE49-F238E27FC236}">
-                <a16:creationId xmlns:a16="http://schemas.microsoft.com/office/drawing/2014/main" id="{F8493397-6232-4793-94D1-649F3BE10310}"/>
-              </a:ext>
-            </a:extLst>
-          </p:cNvPr>
-          <p:cNvPicPr>
-            <a:picLocks noChangeAspect="1"/>
-          </p:cNvPicPr>
-          <p:nvPr/>
-        </p:nvPicPr>
-        <p:blipFill>
-          <a:blip r:embed="rId15">
-            <a:extLst>
-              <a:ext uri="{28A0092B-C50C-407E-A947-70E740481C1C}">
-                <a14:useLocalDpi xmlns:a14="http://schemas.microsoft.com/office/drawing/2010/main" val="0"/>
-              </a:ext>
-            </a:extLst>
-          </a:blip>
-          <a:stretch>
-            <a:fillRect/>
-          </a:stretch>
-        </p:blipFill>
-        <p:spPr>
-          <a:xfrm rot="1183342">
-            <a:off x="154309" y="2567793"/>
-            <a:ext cx="1866590" cy="1390014"/>
-          </a:xfrm>
-          <a:prstGeom prst="rect">
-            <a:avLst/>
-          </a:prstGeom>
-        </p:spPr>
-      </p:pic>
-      <p:sp>
-        <p:nvSpPr>
-          <p:cNvPr id="33" name="Rectangle 32">
-            <a:extLst>
-              <a:ext uri="{FF2B5EF4-FFF2-40B4-BE49-F238E27FC236}">
-                <a16:creationId xmlns:a16="http://schemas.microsoft.com/office/drawing/2014/main" id="{3935108A-B52A-4FA3-8ECB-24DB1CFDFF05}"/>
-              </a:ext>
-            </a:extLst>
-          </p:cNvPr>
-          <p:cNvSpPr/>
-          <p:nvPr/>
-        </p:nvSpPr>
-        <p:spPr>
-          <a:xfrm>
-            <a:off x="2540000" y="1310284"/>
-            <a:ext cx="6908104" cy="3693319"/>
-          </a:xfrm>
-          <a:prstGeom prst="rect">
-            <a:avLst/>
-          </a:prstGeom>
-        </p:spPr>
-        <p:txBody>
-          <a:bodyPr wrap="square">
-            <a:spAutoFit/>
-          </a:bodyPr>
+          <p:cNvSpPr>
+            <a:spLocks noGrp="1"/>
+          </p:cNvSpPr>
+          <p:nvPr>
+            <p:ph type="sldNum" sz="quarter" idx="12"/>
+          </p:nvPr>
+        </p:nvSpPr>
+        <p:spPr/>
+        <p:txBody>
+          <a:bodyPr/>
           <a:lstStyle/>
           <a:p>
-            <a:pPr algn="just"/>
-            <a:r>
-              <a:rPr lang="fr-CA" dirty="0"/>
-              <a:t>Nous avons utilisé un logiciel </a:t>
-            </a:r>
-            <a:r>
-              <a:rPr lang="fr-CA" dirty="0" err="1"/>
-              <a:t>Balsamiq</a:t>
-            </a:r>
-            <a:r>
-              <a:rPr lang="fr-CA" dirty="0"/>
-              <a:t> </a:t>
-            </a:r>
-            <a:r>
-              <a:rPr lang="fr-FR" dirty="0"/>
-              <a:t>pour établir </a:t>
-            </a:r>
-            <a:r>
-              <a:rPr lang="fr-CA" dirty="0"/>
-              <a:t>les fonctionnalités de l’application, ce qui nous a permis d’avoir une idée claire au début du projet, </a:t>
-            </a:r>
-            <a:r>
-              <a:rPr lang="fr-FR" dirty="0"/>
-              <a:t>de ce que nous voulions développer</a:t>
-            </a:r>
-            <a:r>
-              <a:rPr lang="fr-CA" dirty="0"/>
-              <a:t>. Les principales fonctionnalités étaient:</a:t>
-            </a:r>
-          </a:p>
-          <a:p>
-            <a:pPr algn="just"/>
-            <a:endParaRPr lang="fr-CA" dirty="0"/>
-          </a:p>
-          <a:p>
-            <a:pPr marL="285750" indent="-285750" algn="just">
-              <a:buFont typeface="Arial" panose="020B0604020202020204" pitchFamily="34" charset="0"/>
-              <a:buChar char="•"/>
-            </a:pPr>
-            <a:r>
-              <a:rPr lang="fr-FR" dirty="0"/>
-              <a:t>Se connecter et s'inscrire à l'application</a:t>
-            </a:r>
-          </a:p>
-          <a:p>
-            <a:pPr marL="285750" indent="-285750" algn="just">
-              <a:buFont typeface="Arial" panose="020B0604020202020204" pitchFamily="34" charset="0"/>
-              <a:buChar char="•"/>
-            </a:pPr>
-            <a:r>
-              <a:rPr lang="fr-FR" dirty="0"/>
-              <a:t>Faire une demande publique pour trouver un volontaire</a:t>
-            </a:r>
-          </a:p>
-          <a:p>
-            <a:pPr marL="285750" indent="-285750" algn="just">
-              <a:buFont typeface="Arial" panose="020B0604020202020204" pitchFamily="34" charset="0"/>
-              <a:buChar char="•"/>
-            </a:pPr>
-            <a:r>
-              <a:rPr lang="fr-FR" dirty="0"/>
-              <a:t>Faire une publication privée pour être un volontaire par rapport à une publication.</a:t>
-            </a:r>
-          </a:p>
-          <a:p>
-            <a:pPr marL="285750" indent="-285750" algn="just">
-              <a:buFont typeface="Arial" panose="020B0604020202020204" pitchFamily="34" charset="0"/>
-              <a:buChar char="•"/>
-            </a:pPr>
-            <a:r>
-              <a:rPr lang="fr-FR" dirty="0"/>
-              <a:t>Services de messagerie entre utilisateurs</a:t>
-            </a:r>
-          </a:p>
-          <a:p>
-            <a:pPr marL="285750" indent="-285750" algn="just">
-              <a:buFont typeface="Arial" panose="020B0604020202020204" pitchFamily="34" charset="0"/>
-              <a:buChar char="•"/>
-            </a:pPr>
-            <a:r>
-              <a:rPr lang="fr-FR" dirty="0"/>
-              <a:t>Habilités des utilisateurs</a:t>
-            </a:r>
-          </a:p>
-          <a:p>
-            <a:pPr marL="285750" indent="-285750" algn="just">
-              <a:buFont typeface="Arial" panose="020B0604020202020204" pitchFamily="34" charset="0"/>
-              <a:buChar char="•"/>
-            </a:pPr>
-            <a:r>
-              <a:rPr lang="fr-FR" dirty="0"/>
-              <a:t>Interface claire simple et conviviale</a:t>
-            </a:r>
-          </a:p>
-          <a:p>
-            <a:pPr algn="just"/>
-            <a:endParaRPr lang="fr-CA" dirty="0"/>
+            <a:fld id="{7A79C5EC-18BC-4A24-B361-A108AE58E0DA}" type="slidenum">
+              <a:rPr lang="en-CA" smtClean="0"/>
+              <a:t>3</a:t>
+            </a:fld>
+            <a:endParaRPr lang="en-CA"/>
           </a:p>
         </p:txBody>
       </p:sp>
     </p:spTree>
     <p:extLst>
       <p:ext uri="{BB962C8B-B14F-4D97-AF65-F5344CB8AC3E}">
-        <p14:creationId xmlns:p14="http://schemas.microsoft.com/office/powerpoint/2010/main" val="1636209772"/>
+        <p14:creationId xmlns:p14="http://schemas.microsoft.com/office/powerpoint/2010/main" val="1780419651"/>
       </p:ext>
     </p:extLst>
   </p:cSld>
@@ -7781,6 +8985,29 @@
 <file path=ppt/slides/slide4.xml><?xml version="1.0" encoding="utf-8"?>
 <p:sld xmlns:a="http://schemas.openxmlformats.org/drawingml/2006/main" xmlns:r="http://schemas.openxmlformats.org/officeDocument/2006/relationships" xmlns:p="http://schemas.openxmlformats.org/presentationml/2006/main">
   <p:cSld>
+    <p:bg>
+      <p:bgPr>
+        <a:blipFill rotWithShape="1">
+          <a:blip r:embed="rId2">
+            <a:duotone>
+              <a:schemeClr val="bg2">
+                <a:shade val="28000"/>
+                <a:satMod val="94000"/>
+                <a:lumMod val="20000"/>
+              </a:schemeClr>
+              <a:schemeClr val="bg2">
+                <a:tint val="94000"/>
+                <a:shade val="84000"/>
+                <a:satMod val="148000"/>
+                <a:lumMod val="114000"/>
+              </a:schemeClr>
+            </a:duotone>
+          </a:blip>
+          <a:stretch/>
+        </a:blipFill>
+        <a:effectLst/>
+      </p:bgPr>
+    </p:bg>
     <p:spTree>
       <p:nvGrpSpPr>
         <p:cNvPr id="1" name=""/>
@@ -7813,8 +9040,8 @@
         </p:nvSpPr>
         <p:spPr>
           <a:xfrm>
-            <a:off x="2665412" y="444499"/>
-            <a:ext cx="8618538" cy="592609"/>
+            <a:off x="2665412" y="260351"/>
+            <a:ext cx="7291388" cy="776758"/>
           </a:xfrm>
         </p:spPr>
         <p:txBody>
@@ -7829,12 +9056,12 @@
               </a:lnSpc>
             </a:pPr>
             <a:r>
-              <a:rPr lang="fr-FR" sz="3100" u="sng" cap="none" dirty="0">
+              <a:rPr lang="fr-FR" sz="3100" u="sng" cap="none">
                 <a:latin typeface="Ebrima" panose="02000000000000000000" pitchFamily="2" charset="0"/>
                 <a:ea typeface="Ebrima" panose="02000000000000000000" pitchFamily="2" charset="0"/>
                 <a:cs typeface="Ebrima" panose="02000000000000000000" pitchFamily="2" charset="0"/>
               </a:rPr>
-              <a:t>PUBLIC CIBLÉ DE LA APLICATION </a:t>
+              <a:t>2. CONTEXTE</a:t>
             </a:r>
             <a:endParaRPr lang="en-CA" sz="3100" u="sng" cap="none" dirty="0">
               <a:latin typeface="Ebrima" panose="02000000000000000000" pitchFamily="2" charset="0"/>
@@ -7859,7 +9086,7 @@
           <p:nvPr/>
         </p:nvPicPr>
         <p:blipFill>
-          <a:blip r:embed="rId2">
+          <a:blip r:embed="rId3">
             <a:extLst>
               <a:ext uri="{28A0092B-C50C-407E-A947-70E740481C1C}">
                 <a14:useLocalDpi xmlns:a14="http://schemas.microsoft.com/office/drawing/2010/main" val="0"/>
@@ -7882,10 +9109,10 @@
       </p:pic>
       <p:sp>
         <p:nvSpPr>
-          <p:cNvPr id="7" name="ZoneTexte 6">
+          <p:cNvPr id="11" name="ZoneTexte 10">
             <a:extLst>
               <a:ext uri="{FF2B5EF4-FFF2-40B4-BE49-F238E27FC236}">
-                <a16:creationId xmlns:a16="http://schemas.microsoft.com/office/drawing/2014/main" id="{91FB25D9-30FE-4009-A340-75BB7ACF4219}"/>
+                <a16:creationId xmlns:a16="http://schemas.microsoft.com/office/drawing/2014/main" id="{2A9D3AE3-8A5D-42DA-AE55-24657E616430}"/>
               </a:ext>
             </a:extLst>
           </p:cNvPr>
@@ -7894,8 +9121,8 @@
         </p:nvSpPr>
         <p:spPr>
           <a:xfrm>
-            <a:off x="1054100" y="1706426"/>
-            <a:ext cx="10229850" cy="1200329"/>
+            <a:off x="908050" y="1279959"/>
+            <a:ext cx="10375900" cy="3416320"/>
           </a:xfrm>
           <a:prstGeom prst="rect">
             <a:avLst/>
@@ -7910,36 +9137,102 @@
           <a:p>
             <a:pPr algn="just"/>
             <a:r>
-              <a:rPr lang="fr-FR" dirty="0">
+              <a:rPr lang="fr-FR">
                 <a:ea typeface="Tahoma" panose="020B0604030504040204" pitchFamily="34" charset="0"/>
                 <a:cs typeface="Tahoma" panose="020B0604030504040204" pitchFamily="34" charset="0"/>
               </a:rPr>
-              <a:t>L'application est destinée à tout le monde, mais au début,  pour la mettre en place, il serait important de la promouvoir auprès des personnes âgées et des organisations communautaires, puisque nous considérons que dans ce segment de la population, </a:t>
-            </a:r>
-            <a:r>
-              <a:rPr lang="fr-FR" dirty="0" err="1">
+              <a:t>Dans la société, il y a des gens qui, pour une raison quelconque, n'ont pas de famille ou d'amis proches qui peuvent les aider à résoudre certaines situations de la vie quotidienne, de la même manière, beaucoup de gens dans la société ont une grande vocation à aider les autres, mais parfois, </a:t>
+            </a:r>
+            <a:r>
+              <a:rPr lang="fr-FR"/>
+              <a:t>ils ne trouvent pas les espaces appropriés pour aider quelqu’un.</a:t>
+            </a:r>
+          </a:p>
+          <a:p>
+            <a:pPr algn="just"/>
+            <a:endParaRPr lang="fr-FR"/>
+          </a:p>
+          <a:p>
+            <a:pPr algn="just"/>
+            <a:r>
+              <a:rPr lang="fr-FR">
                 <a:ea typeface="Tahoma" panose="020B0604030504040204" pitchFamily="34" charset="0"/>
                 <a:cs typeface="Tahoma" panose="020B0604030504040204" pitchFamily="34" charset="0"/>
               </a:rPr>
-              <a:t>CommunAction</a:t>
-            </a:r>
-            <a:r>
-              <a:rPr lang="fr-FR" dirty="0">
-                <a:ea typeface="Tahoma" panose="020B0604030504040204" pitchFamily="34" charset="0"/>
-                <a:cs typeface="Tahoma" panose="020B0604030504040204" pitchFamily="34" charset="0"/>
-              </a:rPr>
-              <a:t>  pourrait être très utile.</a:t>
-            </a:r>
+              <a:t>C'est à cause de ce qui précède que dans le but de pouvoir donner un coup de main à ces personnes qui ont besoin d’un bénévole, l'idée de CommunAction est née.</a:t>
+            </a:r>
+          </a:p>
+          <a:p>
+            <a:pPr algn="just"/>
+            <a:endParaRPr lang="fr-FR"/>
+          </a:p>
+          <a:p>
+            <a:pPr algn="just"/>
+            <a:endParaRPr lang="fr-FR">
+              <a:ea typeface="Tahoma" panose="020B0604030504040204" pitchFamily="34" charset="0"/>
+              <a:cs typeface="Tahoma" panose="020B0604030504040204" pitchFamily="34" charset="0"/>
+            </a:endParaRPr>
+          </a:p>
+          <a:p>
+            <a:pPr algn="just"/>
+            <a:endParaRPr lang="fr-FR">
+              <a:ea typeface="Tahoma" panose="020B0604030504040204" pitchFamily="34" charset="0"/>
+              <a:cs typeface="Tahoma" panose="020B0604030504040204" pitchFamily="34" charset="0"/>
+            </a:endParaRPr>
+          </a:p>
+          <a:p>
+            <a:pPr algn="just"/>
+            <a:endParaRPr lang="fr-FR">
+              <a:ea typeface="Tahoma" panose="020B0604030504040204" pitchFamily="34" charset="0"/>
+              <a:cs typeface="Tahoma" panose="020B0604030504040204" pitchFamily="34" charset="0"/>
+            </a:endParaRPr>
+          </a:p>
+          <a:p>
+            <a:pPr algn="just"/>
             <a:endParaRPr lang="en-CA" dirty="0"/>
+          </a:p>
+        </p:txBody>
+      </p:sp>
+      <p:sp>
+        <p:nvSpPr>
+          <p:cNvPr id="3" name="Espace réservé du numéro de diapositive 2">
+            <a:extLst>
+              <a:ext uri="{FF2B5EF4-FFF2-40B4-BE49-F238E27FC236}">
+                <a16:creationId xmlns:a16="http://schemas.microsoft.com/office/drawing/2014/main" id="{732E5B10-6120-4129-843F-A5755C782E37}"/>
+              </a:ext>
+            </a:extLst>
+          </p:cNvPr>
+          <p:cNvSpPr>
+            <a:spLocks noGrp="1"/>
+          </p:cNvSpPr>
+          <p:nvPr>
+            <p:ph type="sldNum" sz="quarter" idx="12"/>
+          </p:nvPr>
+        </p:nvSpPr>
+        <p:spPr>
+          <a:xfrm>
+            <a:off x="10514012" y="5883275"/>
+            <a:ext cx="551167" cy="365125"/>
+          </a:xfrm>
+        </p:spPr>
+        <p:txBody>
+          <a:bodyPr/>
+          <a:lstStyle/>
+          <a:p>
+            <a:fld id="{7A79C5EC-18BC-4A24-B361-A108AE58E0DA}" type="slidenum">
+              <a:rPr lang="en-CA" smtClean="0"/>
+              <a:t>4</a:t>
+            </a:fld>
+            <a:endParaRPr lang="en-CA"/>
           </a:p>
         </p:txBody>
       </p:sp>
       <p:pic>
         <p:nvPicPr>
-          <p:cNvPr id="17" name="Image 16">
+          <p:cNvPr id="5" name="Image 4">
             <a:extLst>
               <a:ext uri="{FF2B5EF4-FFF2-40B4-BE49-F238E27FC236}">
-                <a16:creationId xmlns:a16="http://schemas.microsoft.com/office/drawing/2014/main" id="{F52C5B31-4FFC-4B0A-A56C-7BAB614A6BAB}"/>
+                <a16:creationId xmlns:a16="http://schemas.microsoft.com/office/drawing/2014/main" id="{1A052849-2A0C-4AAB-AF45-5D891269409A}"/>
               </a:ext>
             </a:extLst>
           </p:cNvPr>
@@ -7949,45 +9242,21 @@
           <p:nvPr/>
         </p:nvPicPr>
         <p:blipFill>
-          <a:blip r:embed="rId3"/>
+          <a:blip r:embed="rId4">
+            <a:extLst>
+              <a:ext uri="{28A0092B-C50C-407E-A947-70E740481C1C}">
+                <a14:useLocalDpi xmlns:a14="http://schemas.microsoft.com/office/drawing/2010/main" val="0"/>
+              </a:ext>
+            </a:extLst>
+          </a:blip>
           <a:stretch>
             <a:fillRect/>
           </a:stretch>
         </p:blipFill>
         <p:spPr>
           <a:xfrm>
-            <a:off x="1054100" y="3797301"/>
-            <a:ext cx="4838700" cy="2279170"/>
-          </a:xfrm>
-          <a:prstGeom prst="rect">
-            <a:avLst/>
-          </a:prstGeom>
-        </p:spPr>
-      </p:pic>
-      <p:pic>
-        <p:nvPicPr>
-          <p:cNvPr id="18" name="Image 17">
-            <a:extLst>
-              <a:ext uri="{FF2B5EF4-FFF2-40B4-BE49-F238E27FC236}">
-                <a16:creationId xmlns:a16="http://schemas.microsoft.com/office/drawing/2014/main" id="{9608F96E-99F0-43CE-9CD2-AF6787836527}"/>
-              </a:ext>
-            </a:extLst>
-          </p:cNvPr>
-          <p:cNvPicPr>
-            <a:picLocks noChangeAspect="1"/>
-          </p:cNvPicPr>
-          <p:nvPr/>
-        </p:nvPicPr>
-        <p:blipFill>
-          <a:blip r:embed="rId4"/>
-          <a:stretch>
-            <a:fillRect/>
-          </a:stretch>
-        </p:blipFill>
-        <p:spPr>
-          <a:xfrm>
-            <a:off x="6096000" y="3797301"/>
-            <a:ext cx="5444685" cy="2279170"/>
+            <a:off x="4567632" y="3932829"/>
+            <a:ext cx="3486947" cy="2012600"/>
           </a:xfrm>
           <a:prstGeom prst="rect">
             <a:avLst/>
@@ -7997,7 +9266,7 @@
     </p:spTree>
     <p:extLst>
       <p:ext uri="{BB962C8B-B14F-4D97-AF65-F5344CB8AC3E}">
-        <p14:creationId xmlns:p14="http://schemas.microsoft.com/office/powerpoint/2010/main" val="4079947356"/>
+        <p14:creationId xmlns:p14="http://schemas.microsoft.com/office/powerpoint/2010/main" val="2604625526"/>
       </p:ext>
     </p:extLst>
   </p:cSld>
@@ -8042,13 +9311,13 @@
         </p:nvSpPr>
         <p:spPr>
           <a:xfrm>
-            <a:off x="2665412" y="444499"/>
-            <a:ext cx="7532688" cy="592609"/>
+            <a:off x="2424223" y="260351"/>
+            <a:ext cx="9655862" cy="776758"/>
           </a:xfrm>
         </p:spPr>
         <p:txBody>
           <a:bodyPr>
-            <a:normAutofit/>
+            <a:normAutofit fontScale="90000"/>
           </a:bodyPr>
           <a:lstStyle/>
           <a:p>
@@ -8058,12 +9327,12 @@
               </a:lnSpc>
             </a:pPr>
             <a:r>
-              <a:rPr lang="fr-FR" sz="3100" u="sng" cap="none" dirty="0">
+              <a:rPr lang="fr-FR" sz="3400" u="sng" cap="none" dirty="0">
                 <a:latin typeface="Ebrima" panose="02000000000000000000" pitchFamily="2" charset="0"/>
                 <a:ea typeface="Ebrima" panose="02000000000000000000" pitchFamily="2" charset="0"/>
                 <a:cs typeface="Ebrima" panose="02000000000000000000" pitchFamily="2" charset="0"/>
               </a:rPr>
-              <a:t>MODÉLISATION DES DONNÉES</a:t>
+              <a:t>3. IDENTIFICATION DES FONCTIONNALITÉS DU PAGE</a:t>
             </a:r>
             <a:endParaRPr lang="en-CA" sz="3400" u="sng" cap="none" dirty="0">
               <a:latin typeface="Ebrima" panose="02000000000000000000" pitchFamily="2" charset="0"/>
@@ -8109,56 +9378,12 @@
           </a:prstGeom>
         </p:spPr>
       </p:pic>
-      <p:sp>
-        <p:nvSpPr>
-          <p:cNvPr id="7" name="ZoneTexte 6">
-            <a:extLst>
-              <a:ext uri="{FF2B5EF4-FFF2-40B4-BE49-F238E27FC236}">
-                <a16:creationId xmlns:a16="http://schemas.microsoft.com/office/drawing/2014/main" id="{91FB25D9-30FE-4009-A340-75BB7ACF4219}"/>
-              </a:ext>
-            </a:extLst>
-          </p:cNvPr>
-          <p:cNvSpPr txBox="1"/>
-          <p:nvPr/>
-        </p:nvSpPr>
-        <p:spPr>
-          <a:xfrm>
-            <a:off x="596900" y="1270403"/>
-            <a:ext cx="10737850" cy="646331"/>
-          </a:xfrm>
-          <a:prstGeom prst="rect">
-            <a:avLst/>
-          </a:prstGeom>
-          <a:noFill/>
-        </p:spPr>
-        <p:txBody>
-          <a:bodyPr wrap="square" rtlCol="0">
-            <a:spAutoFit/>
-          </a:bodyPr>
-          <a:lstStyle/>
-          <a:p>
-            <a:pPr lvl="0" algn="just"/>
-            <a:r>
-              <a:rPr lang="fr-CA" dirty="0"/>
-              <a:t>Après la réalisation du processus de modélisation de données, diagramme entités-associations et la normalisation nous avons obtenu la basse de données suivante (</a:t>
-            </a:r>
-            <a:r>
-              <a:rPr lang="fr-FR" dirty="0"/>
-              <a:t>sous MySQL)</a:t>
-            </a:r>
-            <a:r>
-              <a:rPr lang="fr-CA" dirty="0"/>
-              <a:t>: </a:t>
-            </a:r>
-          </a:p>
-        </p:txBody>
-      </p:sp>
       <p:pic>
         <p:nvPicPr>
-          <p:cNvPr id="4" name="Image 3">
+          <p:cNvPr id="5" name="Image 4">
             <a:extLst>
               <a:ext uri="{FF2B5EF4-FFF2-40B4-BE49-F238E27FC236}">
-                <a16:creationId xmlns:a16="http://schemas.microsoft.com/office/drawing/2014/main" id="{89B2994E-5707-477E-9E1B-C7D1DE580504}"/>
+                <a16:creationId xmlns:a16="http://schemas.microsoft.com/office/drawing/2014/main" id="{5F93B43B-6A13-4679-9256-D33D76750887}"/>
               </a:ext>
             </a:extLst>
           </p:cNvPr>
@@ -8180,19 +9405,607 @@
           </a:stretch>
         </p:blipFill>
         <p:spPr>
-          <a:xfrm>
-            <a:off x="1694836" y="2298699"/>
-            <a:ext cx="8802328" cy="4241225"/>
+          <a:xfrm rot="1512678">
+            <a:off x="10149076" y="1781552"/>
+            <a:ext cx="1738124" cy="1294348"/>
           </a:xfrm>
           <a:prstGeom prst="rect">
             <a:avLst/>
           </a:prstGeom>
         </p:spPr>
       </p:pic>
+      <p:pic>
+        <p:nvPicPr>
+          <p:cNvPr id="8" name="Image 7">
+            <a:extLst>
+              <a:ext uri="{FF2B5EF4-FFF2-40B4-BE49-F238E27FC236}">
+                <a16:creationId xmlns:a16="http://schemas.microsoft.com/office/drawing/2014/main" id="{1678EAF0-D55A-4C9E-979D-A79B28F8BB5A}"/>
+              </a:ext>
+            </a:extLst>
+          </p:cNvPr>
+          <p:cNvPicPr>
+            <a:picLocks noChangeAspect="1"/>
+          </p:cNvPicPr>
+          <p:nvPr/>
+        </p:nvPicPr>
+        <p:blipFill>
+          <a:blip r:embed="rId4">
+            <a:extLst>
+              <a:ext uri="{28A0092B-C50C-407E-A947-70E740481C1C}">
+                <a14:useLocalDpi xmlns:a14="http://schemas.microsoft.com/office/drawing/2010/main" val="0"/>
+              </a:ext>
+            </a:extLst>
+          </a:blip>
+          <a:stretch>
+            <a:fillRect/>
+          </a:stretch>
+        </p:blipFill>
+        <p:spPr>
+          <a:xfrm rot="20442954">
+            <a:off x="140657" y="1775967"/>
+            <a:ext cx="1750441" cy="1303520"/>
+          </a:xfrm>
+          <a:prstGeom prst="rect">
+            <a:avLst/>
+          </a:prstGeom>
+        </p:spPr>
+      </p:pic>
+      <p:pic>
+        <p:nvPicPr>
+          <p:cNvPr id="10" name="Image 9">
+            <a:extLst>
+              <a:ext uri="{FF2B5EF4-FFF2-40B4-BE49-F238E27FC236}">
+                <a16:creationId xmlns:a16="http://schemas.microsoft.com/office/drawing/2014/main" id="{0328837E-D733-42C0-AABA-65225BB0F698}"/>
+              </a:ext>
+            </a:extLst>
+          </p:cNvPr>
+          <p:cNvPicPr>
+            <a:picLocks noChangeAspect="1"/>
+          </p:cNvPicPr>
+          <p:nvPr/>
+        </p:nvPicPr>
+        <p:blipFill>
+          <a:blip r:embed="rId5">
+            <a:extLst>
+              <a:ext uri="{28A0092B-C50C-407E-A947-70E740481C1C}">
+                <a14:useLocalDpi xmlns:a14="http://schemas.microsoft.com/office/drawing/2010/main" val="0"/>
+              </a:ext>
+            </a:extLst>
+          </a:blip>
+          <a:stretch>
+            <a:fillRect/>
+          </a:stretch>
+        </p:blipFill>
+        <p:spPr>
+          <a:xfrm>
+            <a:off x="8203141" y="5308500"/>
+            <a:ext cx="1866591" cy="1390015"/>
+          </a:xfrm>
+          <a:prstGeom prst="rect">
+            <a:avLst/>
+          </a:prstGeom>
+        </p:spPr>
+      </p:pic>
+      <p:pic>
+        <p:nvPicPr>
+          <p:cNvPr id="12" name="Image 11">
+            <a:extLst>
+              <a:ext uri="{FF2B5EF4-FFF2-40B4-BE49-F238E27FC236}">
+                <a16:creationId xmlns:a16="http://schemas.microsoft.com/office/drawing/2014/main" id="{6C63FD2B-36E5-47BE-A6BD-66A4167C7A55}"/>
+              </a:ext>
+            </a:extLst>
+          </p:cNvPr>
+          <p:cNvPicPr>
+            <a:picLocks noChangeAspect="1"/>
+          </p:cNvPicPr>
+          <p:nvPr/>
+        </p:nvPicPr>
+        <p:blipFill>
+          <a:blip r:embed="rId6">
+            <a:extLst>
+              <a:ext uri="{28A0092B-C50C-407E-A947-70E740481C1C}">
+                <a14:useLocalDpi xmlns:a14="http://schemas.microsoft.com/office/drawing/2010/main" val="0"/>
+              </a:ext>
+            </a:extLst>
+          </a:blip>
+          <a:stretch>
+            <a:fillRect/>
+          </a:stretch>
+        </p:blipFill>
+        <p:spPr>
+          <a:xfrm>
+            <a:off x="394231" y="3932937"/>
+            <a:ext cx="1614497" cy="1485681"/>
+          </a:xfrm>
+          <a:prstGeom prst="rect">
+            <a:avLst/>
+          </a:prstGeom>
+        </p:spPr>
+      </p:pic>
+      <p:pic>
+        <p:nvPicPr>
+          <p:cNvPr id="14" name="Image 13">
+            <a:extLst>
+              <a:ext uri="{FF2B5EF4-FFF2-40B4-BE49-F238E27FC236}">
+                <a16:creationId xmlns:a16="http://schemas.microsoft.com/office/drawing/2014/main" id="{C2E6D974-8439-4A20-B673-B14110C19F75}"/>
+              </a:ext>
+            </a:extLst>
+          </p:cNvPr>
+          <p:cNvPicPr>
+            <a:picLocks noChangeAspect="1"/>
+          </p:cNvPicPr>
+          <p:nvPr/>
+        </p:nvPicPr>
+        <p:blipFill>
+          <a:blip r:embed="rId7">
+            <a:extLst>
+              <a:ext uri="{28A0092B-C50C-407E-A947-70E740481C1C}">
+                <a14:useLocalDpi xmlns:a14="http://schemas.microsoft.com/office/drawing/2010/main" val="0"/>
+              </a:ext>
+            </a:extLst>
+          </a:blip>
+          <a:stretch>
+            <a:fillRect/>
+          </a:stretch>
+        </p:blipFill>
+        <p:spPr>
+          <a:xfrm rot="20675743">
+            <a:off x="10600471" y="2763715"/>
+            <a:ext cx="1185518" cy="1485681"/>
+          </a:xfrm>
+          <a:prstGeom prst="rect">
+            <a:avLst/>
+          </a:prstGeom>
+        </p:spPr>
+      </p:pic>
+      <p:pic>
+        <p:nvPicPr>
+          <p:cNvPr id="16" name="Image 15">
+            <a:extLst>
+              <a:ext uri="{FF2B5EF4-FFF2-40B4-BE49-F238E27FC236}">
+                <a16:creationId xmlns:a16="http://schemas.microsoft.com/office/drawing/2014/main" id="{2E2A93CD-5150-4819-BE10-6868274EBB4D}"/>
+              </a:ext>
+            </a:extLst>
+          </p:cNvPr>
+          <p:cNvPicPr>
+            <a:picLocks noChangeAspect="1"/>
+          </p:cNvPicPr>
+          <p:nvPr/>
+        </p:nvPicPr>
+        <p:blipFill>
+          <a:blip r:embed="rId8">
+            <a:extLst>
+              <a:ext uri="{28A0092B-C50C-407E-A947-70E740481C1C}">
+                <a14:useLocalDpi xmlns:a14="http://schemas.microsoft.com/office/drawing/2010/main" val="0"/>
+              </a:ext>
+            </a:extLst>
+          </a:blip>
+          <a:stretch>
+            <a:fillRect/>
+          </a:stretch>
+        </p:blipFill>
+        <p:spPr>
+          <a:xfrm rot="1097104">
+            <a:off x="9678615" y="4045217"/>
+            <a:ext cx="1856919" cy="1708760"/>
+          </a:xfrm>
+          <a:prstGeom prst="rect">
+            <a:avLst/>
+          </a:prstGeom>
+        </p:spPr>
+      </p:pic>
+      <p:pic>
+        <p:nvPicPr>
+          <p:cNvPr id="18" name="Image 17">
+            <a:extLst>
+              <a:ext uri="{FF2B5EF4-FFF2-40B4-BE49-F238E27FC236}">
+                <a16:creationId xmlns:a16="http://schemas.microsoft.com/office/drawing/2014/main" id="{1A00E8A8-2B1D-48CA-BC45-287084143CA1}"/>
+              </a:ext>
+            </a:extLst>
+          </p:cNvPr>
+          <p:cNvPicPr>
+            <a:picLocks noChangeAspect="1"/>
+          </p:cNvPicPr>
+          <p:nvPr/>
+        </p:nvPicPr>
+        <p:blipFill>
+          <a:blip r:embed="rId9">
+            <a:extLst>
+              <a:ext uri="{28A0092B-C50C-407E-A947-70E740481C1C}">
+                <a14:useLocalDpi xmlns:a14="http://schemas.microsoft.com/office/drawing/2010/main" val="0"/>
+              </a:ext>
+            </a:extLst>
+          </a:blip>
+          <a:stretch>
+            <a:fillRect/>
+          </a:stretch>
+        </p:blipFill>
+        <p:spPr>
+          <a:xfrm>
+            <a:off x="10384315" y="4632803"/>
+            <a:ext cx="1617831" cy="1488749"/>
+          </a:xfrm>
+          <a:prstGeom prst="rect">
+            <a:avLst/>
+          </a:prstGeom>
+        </p:spPr>
+      </p:pic>
+      <p:pic>
+        <p:nvPicPr>
+          <p:cNvPr id="20" name="Image 19">
+            <a:extLst>
+              <a:ext uri="{FF2B5EF4-FFF2-40B4-BE49-F238E27FC236}">
+                <a16:creationId xmlns:a16="http://schemas.microsoft.com/office/drawing/2014/main" id="{7DD675E1-7B96-4DFE-9EA5-6294560FCBF9}"/>
+              </a:ext>
+            </a:extLst>
+          </p:cNvPr>
+          <p:cNvPicPr>
+            <a:picLocks noChangeAspect="1"/>
+          </p:cNvPicPr>
+          <p:nvPr/>
+        </p:nvPicPr>
+        <p:blipFill>
+          <a:blip r:embed="rId10">
+            <a:extLst>
+              <a:ext uri="{28A0092B-C50C-407E-A947-70E740481C1C}">
+                <a14:useLocalDpi xmlns:a14="http://schemas.microsoft.com/office/drawing/2010/main" val="0"/>
+              </a:ext>
+            </a:extLst>
+          </a:blip>
+          <a:stretch>
+            <a:fillRect/>
+          </a:stretch>
+        </p:blipFill>
+        <p:spPr>
+          <a:xfrm rot="699955">
+            <a:off x="6748288" y="5144881"/>
+            <a:ext cx="1510537" cy="1390015"/>
+          </a:xfrm>
+          <a:prstGeom prst="rect">
+            <a:avLst/>
+          </a:prstGeom>
+        </p:spPr>
+      </p:pic>
+      <p:pic>
+        <p:nvPicPr>
+          <p:cNvPr id="22" name="Image 21">
+            <a:extLst>
+              <a:ext uri="{FF2B5EF4-FFF2-40B4-BE49-F238E27FC236}">
+                <a16:creationId xmlns:a16="http://schemas.microsoft.com/office/drawing/2014/main" id="{151E1314-759B-474B-BAF6-22FAB072BDC1}"/>
+              </a:ext>
+            </a:extLst>
+          </p:cNvPr>
+          <p:cNvPicPr>
+            <a:picLocks noChangeAspect="1"/>
+          </p:cNvPicPr>
+          <p:nvPr/>
+        </p:nvPicPr>
+        <p:blipFill>
+          <a:blip r:embed="rId11">
+            <a:extLst>
+              <a:ext uri="{28A0092B-C50C-407E-A947-70E740481C1C}">
+                <a14:useLocalDpi xmlns:a14="http://schemas.microsoft.com/office/drawing/2010/main" val="0"/>
+              </a:ext>
+            </a:extLst>
+          </a:blip>
+          <a:stretch>
+            <a:fillRect/>
+          </a:stretch>
+        </p:blipFill>
+        <p:spPr>
+          <a:xfrm rot="20978584">
+            <a:off x="4828852" y="5072383"/>
+            <a:ext cx="2061302" cy="1535013"/>
+          </a:xfrm>
+          <a:prstGeom prst="rect">
+            <a:avLst/>
+          </a:prstGeom>
+        </p:spPr>
+      </p:pic>
+      <p:pic>
+        <p:nvPicPr>
+          <p:cNvPr id="24" name="Image 23">
+            <a:extLst>
+              <a:ext uri="{FF2B5EF4-FFF2-40B4-BE49-F238E27FC236}">
+                <a16:creationId xmlns:a16="http://schemas.microsoft.com/office/drawing/2014/main" id="{EDE8177F-D97D-4CED-BC15-8F2367A491A1}"/>
+              </a:ext>
+            </a:extLst>
+          </p:cNvPr>
+          <p:cNvPicPr>
+            <a:picLocks noChangeAspect="1"/>
+          </p:cNvPicPr>
+          <p:nvPr/>
+        </p:nvPicPr>
+        <p:blipFill>
+          <a:blip r:embed="rId12">
+            <a:extLst>
+              <a:ext uri="{28A0092B-C50C-407E-A947-70E740481C1C}">
+                <a14:useLocalDpi xmlns:a14="http://schemas.microsoft.com/office/drawing/2010/main" val="0"/>
+              </a:ext>
+            </a:extLst>
+          </a:blip>
+          <a:stretch>
+            <a:fillRect/>
+          </a:stretch>
+        </p:blipFill>
+        <p:spPr>
+          <a:xfrm rot="710672">
+            <a:off x="3089359" y="5236128"/>
+            <a:ext cx="1866590" cy="1390014"/>
+          </a:xfrm>
+          <a:prstGeom prst="rect">
+            <a:avLst/>
+          </a:prstGeom>
+        </p:spPr>
+      </p:pic>
+      <p:pic>
+        <p:nvPicPr>
+          <p:cNvPr id="26" name="Image 25">
+            <a:extLst>
+              <a:ext uri="{FF2B5EF4-FFF2-40B4-BE49-F238E27FC236}">
+                <a16:creationId xmlns:a16="http://schemas.microsoft.com/office/drawing/2014/main" id="{760B0038-13A3-425B-9B79-95EEC3698A40}"/>
+              </a:ext>
+            </a:extLst>
+          </p:cNvPr>
+          <p:cNvPicPr>
+            <a:picLocks noChangeAspect="1"/>
+          </p:cNvPicPr>
+          <p:nvPr/>
+        </p:nvPicPr>
+        <p:blipFill>
+          <a:blip r:embed="rId13">
+            <a:extLst>
+              <a:ext uri="{28A0092B-C50C-407E-A947-70E740481C1C}">
+                <a14:useLocalDpi xmlns:a14="http://schemas.microsoft.com/office/drawing/2010/main" val="0"/>
+              </a:ext>
+            </a:extLst>
+          </a:blip>
+          <a:stretch>
+            <a:fillRect/>
+          </a:stretch>
+        </p:blipFill>
+        <p:spPr>
+          <a:xfrm>
+            <a:off x="1514400" y="5418618"/>
+            <a:ext cx="1866590" cy="1390014"/>
+          </a:xfrm>
+          <a:prstGeom prst="rect">
+            <a:avLst/>
+          </a:prstGeom>
+        </p:spPr>
+      </p:pic>
+      <p:pic>
+        <p:nvPicPr>
+          <p:cNvPr id="28" name="Image 27">
+            <a:extLst>
+              <a:ext uri="{FF2B5EF4-FFF2-40B4-BE49-F238E27FC236}">
+                <a16:creationId xmlns:a16="http://schemas.microsoft.com/office/drawing/2014/main" id="{E3E46E22-63BB-4717-BA8B-DD9B268E5701}"/>
+              </a:ext>
+            </a:extLst>
+          </p:cNvPr>
+          <p:cNvPicPr>
+            <a:picLocks noChangeAspect="1"/>
+          </p:cNvPicPr>
+          <p:nvPr/>
+        </p:nvPicPr>
+        <p:blipFill>
+          <a:blip r:embed="rId14">
+            <a:extLst>
+              <a:ext uri="{28A0092B-C50C-407E-A947-70E740481C1C}">
+                <a14:useLocalDpi xmlns:a14="http://schemas.microsoft.com/office/drawing/2010/main" val="0"/>
+              </a:ext>
+            </a:extLst>
+          </a:blip>
+          <a:stretch>
+            <a:fillRect/>
+          </a:stretch>
+        </p:blipFill>
+        <p:spPr>
+          <a:xfrm rot="20801564">
+            <a:off x="189854" y="4723611"/>
+            <a:ext cx="1866590" cy="1390014"/>
+          </a:xfrm>
+          <a:prstGeom prst="rect">
+            <a:avLst/>
+          </a:prstGeom>
+        </p:spPr>
+      </p:pic>
+      <p:pic>
+        <p:nvPicPr>
+          <p:cNvPr id="30" name="Image 29">
+            <a:extLst>
+              <a:ext uri="{FF2B5EF4-FFF2-40B4-BE49-F238E27FC236}">
+                <a16:creationId xmlns:a16="http://schemas.microsoft.com/office/drawing/2014/main" id="{F8493397-6232-4793-94D1-649F3BE10310}"/>
+              </a:ext>
+            </a:extLst>
+          </p:cNvPr>
+          <p:cNvPicPr>
+            <a:picLocks noChangeAspect="1"/>
+          </p:cNvPicPr>
+          <p:nvPr/>
+        </p:nvPicPr>
+        <p:blipFill>
+          <a:blip r:embed="rId15">
+            <a:extLst>
+              <a:ext uri="{28A0092B-C50C-407E-A947-70E740481C1C}">
+                <a14:useLocalDpi xmlns:a14="http://schemas.microsoft.com/office/drawing/2010/main" val="0"/>
+              </a:ext>
+            </a:extLst>
+          </a:blip>
+          <a:stretch>
+            <a:fillRect/>
+          </a:stretch>
+        </p:blipFill>
+        <p:spPr>
+          <a:xfrm rot="1183342">
+            <a:off x="154309" y="2567793"/>
+            <a:ext cx="1866590" cy="1390014"/>
+          </a:xfrm>
+          <a:prstGeom prst="rect">
+            <a:avLst/>
+          </a:prstGeom>
+        </p:spPr>
+      </p:pic>
+      <p:sp>
+        <p:nvSpPr>
+          <p:cNvPr id="33" name="Rectangle 32">
+            <a:extLst>
+              <a:ext uri="{FF2B5EF4-FFF2-40B4-BE49-F238E27FC236}">
+                <a16:creationId xmlns:a16="http://schemas.microsoft.com/office/drawing/2014/main" id="{3935108A-B52A-4FA3-8ECB-24DB1CFDFF05}"/>
+              </a:ext>
+            </a:extLst>
+          </p:cNvPr>
+          <p:cNvSpPr/>
+          <p:nvPr/>
+        </p:nvSpPr>
+        <p:spPr>
+          <a:xfrm>
+            <a:off x="2540000" y="1310284"/>
+            <a:ext cx="6908104" cy="3693319"/>
+          </a:xfrm>
+          <a:prstGeom prst="rect">
+            <a:avLst/>
+          </a:prstGeom>
+        </p:spPr>
+        <p:txBody>
+          <a:bodyPr wrap="square">
+            <a:spAutoFit/>
+          </a:bodyPr>
+          <a:lstStyle/>
+          <a:p>
+            <a:pPr algn="just"/>
+            <a:r>
+              <a:rPr lang="fr-CA" dirty="0"/>
+              <a:t>Nous avons utilisé le logiciel </a:t>
+            </a:r>
+            <a:r>
+              <a:rPr lang="fr-CA" b="1" dirty="0" err="1"/>
+              <a:t>Balsamiq</a:t>
+            </a:r>
+            <a:r>
+              <a:rPr lang="fr-CA" dirty="0"/>
+              <a:t> </a:t>
+            </a:r>
+            <a:r>
+              <a:rPr lang="fr-FR" dirty="0"/>
+              <a:t>pour établir </a:t>
+            </a:r>
+            <a:r>
+              <a:rPr lang="fr-CA" dirty="0"/>
+              <a:t>les fonctionnalités de l’application, ce qui nous a permis d’avoir une idée claire au début du projet, </a:t>
+            </a:r>
+            <a:r>
+              <a:rPr lang="fr-FR" dirty="0"/>
+              <a:t>de ce que nous voulions développer</a:t>
+            </a:r>
+            <a:r>
+              <a:rPr lang="fr-CA" dirty="0"/>
+              <a:t>. Les principales fonctionnalités sont:</a:t>
+            </a:r>
+          </a:p>
+          <a:p>
+            <a:pPr algn="just"/>
+            <a:endParaRPr lang="fr-CA" dirty="0"/>
+          </a:p>
+          <a:p>
+            <a:pPr marL="342900" indent="-342900" algn="just">
+              <a:buFont typeface="+mj-lt"/>
+              <a:buAutoNum type="arabicPeriod"/>
+            </a:pPr>
+            <a:r>
+              <a:rPr lang="fr-FR" dirty="0"/>
+              <a:t>Se connecter et s'inscrire à l'application</a:t>
+            </a:r>
+          </a:p>
+          <a:p>
+            <a:pPr marL="342900" indent="-342900" algn="just">
+              <a:buFont typeface="+mj-lt"/>
+              <a:buAutoNum type="arabicPeriod"/>
+            </a:pPr>
+            <a:r>
+              <a:rPr lang="fr-FR" dirty="0"/>
+              <a:t>Faire une demande publique pour trouver un volontaire</a:t>
+            </a:r>
+          </a:p>
+          <a:p>
+            <a:pPr marL="342900" indent="-342900" algn="just">
+              <a:buFont typeface="+mj-lt"/>
+              <a:buAutoNum type="arabicPeriod"/>
+            </a:pPr>
+            <a:r>
+              <a:rPr lang="fr-FR" dirty="0"/>
+              <a:t>Faire une publication privée pour être un volontaire par rapport à une publication.</a:t>
+            </a:r>
+          </a:p>
+          <a:p>
+            <a:pPr marL="342900" indent="-342900" algn="just">
+              <a:buFont typeface="+mj-lt"/>
+              <a:buAutoNum type="arabicPeriod"/>
+            </a:pPr>
+            <a:r>
+              <a:rPr lang="fr-FR" dirty="0"/>
+              <a:t>Services de messagerie entre utilisateurs</a:t>
+            </a:r>
+          </a:p>
+          <a:p>
+            <a:pPr marL="342900" indent="-342900" algn="just">
+              <a:buFont typeface="+mj-lt"/>
+              <a:buAutoNum type="arabicPeriod"/>
+            </a:pPr>
+            <a:r>
+              <a:rPr lang="fr-FR" dirty="0"/>
+              <a:t>Habilités des utilisateurs</a:t>
+            </a:r>
+          </a:p>
+          <a:p>
+            <a:pPr marL="342900" indent="-342900" algn="just">
+              <a:buFont typeface="+mj-lt"/>
+              <a:buAutoNum type="arabicPeriod"/>
+            </a:pPr>
+            <a:r>
+              <a:rPr lang="fr-FR" dirty="0"/>
+              <a:t>Interface claire simple et conviviale</a:t>
+            </a:r>
+          </a:p>
+          <a:p>
+            <a:pPr algn="just"/>
+            <a:endParaRPr lang="fr-CA" dirty="0"/>
+          </a:p>
+        </p:txBody>
+      </p:sp>
+      <p:sp>
+        <p:nvSpPr>
+          <p:cNvPr id="3" name="Espace réservé du numéro de diapositive 2">
+            <a:extLst>
+              <a:ext uri="{FF2B5EF4-FFF2-40B4-BE49-F238E27FC236}">
+                <a16:creationId xmlns:a16="http://schemas.microsoft.com/office/drawing/2014/main" id="{D87DD88E-0C01-4825-A360-95CA1067C517}"/>
+              </a:ext>
+            </a:extLst>
+          </p:cNvPr>
+          <p:cNvSpPr>
+            <a:spLocks noGrp="1"/>
+          </p:cNvSpPr>
+          <p:nvPr>
+            <p:ph type="sldNum" sz="quarter" idx="12"/>
+          </p:nvPr>
+        </p:nvSpPr>
+        <p:spPr/>
+        <p:txBody>
+          <a:bodyPr/>
+          <a:lstStyle/>
+          <a:p>
+            <a:fld id="{7A79C5EC-18BC-4A24-B361-A108AE58E0DA}" type="slidenum">
+              <a:rPr lang="en-CA" smtClean="0"/>
+              <a:t>5</a:t>
+            </a:fld>
+            <a:endParaRPr lang="en-CA"/>
+          </a:p>
+        </p:txBody>
+      </p:sp>
     </p:spTree>
     <p:extLst>
       <p:ext uri="{BB962C8B-B14F-4D97-AF65-F5344CB8AC3E}">
-        <p14:creationId xmlns:p14="http://schemas.microsoft.com/office/powerpoint/2010/main" val="4179450566"/>
+        <p14:creationId xmlns:p14="http://schemas.microsoft.com/office/powerpoint/2010/main" val="1636209772"/>
       </p:ext>
     </p:extLst>
   </p:cSld>
@@ -8238,7 +10051,7 @@
         <p:spPr>
           <a:xfrm>
             <a:off x="2665412" y="444499"/>
-            <a:ext cx="7532688" cy="592609"/>
+            <a:ext cx="8618538" cy="592609"/>
           </a:xfrm>
         </p:spPr>
         <p:txBody>
@@ -8253,12 +10066,14 @@
               </a:lnSpc>
             </a:pPr>
             <a:r>
-              <a:rPr lang="fr-FR" sz="3100" u="sng" dirty="0">
-                <a:effectLst/>
+              <a:rPr lang="fr-FR" sz="3100" u="sng" cap="none" dirty="0">
+                <a:latin typeface="Ebrima" panose="02000000000000000000" pitchFamily="2" charset="0"/>
+                <a:ea typeface="Ebrima" panose="02000000000000000000" pitchFamily="2" charset="0"/>
+                <a:cs typeface="Ebrima" panose="02000000000000000000" pitchFamily="2" charset="0"/>
               </a:rPr>
-              <a:t>LOGICIEL POUR LE TRAVAIL EN ÉQUIPE</a:t>
-            </a:r>
-            <a:endParaRPr lang="fr-CA" sz="3100" u="sng" cap="none" dirty="0">
+              <a:t>4. PUBLIC CIBLÉ DE LA APLICATION </a:t>
+            </a:r>
+            <a:endParaRPr lang="en-CA" sz="3100" u="sng" cap="none" dirty="0">
               <a:latin typeface="Ebrima" panose="02000000000000000000" pitchFamily="2" charset="0"/>
               <a:ea typeface="Ebrima" panose="02000000000000000000" pitchFamily="2" charset="0"/>
               <a:cs typeface="Ebrima" panose="02000000000000000000" pitchFamily="2" charset="0"/>
@@ -8316,8 +10131,8 @@
         </p:nvSpPr>
         <p:spPr>
           <a:xfrm>
-            <a:off x="584200" y="1153755"/>
-            <a:ext cx="10737850" cy="2308324"/>
+            <a:off x="1054100" y="1706426"/>
+            <a:ext cx="10229850" cy="1200329"/>
           </a:xfrm>
           <a:prstGeom prst="rect">
             <a:avLst/>
@@ -8330,29 +10145,167 @@
           </a:bodyPr>
           <a:lstStyle/>
           <a:p>
-            <a:pPr lvl="0" algn="just"/>
-            <a:r>
-              <a:rPr lang="fr-FR" dirty="0"/>
-              <a:t>Pour travailler en équipe, nous utilisons le logiciel de gestion de versions Git, ce qui nous a permis de travailler très efficacement dans le développement de l'application. Ce logiciel est devenu indispensable pour permettre aux membres de l’équipe de travailler sur un même projet et donc sur le même code source.</a:t>
-            </a:r>
-          </a:p>
-          <a:p>
-            <a:pPr lvl="0" algn="just"/>
-            <a:endParaRPr lang="fr-FR" dirty="0"/>
-          </a:p>
-          <a:p>
-            <a:pPr lvl="0" algn="just"/>
-            <a:r>
-              <a:rPr lang="fr-FR" dirty="0"/>
-              <a:t>Pour nous aider à accélérer le processus, nous avons utilisé l’outil git desktop qui rend le processus de gestion des versions et les modifications du code source du projet un peu moins complexes.</a:t>
-            </a:r>
+            <a:pPr algn="just"/>
+            <a:r>
+              <a:rPr lang="fr-FR" dirty="0">
+                <a:ea typeface="Tahoma" panose="020B0604030504040204" pitchFamily="34" charset="0"/>
+                <a:cs typeface="Tahoma" panose="020B0604030504040204" pitchFamily="34" charset="0"/>
+              </a:rPr>
+              <a:t>L'application est destinée </a:t>
+            </a:r>
+            <a:r>
+              <a:rPr lang="fr-FR" b="1" dirty="0">
+                <a:ea typeface="Tahoma" panose="020B0604030504040204" pitchFamily="34" charset="0"/>
+                <a:cs typeface="Tahoma" panose="020B0604030504040204" pitchFamily="34" charset="0"/>
+              </a:rPr>
+              <a:t>à tout le monde</a:t>
+            </a:r>
+            <a:r>
+              <a:rPr lang="fr-FR" dirty="0">
+                <a:ea typeface="Tahoma" panose="020B0604030504040204" pitchFamily="34" charset="0"/>
+                <a:cs typeface="Tahoma" panose="020B0604030504040204" pitchFamily="34" charset="0"/>
+              </a:rPr>
+              <a:t>, mais au début,  pour la mettre en place, il serait important de la promouvoir auprès </a:t>
+            </a:r>
+            <a:r>
+              <a:rPr lang="fr-FR" b="1" dirty="0">
+                <a:ea typeface="Tahoma" panose="020B0604030504040204" pitchFamily="34" charset="0"/>
+                <a:cs typeface="Tahoma" panose="020B0604030504040204" pitchFamily="34" charset="0"/>
+              </a:rPr>
+              <a:t>des personnes âgées </a:t>
+            </a:r>
+            <a:r>
+              <a:rPr lang="fr-FR" dirty="0">
+                <a:ea typeface="Tahoma" panose="020B0604030504040204" pitchFamily="34" charset="0"/>
+                <a:cs typeface="Tahoma" panose="020B0604030504040204" pitchFamily="34" charset="0"/>
+              </a:rPr>
+              <a:t>et </a:t>
+            </a:r>
+            <a:r>
+              <a:rPr lang="fr-FR" b="1" dirty="0">
+                <a:ea typeface="Tahoma" panose="020B0604030504040204" pitchFamily="34" charset="0"/>
+                <a:cs typeface="Tahoma" panose="020B0604030504040204" pitchFamily="34" charset="0"/>
+              </a:rPr>
+              <a:t>des organisations communautaires</a:t>
+            </a:r>
+            <a:r>
+              <a:rPr lang="fr-FR" dirty="0">
+                <a:ea typeface="Tahoma" panose="020B0604030504040204" pitchFamily="34" charset="0"/>
+                <a:cs typeface="Tahoma" panose="020B0604030504040204" pitchFamily="34" charset="0"/>
+              </a:rPr>
+              <a:t>, puisque nous considérons que dans ce segment de la population, </a:t>
+            </a:r>
+            <a:r>
+              <a:rPr lang="fr-FR" dirty="0" err="1">
+                <a:ea typeface="Tahoma" panose="020B0604030504040204" pitchFamily="34" charset="0"/>
+                <a:cs typeface="Tahoma" panose="020B0604030504040204" pitchFamily="34" charset="0"/>
+              </a:rPr>
+              <a:t>CommunAction</a:t>
+            </a:r>
+            <a:r>
+              <a:rPr lang="fr-FR" dirty="0">
+                <a:ea typeface="Tahoma" panose="020B0604030504040204" pitchFamily="34" charset="0"/>
+                <a:cs typeface="Tahoma" panose="020B0604030504040204" pitchFamily="34" charset="0"/>
+              </a:rPr>
+              <a:t>  pourrait être très utile.</a:t>
+            </a:r>
+            <a:endParaRPr lang="en-CA" dirty="0"/>
+          </a:p>
+        </p:txBody>
+      </p:sp>
+      <p:pic>
+        <p:nvPicPr>
+          <p:cNvPr id="17" name="Image 16">
+            <a:extLst>
+              <a:ext uri="{FF2B5EF4-FFF2-40B4-BE49-F238E27FC236}">
+                <a16:creationId xmlns:a16="http://schemas.microsoft.com/office/drawing/2014/main" id="{F52C5B31-4FFC-4B0A-A56C-7BAB614A6BAB}"/>
+              </a:ext>
+            </a:extLst>
+          </p:cNvPr>
+          <p:cNvPicPr>
+            <a:picLocks noChangeAspect="1"/>
+          </p:cNvPicPr>
+          <p:nvPr/>
+        </p:nvPicPr>
+        <p:blipFill>
+          <a:blip r:embed="rId3"/>
+          <a:stretch>
+            <a:fillRect/>
+          </a:stretch>
+        </p:blipFill>
+        <p:spPr>
+          <a:xfrm>
+            <a:off x="1054100" y="3797301"/>
+            <a:ext cx="4838700" cy="2279170"/>
+          </a:xfrm>
+          <a:prstGeom prst="rect">
+            <a:avLst/>
+          </a:prstGeom>
+        </p:spPr>
+      </p:pic>
+      <p:pic>
+        <p:nvPicPr>
+          <p:cNvPr id="18" name="Image 17">
+            <a:extLst>
+              <a:ext uri="{FF2B5EF4-FFF2-40B4-BE49-F238E27FC236}">
+                <a16:creationId xmlns:a16="http://schemas.microsoft.com/office/drawing/2014/main" id="{9608F96E-99F0-43CE-9CD2-AF6787836527}"/>
+              </a:ext>
+            </a:extLst>
+          </p:cNvPr>
+          <p:cNvPicPr>
+            <a:picLocks noChangeAspect="1"/>
+          </p:cNvPicPr>
+          <p:nvPr/>
+        </p:nvPicPr>
+        <p:blipFill>
+          <a:blip r:embed="rId4"/>
+          <a:stretch>
+            <a:fillRect/>
+          </a:stretch>
+        </p:blipFill>
+        <p:spPr>
+          <a:xfrm>
+            <a:off x="6096000" y="3797301"/>
+            <a:ext cx="5444685" cy="2279170"/>
+          </a:xfrm>
+          <a:prstGeom prst="rect">
+            <a:avLst/>
+          </a:prstGeom>
+        </p:spPr>
+      </p:pic>
+      <p:sp>
+        <p:nvSpPr>
+          <p:cNvPr id="3" name="Espace réservé du numéro de diapositive 2">
+            <a:extLst>
+              <a:ext uri="{FF2B5EF4-FFF2-40B4-BE49-F238E27FC236}">
+                <a16:creationId xmlns:a16="http://schemas.microsoft.com/office/drawing/2014/main" id="{BC62C326-C9BA-4DCF-9F98-A0D0CD1BAED1}"/>
+              </a:ext>
+            </a:extLst>
+          </p:cNvPr>
+          <p:cNvSpPr>
+            <a:spLocks noGrp="1"/>
+          </p:cNvSpPr>
+          <p:nvPr>
+            <p:ph type="sldNum" sz="quarter" idx="12"/>
+          </p:nvPr>
+        </p:nvSpPr>
+        <p:spPr/>
+        <p:txBody>
+          <a:bodyPr/>
+          <a:lstStyle/>
+          <a:p>
+            <a:fld id="{7A79C5EC-18BC-4A24-B361-A108AE58E0DA}" type="slidenum">
+              <a:rPr lang="en-CA" smtClean="0"/>
+              <a:t>6</a:t>
+            </a:fld>
+            <a:endParaRPr lang="en-CA"/>
           </a:p>
         </p:txBody>
       </p:sp>
     </p:spTree>
     <p:extLst>
       <p:ext uri="{BB962C8B-B14F-4D97-AF65-F5344CB8AC3E}">
-        <p14:creationId xmlns:p14="http://schemas.microsoft.com/office/powerpoint/2010/main" val="846442801"/>
+        <p14:creationId xmlns:p14="http://schemas.microsoft.com/office/powerpoint/2010/main" val="4079947356"/>
       </p:ext>
     </p:extLst>
   </p:cSld>
@@ -8413,12 +10366,14 @@
               </a:lnSpc>
             </a:pPr>
             <a:r>
-              <a:rPr lang="fr-CA" sz="3100" u="sng" dirty="0">
-                <a:effectLst/>
+              <a:rPr lang="fr-FR" sz="3100" u="sng" cap="none" dirty="0">
+                <a:latin typeface="Ebrima" panose="02000000000000000000" pitchFamily="2" charset="0"/>
+                <a:ea typeface="Ebrima" panose="02000000000000000000" pitchFamily="2" charset="0"/>
+                <a:cs typeface="Ebrima" panose="02000000000000000000" pitchFamily="2" charset="0"/>
               </a:rPr>
-              <a:t>Programmation-objet en PHP</a:t>
-            </a:r>
-            <a:endParaRPr lang="fr-CA" sz="3100" u="sng" cap="none" dirty="0">
+              <a:t>5. MODÉLISATION DES DONNÉES</a:t>
+            </a:r>
+            <a:endParaRPr lang="en-CA" sz="3400" u="sng" cap="none" dirty="0">
               <a:latin typeface="Ebrima" panose="02000000000000000000" pitchFamily="2" charset="0"/>
               <a:ea typeface="Ebrima" panose="02000000000000000000" pitchFamily="2" charset="0"/>
               <a:cs typeface="Ebrima" panose="02000000000000000000" pitchFamily="2" charset="0"/>
@@ -8476,8 +10431,8 @@
         </p:nvSpPr>
         <p:spPr>
           <a:xfrm>
-            <a:off x="584200" y="1153755"/>
-            <a:ext cx="10737850" cy="1200329"/>
+            <a:off x="596900" y="1270403"/>
+            <a:ext cx="10737850" cy="646331"/>
           </a:xfrm>
           <a:prstGeom prst="rect">
             <a:avLst/>
@@ -8492,19 +10447,26 @@
           <a:p>
             <a:pPr lvl="0" algn="just"/>
             <a:r>
+              <a:rPr lang="fr-CA" dirty="0"/>
+              <a:t>Après la réalisation du processus de modélisation de données, diagramme entités-associations et la normalisation nous avons obtenu la basse de données suivante (</a:t>
+            </a:r>
+            <a:r>
               <a:rPr lang="fr-FR" dirty="0"/>
-              <a:t>Pour le développement du projet, nous avons utilisé le modèle DAO qui permet de faire le lien entre la couche d'accès aux données et la couche métier de notre application (classes). Il permet de mieux maîtriser les changements susceptibles d'être opérés sur le système de stockage des données. La composition est la suivante:</a:t>
-            </a:r>
-            <a:endParaRPr lang="fr-CA" dirty="0"/>
+              <a:t>sous MySQL)</a:t>
+            </a:r>
+            <a:r>
+              <a:rPr lang="fr-CA" dirty="0"/>
+              <a:t>: </a:t>
+            </a:r>
           </a:p>
         </p:txBody>
       </p:sp>
       <p:pic>
         <p:nvPicPr>
-          <p:cNvPr id="3" name="Image 2">
+          <p:cNvPr id="4" name="Image 3">
             <a:extLst>
               <a:ext uri="{FF2B5EF4-FFF2-40B4-BE49-F238E27FC236}">
-                <a16:creationId xmlns:a16="http://schemas.microsoft.com/office/drawing/2014/main" id="{97F33094-9E2D-4C56-8BE7-54D7198AED1F}"/>
+                <a16:creationId xmlns:a16="http://schemas.microsoft.com/office/drawing/2014/main" id="{89B2994E-5707-477E-9E1B-C7D1DE580504}"/>
               </a:ext>
             </a:extLst>
           </p:cNvPr>
@@ -8514,115 +10476,60 @@
           <p:nvPr/>
         </p:nvPicPr>
         <p:blipFill>
-          <a:blip r:embed="rId3"/>
+          <a:blip r:embed="rId3">
+            <a:extLst>
+              <a:ext uri="{28A0092B-C50C-407E-A947-70E740481C1C}">
+                <a14:useLocalDpi xmlns:a14="http://schemas.microsoft.com/office/drawing/2010/main" val="0"/>
+              </a:ext>
+            </a:extLst>
+          </a:blip>
           <a:stretch>
             <a:fillRect/>
           </a:stretch>
         </p:blipFill>
         <p:spPr>
           <a:xfrm>
-            <a:off x="1004646" y="2354084"/>
-            <a:ext cx="1724266" cy="4410691"/>
+            <a:off x="1694836" y="2298699"/>
+            <a:ext cx="8802328" cy="4241225"/>
           </a:xfrm>
           <a:prstGeom prst="rect">
             <a:avLst/>
           </a:prstGeom>
         </p:spPr>
       </p:pic>
-      <p:pic>
-        <p:nvPicPr>
-          <p:cNvPr id="5" name="Image 4">
+      <p:sp>
+        <p:nvSpPr>
+          <p:cNvPr id="3" name="Espace réservé du numéro de diapositive 2">
             <a:extLst>
               <a:ext uri="{FF2B5EF4-FFF2-40B4-BE49-F238E27FC236}">
-                <a16:creationId xmlns:a16="http://schemas.microsoft.com/office/drawing/2014/main" id="{29BB9359-B700-436B-8D94-1F18BFFA19FD}"/>
+                <a16:creationId xmlns:a16="http://schemas.microsoft.com/office/drawing/2014/main" id="{BD5E13AC-C742-465A-9068-304287B963A9}"/>
               </a:ext>
             </a:extLst>
           </p:cNvPr>
-          <p:cNvPicPr>
-            <a:picLocks noChangeAspect="1"/>
-          </p:cNvPicPr>
-          <p:nvPr/>
-        </p:nvPicPr>
-        <p:blipFill>
-          <a:blip r:embed="rId4"/>
-          <a:stretch>
-            <a:fillRect/>
-          </a:stretch>
-        </p:blipFill>
-        <p:spPr>
-          <a:xfrm>
-            <a:off x="3673125" y="2470731"/>
-            <a:ext cx="4458322" cy="2962688"/>
-          </a:xfrm>
-          <a:prstGeom prst="rect">
-            <a:avLst/>
-          </a:prstGeom>
-        </p:spPr>
-      </p:pic>
-      <p:pic>
-        <p:nvPicPr>
-          <p:cNvPr id="8" name="Image 7">
-            <a:extLst>
-              <a:ext uri="{FF2B5EF4-FFF2-40B4-BE49-F238E27FC236}">
-                <a16:creationId xmlns:a16="http://schemas.microsoft.com/office/drawing/2014/main" id="{233D06FA-A3A1-4780-AB9F-DC30AE161E7D}"/>
-              </a:ext>
-            </a:extLst>
-          </p:cNvPr>
-          <p:cNvPicPr>
-            <a:picLocks noChangeAspect="1"/>
-          </p:cNvPicPr>
-          <p:nvPr/>
-        </p:nvPicPr>
-        <p:blipFill>
-          <a:blip r:embed="rId5"/>
-          <a:stretch>
-            <a:fillRect/>
-          </a:stretch>
-        </p:blipFill>
-        <p:spPr>
-          <a:xfrm>
-            <a:off x="8923260" y="2144505"/>
-            <a:ext cx="2286319" cy="4620270"/>
-          </a:xfrm>
-          <a:prstGeom prst="rect">
-            <a:avLst/>
-          </a:prstGeom>
-        </p:spPr>
-      </p:pic>
-      <p:pic>
-        <p:nvPicPr>
-          <p:cNvPr id="9" name="Image 8">
-            <a:extLst>
-              <a:ext uri="{FF2B5EF4-FFF2-40B4-BE49-F238E27FC236}">
-                <a16:creationId xmlns:a16="http://schemas.microsoft.com/office/drawing/2014/main" id="{D3AE46DF-FC3D-49E3-9EE6-F36690111EB2}"/>
-              </a:ext>
-            </a:extLst>
-          </p:cNvPr>
-          <p:cNvPicPr>
-            <a:picLocks noChangeAspect="1"/>
-          </p:cNvPicPr>
-          <p:nvPr/>
-        </p:nvPicPr>
-        <p:blipFill>
-          <a:blip r:embed="rId6"/>
-          <a:stretch>
-            <a:fillRect/>
-          </a:stretch>
-        </p:blipFill>
-        <p:spPr>
-          <a:xfrm>
-            <a:off x="5154657" y="5819858"/>
-            <a:ext cx="1342857" cy="657143"/>
-          </a:xfrm>
-          <a:prstGeom prst="rect">
-            <a:avLst/>
-          </a:prstGeom>
-        </p:spPr>
-      </p:pic>
+          <p:cNvSpPr>
+            <a:spLocks noGrp="1"/>
+          </p:cNvSpPr>
+          <p:nvPr>
+            <p:ph type="sldNum" sz="quarter" idx="12"/>
+          </p:nvPr>
+        </p:nvSpPr>
+        <p:spPr/>
+        <p:txBody>
+          <a:bodyPr/>
+          <a:lstStyle/>
+          <a:p>
+            <a:fld id="{7A79C5EC-18BC-4A24-B361-A108AE58E0DA}" type="slidenum">
+              <a:rPr lang="en-CA" smtClean="0"/>
+              <a:t>7</a:t>
+            </a:fld>
+            <a:endParaRPr lang="en-CA"/>
+          </a:p>
+        </p:txBody>
+      </p:sp>
     </p:spTree>
     <p:extLst>
       <p:ext uri="{BB962C8B-B14F-4D97-AF65-F5344CB8AC3E}">
-        <p14:creationId xmlns:p14="http://schemas.microsoft.com/office/powerpoint/2010/main" val="3485152125"/>
+        <p14:creationId xmlns:p14="http://schemas.microsoft.com/office/powerpoint/2010/main" val="4179450566"/>
       </p:ext>
     </p:extLst>
   </p:cSld>
@@ -8673,7 +10580,7 @@
         </p:spPr>
         <p:txBody>
           <a:bodyPr>
-            <a:normAutofit/>
+            <a:normAutofit fontScale="90000"/>
           </a:bodyPr>
           <a:lstStyle/>
           <a:p>
@@ -8686,7 +10593,7 @@
               <a:rPr lang="fr-FR" sz="3100" u="sng" dirty="0">
                 <a:effectLst/>
               </a:rPr>
-              <a:t>UTILISATION DE CSS ET DE BOOTSTRAP</a:t>
+              <a:t>6. LOGICIEL POUR LE TRAVAIL EN ÉQUIPE</a:t>
             </a:r>
             <a:endParaRPr lang="fr-CA" sz="3100" u="sng" cap="none" dirty="0">
               <a:latin typeface="Ebrima" panose="02000000000000000000" pitchFamily="2" charset="0"/>
@@ -8746,8 +10653,8 @@
         </p:nvSpPr>
         <p:spPr>
           <a:xfrm>
-            <a:off x="584200" y="1153755"/>
-            <a:ext cx="10737850" cy="369332"/>
+            <a:off x="584200" y="1165330"/>
+            <a:ext cx="10737850" cy="2308324"/>
           </a:xfrm>
           <a:prstGeom prst="rect">
             <a:avLst/>
@@ -8763,16 +10670,132 @@
             <a:pPr lvl="0" algn="just"/>
             <a:r>
               <a:rPr lang="fr-FR" dirty="0"/>
-              <a:t>TEXTE</a:t>
-            </a:r>
-            <a:endParaRPr lang="fr-CA" dirty="0"/>
+              <a:t>Pour travailler en équipe, nous avons utilisé le logiciel de Gestion de Versions GitHub, ce qui nous a permis de travailler très efficacement dans le développement de l'application. Ce logiciel est devenu indispensable pour permettre aux membres de l’équipe de travailler sur un même projet et donc sur le même code source.</a:t>
+            </a:r>
+          </a:p>
+          <a:p>
+            <a:pPr lvl="0" algn="just"/>
+            <a:endParaRPr lang="fr-FR" dirty="0"/>
+          </a:p>
+          <a:p>
+            <a:pPr lvl="0" algn="just"/>
+            <a:r>
+              <a:rPr lang="fr-FR" dirty="0"/>
+              <a:t>Pour nous aider à accélérer le processus, nous avons utilisé l’outil git desktop qui rend le processus de gestion des versions et les modifications du code source du projet un peu moins complexes.</a:t>
+            </a:r>
+          </a:p>
+        </p:txBody>
+      </p:sp>
+      <p:pic>
+        <p:nvPicPr>
+          <p:cNvPr id="1026" name="Picture 2" descr="Resultado de imagen para github">
+            <a:extLst>
+              <a:ext uri="{FF2B5EF4-FFF2-40B4-BE49-F238E27FC236}">
+                <a16:creationId xmlns:a16="http://schemas.microsoft.com/office/drawing/2014/main" id="{74B7BB97-537D-4187-9901-1E5D6CEFB17E}"/>
+              </a:ext>
+            </a:extLst>
+          </p:cNvPr>
+          <p:cNvPicPr>
+            <a:picLocks noChangeAspect="1" noChangeArrowheads="1"/>
+          </p:cNvPicPr>
+          <p:nvPr/>
+        </p:nvPicPr>
+        <p:blipFill>
+          <a:blip r:embed="rId3">
+            <a:extLst>
+              <a:ext uri="{28A0092B-C50C-407E-A947-70E740481C1C}">
+                <a14:useLocalDpi xmlns:a14="http://schemas.microsoft.com/office/drawing/2010/main" val="0"/>
+              </a:ext>
+            </a:extLst>
+          </a:blip>
+          <a:srcRect/>
+          <a:stretch>
+            <a:fillRect/>
+          </a:stretch>
+        </p:blipFill>
+        <p:spPr bwMode="auto">
+          <a:xfrm>
+            <a:off x="1386958" y="4235288"/>
+            <a:ext cx="3514725" cy="1295400"/>
+          </a:xfrm>
+          <a:prstGeom prst="rect">
+            <a:avLst/>
+          </a:prstGeom>
+          <a:noFill/>
+          <a:extLst>
+            <a:ext uri="{909E8E84-426E-40DD-AFC4-6F175D3DCCD1}">
+              <a14:hiddenFill xmlns:a14="http://schemas.microsoft.com/office/drawing/2010/main">
+                <a:solidFill>
+                  <a:srgbClr val="FFFFFF"/>
+                </a:solidFill>
+              </a14:hiddenFill>
+            </a:ext>
+          </a:extLst>
+        </p:spPr>
+      </p:pic>
+      <p:pic>
+        <p:nvPicPr>
+          <p:cNvPr id="3" name="Image 2">
+            <a:extLst>
+              <a:ext uri="{FF2B5EF4-FFF2-40B4-BE49-F238E27FC236}">
+                <a16:creationId xmlns:a16="http://schemas.microsoft.com/office/drawing/2014/main" id="{39041F21-8BEA-48AE-A47C-6A40B77A5B5B}"/>
+              </a:ext>
+            </a:extLst>
+          </p:cNvPr>
+          <p:cNvPicPr>
+            <a:picLocks noChangeAspect="1"/>
+          </p:cNvPicPr>
+          <p:nvPr/>
+        </p:nvPicPr>
+        <p:blipFill>
+          <a:blip r:embed="rId4"/>
+          <a:stretch>
+            <a:fillRect/>
+          </a:stretch>
+        </p:blipFill>
+        <p:spPr>
+          <a:xfrm>
+            <a:off x="6759575" y="3601876"/>
+            <a:ext cx="3438525" cy="2562225"/>
+          </a:xfrm>
+          <a:prstGeom prst="rect">
+            <a:avLst/>
+          </a:prstGeom>
+        </p:spPr>
+      </p:pic>
+      <p:sp>
+        <p:nvSpPr>
+          <p:cNvPr id="4" name="Espace réservé du numéro de diapositive 3">
+            <a:extLst>
+              <a:ext uri="{FF2B5EF4-FFF2-40B4-BE49-F238E27FC236}">
+                <a16:creationId xmlns:a16="http://schemas.microsoft.com/office/drawing/2014/main" id="{241321A1-5132-4284-A6AB-B4638E27C1F5}"/>
+              </a:ext>
+            </a:extLst>
+          </p:cNvPr>
+          <p:cNvSpPr>
+            <a:spLocks noGrp="1"/>
+          </p:cNvSpPr>
+          <p:nvPr>
+            <p:ph type="sldNum" sz="quarter" idx="12"/>
+          </p:nvPr>
+        </p:nvSpPr>
+        <p:spPr/>
+        <p:txBody>
+          <a:bodyPr/>
+          <a:lstStyle/>
+          <a:p>
+            <a:fld id="{7A79C5EC-18BC-4A24-B361-A108AE58E0DA}" type="slidenum">
+              <a:rPr lang="en-CA" smtClean="0"/>
+              <a:t>8</a:t>
+            </a:fld>
+            <a:endParaRPr lang="en-CA"/>
           </a:p>
         </p:txBody>
       </p:sp>
     </p:spTree>
     <p:extLst>
       <p:ext uri="{BB962C8B-B14F-4D97-AF65-F5344CB8AC3E}">
-        <p14:creationId xmlns:p14="http://schemas.microsoft.com/office/powerpoint/2010/main" val="2219750947"/>
+        <p14:creationId xmlns:p14="http://schemas.microsoft.com/office/powerpoint/2010/main" val="846442801"/>
       </p:ext>
     </p:extLst>
   </p:cSld>
@@ -8823,26 +10846,18 @@
         </p:spPr>
         <p:txBody>
           <a:bodyPr>
-            <a:normAutofit/>
+            <a:normAutofit fontScale="90000"/>
           </a:bodyPr>
           <a:lstStyle/>
           <a:p>
-            <a:pPr>
-              <a:lnSpc>
-                <a:spcPct val="90000"/>
-              </a:lnSpc>
-            </a:pPr>
-            <a:r>
-              <a:rPr lang="fr-FR" sz="3100" u="sng" dirty="0">
-                <a:effectLst/>
+            <a:pPr algn="just"/>
+            <a:r>
+              <a:rPr lang="fr-FR" sz="3200" dirty="0">
+                <a:ea typeface="Tahoma" panose="020B0604030504040204" pitchFamily="34" charset="0"/>
+                <a:cs typeface="Tahoma" panose="020B0604030504040204" pitchFamily="34" charset="0"/>
               </a:rPr>
-              <a:t>UTILISATION DE JAVASCRIPT ET AJAX</a:t>
-            </a:r>
-            <a:endParaRPr lang="fr-CA" sz="3100" u="sng" cap="none" dirty="0">
-              <a:latin typeface="Ebrima" panose="02000000000000000000" pitchFamily="2" charset="0"/>
-              <a:ea typeface="Ebrima" panose="02000000000000000000" pitchFamily="2" charset="0"/>
-              <a:cs typeface="Ebrima" panose="02000000000000000000" pitchFamily="2" charset="0"/>
-            </a:endParaRPr>
+              <a:t>7. Architecture d'application WEB </a:t>
+            </a:r>
           </a:p>
         </p:txBody>
       </p:sp>
@@ -8896,8 +10911,8 @@
         </p:nvSpPr>
         <p:spPr>
           <a:xfrm>
-            <a:off x="584200" y="1153755"/>
-            <a:ext cx="10737850" cy="369332"/>
+            <a:off x="584200" y="1089957"/>
+            <a:ext cx="10737850" cy="1200329"/>
           </a:xfrm>
           <a:prstGeom prst="rect">
             <a:avLst/>
@@ -8913,16 +10928,345 @@
             <a:pPr lvl="0" algn="just"/>
             <a:r>
               <a:rPr lang="fr-FR" dirty="0"/>
-              <a:t>TEXTE</a:t>
+              <a:t>Pour le développement du projet, nous avons utilisé le pattern MVC qui permet de bien organiser le code source du Project. Il nous a aidé á savoir quels fichiers créer, mais surtout à définir leur rôle. Le but de MVC est justement de séparer la logique du code en trois parties. La composition est la suivante:</a:t>
             </a:r>
             <a:endParaRPr lang="fr-CA" dirty="0"/>
+          </a:p>
+        </p:txBody>
+      </p:sp>
+      <p:pic>
+        <p:nvPicPr>
+          <p:cNvPr id="9" name="Image 8">
+            <a:extLst>
+              <a:ext uri="{FF2B5EF4-FFF2-40B4-BE49-F238E27FC236}">
+                <a16:creationId xmlns:a16="http://schemas.microsoft.com/office/drawing/2014/main" id="{D3AE46DF-FC3D-49E3-9EE6-F36690111EB2}"/>
+              </a:ext>
+            </a:extLst>
+          </p:cNvPr>
+          <p:cNvPicPr>
+            <a:picLocks noChangeAspect="1"/>
+          </p:cNvPicPr>
+          <p:nvPr/>
+        </p:nvPicPr>
+        <p:blipFill>
+          <a:blip r:embed="rId3"/>
+          <a:stretch>
+            <a:fillRect/>
+          </a:stretch>
+        </p:blipFill>
+        <p:spPr>
+          <a:xfrm>
+            <a:off x="5154657" y="5819858"/>
+            <a:ext cx="1342857" cy="657143"/>
+          </a:xfrm>
+          <a:prstGeom prst="rect">
+            <a:avLst/>
+          </a:prstGeom>
+        </p:spPr>
+      </p:pic>
+      <p:grpSp>
+        <p:nvGrpSpPr>
+          <p:cNvPr id="13" name="Groupe 12">
+            <a:extLst>
+              <a:ext uri="{FF2B5EF4-FFF2-40B4-BE49-F238E27FC236}">
+                <a16:creationId xmlns:a16="http://schemas.microsoft.com/office/drawing/2014/main" id="{49C3330A-5332-4AD7-B1B9-DC31A2540CED}"/>
+              </a:ext>
+            </a:extLst>
+          </p:cNvPr>
+          <p:cNvGrpSpPr/>
+          <p:nvPr/>
+        </p:nvGrpSpPr>
+        <p:grpSpPr>
+          <a:xfrm>
+            <a:off x="1004646" y="2354084"/>
+            <a:ext cx="1734899" cy="4410691"/>
+            <a:chOff x="1004646" y="2354084"/>
+            <a:chExt cx="1734899" cy="4410691"/>
+          </a:xfrm>
+        </p:grpSpPr>
+        <p:pic>
+          <p:nvPicPr>
+            <p:cNvPr id="3" name="Image 2">
+              <a:extLst>
+                <a:ext uri="{FF2B5EF4-FFF2-40B4-BE49-F238E27FC236}">
+                  <a16:creationId xmlns:a16="http://schemas.microsoft.com/office/drawing/2014/main" id="{97F33094-9E2D-4C56-8BE7-54D7198AED1F}"/>
+                </a:ext>
+              </a:extLst>
+            </p:cNvPr>
+            <p:cNvPicPr>
+              <a:picLocks noChangeAspect="1"/>
+            </p:cNvPicPr>
+            <p:nvPr/>
+          </p:nvPicPr>
+          <p:blipFill>
+            <a:blip r:embed="rId4"/>
+            <a:stretch>
+              <a:fillRect/>
+            </a:stretch>
+          </p:blipFill>
+          <p:spPr>
+            <a:xfrm>
+              <a:off x="1004646" y="2354084"/>
+              <a:ext cx="1724266" cy="4410691"/>
+            </a:xfrm>
+            <a:prstGeom prst="rect">
+              <a:avLst/>
+            </a:prstGeom>
+          </p:spPr>
+        </p:pic>
+        <p:sp>
+          <p:nvSpPr>
+            <p:cNvPr id="4" name="ZoneTexte 3">
+              <a:extLst>
+                <a:ext uri="{FF2B5EF4-FFF2-40B4-BE49-F238E27FC236}">
+                  <a16:creationId xmlns:a16="http://schemas.microsoft.com/office/drawing/2014/main" id="{8D90AE1B-4BC2-4382-9C0A-053629D75DEC}"/>
+                </a:ext>
+              </a:extLst>
+            </p:cNvPr>
+            <p:cNvSpPr txBox="1"/>
+            <p:nvPr/>
+          </p:nvSpPr>
+          <p:spPr>
+            <a:xfrm>
+              <a:off x="1639593" y="2431588"/>
+              <a:ext cx="1099952" cy="276999"/>
+            </a:xfrm>
+            <a:prstGeom prst="rect">
+              <a:avLst/>
+            </a:prstGeom>
+            <a:noFill/>
+          </p:spPr>
+          <p:txBody>
+            <a:bodyPr wrap="square" rtlCol="0">
+              <a:spAutoFit/>
+            </a:bodyPr>
+            <a:lstStyle/>
+            <a:p>
+              <a:r>
+                <a:rPr lang="fr-CA" sz="1200" dirty="0">
+                  <a:solidFill>
+                    <a:schemeClr val="bg1"/>
+                  </a:solidFill>
+                </a:rPr>
+                <a:t>(19 Fichiers)</a:t>
+              </a:r>
+            </a:p>
+          </p:txBody>
+        </p:sp>
+      </p:grpSp>
+      <p:grpSp>
+        <p:nvGrpSpPr>
+          <p:cNvPr id="15" name="Groupe 14">
+            <a:extLst>
+              <a:ext uri="{FF2B5EF4-FFF2-40B4-BE49-F238E27FC236}">
+                <a16:creationId xmlns:a16="http://schemas.microsoft.com/office/drawing/2014/main" id="{B34CC806-0B3A-4B6D-9004-AEE474EC2AC9}"/>
+              </a:ext>
+            </a:extLst>
+          </p:cNvPr>
+          <p:cNvGrpSpPr/>
+          <p:nvPr/>
+        </p:nvGrpSpPr>
+        <p:grpSpPr>
+          <a:xfrm>
+            <a:off x="8923260" y="2144505"/>
+            <a:ext cx="2331080" cy="4620270"/>
+            <a:chOff x="8923260" y="2144505"/>
+            <a:chExt cx="2331080" cy="4620270"/>
+          </a:xfrm>
+        </p:grpSpPr>
+        <p:pic>
+          <p:nvPicPr>
+            <p:cNvPr id="8" name="Image 7">
+              <a:extLst>
+                <a:ext uri="{FF2B5EF4-FFF2-40B4-BE49-F238E27FC236}">
+                  <a16:creationId xmlns:a16="http://schemas.microsoft.com/office/drawing/2014/main" id="{233D06FA-A3A1-4780-AB9F-DC30AE161E7D}"/>
+                </a:ext>
+              </a:extLst>
+            </p:cNvPr>
+            <p:cNvPicPr>
+              <a:picLocks noChangeAspect="1"/>
+            </p:cNvPicPr>
+            <p:nvPr/>
+          </p:nvPicPr>
+          <p:blipFill>
+            <a:blip r:embed="rId5"/>
+            <a:stretch>
+              <a:fillRect/>
+            </a:stretch>
+          </p:blipFill>
+          <p:spPr>
+            <a:xfrm>
+              <a:off x="8923260" y="2144505"/>
+              <a:ext cx="2286319" cy="4620270"/>
+            </a:xfrm>
+            <a:prstGeom prst="rect">
+              <a:avLst/>
+            </a:prstGeom>
+          </p:spPr>
+        </p:pic>
+        <p:sp>
+          <p:nvSpPr>
+            <p:cNvPr id="10" name="ZoneTexte 9">
+              <a:extLst>
+                <a:ext uri="{FF2B5EF4-FFF2-40B4-BE49-F238E27FC236}">
+                  <a16:creationId xmlns:a16="http://schemas.microsoft.com/office/drawing/2014/main" id="{9B8DD328-73F3-4B85-9D6D-36620A1A621B}"/>
+                </a:ext>
+              </a:extLst>
+            </p:cNvPr>
+            <p:cNvSpPr txBox="1"/>
+            <p:nvPr/>
+          </p:nvSpPr>
+          <p:spPr>
+            <a:xfrm>
+              <a:off x="10154388" y="2271822"/>
+              <a:ext cx="1099952" cy="276999"/>
+            </a:xfrm>
+            <a:prstGeom prst="rect">
+              <a:avLst/>
+            </a:prstGeom>
+            <a:noFill/>
+          </p:spPr>
+          <p:txBody>
+            <a:bodyPr wrap="square" rtlCol="0">
+              <a:spAutoFit/>
+            </a:bodyPr>
+            <a:lstStyle/>
+            <a:p>
+              <a:r>
+                <a:rPr lang="fr-CA" sz="1200" dirty="0">
+                  <a:solidFill>
+                    <a:schemeClr val="bg1"/>
+                  </a:solidFill>
+                </a:rPr>
+                <a:t>(20 Fichiers)</a:t>
+              </a:r>
+            </a:p>
+          </p:txBody>
+        </p:sp>
+      </p:grpSp>
+      <p:grpSp>
+        <p:nvGrpSpPr>
+          <p:cNvPr id="14" name="Groupe 13">
+            <a:extLst>
+              <a:ext uri="{FF2B5EF4-FFF2-40B4-BE49-F238E27FC236}">
+                <a16:creationId xmlns:a16="http://schemas.microsoft.com/office/drawing/2014/main" id="{F984B755-A951-4CA4-A775-137CBB4C68FE}"/>
+              </a:ext>
+            </a:extLst>
+          </p:cNvPr>
+          <p:cNvGrpSpPr/>
+          <p:nvPr/>
+        </p:nvGrpSpPr>
+        <p:grpSpPr>
+          <a:xfrm>
+            <a:off x="3673125" y="2470731"/>
+            <a:ext cx="4458322" cy="2962688"/>
+            <a:chOff x="3673125" y="2470731"/>
+            <a:chExt cx="4458322" cy="2962688"/>
+          </a:xfrm>
+        </p:grpSpPr>
+        <p:pic>
+          <p:nvPicPr>
+            <p:cNvPr id="5" name="Image 4">
+              <a:extLst>
+                <a:ext uri="{FF2B5EF4-FFF2-40B4-BE49-F238E27FC236}">
+                  <a16:creationId xmlns:a16="http://schemas.microsoft.com/office/drawing/2014/main" id="{29BB9359-B700-436B-8D94-1F18BFFA19FD}"/>
+                </a:ext>
+              </a:extLst>
+            </p:cNvPr>
+            <p:cNvPicPr>
+              <a:picLocks noChangeAspect="1"/>
+            </p:cNvPicPr>
+            <p:nvPr/>
+          </p:nvPicPr>
+          <p:blipFill>
+            <a:blip r:embed="rId6"/>
+            <a:stretch>
+              <a:fillRect/>
+            </a:stretch>
+          </p:blipFill>
+          <p:spPr>
+            <a:xfrm>
+              <a:off x="3673125" y="2470731"/>
+              <a:ext cx="4458322" cy="2962688"/>
+            </a:xfrm>
+            <a:prstGeom prst="rect">
+              <a:avLst/>
+            </a:prstGeom>
+          </p:spPr>
+        </p:pic>
+        <p:sp>
+          <p:nvSpPr>
+            <p:cNvPr id="11" name="ZoneTexte 10">
+              <a:extLst>
+                <a:ext uri="{FF2B5EF4-FFF2-40B4-BE49-F238E27FC236}">
+                  <a16:creationId xmlns:a16="http://schemas.microsoft.com/office/drawing/2014/main" id="{5D0A5BC2-213F-4DC4-AEFB-26D78C7744C9}"/>
+                </a:ext>
+              </a:extLst>
+            </p:cNvPr>
+            <p:cNvSpPr txBox="1"/>
+            <p:nvPr/>
+          </p:nvSpPr>
+          <p:spPr>
+            <a:xfrm>
+              <a:off x="6293527" y="2612656"/>
+              <a:ext cx="1099952" cy="276999"/>
+            </a:xfrm>
+            <a:prstGeom prst="rect">
+              <a:avLst/>
+            </a:prstGeom>
+            <a:noFill/>
+          </p:spPr>
+          <p:txBody>
+            <a:bodyPr wrap="square" rtlCol="0">
+              <a:spAutoFit/>
+            </a:bodyPr>
+            <a:lstStyle/>
+            <a:p>
+              <a:r>
+                <a:rPr lang="fr-CA" sz="1200" dirty="0">
+                  <a:solidFill>
+                    <a:schemeClr val="bg1"/>
+                  </a:solidFill>
+                </a:rPr>
+                <a:t>(18 Fichiers)</a:t>
+              </a:r>
+            </a:p>
+          </p:txBody>
+        </p:sp>
+      </p:grpSp>
+      <p:sp>
+        <p:nvSpPr>
+          <p:cNvPr id="12" name="Espace réservé du numéro de diapositive 11">
+            <a:extLst>
+              <a:ext uri="{FF2B5EF4-FFF2-40B4-BE49-F238E27FC236}">
+                <a16:creationId xmlns:a16="http://schemas.microsoft.com/office/drawing/2014/main" id="{6C94EE64-C361-47CA-9EB1-2A761E13F250}"/>
+              </a:ext>
+            </a:extLst>
+          </p:cNvPr>
+          <p:cNvSpPr>
+            <a:spLocks noGrp="1"/>
+          </p:cNvSpPr>
+          <p:nvPr>
+            <p:ph type="sldNum" sz="quarter" idx="12"/>
+          </p:nvPr>
+        </p:nvSpPr>
+        <p:spPr/>
+        <p:txBody>
+          <a:bodyPr/>
+          <a:lstStyle/>
+          <a:p>
+            <a:fld id="{7A79C5EC-18BC-4A24-B361-A108AE58E0DA}" type="slidenum">
+              <a:rPr lang="en-CA" smtClean="0"/>
+              <a:t>9</a:t>
+            </a:fld>
+            <a:endParaRPr lang="en-CA"/>
           </a:p>
         </p:txBody>
       </p:sp>
     </p:spTree>
     <p:extLst>
       <p:ext uri="{BB962C8B-B14F-4D97-AF65-F5344CB8AC3E}">
-        <p14:creationId xmlns:p14="http://schemas.microsoft.com/office/powerpoint/2010/main" val="2785327264"/>
+        <p14:creationId xmlns:p14="http://schemas.microsoft.com/office/powerpoint/2010/main" val="3485152125"/>
       </p:ext>
     </p:extLst>
   </p:cSld>
@@ -9186,4 +11530,594 @@
     </a:ext>
   </a:extLst>
 </a:theme>
+</file>
+
+<file path=ppt/theme/theme2.xml><?xml version="1.0" encoding="utf-8"?>
+<a:theme xmlns:a="http://schemas.openxmlformats.org/drawingml/2006/main" name="Thème Office">
+  <a:themeElements>
+    <a:clrScheme name="Office">
+      <a:dk1>
+        <a:sysClr val="windowText" lastClr="000000"/>
+      </a:dk1>
+      <a:lt1>
+        <a:sysClr val="window" lastClr="FFFFFF"/>
+      </a:lt1>
+      <a:dk2>
+        <a:srgbClr val="44546A"/>
+      </a:dk2>
+      <a:lt2>
+        <a:srgbClr val="E7E6E6"/>
+      </a:lt2>
+      <a:accent1>
+        <a:srgbClr val="4472C4"/>
+      </a:accent1>
+      <a:accent2>
+        <a:srgbClr val="ED7D31"/>
+      </a:accent2>
+      <a:accent3>
+        <a:srgbClr val="A5A5A5"/>
+      </a:accent3>
+      <a:accent4>
+        <a:srgbClr val="FFC000"/>
+      </a:accent4>
+      <a:accent5>
+        <a:srgbClr val="5B9BD5"/>
+      </a:accent5>
+      <a:accent6>
+        <a:srgbClr val="70AD47"/>
+      </a:accent6>
+      <a:hlink>
+        <a:srgbClr val="0563C1"/>
+      </a:hlink>
+      <a:folHlink>
+        <a:srgbClr val="954F72"/>
+      </a:folHlink>
+    </a:clrScheme>
+    <a:fontScheme name="Office">
+      <a:majorFont>
+        <a:latin typeface="Calibri Light" panose="020F0302020204030204"/>
+        <a:ea typeface=""/>
+        <a:cs typeface=""/>
+        <a:font script="Jpan" typeface="游ゴシック Light"/>
+        <a:font script="Hang" typeface="맑은 고딕"/>
+        <a:font script="Hans" typeface="等线 Light"/>
+        <a:font script="Hant" typeface="新細明體"/>
+        <a:font script="Arab" typeface="Times New Roman"/>
+        <a:font script="Hebr" typeface="Times New Roman"/>
+        <a:font script="Thai" typeface="Angsana New"/>
+        <a:font script="Ethi" typeface="Nyala"/>
+        <a:font script="Beng" typeface="Vrinda"/>
+        <a:font script="Gujr" typeface="Shruti"/>
+        <a:font script="Khmr" typeface="MoolBoran"/>
+        <a:font script="Knda" typeface="Tunga"/>
+        <a:font script="Guru" typeface="Raavi"/>
+        <a:font script="Cans" typeface="Euphemia"/>
+        <a:font script="Cher" typeface="Plantagenet Cherokee"/>
+        <a:font script="Yiii" typeface="Microsoft Yi Baiti"/>
+        <a:font script="Tibt" typeface="Microsoft Himalaya"/>
+        <a:font script="Thaa" typeface="MV Boli"/>
+        <a:font script="Deva" typeface="Mangal"/>
+        <a:font script="Telu" typeface="Gautami"/>
+        <a:font script="Taml" typeface="Latha"/>
+        <a:font script="Syrc" typeface="Estrangelo Edessa"/>
+        <a:font script="Orya" typeface="Kalinga"/>
+        <a:font script="Mlym" typeface="Kartika"/>
+        <a:font script="Laoo" typeface="DokChampa"/>
+        <a:font script="Sinh" typeface="Iskoola Pota"/>
+        <a:font script="Mong" typeface="Mongolian Baiti"/>
+        <a:font script="Viet" typeface="Times New Roman"/>
+        <a:font script="Uigh" typeface="Microsoft Uighur"/>
+        <a:font script="Geor" typeface="Sylfaen"/>
+        <a:font script="Armn" typeface="Arial"/>
+        <a:font script="Bugi" typeface="Leelawadee UI"/>
+        <a:font script="Bopo" typeface="Microsoft JhengHei"/>
+        <a:font script="Java" typeface="Javanese Text"/>
+        <a:font script="Lisu" typeface="Segoe UI"/>
+        <a:font script="Mymr" typeface="Myanmar Text"/>
+        <a:font script="Nkoo" typeface="Ebrima"/>
+        <a:font script="Olck" typeface="Nirmala UI"/>
+        <a:font script="Osma" typeface="Ebrima"/>
+        <a:font script="Phag" typeface="Phagspa"/>
+        <a:font script="Syrn" typeface="Estrangelo Edessa"/>
+        <a:font script="Syrj" typeface="Estrangelo Edessa"/>
+        <a:font script="Syre" typeface="Estrangelo Edessa"/>
+        <a:font script="Sora" typeface="Nirmala UI"/>
+        <a:font script="Tale" typeface="Microsoft Tai Le"/>
+        <a:font script="Talu" typeface="Microsoft New Tai Lue"/>
+        <a:font script="Tfng" typeface="Ebrima"/>
+      </a:majorFont>
+      <a:minorFont>
+        <a:latin typeface="Calibri" panose="020F0502020204030204"/>
+        <a:ea typeface=""/>
+        <a:cs typeface=""/>
+        <a:font script="Jpan" typeface="游ゴシック"/>
+        <a:font script="Hang" typeface="맑은 고딕"/>
+        <a:font script="Hans" typeface="等线"/>
+        <a:font script="Hant" typeface="新細明體"/>
+        <a:font script="Arab" typeface="Arial"/>
+        <a:font script="Hebr" typeface="Arial"/>
+        <a:font script="Thai" typeface="Cordia New"/>
+        <a:font script="Ethi" typeface="Nyala"/>
+        <a:font script="Beng" typeface="Vrinda"/>
+        <a:font script="Gujr" typeface="Shruti"/>
+        <a:font script="Khmr" typeface="DaunPenh"/>
+        <a:font script="Knda" typeface="Tunga"/>
+        <a:font script="Guru" typeface="Raavi"/>
+        <a:font script="Cans" typeface="Euphemia"/>
+        <a:font script="Cher" typeface="Plantagenet Cherokee"/>
+        <a:font script="Yiii" typeface="Microsoft Yi Baiti"/>
+        <a:font script="Tibt" typeface="Microsoft Himalaya"/>
+        <a:font script="Thaa" typeface="MV Boli"/>
+        <a:font script="Deva" typeface="Mangal"/>
+        <a:font script="Telu" typeface="Gautami"/>
+        <a:font script="Taml" typeface="Latha"/>
+        <a:font script="Syrc" typeface="Estrangelo Edessa"/>
+        <a:font script="Orya" typeface="Kalinga"/>
+        <a:font script="Mlym" typeface="Kartika"/>
+        <a:font script="Laoo" typeface="DokChampa"/>
+        <a:font script="Sinh" typeface="Iskoola Pota"/>
+        <a:font script="Mong" typeface="Mongolian Baiti"/>
+        <a:font script="Viet" typeface="Arial"/>
+        <a:font script="Uigh" typeface="Microsoft Uighur"/>
+        <a:font script="Geor" typeface="Sylfaen"/>
+        <a:font script="Armn" typeface="Arial"/>
+        <a:font script="Bugi" typeface="Leelawadee UI"/>
+        <a:font script="Bopo" typeface="Microsoft JhengHei"/>
+        <a:font script="Java" typeface="Javanese Text"/>
+        <a:font script="Lisu" typeface="Segoe UI"/>
+        <a:font script="Mymr" typeface="Myanmar Text"/>
+        <a:font script="Nkoo" typeface="Ebrima"/>
+        <a:font script="Olck" typeface="Nirmala UI"/>
+        <a:font script="Osma" typeface="Ebrima"/>
+        <a:font script="Phag" typeface="Phagspa"/>
+        <a:font script="Syrn" typeface="Estrangelo Edessa"/>
+        <a:font script="Syrj" typeface="Estrangelo Edessa"/>
+        <a:font script="Syre" typeface="Estrangelo Edessa"/>
+        <a:font script="Sora" typeface="Nirmala UI"/>
+        <a:font script="Tale" typeface="Microsoft Tai Le"/>
+        <a:font script="Talu" typeface="Microsoft New Tai Lue"/>
+        <a:font script="Tfng" typeface="Ebrima"/>
+      </a:minorFont>
+    </a:fontScheme>
+    <a:fmtScheme name="Office">
+      <a:fillStyleLst>
+        <a:solidFill>
+          <a:schemeClr val="phClr"/>
+        </a:solidFill>
+        <a:gradFill rotWithShape="1">
+          <a:gsLst>
+            <a:gs pos="0">
+              <a:schemeClr val="phClr">
+                <a:lumMod val="110000"/>
+                <a:satMod val="105000"/>
+                <a:tint val="67000"/>
+              </a:schemeClr>
+            </a:gs>
+            <a:gs pos="50000">
+              <a:schemeClr val="phClr">
+                <a:lumMod val="105000"/>
+                <a:satMod val="103000"/>
+                <a:tint val="73000"/>
+              </a:schemeClr>
+            </a:gs>
+            <a:gs pos="100000">
+              <a:schemeClr val="phClr">
+                <a:lumMod val="105000"/>
+                <a:satMod val="109000"/>
+                <a:tint val="81000"/>
+              </a:schemeClr>
+            </a:gs>
+          </a:gsLst>
+          <a:lin ang="5400000" scaled="0"/>
+        </a:gradFill>
+        <a:gradFill rotWithShape="1">
+          <a:gsLst>
+            <a:gs pos="0">
+              <a:schemeClr val="phClr">
+                <a:satMod val="103000"/>
+                <a:lumMod val="102000"/>
+                <a:tint val="94000"/>
+              </a:schemeClr>
+            </a:gs>
+            <a:gs pos="50000">
+              <a:schemeClr val="phClr">
+                <a:satMod val="110000"/>
+                <a:lumMod val="100000"/>
+                <a:shade val="100000"/>
+              </a:schemeClr>
+            </a:gs>
+            <a:gs pos="100000">
+              <a:schemeClr val="phClr">
+                <a:lumMod val="99000"/>
+                <a:satMod val="120000"/>
+                <a:shade val="78000"/>
+              </a:schemeClr>
+            </a:gs>
+          </a:gsLst>
+          <a:lin ang="5400000" scaled="0"/>
+        </a:gradFill>
+      </a:fillStyleLst>
+      <a:lnStyleLst>
+        <a:ln w="6350" cap="flat" cmpd="sng" algn="ctr">
+          <a:solidFill>
+            <a:schemeClr val="phClr"/>
+          </a:solidFill>
+          <a:prstDash val="solid"/>
+          <a:miter lim="800000"/>
+        </a:ln>
+        <a:ln w="12700" cap="flat" cmpd="sng" algn="ctr">
+          <a:solidFill>
+            <a:schemeClr val="phClr"/>
+          </a:solidFill>
+          <a:prstDash val="solid"/>
+          <a:miter lim="800000"/>
+        </a:ln>
+        <a:ln w="19050" cap="flat" cmpd="sng" algn="ctr">
+          <a:solidFill>
+            <a:schemeClr val="phClr"/>
+          </a:solidFill>
+          <a:prstDash val="solid"/>
+          <a:miter lim="800000"/>
+        </a:ln>
+      </a:lnStyleLst>
+      <a:effectStyleLst>
+        <a:effectStyle>
+          <a:effectLst/>
+        </a:effectStyle>
+        <a:effectStyle>
+          <a:effectLst/>
+        </a:effectStyle>
+        <a:effectStyle>
+          <a:effectLst>
+            <a:outerShdw blurRad="57150" dist="19050" dir="5400000" algn="ctr" rotWithShape="0">
+              <a:srgbClr val="000000">
+                <a:alpha val="63000"/>
+              </a:srgbClr>
+            </a:outerShdw>
+          </a:effectLst>
+        </a:effectStyle>
+      </a:effectStyleLst>
+      <a:bgFillStyleLst>
+        <a:solidFill>
+          <a:schemeClr val="phClr"/>
+        </a:solidFill>
+        <a:solidFill>
+          <a:schemeClr val="phClr">
+            <a:tint val="95000"/>
+            <a:satMod val="170000"/>
+          </a:schemeClr>
+        </a:solidFill>
+        <a:gradFill rotWithShape="1">
+          <a:gsLst>
+            <a:gs pos="0">
+              <a:schemeClr val="phClr">
+                <a:tint val="93000"/>
+                <a:satMod val="150000"/>
+                <a:shade val="98000"/>
+                <a:lumMod val="102000"/>
+              </a:schemeClr>
+            </a:gs>
+            <a:gs pos="50000">
+              <a:schemeClr val="phClr">
+                <a:tint val="98000"/>
+                <a:satMod val="130000"/>
+                <a:shade val="90000"/>
+                <a:lumMod val="103000"/>
+              </a:schemeClr>
+            </a:gs>
+            <a:gs pos="100000">
+              <a:schemeClr val="phClr">
+                <a:shade val="63000"/>
+                <a:satMod val="120000"/>
+              </a:schemeClr>
+            </a:gs>
+          </a:gsLst>
+          <a:lin ang="5400000" scaled="0"/>
+        </a:gradFill>
+      </a:bgFillStyleLst>
+    </a:fmtScheme>
+  </a:themeElements>
+  <a:objectDefaults/>
+  <a:extraClrSchemeLst/>
+  <a:extLst>
+    <a:ext uri="{05A4C25C-085E-4340-85A3-A5531E510DB2}">
+      <thm15:themeFamily xmlns:thm15="http://schemas.microsoft.com/office/thememl/2012/main" name="Office Theme" id="{62F939B6-93AF-4DB8-9C6B-D6C7DFDC589F}" vid="{4A3C46E8-61CC-4603-A589-7422A47A8E4A}"/>
+    </a:ext>
+  </a:extLst>
+</a:theme>
+</file>
+
+<file path=ppt/theme/theme3.xml><?xml version="1.0" encoding="utf-8"?>
+<a:theme xmlns:a="http://schemas.openxmlformats.org/drawingml/2006/main" name="Thème Office">
+  <a:themeElements>
+    <a:clrScheme name="Office">
+      <a:dk1>
+        <a:sysClr val="windowText" lastClr="000000"/>
+      </a:dk1>
+      <a:lt1>
+        <a:sysClr val="window" lastClr="FFFFFF"/>
+      </a:lt1>
+      <a:dk2>
+        <a:srgbClr val="44546A"/>
+      </a:dk2>
+      <a:lt2>
+        <a:srgbClr val="E7E6E6"/>
+      </a:lt2>
+      <a:accent1>
+        <a:srgbClr val="4472C4"/>
+      </a:accent1>
+      <a:accent2>
+        <a:srgbClr val="ED7D31"/>
+      </a:accent2>
+      <a:accent3>
+        <a:srgbClr val="A5A5A5"/>
+      </a:accent3>
+      <a:accent4>
+        <a:srgbClr val="FFC000"/>
+      </a:accent4>
+      <a:accent5>
+        <a:srgbClr val="5B9BD5"/>
+      </a:accent5>
+      <a:accent6>
+        <a:srgbClr val="70AD47"/>
+      </a:accent6>
+      <a:hlink>
+        <a:srgbClr val="0563C1"/>
+      </a:hlink>
+      <a:folHlink>
+        <a:srgbClr val="954F72"/>
+      </a:folHlink>
+    </a:clrScheme>
+    <a:fontScheme name="Office">
+      <a:majorFont>
+        <a:latin typeface="Calibri Light" panose="020F0302020204030204"/>
+        <a:ea typeface=""/>
+        <a:cs typeface=""/>
+        <a:font script="Jpan" typeface="游ゴシック Light"/>
+        <a:font script="Hang" typeface="맑은 고딕"/>
+        <a:font script="Hans" typeface="等线 Light"/>
+        <a:font script="Hant" typeface="新細明體"/>
+        <a:font script="Arab" typeface="Times New Roman"/>
+        <a:font script="Hebr" typeface="Times New Roman"/>
+        <a:font script="Thai" typeface="Angsana New"/>
+        <a:font script="Ethi" typeface="Nyala"/>
+        <a:font script="Beng" typeface="Vrinda"/>
+        <a:font script="Gujr" typeface="Shruti"/>
+        <a:font script="Khmr" typeface="MoolBoran"/>
+        <a:font script="Knda" typeface="Tunga"/>
+        <a:font script="Guru" typeface="Raavi"/>
+        <a:font script="Cans" typeface="Euphemia"/>
+        <a:font script="Cher" typeface="Plantagenet Cherokee"/>
+        <a:font script="Yiii" typeface="Microsoft Yi Baiti"/>
+        <a:font script="Tibt" typeface="Microsoft Himalaya"/>
+        <a:font script="Thaa" typeface="MV Boli"/>
+        <a:font script="Deva" typeface="Mangal"/>
+        <a:font script="Telu" typeface="Gautami"/>
+        <a:font script="Taml" typeface="Latha"/>
+        <a:font script="Syrc" typeface="Estrangelo Edessa"/>
+        <a:font script="Orya" typeface="Kalinga"/>
+        <a:font script="Mlym" typeface="Kartika"/>
+        <a:font script="Laoo" typeface="DokChampa"/>
+        <a:font script="Sinh" typeface="Iskoola Pota"/>
+        <a:font script="Mong" typeface="Mongolian Baiti"/>
+        <a:font script="Viet" typeface="Times New Roman"/>
+        <a:font script="Uigh" typeface="Microsoft Uighur"/>
+        <a:font script="Geor" typeface="Sylfaen"/>
+        <a:font script="Armn" typeface="Arial"/>
+        <a:font script="Bugi" typeface="Leelawadee UI"/>
+        <a:font script="Bopo" typeface="Microsoft JhengHei"/>
+        <a:font script="Java" typeface="Javanese Text"/>
+        <a:font script="Lisu" typeface="Segoe UI"/>
+        <a:font script="Mymr" typeface="Myanmar Text"/>
+        <a:font script="Nkoo" typeface="Ebrima"/>
+        <a:font script="Olck" typeface="Nirmala UI"/>
+        <a:font script="Osma" typeface="Ebrima"/>
+        <a:font script="Phag" typeface="Phagspa"/>
+        <a:font script="Syrn" typeface="Estrangelo Edessa"/>
+        <a:font script="Syrj" typeface="Estrangelo Edessa"/>
+        <a:font script="Syre" typeface="Estrangelo Edessa"/>
+        <a:font script="Sora" typeface="Nirmala UI"/>
+        <a:font script="Tale" typeface="Microsoft Tai Le"/>
+        <a:font script="Talu" typeface="Microsoft New Tai Lue"/>
+        <a:font script="Tfng" typeface="Ebrima"/>
+      </a:majorFont>
+      <a:minorFont>
+        <a:latin typeface="Calibri" panose="020F0502020204030204"/>
+        <a:ea typeface=""/>
+        <a:cs typeface=""/>
+        <a:font script="Jpan" typeface="游ゴシック"/>
+        <a:font script="Hang" typeface="맑은 고딕"/>
+        <a:font script="Hans" typeface="等线"/>
+        <a:font script="Hant" typeface="新細明體"/>
+        <a:font script="Arab" typeface="Arial"/>
+        <a:font script="Hebr" typeface="Arial"/>
+        <a:font script="Thai" typeface="Cordia New"/>
+        <a:font script="Ethi" typeface="Nyala"/>
+        <a:font script="Beng" typeface="Vrinda"/>
+        <a:font script="Gujr" typeface="Shruti"/>
+        <a:font script="Khmr" typeface="DaunPenh"/>
+        <a:font script="Knda" typeface="Tunga"/>
+        <a:font script="Guru" typeface="Raavi"/>
+        <a:font script="Cans" typeface="Euphemia"/>
+        <a:font script="Cher" typeface="Plantagenet Cherokee"/>
+        <a:font script="Yiii" typeface="Microsoft Yi Baiti"/>
+        <a:font script="Tibt" typeface="Microsoft Himalaya"/>
+        <a:font script="Thaa" typeface="MV Boli"/>
+        <a:font script="Deva" typeface="Mangal"/>
+        <a:font script="Telu" typeface="Gautami"/>
+        <a:font script="Taml" typeface="Latha"/>
+        <a:font script="Syrc" typeface="Estrangelo Edessa"/>
+        <a:font script="Orya" typeface="Kalinga"/>
+        <a:font script="Mlym" typeface="Kartika"/>
+        <a:font script="Laoo" typeface="DokChampa"/>
+        <a:font script="Sinh" typeface="Iskoola Pota"/>
+        <a:font script="Mong" typeface="Mongolian Baiti"/>
+        <a:font script="Viet" typeface="Arial"/>
+        <a:font script="Uigh" typeface="Microsoft Uighur"/>
+        <a:font script="Geor" typeface="Sylfaen"/>
+        <a:font script="Armn" typeface="Arial"/>
+        <a:font script="Bugi" typeface="Leelawadee UI"/>
+        <a:font script="Bopo" typeface="Microsoft JhengHei"/>
+        <a:font script="Java" typeface="Javanese Text"/>
+        <a:font script="Lisu" typeface="Segoe UI"/>
+        <a:font script="Mymr" typeface="Myanmar Text"/>
+        <a:font script="Nkoo" typeface="Ebrima"/>
+        <a:font script="Olck" typeface="Nirmala UI"/>
+        <a:font script="Osma" typeface="Ebrima"/>
+        <a:font script="Phag" typeface="Phagspa"/>
+        <a:font script="Syrn" typeface="Estrangelo Edessa"/>
+        <a:font script="Syrj" typeface="Estrangelo Edessa"/>
+        <a:font script="Syre" typeface="Estrangelo Edessa"/>
+        <a:font script="Sora" typeface="Nirmala UI"/>
+        <a:font script="Tale" typeface="Microsoft Tai Le"/>
+        <a:font script="Talu" typeface="Microsoft New Tai Lue"/>
+        <a:font script="Tfng" typeface="Ebrima"/>
+      </a:minorFont>
+    </a:fontScheme>
+    <a:fmtScheme name="Office">
+      <a:fillStyleLst>
+        <a:solidFill>
+          <a:schemeClr val="phClr"/>
+        </a:solidFill>
+        <a:gradFill rotWithShape="1">
+          <a:gsLst>
+            <a:gs pos="0">
+              <a:schemeClr val="phClr">
+                <a:lumMod val="110000"/>
+                <a:satMod val="105000"/>
+                <a:tint val="67000"/>
+              </a:schemeClr>
+            </a:gs>
+            <a:gs pos="50000">
+              <a:schemeClr val="phClr">
+                <a:lumMod val="105000"/>
+                <a:satMod val="103000"/>
+                <a:tint val="73000"/>
+              </a:schemeClr>
+            </a:gs>
+            <a:gs pos="100000">
+              <a:schemeClr val="phClr">
+                <a:lumMod val="105000"/>
+                <a:satMod val="109000"/>
+                <a:tint val="81000"/>
+              </a:schemeClr>
+            </a:gs>
+          </a:gsLst>
+          <a:lin ang="5400000" scaled="0"/>
+        </a:gradFill>
+        <a:gradFill rotWithShape="1">
+          <a:gsLst>
+            <a:gs pos="0">
+              <a:schemeClr val="phClr">
+                <a:satMod val="103000"/>
+                <a:lumMod val="102000"/>
+                <a:tint val="94000"/>
+              </a:schemeClr>
+            </a:gs>
+            <a:gs pos="50000">
+              <a:schemeClr val="phClr">
+                <a:satMod val="110000"/>
+                <a:lumMod val="100000"/>
+                <a:shade val="100000"/>
+              </a:schemeClr>
+            </a:gs>
+            <a:gs pos="100000">
+              <a:schemeClr val="phClr">
+                <a:lumMod val="99000"/>
+                <a:satMod val="120000"/>
+                <a:shade val="78000"/>
+              </a:schemeClr>
+            </a:gs>
+          </a:gsLst>
+          <a:lin ang="5400000" scaled="0"/>
+        </a:gradFill>
+      </a:fillStyleLst>
+      <a:lnStyleLst>
+        <a:ln w="6350" cap="flat" cmpd="sng" algn="ctr">
+          <a:solidFill>
+            <a:schemeClr val="phClr"/>
+          </a:solidFill>
+          <a:prstDash val="solid"/>
+          <a:miter lim="800000"/>
+        </a:ln>
+        <a:ln w="12700" cap="flat" cmpd="sng" algn="ctr">
+          <a:solidFill>
+            <a:schemeClr val="phClr"/>
+          </a:solidFill>
+          <a:prstDash val="solid"/>
+          <a:miter lim="800000"/>
+        </a:ln>
+        <a:ln w="19050" cap="flat" cmpd="sng" algn="ctr">
+          <a:solidFill>
+            <a:schemeClr val="phClr"/>
+          </a:solidFill>
+          <a:prstDash val="solid"/>
+          <a:miter lim="800000"/>
+        </a:ln>
+      </a:lnStyleLst>
+      <a:effectStyleLst>
+        <a:effectStyle>
+          <a:effectLst/>
+        </a:effectStyle>
+        <a:effectStyle>
+          <a:effectLst/>
+        </a:effectStyle>
+        <a:effectStyle>
+          <a:effectLst>
+            <a:outerShdw blurRad="57150" dist="19050" dir="5400000" algn="ctr" rotWithShape="0">
+              <a:srgbClr val="000000">
+                <a:alpha val="63000"/>
+              </a:srgbClr>
+            </a:outerShdw>
+          </a:effectLst>
+        </a:effectStyle>
+      </a:effectStyleLst>
+      <a:bgFillStyleLst>
+        <a:solidFill>
+          <a:schemeClr val="phClr"/>
+        </a:solidFill>
+        <a:solidFill>
+          <a:schemeClr val="phClr">
+            <a:tint val="95000"/>
+            <a:satMod val="170000"/>
+          </a:schemeClr>
+        </a:solidFill>
+        <a:gradFill rotWithShape="1">
+          <a:gsLst>
+            <a:gs pos="0">
+              <a:schemeClr val="phClr">
+                <a:tint val="93000"/>
+                <a:satMod val="150000"/>
+                <a:shade val="98000"/>
+                <a:lumMod val="102000"/>
+              </a:schemeClr>
+            </a:gs>
+            <a:gs pos="50000">
+              <a:schemeClr val="phClr">
+                <a:tint val="98000"/>
+                <a:satMod val="130000"/>
+                <a:shade val="90000"/>
+                <a:lumMod val="103000"/>
+              </a:schemeClr>
+            </a:gs>
+            <a:gs pos="100000">
+              <a:schemeClr val="phClr">
+                <a:shade val="63000"/>
+                <a:satMod val="120000"/>
+              </a:schemeClr>
+            </a:gs>
+          </a:gsLst>
+          <a:lin ang="5400000" scaled="0"/>
+        </a:gradFill>
+      </a:bgFillStyleLst>
+    </a:fmtScheme>
+  </a:themeElements>
+  <a:objectDefaults/>
+  <a:extraClrSchemeLst/>
+  <a:extLst>
+    <a:ext uri="{05A4C25C-085E-4340-85A3-A5531E510DB2}">
+      <thm15:themeFamily xmlns:thm15="http://schemas.microsoft.com/office/thememl/2012/main" name="Office Theme" id="{62F939B6-93AF-4DB8-9C6B-D6C7DFDC589F}" vid="{4A3C46E8-61CC-4603-A589-7422A47A8E4A}"/>
+    </a:ext>
+  </a:extLst>
+</a:theme>
 </file>
--- a/presentation/CommunAction.pptx
+++ b/presentation/CommunAction.pptx
@@ -5,10 +5,10 @@
     <p:sldMasterId id="2147483708" r:id="rId1"/>
   </p:sldMasterIdLst>
   <p:notesMasterIdLst>
-    <p:notesMasterId r:id="rId16"/>
+    <p:notesMasterId r:id="rId17"/>
   </p:notesMasterIdLst>
   <p:handoutMasterIdLst>
-    <p:handoutMasterId r:id="rId17"/>
+    <p:handoutMasterId r:id="rId18"/>
   </p:handoutMasterIdLst>
   <p:sldIdLst>
     <p:sldId id="256" r:id="rId2"/>
@@ -20,11 +20,12 @@
     <p:sldId id="260" r:id="rId8"/>
     <p:sldId id="261" r:id="rId9"/>
     <p:sldId id="264" r:id="rId10"/>
-    <p:sldId id="262" r:id="rId11"/>
-    <p:sldId id="263" r:id="rId12"/>
-    <p:sldId id="266" r:id="rId13"/>
-    <p:sldId id="265" r:id="rId14"/>
-    <p:sldId id="267" r:id="rId15"/>
+    <p:sldId id="271" r:id="rId11"/>
+    <p:sldId id="262" r:id="rId12"/>
+    <p:sldId id="263" r:id="rId13"/>
+    <p:sldId id="266" r:id="rId14"/>
+    <p:sldId id="265" r:id="rId15"/>
+    <p:sldId id="267" r:id="rId16"/>
   </p:sldIdLst>
   <p:sldSz cx="12192000" cy="6858000"/>
   <p:notesSz cx="6858000" cy="9144000"/>
@@ -270,7 +271,7 @@
           <p:cNvPr id="2" name="Espace réservé de l'en-tête 1">
             <a:extLst>
               <a:ext uri="{FF2B5EF4-FFF2-40B4-BE49-F238E27FC236}">
-                <a16:creationId xmlns:a16="http://schemas.microsoft.com/office/drawing/2014/main" xmlns="" id="{8644760A-0CED-4524-B0B6-28C2BD5D95B8}"/>
+                <a16:creationId xmlns:a16="http://schemas.microsoft.com/office/drawing/2014/main" id="{8644760A-0CED-4524-B0B6-28C2BD5D95B8}"/>
               </a:ext>
             </a:extLst>
           </p:cNvPr>
@@ -307,7 +308,7 @@
           <p:cNvPr id="3" name="Espace réservé de la date 2">
             <a:extLst>
               <a:ext uri="{FF2B5EF4-FFF2-40B4-BE49-F238E27FC236}">
-                <a16:creationId xmlns:a16="http://schemas.microsoft.com/office/drawing/2014/main" xmlns="" id="{51C3BB30-F71D-4779-A03A-DE3D020254B6}"/>
+                <a16:creationId xmlns:a16="http://schemas.microsoft.com/office/drawing/2014/main" id="{51C3BB30-F71D-4779-A03A-DE3D020254B6}"/>
               </a:ext>
             </a:extLst>
           </p:cNvPr>
@@ -337,7 +338,7 @@
           <a:p>
             <a:fld id="{B8A3D528-FB5C-4D45-B05E-18CF8F8001C6}" type="datetimeFigureOut">
               <a:rPr lang="en-CA" smtClean="0"/>
-              <a:t>25/10/2019</a:t>
+              <a:t>2019-10-27</a:t>
             </a:fld>
             <a:endParaRPr lang="en-CA"/>
           </a:p>
@@ -348,7 +349,7 @@
           <p:cNvPr id="4" name="Espace réservé du pied de page 3">
             <a:extLst>
               <a:ext uri="{FF2B5EF4-FFF2-40B4-BE49-F238E27FC236}">
-                <a16:creationId xmlns:a16="http://schemas.microsoft.com/office/drawing/2014/main" xmlns="" id="{8B39467F-21FB-49F1-9E77-21A51F430FAB}"/>
+                <a16:creationId xmlns:a16="http://schemas.microsoft.com/office/drawing/2014/main" id="{8B39467F-21FB-49F1-9E77-21A51F430FAB}"/>
               </a:ext>
             </a:extLst>
           </p:cNvPr>
@@ -385,7 +386,7 @@
           <p:cNvPr id="5" name="Espace réservé du numéro de diapositive 4">
             <a:extLst>
               <a:ext uri="{FF2B5EF4-FFF2-40B4-BE49-F238E27FC236}">
-                <a16:creationId xmlns:a16="http://schemas.microsoft.com/office/drawing/2014/main" xmlns="" id="{218DCF81-67A6-4D3D-AE8E-A44BBF1A1636}"/>
+                <a16:creationId xmlns:a16="http://schemas.microsoft.com/office/drawing/2014/main" id="{218DCF81-67A6-4D3D-AE8E-A44BBF1A1636}"/>
               </a:ext>
             </a:extLst>
           </p:cNvPr>
@@ -415,7 +416,7 @@
           <a:p>
             <a:fld id="{FD9A5612-4E0F-4985-85AE-C8E4DCDB60DD}" type="slidenum">
               <a:rPr lang="en-CA" smtClean="0"/>
-              <a:t>‹N°›</a:t>
+              <a:t>‹#›</a:t>
             </a:fld>
             <a:endParaRPr lang="en-CA"/>
           </a:p>
@@ -515,7 +516,7 @@
           <a:p>
             <a:fld id="{ED4450BA-E74B-4074-B01F-20A4D35CD716}" type="datetimeFigureOut">
               <a:rPr lang="en-CA" smtClean="0"/>
-              <a:t>25/10/2019</a:t>
+              <a:t>2019-10-27</a:t>
             </a:fld>
             <a:endParaRPr lang="en-CA"/>
           </a:p>
@@ -674,7 +675,7 @@
           <a:p>
             <a:fld id="{6E5469D4-D0FB-46F0-B698-EB03AAEACC1A}" type="slidenum">
               <a:rPr lang="en-CA" smtClean="0"/>
-              <a:t>‹N°›</a:t>
+              <a:t>‹#›</a:t>
             </a:fld>
             <a:endParaRPr lang="en-CA"/>
           </a:p>
@@ -913,10 +914,9 @@
           <a:lstStyle/>
           <a:p>
             <a:r>
-              <a:rPr lang="fr-CA" dirty="0" smtClean="0"/>
+              <a:rPr lang="fr-CA" dirty="0"/>
               <a:t>Samuel</a:t>
             </a:r>
-            <a:endParaRPr lang="fr-CA" dirty="0"/>
           </a:p>
         </p:txBody>
       </p:sp>
@@ -946,7 +946,7 @@
     </p:spTree>
     <p:extLst>
       <p:ext uri="{BB962C8B-B14F-4D97-AF65-F5344CB8AC3E}">
-        <p14:creationId xmlns:p14="http://schemas.microsoft.com/office/powerpoint/2010/main" val="2507687496"/>
+        <p14:creationId xmlns:p14="http://schemas.microsoft.com/office/powerpoint/2010/main" val="3089951461"/>
       </p:ext>
     </p:extLst>
   </p:cSld>
@@ -1001,10 +1001,9 @@
           <a:lstStyle/>
           <a:p>
             <a:r>
-              <a:rPr lang="fr-CA" dirty="0" smtClean="0"/>
+              <a:rPr lang="fr-CA" dirty="0"/>
               <a:t>Samuel</a:t>
             </a:r>
-            <a:endParaRPr lang="fr-CA" dirty="0"/>
           </a:p>
         </p:txBody>
       </p:sp>
@@ -1034,7 +1033,7 @@
     </p:spTree>
     <p:extLst>
       <p:ext uri="{BB962C8B-B14F-4D97-AF65-F5344CB8AC3E}">
-        <p14:creationId xmlns:p14="http://schemas.microsoft.com/office/powerpoint/2010/main" val="1032896687"/>
+        <p14:creationId xmlns:p14="http://schemas.microsoft.com/office/powerpoint/2010/main" val="2507687496"/>
       </p:ext>
     </p:extLst>
   </p:cSld>
@@ -1089,16 +1088,9 @@
           <a:lstStyle/>
           <a:p>
             <a:r>
-              <a:rPr lang="fr-CA" dirty="0" smtClean="0"/>
-              <a:t>John 1-2</a:t>
-            </a:r>
-          </a:p>
-          <a:p>
-            <a:r>
-              <a:rPr lang="fr-CA" dirty="0" smtClean="0"/>
-              <a:t>Samuel 3-4</a:t>
-            </a:r>
-            <a:endParaRPr lang="fr-CA" dirty="0"/>
+              <a:rPr lang="fr-CA" dirty="0"/>
+              <a:t>Samuel</a:t>
+            </a:r>
           </a:p>
         </p:txBody>
       </p:sp>
@@ -1128,7 +1120,7 @@
     </p:spTree>
     <p:extLst>
       <p:ext uri="{BB962C8B-B14F-4D97-AF65-F5344CB8AC3E}">
-        <p14:creationId xmlns:p14="http://schemas.microsoft.com/office/powerpoint/2010/main" val="466581105"/>
+        <p14:creationId xmlns:p14="http://schemas.microsoft.com/office/powerpoint/2010/main" val="1032896687"/>
       </p:ext>
     </p:extLst>
   </p:cSld>
@@ -1183,17 +1175,15 @@
           <a:lstStyle/>
           <a:p>
             <a:r>
-              <a:rPr lang="fr-CA" smtClean="0"/>
-              <a:t>John 4-5-6</a:t>
-            </a:r>
-            <a:endParaRPr lang="fr-CA" dirty="0" smtClean="0"/>
-          </a:p>
-          <a:p>
-            <a:r>
-              <a:rPr lang="fr-CA" dirty="0" smtClean="0"/>
-              <a:t>Samuel 1-2-3</a:t>
-            </a:r>
-            <a:endParaRPr lang="fr-CA" dirty="0"/>
+              <a:rPr lang="fr-CA" dirty="0"/>
+              <a:t>John 1-2</a:t>
+            </a:r>
+          </a:p>
+          <a:p>
+            <a:r>
+              <a:rPr lang="fr-CA" dirty="0"/>
+              <a:t>Samuel 3-4</a:t>
+            </a:r>
           </a:p>
         </p:txBody>
       </p:sp>
@@ -1215,6 +1205,100 @@
             <a:fld id="{6E5469D4-D0FB-46F0-B698-EB03AAEACC1A}" type="slidenum">
               <a:rPr lang="en-CA" smtClean="0"/>
               <a:t>13</a:t>
+            </a:fld>
+            <a:endParaRPr lang="en-CA"/>
+          </a:p>
+        </p:txBody>
+      </p:sp>
+    </p:spTree>
+    <p:extLst>
+      <p:ext uri="{BB962C8B-B14F-4D97-AF65-F5344CB8AC3E}">
+        <p14:creationId xmlns:p14="http://schemas.microsoft.com/office/powerpoint/2010/main" val="466581105"/>
+      </p:ext>
+    </p:extLst>
+  </p:cSld>
+  <p:clrMapOvr>
+    <a:masterClrMapping/>
+  </p:clrMapOvr>
+</p:notes>
+</file>
+
+<file path=ppt/notesSlides/notesSlide14.xml><?xml version="1.0" encoding="utf-8"?>
+<p:notes xmlns:a="http://schemas.openxmlformats.org/drawingml/2006/main" xmlns:r="http://schemas.openxmlformats.org/officeDocument/2006/relationships" xmlns:p="http://schemas.openxmlformats.org/presentationml/2006/main">
+  <p:cSld>
+    <p:spTree>
+      <p:nvGrpSpPr>
+        <p:cNvPr id="1" name=""/>
+        <p:cNvGrpSpPr/>
+        <p:nvPr/>
+      </p:nvGrpSpPr>
+      <p:grpSpPr>
+        <a:xfrm>
+          <a:off x="0" y="0"/>
+          <a:ext cx="0" cy="0"/>
+          <a:chOff x="0" y="0"/>
+          <a:chExt cx="0" cy="0"/>
+        </a:xfrm>
+      </p:grpSpPr>
+      <p:sp>
+        <p:nvSpPr>
+          <p:cNvPr id="2" name="Espace réservé de l'image des diapositives 1"/>
+          <p:cNvSpPr>
+            <a:spLocks noGrp="1" noRot="1" noChangeAspect="1"/>
+          </p:cNvSpPr>
+          <p:nvPr>
+            <p:ph type="sldImg"/>
+          </p:nvPr>
+        </p:nvSpPr>
+        <p:spPr/>
+      </p:sp>
+      <p:sp>
+        <p:nvSpPr>
+          <p:cNvPr id="3" name="Espace réservé des commentaires 2"/>
+          <p:cNvSpPr>
+            <a:spLocks noGrp="1"/>
+          </p:cNvSpPr>
+          <p:nvPr>
+            <p:ph type="body" idx="1"/>
+          </p:nvPr>
+        </p:nvSpPr>
+        <p:spPr/>
+        <p:txBody>
+          <a:bodyPr/>
+          <a:lstStyle/>
+          <a:p>
+            <a:r>
+              <a:rPr lang="fr-CA"/>
+              <a:t>John 4-5-6</a:t>
+            </a:r>
+            <a:endParaRPr lang="fr-CA" dirty="0"/>
+          </a:p>
+          <a:p>
+            <a:r>
+              <a:rPr lang="fr-CA" dirty="0"/>
+              <a:t>Samuel 1-2-3</a:t>
+            </a:r>
+          </a:p>
+        </p:txBody>
+      </p:sp>
+      <p:sp>
+        <p:nvSpPr>
+          <p:cNvPr id="4" name="Espace réservé du numéro de diapositive 3"/>
+          <p:cNvSpPr>
+            <a:spLocks noGrp="1"/>
+          </p:cNvSpPr>
+          <p:nvPr>
+            <p:ph type="sldNum" sz="quarter" idx="10"/>
+          </p:nvPr>
+        </p:nvSpPr>
+        <p:spPr/>
+        <p:txBody>
+          <a:bodyPr/>
+          <a:lstStyle/>
+          <a:p>
+            <a:fld id="{6E5469D4-D0FB-46F0-B698-EB03AAEACC1A}" type="slidenum">
+              <a:rPr lang="en-CA" smtClean="0"/>
+              <a:t>14</a:t>
             </a:fld>
             <a:endParaRPr lang="en-CA"/>
           </a:p>
@@ -1278,10 +1362,9 @@
           <a:lstStyle/>
           <a:p>
             <a:r>
-              <a:rPr lang="fr-CA" dirty="0" smtClean="0"/>
+              <a:rPr lang="fr-CA" dirty="0"/>
               <a:t>John</a:t>
             </a:r>
-            <a:endParaRPr lang="fr-CA" dirty="0"/>
           </a:p>
         </p:txBody>
       </p:sp>
@@ -1366,10 +1449,9 @@
           <a:lstStyle/>
           <a:p>
             <a:r>
-              <a:rPr lang="fr-CA" dirty="0" smtClean="0"/>
+              <a:rPr lang="fr-CA" dirty="0"/>
               <a:t>Samuel</a:t>
             </a:r>
-            <a:endParaRPr lang="fr-CA" dirty="0"/>
           </a:p>
         </p:txBody>
       </p:sp>
@@ -1454,10 +1536,9 @@
           <a:lstStyle/>
           <a:p>
             <a:r>
-              <a:rPr lang="fr-CA" dirty="0" smtClean="0"/>
+              <a:rPr lang="fr-CA" dirty="0"/>
               <a:t>Samuel</a:t>
             </a:r>
-            <a:endParaRPr lang="fr-CA" dirty="0"/>
           </a:p>
         </p:txBody>
       </p:sp>
@@ -1542,10 +1623,9 @@
           <a:lstStyle/>
           <a:p>
             <a:r>
-              <a:rPr lang="fr-CA" dirty="0" smtClean="0"/>
+              <a:rPr lang="fr-CA" dirty="0"/>
               <a:t>John</a:t>
             </a:r>
-            <a:endParaRPr lang="fr-CA" dirty="0"/>
           </a:p>
         </p:txBody>
       </p:sp>
@@ -1630,10 +1710,9 @@
           <a:lstStyle/>
           <a:p>
             <a:r>
-              <a:rPr lang="fr-CA" dirty="0" smtClean="0"/>
+              <a:rPr lang="fr-CA" dirty="0"/>
               <a:t>John</a:t>
             </a:r>
-            <a:endParaRPr lang="fr-CA" dirty="0"/>
           </a:p>
         </p:txBody>
       </p:sp>
@@ -1718,10 +1797,9 @@
           <a:lstStyle/>
           <a:p>
             <a:r>
-              <a:rPr lang="fr-CA" dirty="0" smtClean="0"/>
+              <a:rPr lang="fr-CA" dirty="0"/>
               <a:t>John</a:t>
             </a:r>
-            <a:endParaRPr lang="fr-CA" dirty="0"/>
           </a:p>
         </p:txBody>
       </p:sp>
@@ -1806,10 +1884,9 @@
           <a:lstStyle/>
           <a:p>
             <a:r>
-              <a:rPr lang="fr-CA" dirty="0" smtClean="0"/>
+              <a:rPr lang="fr-CA" dirty="0"/>
               <a:t>John</a:t>
             </a:r>
-            <a:endParaRPr lang="fr-CA" dirty="0"/>
           </a:p>
         </p:txBody>
       </p:sp>
@@ -1894,10 +1971,9 @@
           <a:lstStyle/>
           <a:p>
             <a:r>
-              <a:rPr lang="fr-CA" dirty="0" smtClean="0"/>
+              <a:rPr lang="fr-CA" dirty="0"/>
               <a:t>Samuel</a:t>
             </a:r>
-            <a:endParaRPr lang="fr-CA" dirty="0"/>
           </a:p>
         </p:txBody>
       </p:sp>
@@ -2150,7 +2226,7 @@
           <a:p>
             <a:fld id="{BFAE9FF1-848B-4EFE-94B6-1800E1388CB9}" type="datetime1">
               <a:rPr lang="en-CA" smtClean="0"/>
-              <a:t>25/10/2019</a:t>
+              <a:t>2019-10-27</a:t>
             </a:fld>
             <a:endParaRPr lang="en-CA"/>
           </a:p>
@@ -2192,7 +2268,7 @@
           <a:p>
             <a:fld id="{7A79C5EC-18BC-4A24-B361-A108AE58E0DA}" type="slidenum">
               <a:rPr lang="en-CA" smtClean="0"/>
-              <a:t>‹N°›</a:t>
+              <a:t>‹#›</a:t>
             </a:fld>
             <a:endParaRPr lang="en-CA"/>
           </a:p>
@@ -2441,7 +2517,7 @@
           <a:p>
             <a:fld id="{5E7B7732-3F68-45A3-9AE1-62D1E189183F}" type="datetime1">
               <a:rPr lang="en-CA" smtClean="0"/>
-              <a:t>25/10/2019</a:t>
+              <a:t>2019-10-27</a:t>
             </a:fld>
             <a:endParaRPr lang="en-CA"/>
           </a:p>
@@ -2483,7 +2559,7 @@
           <a:p>
             <a:fld id="{7A79C5EC-18BC-4A24-B361-A108AE58E0DA}" type="slidenum">
               <a:rPr lang="en-CA" smtClean="0"/>
-              <a:t>‹N°›</a:t>
+              <a:t>‹#›</a:t>
             </a:fld>
             <a:endParaRPr lang="en-CA"/>
           </a:p>
@@ -2700,7 +2776,7 @@
           <a:p>
             <a:fld id="{6337C19F-BFF0-42EF-97DE-513A483C8084}" type="datetime1">
               <a:rPr lang="en-CA" smtClean="0"/>
-              <a:t>25/10/2019</a:t>
+              <a:t>2019-10-27</a:t>
             </a:fld>
             <a:endParaRPr lang="en-CA"/>
           </a:p>
@@ -2742,7 +2818,7 @@
           <a:p>
             <a:fld id="{7A79C5EC-18BC-4A24-B361-A108AE58E0DA}" type="slidenum">
               <a:rPr lang="en-CA" smtClean="0"/>
-              <a:t>‹N°›</a:t>
+              <a:t>‹#›</a:t>
             </a:fld>
             <a:endParaRPr lang="en-CA"/>
           </a:p>
@@ -3169,7 +3245,7 @@
           <a:p>
             <a:fld id="{C83E4B7D-B817-4FD1-BD89-89EA88D97723}" type="datetime1">
               <a:rPr lang="en-CA" smtClean="0"/>
-              <a:t>25/10/2019</a:t>
+              <a:t>2019-10-27</a:t>
             </a:fld>
             <a:endParaRPr lang="en-CA"/>
           </a:p>
@@ -3211,7 +3287,7 @@
           <a:p>
             <a:fld id="{7A79C5EC-18BC-4A24-B361-A108AE58E0DA}" type="slidenum">
               <a:rPr lang="en-CA" smtClean="0"/>
-              <a:t>‹N°›</a:t>
+              <a:t>‹#›</a:t>
             </a:fld>
             <a:endParaRPr lang="en-CA"/>
           </a:p>
@@ -3349,7 +3425,7 @@
           <a:p>
             <a:fld id="{0798C252-E1F2-4BC4-8AF9-29BE0322A100}" type="datetime1">
               <a:rPr lang="en-CA" smtClean="0"/>
-              <a:t>25/10/2019</a:t>
+              <a:t>2019-10-27</a:t>
             </a:fld>
             <a:endParaRPr lang="en-CA"/>
           </a:p>
@@ -3391,7 +3467,7 @@
           <a:p>
             <a:fld id="{7A79C5EC-18BC-4A24-B361-A108AE58E0DA}" type="slidenum">
               <a:rPr lang="en-CA" smtClean="0"/>
-              <a:t>‹N°›</a:t>
+              <a:t>‹#›</a:t>
             </a:fld>
             <a:endParaRPr lang="en-CA"/>
           </a:p>
@@ -3925,7 +4001,7 @@
           <a:p>
             <a:fld id="{74AD3FBD-F92A-4527-9D27-5D88DFA0E997}" type="datetime1">
               <a:rPr lang="en-CA" smtClean="0"/>
-              <a:t>25/10/2019</a:t>
+              <a:t>2019-10-27</a:t>
             </a:fld>
             <a:endParaRPr lang="en-CA"/>
           </a:p>
@@ -3967,7 +4043,7 @@
           <a:p>
             <a:fld id="{7A79C5EC-18BC-4A24-B361-A108AE58E0DA}" type="slidenum">
               <a:rPr lang="en-CA" smtClean="0"/>
-              <a:t>‹N°›</a:t>
+              <a:t>‹#›</a:t>
             </a:fld>
             <a:endParaRPr lang="en-CA"/>
           </a:p>
@@ -4257,7 +4333,7 @@
           <a:p>
             <a:fld id="{AD719C4B-DF58-437C-B121-CF161EA58623}" type="datetime1">
               <a:rPr lang="en-CA" smtClean="0"/>
-              <a:t>25/10/2019</a:t>
+              <a:t>2019-10-27</a:t>
             </a:fld>
             <a:endParaRPr lang="en-CA"/>
           </a:p>
@@ -4299,7 +4375,7 @@
           <a:p>
             <a:fld id="{7A79C5EC-18BC-4A24-B361-A108AE58E0DA}" type="slidenum">
               <a:rPr lang="en-CA" smtClean="0"/>
-              <a:t>‹N°›</a:t>
+              <a:t>‹#›</a:t>
             </a:fld>
             <a:endParaRPr lang="en-CA"/>
           </a:p>
@@ -4432,7 +4508,7 @@
           <a:p>
             <a:fld id="{7B1A81F3-8325-4B49-9D8B-9B9827336BD8}" type="datetime1">
               <a:rPr lang="en-CA" smtClean="0"/>
-              <a:t>25/10/2019</a:t>
+              <a:t>2019-10-27</a:t>
             </a:fld>
             <a:endParaRPr lang="en-CA"/>
           </a:p>
@@ -4474,7 +4550,7 @@
           <a:p>
             <a:fld id="{7A79C5EC-18BC-4A24-B361-A108AE58E0DA}" type="slidenum">
               <a:rPr lang="en-CA" smtClean="0"/>
-              <a:t>‹N°›</a:t>
+              <a:t>‹#›</a:t>
             </a:fld>
             <a:endParaRPr lang="en-CA"/>
           </a:p>
@@ -4612,7 +4688,7 @@
           <a:p>
             <a:fld id="{6CFFDCD4-5269-4C1B-BB83-A5DFE248693A}" type="datetime1">
               <a:rPr lang="en-CA" smtClean="0"/>
-              <a:t>25/10/2019</a:t>
+              <a:t>2019-10-27</a:t>
             </a:fld>
             <a:endParaRPr lang="en-CA"/>
           </a:p>
@@ -4654,7 +4730,7 @@
           <a:p>
             <a:fld id="{7A79C5EC-18BC-4A24-B361-A108AE58E0DA}" type="slidenum">
               <a:rPr lang="en-CA" smtClean="0"/>
-              <a:t>‹N°›</a:t>
+              <a:t>‹#›</a:t>
             </a:fld>
             <a:endParaRPr lang="en-CA"/>
           </a:p>
@@ -4782,7 +4858,7 @@
           <a:p>
             <a:fld id="{87879D38-739C-4925-B7A5-083048A51BCF}" type="datetime1">
               <a:rPr lang="en-CA" smtClean="0"/>
-              <a:t>25/10/2019</a:t>
+              <a:t>2019-10-27</a:t>
             </a:fld>
             <a:endParaRPr lang="en-CA"/>
           </a:p>
@@ -4824,7 +4900,7 @@
           <a:p>
             <a:fld id="{7A79C5EC-18BC-4A24-B361-A108AE58E0DA}" type="slidenum">
               <a:rPr lang="en-CA" smtClean="0"/>
-              <a:t>‹N°›</a:t>
+              <a:t>‹#›</a:t>
             </a:fld>
             <a:endParaRPr lang="en-CA"/>
           </a:p>
@@ -5039,7 +5115,7 @@
           <a:p>
             <a:fld id="{5CB32453-2ABB-469E-84B1-2EF374E0A396}" type="datetime1">
               <a:rPr lang="en-CA" smtClean="0"/>
-              <a:t>25/10/2019</a:t>
+              <a:t>2019-10-27</a:t>
             </a:fld>
             <a:endParaRPr lang="en-CA"/>
           </a:p>
@@ -5081,7 +5157,7 @@
           <a:p>
             <a:fld id="{7A79C5EC-18BC-4A24-B361-A108AE58E0DA}" type="slidenum">
               <a:rPr lang="en-CA" smtClean="0"/>
-              <a:t>‹N°›</a:t>
+              <a:t>‹#›</a:t>
             </a:fld>
             <a:endParaRPr lang="en-CA"/>
           </a:p>
@@ -5331,7 +5407,7 @@
           <a:p>
             <a:fld id="{8763D3DA-4EB6-48C5-AC23-1AD4298DC266}" type="datetime1">
               <a:rPr lang="en-CA" smtClean="0"/>
-              <a:t>25/10/2019</a:t>
+              <a:t>2019-10-27</a:t>
             </a:fld>
             <a:endParaRPr lang="en-CA"/>
           </a:p>
@@ -5373,7 +5449,7 @@
           <a:p>
             <a:fld id="{7A79C5EC-18BC-4A24-B361-A108AE58E0DA}" type="slidenum">
               <a:rPr lang="en-CA" smtClean="0"/>
-              <a:t>‹N°›</a:t>
+              <a:t>‹#›</a:t>
             </a:fld>
             <a:endParaRPr lang="en-CA"/>
           </a:p>
@@ -5766,7 +5842,7 @@
           <a:p>
             <a:fld id="{48A0CBC6-8EEC-4C5B-855E-FC0AC3E2B999}" type="datetime1">
               <a:rPr lang="en-CA" smtClean="0"/>
-              <a:t>25/10/2019</a:t>
+              <a:t>2019-10-27</a:t>
             </a:fld>
             <a:endParaRPr lang="en-CA"/>
           </a:p>
@@ -5808,7 +5884,7 @@
           <a:p>
             <a:fld id="{7A79C5EC-18BC-4A24-B361-A108AE58E0DA}" type="slidenum">
               <a:rPr lang="en-CA" smtClean="0"/>
-              <a:t>‹N°›</a:t>
+              <a:t>‹#›</a:t>
             </a:fld>
             <a:endParaRPr lang="en-CA"/>
           </a:p>
@@ -5889,7 +5965,7 @@
           <a:p>
             <a:fld id="{9EEC71B5-B980-4E9F-A4B7-6F039F2E9F91}" type="datetime1">
               <a:rPr lang="en-CA" smtClean="0"/>
-              <a:t>25/10/2019</a:t>
+              <a:t>2019-10-27</a:t>
             </a:fld>
             <a:endParaRPr lang="en-CA"/>
           </a:p>
@@ -5931,7 +6007,7 @@
           <a:p>
             <a:fld id="{7A79C5EC-18BC-4A24-B361-A108AE58E0DA}" type="slidenum">
               <a:rPr lang="en-CA" smtClean="0"/>
-              <a:t>‹N°›</a:t>
+              <a:t>‹#›</a:t>
             </a:fld>
             <a:endParaRPr lang="en-CA"/>
           </a:p>
@@ -5984,7 +6060,7 @@
           <a:p>
             <a:fld id="{8766990C-5B52-4FFB-85B6-3A3B8A858ACE}" type="datetime1">
               <a:rPr lang="en-CA" smtClean="0"/>
-              <a:t>25/10/2019</a:t>
+              <a:t>2019-10-27</a:t>
             </a:fld>
             <a:endParaRPr lang="en-CA"/>
           </a:p>
@@ -6026,7 +6102,7 @@
           <a:p>
             <a:fld id="{7A79C5EC-18BC-4A24-B361-A108AE58E0DA}" type="slidenum">
               <a:rPr lang="en-CA" smtClean="0"/>
-              <a:t>‹N°›</a:t>
+              <a:t>‹#›</a:t>
             </a:fld>
             <a:endParaRPr lang="en-CA"/>
           </a:p>
@@ -6267,7 +6343,7 @@
           <a:p>
             <a:fld id="{0A64F24D-BB6D-4632-A551-F1BA07DCC583}" type="datetime1">
               <a:rPr lang="en-CA" smtClean="0"/>
-              <a:t>25/10/2019</a:t>
+              <a:t>2019-10-27</a:t>
             </a:fld>
             <a:endParaRPr lang="en-CA"/>
           </a:p>
@@ -6309,7 +6385,7 @@
           <a:p>
             <a:fld id="{7A79C5EC-18BC-4A24-B361-A108AE58E0DA}" type="slidenum">
               <a:rPr lang="en-CA" smtClean="0"/>
-              <a:t>‹N°›</a:t>
+              <a:t>‹#›</a:t>
             </a:fld>
             <a:endParaRPr lang="en-CA"/>
           </a:p>
@@ -6563,7 +6639,7 @@
           <a:p>
             <a:fld id="{9CD94F31-78ED-4118-8A03-5ECFF722D99B}" type="datetime1">
               <a:rPr lang="en-CA" smtClean="0"/>
-              <a:t>25/10/2019</a:t>
+              <a:t>2019-10-27</a:t>
             </a:fld>
             <a:endParaRPr lang="en-CA"/>
           </a:p>
@@ -6615,7 +6691,7 @@
           <a:p>
             <a:fld id="{7A79C5EC-18BC-4A24-B361-A108AE58E0DA}" type="slidenum">
               <a:rPr lang="en-CA" smtClean="0"/>
-              <a:t>‹N°›</a:t>
+              <a:t>‹#›</a:t>
             </a:fld>
             <a:endParaRPr lang="en-CA"/>
           </a:p>
@@ -6794,7 +6870,7 @@
           <a:p>
             <a:fld id="{A69C0212-2374-4363-BC54-F8AF15393913}" type="datetime1">
               <a:rPr lang="en-CA" smtClean="0"/>
-              <a:t>25/10/2019</a:t>
+              <a:t>2019-10-27</a:t>
             </a:fld>
             <a:endParaRPr lang="en-CA"/>
           </a:p>
@@ -6888,7 +6964,7 @@
           <a:p>
             <a:fld id="{7A79C5EC-18BC-4A24-B361-A108AE58E0DA}" type="slidenum">
               <a:rPr lang="en-CA" smtClean="0"/>
-              <a:t>‹N°›</a:t>
+              <a:t>‹#›</a:t>
             </a:fld>
             <a:endParaRPr lang="en-CA"/>
           </a:p>
@@ -7597,7 +7673,7 @@
           <p:cNvPr id="2" name="Titre 1">
             <a:extLst>
               <a:ext uri="{FF2B5EF4-FFF2-40B4-BE49-F238E27FC236}">
-                <a16:creationId xmlns:a16="http://schemas.microsoft.com/office/drawing/2014/main" xmlns="" id="{847B2002-85EF-4E53-BF50-1164BFEF0883}"/>
+                <a16:creationId xmlns:a16="http://schemas.microsoft.com/office/drawing/2014/main" id="{847B2002-85EF-4E53-BF50-1164BFEF0883}"/>
               </a:ext>
             </a:extLst>
           </p:cNvPr>
@@ -7654,7 +7730,7 @@
           <p:cNvPr id="3" name="Sous-titre 2">
             <a:extLst>
               <a:ext uri="{FF2B5EF4-FFF2-40B4-BE49-F238E27FC236}">
-                <a16:creationId xmlns:a16="http://schemas.microsoft.com/office/drawing/2014/main" xmlns="" id="{416AE19E-D09D-48BF-8E65-4B07423D25C0}"/>
+                <a16:creationId xmlns:a16="http://schemas.microsoft.com/office/drawing/2014/main" id="{416AE19E-D09D-48BF-8E65-4B07423D25C0}"/>
               </a:ext>
             </a:extLst>
           </p:cNvPr>
@@ -7777,7 +7853,7 @@
           <p:cNvPr id="5" name="Image 4">
             <a:extLst>
               <a:ext uri="{FF2B5EF4-FFF2-40B4-BE49-F238E27FC236}">
-                <a16:creationId xmlns:a16="http://schemas.microsoft.com/office/drawing/2014/main" xmlns="" id="{8ADAC322-65B3-46FE-8895-FE260BE36AEA}"/>
+                <a16:creationId xmlns:a16="http://schemas.microsoft.com/office/drawing/2014/main" id="{8ADAC322-65B3-46FE-8895-FE260BE36AEA}"/>
               </a:ext>
             </a:extLst>
           </p:cNvPr>
@@ -7838,7 +7914,7 @@
           <p:cNvPr id="4" name="Espace réservé du numéro de diapositive 3">
             <a:extLst>
               <a:ext uri="{FF2B5EF4-FFF2-40B4-BE49-F238E27FC236}">
-                <a16:creationId xmlns:a16="http://schemas.microsoft.com/office/drawing/2014/main" xmlns="" id="{59029A7C-5E43-4C5D-B890-CE77C4ADA613}"/>
+                <a16:creationId xmlns:a16="http://schemas.microsoft.com/office/drawing/2014/main" id="{59029A7C-5E43-4C5D-B890-CE77C4ADA613}"/>
               </a:ext>
             </a:extLst>
           </p:cNvPr>
@@ -7897,7 +7973,7 @@
           <p:cNvPr id="2" name="Titre 1">
             <a:extLst>
               <a:ext uri="{FF2B5EF4-FFF2-40B4-BE49-F238E27FC236}">
-                <a16:creationId xmlns:a16="http://schemas.microsoft.com/office/drawing/2014/main" xmlns="" id="{847B2002-85EF-4E53-BF50-1164BFEF0883}"/>
+                <a16:creationId xmlns:a16="http://schemas.microsoft.com/office/drawing/2014/main" id="{847B2002-85EF-4E53-BF50-1164BFEF0883}"/>
               </a:ext>
             </a:extLst>
           </p:cNvPr>
@@ -7916,7 +7992,7 @@
         </p:spPr>
         <p:txBody>
           <a:bodyPr>
-            <a:normAutofit fontScale="90000"/>
+            <a:normAutofit/>
           </a:bodyPr>
           <a:lstStyle/>
           <a:p>
@@ -7929,7 +8005,7 @@
               <a:rPr lang="fr-FR" sz="3100" u="sng" dirty="0">
                 <a:effectLst/>
               </a:rPr>
-              <a:t>8. UTILISATION DE CSS ET DE BOOTSTRAP</a:t>
+              <a:t>8. Statistique du projet sur git</a:t>
             </a:r>
             <a:endParaRPr lang="fr-CA" sz="3100" u="sng" cap="none" dirty="0">
               <a:latin typeface="Ebrima" panose="02000000000000000000" pitchFamily="2" charset="0"/>
@@ -7944,7 +8020,7 @@
           <p:cNvPr id="6" name="Image 5">
             <a:extLst>
               <a:ext uri="{FF2B5EF4-FFF2-40B4-BE49-F238E27FC236}">
-                <a16:creationId xmlns:a16="http://schemas.microsoft.com/office/drawing/2014/main" xmlns="" id="{45D547AC-FD75-4884-8CCB-15E6D9412640}"/>
+                <a16:creationId xmlns:a16="http://schemas.microsoft.com/office/drawing/2014/main" id="{45D547AC-FD75-4884-8CCB-15E6D9412640}"/>
               </a:ext>
             </a:extLst>
           </p:cNvPr>
@@ -7977,61 +8053,10 @@
       </p:pic>
       <p:sp>
         <p:nvSpPr>
-          <p:cNvPr id="7" name="ZoneTexte 6">
+          <p:cNvPr id="4" name="Espace réservé du numéro de diapositive 3">
             <a:extLst>
               <a:ext uri="{FF2B5EF4-FFF2-40B4-BE49-F238E27FC236}">
-                <a16:creationId xmlns:a16="http://schemas.microsoft.com/office/drawing/2014/main" xmlns="" id="{91FB25D9-30FE-4009-A340-75BB7ACF4219}"/>
-              </a:ext>
-            </a:extLst>
-          </p:cNvPr>
-          <p:cNvSpPr txBox="1"/>
-          <p:nvPr/>
-        </p:nvSpPr>
-        <p:spPr>
-          <a:xfrm>
-            <a:off x="584200" y="1153755"/>
-            <a:ext cx="10737850" cy="1477328"/>
-          </a:xfrm>
-          <a:prstGeom prst="rect">
-            <a:avLst/>
-          </a:prstGeom>
-          <a:noFill/>
-        </p:spPr>
-        <p:txBody>
-          <a:bodyPr wrap="square" rtlCol="0">
-            <a:spAutoFit/>
-          </a:bodyPr>
-          <a:lstStyle/>
-          <a:p>
-            <a:pPr lvl="0" algn="just"/>
-            <a:r>
-              <a:rPr lang="fr-FR" dirty="0"/>
-              <a:t>Afin de donner l'apparence souhaitée de notre page, nous utilisons le langage CSS et la bibliothèque Bootstrap.</a:t>
-            </a:r>
-          </a:p>
-          <a:p>
-            <a:pPr lvl="0" algn="just"/>
-            <a:endParaRPr lang="fr-FR" dirty="0"/>
-          </a:p>
-          <a:p>
-            <a:pPr algn="just"/>
-            <a:r>
-              <a:rPr lang="fr-CA" dirty="0"/>
-              <a:t>Voici quelques exemples:</a:t>
-            </a:r>
-          </a:p>
-          <a:p>
-            <a:pPr lvl="0" algn="just"/>
-            <a:endParaRPr lang="fr-CA" dirty="0"/>
-          </a:p>
-        </p:txBody>
-      </p:sp>
-      <p:sp>
-        <p:nvSpPr>
-          <p:cNvPr id="3" name="Espace réservé du numéro de diapositive 2">
-            <a:extLst>
-              <a:ext uri="{FF2B5EF4-FFF2-40B4-BE49-F238E27FC236}">
-                <a16:creationId xmlns:a16="http://schemas.microsoft.com/office/drawing/2014/main" xmlns="" id="{DF6F4BED-0A26-49F2-9241-EFABF77C7EF1}"/>
+                <a16:creationId xmlns:a16="http://schemas.microsoft.com/office/drawing/2014/main" id="{241321A1-5132-4284-A6AB-B4638E27C1F5}"/>
               </a:ext>
             </a:extLst>
           </p:cNvPr>
@@ -8057,10 +8082,10 @@
       </p:sp>
       <p:pic>
         <p:nvPicPr>
-          <p:cNvPr id="13" name="Picture 12" descr="A screenshot of a cell phone&#10;&#10;Description automatically generated">
+          <p:cNvPr id="5" name="Picture 4">
             <a:extLst>
               <a:ext uri="{FF2B5EF4-FFF2-40B4-BE49-F238E27FC236}">
-                <a16:creationId xmlns:a16="http://schemas.microsoft.com/office/drawing/2014/main" xmlns="" id="{FB017821-4565-4B28-974C-E6532D1E152E}"/>
+                <a16:creationId xmlns:a16="http://schemas.microsoft.com/office/drawing/2014/main" id="{DA525F0A-B5E7-4093-88D2-9B5B8DAC59C8}"/>
               </a:ext>
             </a:extLst>
           </p:cNvPr>
@@ -8070,33 +8095,91 @@
           <p:nvPr/>
         </p:nvPicPr>
         <p:blipFill>
-          <a:blip r:embed="rId4">
-            <a:extLst>
-              <a:ext uri="{28A0092B-C50C-407E-A947-70E740481C1C}">
-                <a14:useLocalDpi xmlns:a14="http://schemas.microsoft.com/office/drawing/2010/main" val="0"/>
-              </a:ext>
-            </a:extLst>
-          </a:blip>
+          <a:blip r:embed="rId4"/>
           <a:stretch>
             <a:fillRect/>
           </a:stretch>
         </p:blipFill>
         <p:spPr>
           <a:xfrm>
-            <a:off x="0" y="2874729"/>
-            <a:ext cx="8161217" cy="4160309"/>
+            <a:off x="640757" y="4752002"/>
+            <a:ext cx="7019925" cy="1752600"/>
           </a:xfrm>
           <a:prstGeom prst="rect">
             <a:avLst/>
           </a:prstGeom>
         </p:spPr>
       </p:pic>
+      <p:sp>
+        <p:nvSpPr>
+          <p:cNvPr id="9" name="TextBox 8">
+            <a:extLst>
+              <a:ext uri="{FF2B5EF4-FFF2-40B4-BE49-F238E27FC236}">
+                <a16:creationId xmlns:a16="http://schemas.microsoft.com/office/drawing/2014/main" id="{DD3B1A5F-2E83-4269-AF61-60B129670591}"/>
+              </a:ext>
+            </a:extLst>
+          </p:cNvPr>
+          <p:cNvSpPr txBox="1"/>
+          <p:nvPr/>
+        </p:nvSpPr>
+        <p:spPr>
+          <a:xfrm>
+            <a:off x="541839" y="2046225"/>
+            <a:ext cx="6088828" cy="1569660"/>
+          </a:xfrm>
+          <a:prstGeom prst="rect">
+            <a:avLst/>
+          </a:prstGeom>
+          <a:noFill/>
+        </p:spPr>
+        <p:txBody>
+          <a:bodyPr wrap="square" rtlCol="0">
+            <a:spAutoFit/>
+          </a:bodyPr>
+          <a:lstStyle/>
+          <a:p>
+            <a:pPr marL="457200" indent="-457200" algn="ctr">
+              <a:buFont typeface="Arial" panose="020B0604020202020204" pitchFamily="34" charset="0"/>
+              <a:buChar char="•"/>
+            </a:pPr>
+            <a:r>
+              <a:rPr lang="en-US" sz="3200" dirty="0"/>
+              <a:t>318 commits</a:t>
+            </a:r>
+          </a:p>
+          <a:p>
+            <a:pPr marL="457200" indent="-457200" algn="ctr">
+              <a:buFont typeface="Arial" panose="020B0604020202020204" pitchFamily="34" charset="0"/>
+              <a:buChar char="•"/>
+            </a:pPr>
+            <a:r>
+              <a:rPr lang="en-US" sz="3200" dirty="0"/>
+              <a:t>16137 </a:t>
+            </a:r>
+            <a:r>
+              <a:rPr lang="en-US" sz="3200" dirty="0" err="1"/>
+              <a:t>ajouts</a:t>
+            </a:r>
+            <a:endParaRPr lang="en-US" sz="3200" dirty="0"/>
+          </a:p>
+          <a:p>
+            <a:pPr marL="457200" indent="-457200" algn="ctr">
+              <a:buFont typeface="Arial" panose="020B0604020202020204" pitchFamily="34" charset="0"/>
+              <a:buChar char="•"/>
+            </a:pPr>
+            <a:r>
+              <a:rPr lang="en-CA" sz="3200" dirty="0"/>
+              <a:t>6092 suppressions</a:t>
+            </a:r>
+          </a:p>
+        </p:txBody>
+      </p:sp>
       <p:pic>
         <p:nvPicPr>
-          <p:cNvPr id="11" name="Picture 10" descr="A screenshot of a cell phone&#10;&#10;Description automatically generated">
+          <p:cNvPr id="10" name="Picture 9">
             <a:extLst>
               <a:ext uri="{FF2B5EF4-FFF2-40B4-BE49-F238E27FC236}">
-                <a16:creationId xmlns:a16="http://schemas.microsoft.com/office/drawing/2014/main" xmlns="" id="{D3B360F5-3A66-4DBB-AFD2-3081ADA70971}"/>
+                <a16:creationId xmlns:a16="http://schemas.microsoft.com/office/drawing/2014/main" id="{3A4F58E2-4B78-4A73-BB41-47559C13347D}"/>
               </a:ext>
             </a:extLst>
           </p:cNvPr>
@@ -8106,21 +8189,15 @@
           <p:nvPr/>
         </p:nvPicPr>
         <p:blipFill>
-          <a:blip r:embed="rId5">
-            <a:extLst>
-              <a:ext uri="{28A0092B-C50C-407E-A947-70E740481C1C}">
-                <a14:useLocalDpi xmlns:a14="http://schemas.microsoft.com/office/drawing/2010/main" val="0"/>
-              </a:ext>
-            </a:extLst>
-          </a:blip>
+          <a:blip r:embed="rId5"/>
           <a:stretch>
             <a:fillRect/>
           </a:stretch>
         </p:blipFill>
         <p:spPr>
           <a:xfrm>
-            <a:off x="4682207" y="1356522"/>
-            <a:ext cx="7442989" cy="3054164"/>
+            <a:off x="7066763" y="1127283"/>
+            <a:ext cx="4888681" cy="3465475"/>
           </a:xfrm>
           <a:prstGeom prst="rect">
             <a:avLst/>
@@ -8130,7 +8207,7 @@
     </p:spTree>
     <p:extLst>
       <p:ext uri="{BB962C8B-B14F-4D97-AF65-F5344CB8AC3E}">
-        <p14:creationId xmlns:p14="http://schemas.microsoft.com/office/powerpoint/2010/main" val="2219750947"/>
+        <p14:creationId xmlns:p14="http://schemas.microsoft.com/office/powerpoint/2010/main" val="1418115548"/>
       </p:ext>
     </p:extLst>
   </p:cSld>
@@ -8162,7 +8239,7 @@
           <p:cNvPr id="2" name="Titre 1">
             <a:extLst>
               <a:ext uri="{FF2B5EF4-FFF2-40B4-BE49-F238E27FC236}">
-                <a16:creationId xmlns:a16="http://schemas.microsoft.com/office/drawing/2014/main" xmlns="" id="{847B2002-85EF-4E53-BF50-1164BFEF0883}"/>
+                <a16:creationId xmlns:a16="http://schemas.microsoft.com/office/drawing/2014/main" id="{847B2002-85EF-4E53-BF50-1164BFEF0883}"/>
               </a:ext>
             </a:extLst>
           </p:cNvPr>
@@ -8194,7 +8271,7 @@
               <a:rPr lang="fr-FR" sz="3100" u="sng" dirty="0">
                 <a:effectLst/>
               </a:rPr>
-              <a:t>9. UTILISATION DE JAVASCRIPT ET DE AJAX</a:t>
+              <a:t>9. UTILISATION DE CSS ET DE BOOTSTRAP</a:t>
             </a:r>
             <a:endParaRPr lang="fr-CA" sz="3100" u="sng" cap="none" dirty="0">
               <a:latin typeface="Ebrima" panose="02000000000000000000" pitchFamily="2" charset="0"/>
@@ -8209,7 +8286,7 @@
           <p:cNvPr id="6" name="Image 5">
             <a:extLst>
               <a:ext uri="{FF2B5EF4-FFF2-40B4-BE49-F238E27FC236}">
-                <a16:creationId xmlns:a16="http://schemas.microsoft.com/office/drawing/2014/main" xmlns="" id="{45D547AC-FD75-4884-8CCB-15E6D9412640}"/>
+                <a16:creationId xmlns:a16="http://schemas.microsoft.com/office/drawing/2014/main" id="{45D547AC-FD75-4884-8CCB-15E6D9412640}"/>
               </a:ext>
             </a:extLst>
           </p:cNvPr>
@@ -8245,7 +8322,7 @@
           <p:cNvPr id="7" name="ZoneTexte 6">
             <a:extLst>
               <a:ext uri="{FF2B5EF4-FFF2-40B4-BE49-F238E27FC236}">
-                <a16:creationId xmlns:a16="http://schemas.microsoft.com/office/drawing/2014/main" xmlns="" id="{91FB25D9-30FE-4009-A340-75BB7ACF4219}"/>
+                <a16:creationId xmlns:a16="http://schemas.microsoft.com/office/drawing/2014/main" id="{91FB25D9-30FE-4009-A340-75BB7ACF4219}"/>
               </a:ext>
             </a:extLst>
           </p:cNvPr>
@@ -8255,7 +8332,7 @@
         <p:spPr>
           <a:xfrm>
             <a:off x="584200" y="1153755"/>
-            <a:ext cx="10737850" cy="1200329"/>
+            <a:ext cx="10737850" cy="1477328"/>
           </a:xfrm>
           <a:prstGeom prst="rect">
             <a:avLst/>
@@ -8271,20 +8348,24 @@
             <a:pPr lvl="0" algn="just"/>
             <a:r>
               <a:rPr lang="fr-FR" dirty="0"/>
-              <a:t>Afin de rendre l’application plus interactive, nous avons utilisé JavaScript et AJAX pour afficher certains éléments de la page de manière plus interactive. </a:t>
+              <a:t>Afin de donner l'apparence souhaitée de notre page, nous utilisons le langage CSS et la bibliothèque Bootstrap.</a:t>
+            </a:r>
+          </a:p>
+          <a:p>
+            <a:pPr lvl="0" algn="just"/>
+            <a:endParaRPr lang="fr-FR" dirty="0"/>
+          </a:p>
+          <a:p>
+            <a:pPr algn="just"/>
+            <a:r>
+              <a:rPr lang="fr-CA" dirty="0"/>
+              <a:t>Voici quelques exemples:</a:t>
             </a:r>
           </a:p>
           <a:p>
             <a:pPr lvl="0" algn="just"/>
             <a:endParaRPr lang="fr-CA" dirty="0"/>
           </a:p>
-          <a:p>
-            <a:pPr lvl="0" algn="just"/>
-            <a:r>
-              <a:rPr lang="fr-CA" dirty="0"/>
-              <a:t>Voici quelques exemples:</a:t>
-            </a:r>
-          </a:p>
         </p:txBody>
       </p:sp>
       <p:sp>
@@ -8292,7 +8373,7 @@
           <p:cNvPr id="3" name="Espace réservé du numéro de diapositive 2">
             <a:extLst>
               <a:ext uri="{FF2B5EF4-FFF2-40B4-BE49-F238E27FC236}">
-                <a16:creationId xmlns:a16="http://schemas.microsoft.com/office/drawing/2014/main" xmlns="" id="{82FEFFD9-9FD6-4C3B-B093-BBE03C4FF225}"/>
+                <a16:creationId xmlns:a16="http://schemas.microsoft.com/office/drawing/2014/main" id="{DF6F4BED-0A26-49F2-9241-EFABF77C7EF1}"/>
               </a:ext>
             </a:extLst>
           </p:cNvPr>
@@ -8318,10 +8399,10 @@
       </p:sp>
       <p:pic>
         <p:nvPicPr>
-          <p:cNvPr id="11" name="Picture 10" descr="A screenshot of a cell phone&#10;&#10;Description automatically generated">
+          <p:cNvPr id="13" name="Picture 12" descr="A screenshot of a cell phone&#10;&#10;Description automatically generated">
             <a:extLst>
               <a:ext uri="{FF2B5EF4-FFF2-40B4-BE49-F238E27FC236}">
-                <a16:creationId xmlns:a16="http://schemas.microsoft.com/office/drawing/2014/main" xmlns="" id="{030CE460-9A94-4AA1-B618-16C5AACBB9C5}"/>
+                <a16:creationId xmlns:a16="http://schemas.microsoft.com/office/drawing/2014/main" id="{FB017821-4565-4B28-974C-E6532D1E152E}"/>
               </a:ext>
             </a:extLst>
           </p:cNvPr>
@@ -8344,8 +8425,8 @@
         </p:blipFill>
         <p:spPr>
           <a:xfrm>
-            <a:off x="0" y="2825002"/>
-            <a:ext cx="7621334" cy="3899647"/>
+            <a:off x="0" y="2874729"/>
+            <a:ext cx="8161217" cy="4160309"/>
           </a:xfrm>
           <a:prstGeom prst="rect">
             <a:avLst/>
@@ -8354,10 +8435,10 @@
       </p:pic>
       <p:pic>
         <p:nvPicPr>
-          <p:cNvPr id="9" name="Picture 8" descr="A screenshot of a computer screen&#10;&#10;Description automatically generated">
+          <p:cNvPr id="11" name="Picture 10" descr="A screenshot of a cell phone&#10;&#10;Description automatically generated">
             <a:extLst>
               <a:ext uri="{FF2B5EF4-FFF2-40B4-BE49-F238E27FC236}">
-                <a16:creationId xmlns:a16="http://schemas.microsoft.com/office/drawing/2014/main" xmlns="" id="{E4CFDCF6-7710-455C-AA37-A3651D0C770D}"/>
+                <a16:creationId xmlns:a16="http://schemas.microsoft.com/office/drawing/2014/main" id="{D3B360F5-3A66-4DBB-AFD2-3081ADA70971}"/>
               </a:ext>
             </a:extLst>
           </p:cNvPr>
@@ -8380,8 +8461,8 @@
         </p:blipFill>
         <p:spPr>
           <a:xfrm>
-            <a:off x="5953125" y="1525147"/>
-            <a:ext cx="5767275" cy="3614067"/>
+            <a:off x="4682207" y="1356522"/>
+            <a:ext cx="7442989" cy="3054164"/>
           </a:xfrm>
           <a:prstGeom prst="rect">
             <a:avLst/>
@@ -8391,7 +8472,7 @@
     </p:spTree>
     <p:extLst>
       <p:ext uri="{BB962C8B-B14F-4D97-AF65-F5344CB8AC3E}">
-        <p14:creationId xmlns:p14="http://schemas.microsoft.com/office/powerpoint/2010/main" val="2785327264"/>
+        <p14:creationId xmlns:p14="http://schemas.microsoft.com/office/powerpoint/2010/main" val="2219750947"/>
       </p:ext>
     </p:extLst>
   </p:cSld>
@@ -8423,7 +8504,7 @@
           <p:cNvPr id="2" name="Titre 1">
             <a:extLst>
               <a:ext uri="{FF2B5EF4-FFF2-40B4-BE49-F238E27FC236}">
-                <a16:creationId xmlns:a16="http://schemas.microsoft.com/office/drawing/2014/main" xmlns="" id="{847B2002-85EF-4E53-BF50-1164BFEF0883}"/>
+                <a16:creationId xmlns:a16="http://schemas.microsoft.com/office/drawing/2014/main" id="{847B2002-85EF-4E53-BF50-1164BFEF0883}"/>
               </a:ext>
             </a:extLst>
           </p:cNvPr>
@@ -8436,8 +8517,8 @@
         </p:nvSpPr>
         <p:spPr>
           <a:xfrm>
-            <a:off x="2398712" y="444499"/>
-            <a:ext cx="8002588" cy="592609"/>
+            <a:off x="2665412" y="444499"/>
+            <a:ext cx="7532688" cy="592609"/>
           </a:xfrm>
         </p:spPr>
         <p:txBody>
@@ -8455,7 +8536,7 @@
               <a:rPr lang="fr-FR" sz="3100" u="sng" dirty="0">
                 <a:effectLst/>
               </a:rPr>
-              <a:t>10. PROBLÈMES ET SOLUTIONS LIÉS AU DÉVELOPPEMENT DE L’APPLICATION</a:t>
+              <a:t>10. UTILISATION DE JAVASCRIPT ET DE AJAX</a:t>
             </a:r>
             <a:endParaRPr lang="fr-CA" sz="3100" u="sng" cap="none" dirty="0">
               <a:latin typeface="Ebrima" panose="02000000000000000000" pitchFamily="2" charset="0"/>
@@ -8470,7 +8551,7 @@
           <p:cNvPr id="6" name="Image 5">
             <a:extLst>
               <a:ext uri="{FF2B5EF4-FFF2-40B4-BE49-F238E27FC236}">
-                <a16:creationId xmlns:a16="http://schemas.microsoft.com/office/drawing/2014/main" xmlns="" id="{45D547AC-FD75-4884-8CCB-15E6D9412640}"/>
+                <a16:creationId xmlns:a16="http://schemas.microsoft.com/office/drawing/2014/main" id="{45D547AC-FD75-4884-8CCB-15E6D9412640}"/>
               </a:ext>
             </a:extLst>
           </p:cNvPr>
@@ -8506,7 +8587,7 @@
           <p:cNvPr id="7" name="ZoneTexte 6">
             <a:extLst>
               <a:ext uri="{FF2B5EF4-FFF2-40B4-BE49-F238E27FC236}">
-                <a16:creationId xmlns:a16="http://schemas.microsoft.com/office/drawing/2014/main" xmlns="" id="{91FB25D9-30FE-4009-A340-75BB7ACF4219}"/>
+                <a16:creationId xmlns:a16="http://schemas.microsoft.com/office/drawing/2014/main" id="{91FB25D9-30FE-4009-A340-75BB7ACF4219}"/>
               </a:ext>
             </a:extLst>
           </p:cNvPr>
@@ -8516,7 +8597,7 @@
         <p:spPr>
           <a:xfrm>
             <a:off x="584200" y="1153755"/>
-            <a:ext cx="10737850" cy="369332"/>
+            <a:ext cx="10737850" cy="1200329"/>
           </a:xfrm>
           <a:prstGeom prst="rect">
             <a:avLst/>
@@ -8532,6 +8613,267 @@
             <a:pPr lvl="0" algn="just"/>
             <a:r>
               <a:rPr lang="fr-FR" dirty="0"/>
+              <a:t>Afin de rendre l’application plus interactive, nous avons utilisé JavaScript et AJAX pour afficher certains éléments de la page de manière plus interactive. </a:t>
+            </a:r>
+          </a:p>
+          <a:p>
+            <a:pPr lvl="0" algn="just"/>
+            <a:endParaRPr lang="fr-CA" dirty="0"/>
+          </a:p>
+          <a:p>
+            <a:pPr lvl="0" algn="just"/>
+            <a:r>
+              <a:rPr lang="fr-CA" dirty="0"/>
+              <a:t>Voici quelques exemples:</a:t>
+            </a:r>
+          </a:p>
+        </p:txBody>
+      </p:sp>
+      <p:sp>
+        <p:nvSpPr>
+          <p:cNvPr id="3" name="Espace réservé du numéro de diapositive 2">
+            <a:extLst>
+              <a:ext uri="{FF2B5EF4-FFF2-40B4-BE49-F238E27FC236}">
+                <a16:creationId xmlns:a16="http://schemas.microsoft.com/office/drawing/2014/main" id="{82FEFFD9-9FD6-4C3B-B093-BBE03C4FF225}"/>
+              </a:ext>
+            </a:extLst>
+          </p:cNvPr>
+          <p:cNvSpPr>
+            <a:spLocks noGrp="1"/>
+          </p:cNvSpPr>
+          <p:nvPr>
+            <p:ph type="sldNum" sz="quarter" idx="12"/>
+          </p:nvPr>
+        </p:nvSpPr>
+        <p:spPr/>
+        <p:txBody>
+          <a:bodyPr/>
+          <a:lstStyle/>
+          <a:p>
+            <a:fld id="{7A79C5EC-18BC-4A24-B361-A108AE58E0DA}" type="slidenum">
+              <a:rPr lang="en-CA" smtClean="0"/>
+              <a:t>12</a:t>
+            </a:fld>
+            <a:endParaRPr lang="en-CA"/>
+          </a:p>
+        </p:txBody>
+      </p:sp>
+      <p:pic>
+        <p:nvPicPr>
+          <p:cNvPr id="11" name="Picture 10" descr="A screenshot of a cell phone&#10;&#10;Description automatically generated">
+            <a:extLst>
+              <a:ext uri="{FF2B5EF4-FFF2-40B4-BE49-F238E27FC236}">
+                <a16:creationId xmlns:a16="http://schemas.microsoft.com/office/drawing/2014/main" id="{030CE460-9A94-4AA1-B618-16C5AACBB9C5}"/>
+              </a:ext>
+            </a:extLst>
+          </p:cNvPr>
+          <p:cNvPicPr>
+            <a:picLocks noChangeAspect="1"/>
+          </p:cNvPicPr>
+          <p:nvPr/>
+        </p:nvPicPr>
+        <p:blipFill>
+          <a:blip r:embed="rId4">
+            <a:extLst>
+              <a:ext uri="{28A0092B-C50C-407E-A947-70E740481C1C}">
+                <a14:useLocalDpi xmlns:a14="http://schemas.microsoft.com/office/drawing/2010/main" val="0"/>
+              </a:ext>
+            </a:extLst>
+          </a:blip>
+          <a:stretch>
+            <a:fillRect/>
+          </a:stretch>
+        </p:blipFill>
+        <p:spPr>
+          <a:xfrm>
+            <a:off x="0" y="2825002"/>
+            <a:ext cx="7621334" cy="3899647"/>
+          </a:xfrm>
+          <a:prstGeom prst="rect">
+            <a:avLst/>
+          </a:prstGeom>
+        </p:spPr>
+      </p:pic>
+      <p:pic>
+        <p:nvPicPr>
+          <p:cNvPr id="9" name="Picture 8" descr="A screenshot of a computer screen&#10;&#10;Description automatically generated">
+            <a:extLst>
+              <a:ext uri="{FF2B5EF4-FFF2-40B4-BE49-F238E27FC236}">
+                <a16:creationId xmlns:a16="http://schemas.microsoft.com/office/drawing/2014/main" id="{E4CFDCF6-7710-455C-AA37-A3651D0C770D}"/>
+              </a:ext>
+            </a:extLst>
+          </p:cNvPr>
+          <p:cNvPicPr>
+            <a:picLocks noChangeAspect="1"/>
+          </p:cNvPicPr>
+          <p:nvPr/>
+        </p:nvPicPr>
+        <p:blipFill>
+          <a:blip r:embed="rId5">
+            <a:extLst>
+              <a:ext uri="{28A0092B-C50C-407E-A947-70E740481C1C}">
+                <a14:useLocalDpi xmlns:a14="http://schemas.microsoft.com/office/drawing/2010/main" val="0"/>
+              </a:ext>
+            </a:extLst>
+          </a:blip>
+          <a:stretch>
+            <a:fillRect/>
+          </a:stretch>
+        </p:blipFill>
+        <p:spPr>
+          <a:xfrm>
+            <a:off x="5953125" y="1525147"/>
+            <a:ext cx="5767275" cy="3614067"/>
+          </a:xfrm>
+          <a:prstGeom prst="rect">
+            <a:avLst/>
+          </a:prstGeom>
+        </p:spPr>
+      </p:pic>
+    </p:spTree>
+    <p:extLst>
+      <p:ext uri="{BB962C8B-B14F-4D97-AF65-F5344CB8AC3E}">
+        <p14:creationId xmlns:p14="http://schemas.microsoft.com/office/powerpoint/2010/main" val="2785327264"/>
+      </p:ext>
+    </p:extLst>
+  </p:cSld>
+  <p:clrMapOvr>
+    <a:masterClrMapping/>
+  </p:clrMapOvr>
+</p:sld>
+</file>
+
+<file path=ppt/slides/slide13.xml><?xml version="1.0" encoding="utf-8"?>
+<p:sld xmlns:a="http://schemas.openxmlformats.org/drawingml/2006/main" xmlns:r="http://schemas.openxmlformats.org/officeDocument/2006/relationships" xmlns:p="http://schemas.openxmlformats.org/presentationml/2006/main">
+  <p:cSld>
+    <p:spTree>
+      <p:nvGrpSpPr>
+        <p:cNvPr id="1" name=""/>
+        <p:cNvGrpSpPr/>
+        <p:nvPr/>
+      </p:nvGrpSpPr>
+      <p:grpSpPr>
+        <a:xfrm>
+          <a:off x="0" y="0"/>
+          <a:ext cx="0" cy="0"/>
+          <a:chOff x="0" y="0"/>
+          <a:chExt cx="0" cy="0"/>
+        </a:xfrm>
+      </p:grpSpPr>
+      <p:sp>
+        <p:nvSpPr>
+          <p:cNvPr id="2" name="Titre 1">
+            <a:extLst>
+              <a:ext uri="{FF2B5EF4-FFF2-40B4-BE49-F238E27FC236}">
+                <a16:creationId xmlns:a16="http://schemas.microsoft.com/office/drawing/2014/main" id="{847B2002-85EF-4E53-BF50-1164BFEF0883}"/>
+              </a:ext>
+            </a:extLst>
+          </p:cNvPr>
+          <p:cNvSpPr>
+            <a:spLocks noGrp="1"/>
+          </p:cNvSpPr>
+          <p:nvPr>
+            <p:ph type="ctrTitle"/>
+          </p:nvPr>
+        </p:nvSpPr>
+        <p:spPr>
+          <a:xfrm>
+            <a:off x="2398712" y="444499"/>
+            <a:ext cx="8002588" cy="592609"/>
+          </a:xfrm>
+        </p:spPr>
+        <p:txBody>
+          <a:bodyPr>
+            <a:normAutofit fontScale="90000"/>
+          </a:bodyPr>
+          <a:lstStyle/>
+          <a:p>
+            <a:pPr>
+              <a:lnSpc>
+                <a:spcPct val="90000"/>
+              </a:lnSpc>
+            </a:pPr>
+            <a:r>
+              <a:rPr lang="fr-FR" sz="3100" u="sng" dirty="0">
+                <a:effectLst/>
+              </a:rPr>
+              <a:t>11. PROBLÈMES ET SOLUTIONS LIÉS AU DÉVELOPPEMENT DE L’APPLICATION</a:t>
+            </a:r>
+            <a:endParaRPr lang="fr-CA" sz="3100" u="sng" cap="none" dirty="0">
+              <a:latin typeface="Ebrima" panose="02000000000000000000" pitchFamily="2" charset="0"/>
+              <a:ea typeface="Ebrima" panose="02000000000000000000" pitchFamily="2" charset="0"/>
+              <a:cs typeface="Ebrima" panose="02000000000000000000" pitchFamily="2" charset="0"/>
+            </a:endParaRPr>
+          </a:p>
+        </p:txBody>
+      </p:sp>
+      <p:pic>
+        <p:nvPicPr>
+          <p:cNvPr id="6" name="Image 5">
+            <a:extLst>
+              <a:ext uri="{FF2B5EF4-FFF2-40B4-BE49-F238E27FC236}">
+                <a16:creationId xmlns:a16="http://schemas.microsoft.com/office/drawing/2014/main" id="{45D547AC-FD75-4884-8CCB-15E6D9412640}"/>
+              </a:ext>
+            </a:extLst>
+          </p:cNvPr>
+          <p:cNvPicPr>
+            <a:picLocks noChangeAspect="1"/>
+          </p:cNvPicPr>
+          <p:nvPr/>
+        </p:nvPicPr>
+        <p:blipFill>
+          <a:blip r:embed="rId3" cstate="print">
+            <a:extLst>
+              <a:ext uri="{28A0092B-C50C-407E-A947-70E740481C1C}">
+                <a14:useLocalDpi xmlns:a14="http://schemas.microsoft.com/office/drawing/2010/main" val="0"/>
+              </a:ext>
+            </a:extLst>
+          </a:blip>
+          <a:stretch>
+            <a:fillRect/>
+          </a:stretch>
+        </p:blipFill>
+        <p:spPr>
+          <a:xfrm>
+            <a:off x="0" y="133351"/>
+            <a:ext cx="2540000" cy="776758"/>
+          </a:xfrm>
+          <a:prstGeom prst="rect">
+            <a:avLst/>
+          </a:prstGeom>
+        </p:spPr>
+      </p:pic>
+      <p:sp>
+        <p:nvSpPr>
+          <p:cNvPr id="7" name="ZoneTexte 6">
+            <a:extLst>
+              <a:ext uri="{FF2B5EF4-FFF2-40B4-BE49-F238E27FC236}">
+                <a16:creationId xmlns:a16="http://schemas.microsoft.com/office/drawing/2014/main" id="{91FB25D9-30FE-4009-A340-75BB7ACF4219}"/>
+              </a:ext>
+            </a:extLst>
+          </p:cNvPr>
+          <p:cNvSpPr txBox="1"/>
+          <p:nvPr/>
+        </p:nvSpPr>
+        <p:spPr>
+          <a:xfrm>
+            <a:off x="584200" y="1153755"/>
+            <a:ext cx="10737850" cy="369332"/>
+          </a:xfrm>
+          <a:prstGeom prst="rect">
+            <a:avLst/>
+          </a:prstGeom>
+          <a:noFill/>
+        </p:spPr>
+        <p:txBody>
+          <a:bodyPr wrap="square" rtlCol="0">
+            <a:spAutoFit/>
+          </a:bodyPr>
+          <a:lstStyle/>
+          <a:p>
+            <a:pPr lvl="0" algn="just"/>
+            <a:r>
+              <a:rPr lang="fr-FR" dirty="0"/>
               <a:t>Pendant le développement de l'application, nous avons rencontré les problèmes suivants:</a:t>
             </a:r>
           </a:p>
@@ -8542,7 +8884,7 @@
           <p:cNvPr id="8" name="Tableau 7">
             <a:extLst>
               <a:ext uri="{FF2B5EF4-FFF2-40B4-BE49-F238E27FC236}">
-                <a16:creationId xmlns:a16="http://schemas.microsoft.com/office/drawing/2014/main" xmlns="" id="{1747A867-5854-4EE2-A496-9D1D0FB7CC63}"/>
+                <a16:creationId xmlns:a16="http://schemas.microsoft.com/office/drawing/2014/main" id="{1747A867-5854-4EE2-A496-9D1D0FB7CC63}"/>
               </a:ext>
             </a:extLst>
           </p:cNvPr>
@@ -8571,14 +8913,14 @@
                 <a:gridCol w="4561958">
                   <a:extLst>
                     <a:ext uri="{9D8B030D-6E8A-4147-A177-3AD203B41FA5}">
-                      <a16:colId xmlns:a16="http://schemas.microsoft.com/office/drawing/2014/main" xmlns="" val="4198972695"/>
+                      <a16:colId xmlns:a16="http://schemas.microsoft.com/office/drawing/2014/main" val="4198972695"/>
                     </a:ext>
                   </a:extLst>
                 </a:gridCol>
                 <a:gridCol w="6453964">
                   <a:extLst>
                     <a:ext uri="{9D8B030D-6E8A-4147-A177-3AD203B41FA5}">
-                      <a16:colId xmlns:a16="http://schemas.microsoft.com/office/drawing/2014/main" xmlns="" val="2878343701"/>
+                      <a16:colId xmlns:a16="http://schemas.microsoft.com/office/drawing/2014/main" val="2878343701"/>
                     </a:ext>
                   </a:extLst>
                 </a:gridCol>
@@ -8612,7 +8954,7 @@
                 </a:tc>
                 <a:extLst>
                   <a:ext uri="{0D108BD9-81ED-4DB2-BD59-A6C34878D82A}">
-                    <a16:rowId xmlns:a16="http://schemas.microsoft.com/office/drawing/2014/main" xmlns="" val="4289731011"/>
+                    <a16:rowId xmlns:a16="http://schemas.microsoft.com/office/drawing/2014/main" val="4289731011"/>
                   </a:ext>
                 </a:extLst>
               </a:tr>
@@ -8684,7 +9026,7 @@
                 </a:tc>
                 <a:extLst>
                   <a:ext uri="{0D108BD9-81ED-4DB2-BD59-A6C34878D82A}">
-                    <a16:rowId xmlns:a16="http://schemas.microsoft.com/office/drawing/2014/main" xmlns="" val="2808465594"/>
+                    <a16:rowId xmlns:a16="http://schemas.microsoft.com/office/drawing/2014/main" val="2808465594"/>
                   </a:ext>
                 </a:extLst>
               </a:tr>
@@ -8725,7 +9067,7 @@
                 </a:tc>
                 <a:extLst>
                   <a:ext uri="{0D108BD9-81ED-4DB2-BD59-A6C34878D82A}">
-                    <a16:rowId xmlns:a16="http://schemas.microsoft.com/office/drawing/2014/main" xmlns="" val="3055264572"/>
+                    <a16:rowId xmlns:a16="http://schemas.microsoft.com/office/drawing/2014/main" val="3055264572"/>
                   </a:ext>
                 </a:extLst>
               </a:tr>
@@ -8778,7 +9120,7 @@
                 </a:tc>
                 <a:extLst>
                   <a:ext uri="{0D108BD9-81ED-4DB2-BD59-A6C34878D82A}">
-                    <a16:rowId xmlns:a16="http://schemas.microsoft.com/office/drawing/2014/main" xmlns="" val="989331345"/>
+                    <a16:rowId xmlns:a16="http://schemas.microsoft.com/office/drawing/2014/main" val="989331345"/>
                   </a:ext>
                 </a:extLst>
               </a:tr>
@@ -8819,7 +9161,7 @@
                 </a:tc>
                 <a:extLst>
                   <a:ext uri="{0D108BD9-81ED-4DB2-BD59-A6C34878D82A}">
-                    <a16:rowId xmlns:a16="http://schemas.microsoft.com/office/drawing/2014/main" xmlns="" val="3726166962"/>
+                    <a16:rowId xmlns:a16="http://schemas.microsoft.com/office/drawing/2014/main" val="3726166962"/>
                   </a:ext>
                 </a:extLst>
               </a:tr>
@@ -8832,272 +9174,7 @@
           <p:cNvPr id="9" name="Espace réservé du numéro de diapositive 8">
             <a:extLst>
               <a:ext uri="{FF2B5EF4-FFF2-40B4-BE49-F238E27FC236}">
-                <a16:creationId xmlns:a16="http://schemas.microsoft.com/office/drawing/2014/main" xmlns="" id="{D19D4068-8C69-4A18-A3F3-ECB46A0A7401}"/>
-              </a:ext>
-            </a:extLst>
-          </p:cNvPr>
-          <p:cNvSpPr>
-            <a:spLocks noGrp="1"/>
-          </p:cNvSpPr>
-          <p:nvPr>
-            <p:ph type="sldNum" sz="quarter" idx="12"/>
-          </p:nvPr>
-        </p:nvSpPr>
-        <p:spPr/>
-        <p:txBody>
-          <a:bodyPr/>
-          <a:lstStyle/>
-          <a:p>
-            <a:fld id="{7A79C5EC-18BC-4A24-B361-A108AE58E0DA}" type="slidenum">
-              <a:rPr lang="en-CA" smtClean="0"/>
-              <a:t>12</a:t>
-            </a:fld>
-            <a:endParaRPr lang="en-CA"/>
-          </a:p>
-        </p:txBody>
-      </p:sp>
-    </p:spTree>
-    <p:extLst>
-      <p:ext uri="{BB962C8B-B14F-4D97-AF65-F5344CB8AC3E}">
-        <p14:creationId xmlns:p14="http://schemas.microsoft.com/office/powerpoint/2010/main" val="3300978045"/>
-      </p:ext>
-    </p:extLst>
-  </p:cSld>
-  <p:clrMapOvr>
-    <a:masterClrMapping/>
-  </p:clrMapOvr>
-</p:sld>
-</file>
-
-<file path=ppt/slides/slide13.xml><?xml version="1.0" encoding="utf-8"?>
-<p:sld xmlns:a="http://schemas.openxmlformats.org/drawingml/2006/main" xmlns:r="http://schemas.openxmlformats.org/officeDocument/2006/relationships" xmlns:p="http://schemas.openxmlformats.org/presentationml/2006/main">
-  <p:cSld>
-    <p:spTree>
-      <p:nvGrpSpPr>
-        <p:cNvPr id="1" name=""/>
-        <p:cNvGrpSpPr/>
-        <p:nvPr/>
-      </p:nvGrpSpPr>
-      <p:grpSpPr>
-        <a:xfrm>
-          <a:off x="0" y="0"/>
-          <a:ext cx="0" cy="0"/>
-          <a:chOff x="0" y="0"/>
-          <a:chExt cx="0" cy="0"/>
-        </a:xfrm>
-      </p:grpSpPr>
-      <p:sp>
-        <p:nvSpPr>
-          <p:cNvPr id="2" name="Titre 1">
-            <a:extLst>
-              <a:ext uri="{FF2B5EF4-FFF2-40B4-BE49-F238E27FC236}">
-                <a16:creationId xmlns:a16="http://schemas.microsoft.com/office/drawing/2014/main" xmlns="" id="{847B2002-85EF-4E53-BF50-1164BFEF0883}"/>
-              </a:ext>
-            </a:extLst>
-          </p:cNvPr>
-          <p:cNvSpPr>
-            <a:spLocks noGrp="1"/>
-          </p:cNvSpPr>
-          <p:nvPr>
-            <p:ph type="ctrTitle"/>
-          </p:nvPr>
-        </p:nvSpPr>
-        <p:spPr>
-          <a:xfrm>
-            <a:off x="2665412" y="444499"/>
-            <a:ext cx="7532688" cy="592609"/>
-          </a:xfrm>
-        </p:spPr>
-        <p:txBody>
-          <a:bodyPr>
-            <a:normAutofit/>
-          </a:bodyPr>
-          <a:lstStyle/>
-          <a:p>
-            <a:pPr>
-              <a:lnSpc>
-                <a:spcPct val="90000"/>
-              </a:lnSpc>
-            </a:pPr>
-            <a:r>
-              <a:rPr lang="fr-FR" sz="3100" u="sng" dirty="0">
-                <a:effectLst/>
-              </a:rPr>
-              <a:t>11. CONCLUSIONS ET PERSPECTIVES</a:t>
-            </a:r>
-            <a:endParaRPr lang="fr-CA" sz="3100" u="sng" cap="none" dirty="0">
-              <a:latin typeface="Ebrima" panose="02000000000000000000" pitchFamily="2" charset="0"/>
-              <a:ea typeface="Ebrima" panose="02000000000000000000" pitchFamily="2" charset="0"/>
-              <a:cs typeface="Ebrima" panose="02000000000000000000" pitchFamily="2" charset="0"/>
-            </a:endParaRPr>
-          </a:p>
-        </p:txBody>
-      </p:sp>
-      <p:pic>
-        <p:nvPicPr>
-          <p:cNvPr id="6" name="Image 5">
-            <a:extLst>
-              <a:ext uri="{FF2B5EF4-FFF2-40B4-BE49-F238E27FC236}">
-                <a16:creationId xmlns:a16="http://schemas.microsoft.com/office/drawing/2014/main" xmlns="" id="{45D547AC-FD75-4884-8CCB-15E6D9412640}"/>
-              </a:ext>
-            </a:extLst>
-          </p:cNvPr>
-          <p:cNvPicPr>
-            <a:picLocks noChangeAspect="1"/>
-          </p:cNvPicPr>
-          <p:nvPr/>
-        </p:nvPicPr>
-        <p:blipFill>
-          <a:blip r:embed="rId3" cstate="print">
-            <a:extLst>
-              <a:ext uri="{28A0092B-C50C-407E-A947-70E740481C1C}">
-                <a14:useLocalDpi xmlns:a14="http://schemas.microsoft.com/office/drawing/2010/main" val="0"/>
-              </a:ext>
-            </a:extLst>
-          </a:blip>
-          <a:stretch>
-            <a:fillRect/>
-          </a:stretch>
-        </p:blipFill>
-        <p:spPr>
-          <a:xfrm>
-            <a:off x="0" y="133351"/>
-            <a:ext cx="2540000" cy="776758"/>
-          </a:xfrm>
-          <a:prstGeom prst="rect">
-            <a:avLst/>
-          </a:prstGeom>
-        </p:spPr>
-      </p:pic>
-      <p:sp>
-        <p:nvSpPr>
-          <p:cNvPr id="7" name="ZoneTexte 6">
-            <a:extLst>
-              <a:ext uri="{FF2B5EF4-FFF2-40B4-BE49-F238E27FC236}">
-                <a16:creationId xmlns:a16="http://schemas.microsoft.com/office/drawing/2014/main" xmlns="" id="{91FB25D9-30FE-4009-A340-75BB7ACF4219}"/>
-              </a:ext>
-            </a:extLst>
-          </p:cNvPr>
-          <p:cNvSpPr txBox="1"/>
-          <p:nvPr/>
-        </p:nvSpPr>
-        <p:spPr>
-          <a:xfrm>
-            <a:off x="584200" y="1153755"/>
-            <a:ext cx="10737850" cy="4801314"/>
-          </a:xfrm>
-          <a:prstGeom prst="rect">
-            <a:avLst/>
-          </a:prstGeom>
-          <a:noFill/>
-        </p:spPr>
-        <p:txBody>
-          <a:bodyPr wrap="square" rtlCol="0">
-            <a:spAutoFit/>
-          </a:bodyPr>
-          <a:lstStyle/>
-          <a:p>
-            <a:pPr marL="285750" lvl="0" indent="-285750" algn="just">
-              <a:buFont typeface="Arial" panose="020B0604020202020204" pitchFamily="34" charset="0"/>
-              <a:buChar char="•"/>
-            </a:pPr>
-            <a:r>
-              <a:rPr lang="fr-FR" dirty="0"/>
-              <a:t>Développer cette application nous a donné l'occasion d'apprendre de nombreux concepts sur PHP et JavaScript.</a:t>
-            </a:r>
-          </a:p>
-          <a:p>
-            <a:pPr marL="285750" lvl="0" indent="-285750" algn="just">
-              <a:buFont typeface="Arial" panose="020B0604020202020204" pitchFamily="34" charset="0"/>
-              <a:buChar char="•"/>
-            </a:pPr>
-            <a:endParaRPr lang="fr-FR" dirty="0"/>
-          </a:p>
-          <a:p>
-            <a:pPr marL="285750" lvl="0" indent="-285750" algn="just">
-              <a:buFont typeface="Arial" panose="020B0604020202020204" pitchFamily="34" charset="0"/>
-              <a:buChar char="•"/>
-            </a:pPr>
-            <a:r>
-              <a:rPr lang="fr-FR" dirty="0"/>
-              <a:t>Il était très intéressant d'avoir une première approche de la manière de travailler sur le marché du travail.</a:t>
-            </a:r>
-          </a:p>
-          <a:p>
-            <a:pPr lvl="0" algn="just"/>
-            <a:endParaRPr lang="fr-FR" dirty="0"/>
-          </a:p>
-          <a:p>
-            <a:pPr marL="285750" lvl="0" indent="-285750" algn="just">
-              <a:buFont typeface="Arial" panose="020B0604020202020204" pitchFamily="34" charset="0"/>
-              <a:buChar char="•"/>
-            </a:pPr>
-            <a:r>
-              <a:rPr lang="fr-FR" dirty="0"/>
-              <a:t>Nous avons pu constater l’importance du travail d’équipe et la communication pour le développement d’un projet. Et de bien utiliser les outils qui nous sont offerts pour la collaboration entre les membres d’une équipe.</a:t>
-            </a:r>
-          </a:p>
-          <a:p>
-            <a:pPr marL="285750" lvl="0" indent="-285750" algn="just">
-              <a:buFont typeface="Arial" panose="020B0604020202020204" pitchFamily="34" charset="0"/>
-              <a:buChar char="•"/>
-            </a:pPr>
-            <a:endParaRPr lang="fr-FR" dirty="0"/>
-          </a:p>
-          <a:p>
-            <a:pPr marL="285750" lvl="0" indent="-285750" algn="just">
-              <a:buFont typeface="Arial" panose="020B0604020202020204" pitchFamily="34" charset="0"/>
-              <a:buChar char="•"/>
-            </a:pPr>
-            <a:r>
-              <a:rPr lang="fr-FR" dirty="0"/>
-              <a:t>L'absence de débogueur rend très difficile la programmation d'applications Web si vous êtes débutant. La communication entre les différents langages de programmation peut aussi nous compliquer </a:t>
-            </a:r>
-            <a:r>
-              <a:rPr lang="fr-FR"/>
-              <a:t>la tâche.</a:t>
-            </a:r>
-            <a:endParaRPr lang="fr-FR" dirty="0"/>
-          </a:p>
-          <a:p>
-            <a:pPr marL="285750" lvl="0" indent="-285750" algn="just">
-              <a:buFont typeface="Arial" panose="020B0604020202020204" pitchFamily="34" charset="0"/>
-              <a:buChar char="•"/>
-            </a:pPr>
-            <a:endParaRPr lang="fr-FR" dirty="0"/>
-          </a:p>
-          <a:p>
-            <a:pPr marL="285750" lvl="0" indent="-285750" algn="just">
-              <a:buFont typeface="Arial" panose="020B0604020202020204" pitchFamily="34" charset="0"/>
-              <a:buChar char="•"/>
-            </a:pPr>
-            <a:r>
-              <a:rPr lang="fr-FR" dirty="0"/>
-              <a:t>Nous voulons continuer à améliorer l'application pour la mettre en ligne.</a:t>
-            </a:r>
-          </a:p>
-          <a:p>
-            <a:pPr marL="285750" lvl="0" indent="-285750" algn="just">
-              <a:buFont typeface="Arial" panose="020B0604020202020204" pitchFamily="34" charset="0"/>
-              <a:buChar char="•"/>
-            </a:pPr>
-            <a:endParaRPr lang="fr-FR" dirty="0"/>
-          </a:p>
-          <a:p>
-            <a:pPr marL="285750" lvl="0" indent="-285750" algn="just">
-              <a:buFont typeface="Arial" panose="020B0604020202020204" pitchFamily="34" charset="0"/>
-              <a:buChar char="•"/>
-            </a:pPr>
-            <a:endParaRPr lang="fr-CA" dirty="0"/>
-          </a:p>
-        </p:txBody>
-      </p:sp>
-      <p:sp>
-        <p:nvSpPr>
-          <p:cNvPr id="3" name="Espace réservé du numéro de diapositive 2">
-            <a:extLst>
-              <a:ext uri="{FF2B5EF4-FFF2-40B4-BE49-F238E27FC236}">
-                <a16:creationId xmlns:a16="http://schemas.microsoft.com/office/drawing/2014/main" xmlns="" id="{92744A74-79D9-4D3F-9BD2-1896BFDEE026}"/>
+                <a16:creationId xmlns:a16="http://schemas.microsoft.com/office/drawing/2014/main" id="{D19D4068-8C69-4A18-A3F3-ECB46A0A7401}"/>
               </a:ext>
             </a:extLst>
           </p:cNvPr>
@@ -9124,7 +9201,7 @@
     </p:spTree>
     <p:extLst>
       <p:ext uri="{BB962C8B-B14F-4D97-AF65-F5344CB8AC3E}">
-        <p14:creationId xmlns:p14="http://schemas.microsoft.com/office/powerpoint/2010/main" val="1229103947"/>
+        <p14:creationId xmlns:p14="http://schemas.microsoft.com/office/powerpoint/2010/main" val="3300978045"/>
       </p:ext>
     </p:extLst>
   </p:cSld>
@@ -9156,7 +9233,7 @@
           <p:cNvPr id="2" name="Titre 1">
             <a:extLst>
               <a:ext uri="{FF2B5EF4-FFF2-40B4-BE49-F238E27FC236}">
-                <a16:creationId xmlns:a16="http://schemas.microsoft.com/office/drawing/2014/main" xmlns="" id="{847B2002-85EF-4E53-BF50-1164BFEF0883}"/>
+                <a16:creationId xmlns:a16="http://schemas.microsoft.com/office/drawing/2014/main" id="{847B2002-85EF-4E53-BF50-1164BFEF0883}"/>
               </a:ext>
             </a:extLst>
           </p:cNvPr>
@@ -9188,7 +9265,7 @@
               <a:rPr lang="fr-FR" sz="3100" u="sng" dirty="0">
                 <a:effectLst/>
               </a:rPr>
-              <a:t>12. DEMOSTRATION</a:t>
+              <a:t>12. CONCLUSIONS ET PERSPECTIVES</a:t>
             </a:r>
             <a:endParaRPr lang="fr-CA" sz="3100" u="sng" cap="none" dirty="0">
               <a:latin typeface="Ebrima" panose="02000000000000000000" pitchFamily="2" charset="0"/>
@@ -9203,7 +9280,7 @@
           <p:cNvPr id="6" name="Image 5">
             <a:extLst>
               <a:ext uri="{FF2B5EF4-FFF2-40B4-BE49-F238E27FC236}">
-                <a16:creationId xmlns:a16="http://schemas.microsoft.com/office/drawing/2014/main" xmlns="" id="{45D547AC-FD75-4884-8CCB-15E6D9412640}"/>
+                <a16:creationId xmlns:a16="http://schemas.microsoft.com/office/drawing/2014/main" id="{45D547AC-FD75-4884-8CCB-15E6D9412640}"/>
               </a:ext>
             </a:extLst>
           </p:cNvPr>
@@ -9213,7 +9290,7 @@
           <p:nvPr/>
         </p:nvPicPr>
         <p:blipFill>
-          <a:blip r:embed="rId2" cstate="print">
+          <a:blip r:embed="rId3" cstate="print">
             <a:extLst>
               <a:ext uri="{28A0092B-C50C-407E-A947-70E740481C1C}">
                 <a14:useLocalDpi xmlns:a14="http://schemas.microsoft.com/office/drawing/2010/main" val="0"/>
@@ -9239,7 +9316,7 @@
           <p:cNvPr id="7" name="ZoneTexte 6">
             <a:extLst>
               <a:ext uri="{FF2B5EF4-FFF2-40B4-BE49-F238E27FC236}">
-                <a16:creationId xmlns:a16="http://schemas.microsoft.com/office/drawing/2014/main" xmlns="" id="{91FB25D9-30FE-4009-A340-75BB7ACF4219}"/>
+                <a16:creationId xmlns:a16="http://schemas.microsoft.com/office/drawing/2014/main" id="{91FB25D9-30FE-4009-A340-75BB7ACF4219}"/>
               </a:ext>
             </a:extLst>
           </p:cNvPr>
@@ -9249,7 +9326,7 @@
         <p:spPr>
           <a:xfrm>
             <a:off x="584200" y="1153755"/>
-            <a:ext cx="10737850" cy="369332"/>
+            <a:ext cx="10737850" cy="4801314"/>
           </a:xfrm>
           <a:prstGeom prst="rect">
             <a:avLst/>
@@ -9262,11 +9339,97 @@
           </a:bodyPr>
           <a:lstStyle/>
           <a:p>
+            <a:pPr marL="285750" lvl="0" indent="-285750" algn="just">
+              <a:buFont typeface="Arial" panose="020B0604020202020204" pitchFamily="34" charset="0"/>
+              <a:buChar char="•"/>
+            </a:pPr>
+            <a:r>
+              <a:rPr lang="fr-FR" dirty="0"/>
+              <a:t>Développer cette application nous a donné l'occasion d'apprendre de nombreux concepts sur PHP et JavaScript.</a:t>
+            </a:r>
+          </a:p>
+          <a:p>
+            <a:pPr marL="285750" lvl="0" indent="-285750" algn="just">
+              <a:buFont typeface="Arial" panose="020B0604020202020204" pitchFamily="34" charset="0"/>
+              <a:buChar char="•"/>
+            </a:pPr>
+            <a:endParaRPr lang="fr-FR" dirty="0"/>
+          </a:p>
+          <a:p>
+            <a:pPr marL="285750" lvl="0" indent="-285750" algn="just">
+              <a:buFont typeface="Arial" panose="020B0604020202020204" pitchFamily="34" charset="0"/>
+              <a:buChar char="•"/>
+            </a:pPr>
+            <a:r>
+              <a:rPr lang="fr-FR" dirty="0"/>
+              <a:t>Il était très intéressant d'avoir une première approche de la manière de travailler sur le marché du travail.</a:t>
+            </a:r>
+          </a:p>
+          <a:p>
             <a:pPr lvl="0" algn="just"/>
+            <a:endParaRPr lang="fr-FR" dirty="0"/>
+          </a:p>
+          <a:p>
+            <a:pPr marL="285750" lvl="0" indent="-285750" algn="just">
+              <a:buFont typeface="Arial" panose="020B0604020202020204" pitchFamily="34" charset="0"/>
+              <a:buChar char="•"/>
+            </a:pPr>
             <a:r>
               <a:rPr lang="fr-FR" dirty="0"/>
-              <a:t>Link</a:t>
-            </a:r>
+              <a:t>Nous avons pu constater l’importance du travail d’équipe et la communication pour le développement d’un projet. Et de bien utiliser les outils qui nous sont offerts pour la collaboration entre les membres d’une équipe.</a:t>
+            </a:r>
+          </a:p>
+          <a:p>
+            <a:pPr marL="285750" lvl="0" indent="-285750" algn="just">
+              <a:buFont typeface="Arial" panose="020B0604020202020204" pitchFamily="34" charset="0"/>
+              <a:buChar char="•"/>
+            </a:pPr>
+            <a:endParaRPr lang="fr-FR" dirty="0"/>
+          </a:p>
+          <a:p>
+            <a:pPr marL="285750" lvl="0" indent="-285750" algn="just">
+              <a:buFont typeface="Arial" panose="020B0604020202020204" pitchFamily="34" charset="0"/>
+              <a:buChar char="•"/>
+            </a:pPr>
+            <a:r>
+              <a:rPr lang="fr-FR" dirty="0"/>
+              <a:t>L'absence de débogueur rend très difficile la programmation d'applications Web si vous êtes débutant. La communication entre les différents langages de programmation peut aussi nous compliquer </a:t>
+            </a:r>
+            <a:r>
+              <a:rPr lang="fr-FR"/>
+              <a:t>la tâche.</a:t>
+            </a:r>
+            <a:endParaRPr lang="fr-FR" dirty="0"/>
+          </a:p>
+          <a:p>
+            <a:pPr marL="285750" lvl="0" indent="-285750" algn="just">
+              <a:buFont typeface="Arial" panose="020B0604020202020204" pitchFamily="34" charset="0"/>
+              <a:buChar char="•"/>
+            </a:pPr>
+            <a:endParaRPr lang="fr-FR" dirty="0"/>
+          </a:p>
+          <a:p>
+            <a:pPr marL="285750" lvl="0" indent="-285750" algn="just">
+              <a:buFont typeface="Arial" panose="020B0604020202020204" pitchFamily="34" charset="0"/>
+              <a:buChar char="•"/>
+            </a:pPr>
+            <a:r>
+              <a:rPr lang="fr-FR" dirty="0"/>
+              <a:t>Nous voulons continuer à améliorer l'application pour la mettre en ligne.</a:t>
+            </a:r>
+          </a:p>
+          <a:p>
+            <a:pPr marL="285750" lvl="0" indent="-285750" algn="just">
+              <a:buFont typeface="Arial" panose="020B0604020202020204" pitchFamily="34" charset="0"/>
+              <a:buChar char="•"/>
+            </a:pPr>
+            <a:endParaRPr lang="fr-FR" dirty="0"/>
+          </a:p>
+          <a:p>
+            <a:pPr marL="285750" lvl="0" indent="-285750" algn="just">
+              <a:buFont typeface="Arial" panose="020B0604020202020204" pitchFamily="34" charset="0"/>
+              <a:buChar char="•"/>
+            </a:pPr>
             <a:endParaRPr lang="fr-CA" dirty="0"/>
           </a:p>
         </p:txBody>
@@ -9276,7 +9439,7 @@
           <p:cNvPr id="3" name="Espace réservé du numéro de diapositive 2">
             <a:extLst>
               <a:ext uri="{FF2B5EF4-FFF2-40B4-BE49-F238E27FC236}">
-                <a16:creationId xmlns:a16="http://schemas.microsoft.com/office/drawing/2014/main" xmlns="" id="{71116F50-7596-4FBB-A012-D38ADA80BE75}"/>
+                <a16:creationId xmlns:a16="http://schemas.microsoft.com/office/drawing/2014/main" id="{92744A74-79D9-4D3F-9BD2-1896BFDEE026}"/>
               </a:ext>
             </a:extLst>
           </p:cNvPr>
@@ -9295,6 +9458,185 @@
             <a:fld id="{7A79C5EC-18BC-4A24-B361-A108AE58E0DA}" type="slidenum">
               <a:rPr lang="en-CA" smtClean="0"/>
               <a:t>14</a:t>
+            </a:fld>
+            <a:endParaRPr lang="en-CA"/>
+          </a:p>
+        </p:txBody>
+      </p:sp>
+    </p:spTree>
+    <p:extLst>
+      <p:ext uri="{BB962C8B-B14F-4D97-AF65-F5344CB8AC3E}">
+        <p14:creationId xmlns:p14="http://schemas.microsoft.com/office/powerpoint/2010/main" val="1229103947"/>
+      </p:ext>
+    </p:extLst>
+  </p:cSld>
+  <p:clrMapOvr>
+    <a:masterClrMapping/>
+  </p:clrMapOvr>
+</p:sld>
+</file>
+
+<file path=ppt/slides/slide15.xml><?xml version="1.0" encoding="utf-8"?>
+<p:sld xmlns:a="http://schemas.openxmlformats.org/drawingml/2006/main" xmlns:r="http://schemas.openxmlformats.org/officeDocument/2006/relationships" xmlns:p="http://schemas.openxmlformats.org/presentationml/2006/main">
+  <p:cSld>
+    <p:spTree>
+      <p:nvGrpSpPr>
+        <p:cNvPr id="1" name=""/>
+        <p:cNvGrpSpPr/>
+        <p:nvPr/>
+      </p:nvGrpSpPr>
+      <p:grpSpPr>
+        <a:xfrm>
+          <a:off x="0" y="0"/>
+          <a:ext cx="0" cy="0"/>
+          <a:chOff x="0" y="0"/>
+          <a:chExt cx="0" cy="0"/>
+        </a:xfrm>
+      </p:grpSpPr>
+      <p:sp>
+        <p:nvSpPr>
+          <p:cNvPr id="2" name="Titre 1">
+            <a:extLst>
+              <a:ext uri="{FF2B5EF4-FFF2-40B4-BE49-F238E27FC236}">
+                <a16:creationId xmlns:a16="http://schemas.microsoft.com/office/drawing/2014/main" id="{847B2002-85EF-4E53-BF50-1164BFEF0883}"/>
+              </a:ext>
+            </a:extLst>
+          </p:cNvPr>
+          <p:cNvSpPr>
+            <a:spLocks noGrp="1"/>
+          </p:cNvSpPr>
+          <p:nvPr>
+            <p:ph type="ctrTitle"/>
+          </p:nvPr>
+        </p:nvSpPr>
+        <p:spPr>
+          <a:xfrm>
+            <a:off x="2665412" y="444499"/>
+            <a:ext cx="7532688" cy="592609"/>
+          </a:xfrm>
+        </p:spPr>
+        <p:txBody>
+          <a:bodyPr>
+            <a:normAutofit/>
+          </a:bodyPr>
+          <a:lstStyle/>
+          <a:p>
+            <a:pPr>
+              <a:lnSpc>
+                <a:spcPct val="90000"/>
+              </a:lnSpc>
+            </a:pPr>
+            <a:r>
+              <a:rPr lang="fr-FR" sz="3100" u="sng" dirty="0">
+                <a:effectLst/>
+              </a:rPr>
+              <a:t>13. DEMOSTRATION</a:t>
+            </a:r>
+            <a:endParaRPr lang="fr-CA" sz="3100" u="sng" cap="none" dirty="0">
+              <a:latin typeface="Ebrima" panose="02000000000000000000" pitchFamily="2" charset="0"/>
+              <a:ea typeface="Ebrima" panose="02000000000000000000" pitchFamily="2" charset="0"/>
+              <a:cs typeface="Ebrima" panose="02000000000000000000" pitchFamily="2" charset="0"/>
+            </a:endParaRPr>
+          </a:p>
+        </p:txBody>
+      </p:sp>
+      <p:pic>
+        <p:nvPicPr>
+          <p:cNvPr id="6" name="Image 5">
+            <a:extLst>
+              <a:ext uri="{FF2B5EF4-FFF2-40B4-BE49-F238E27FC236}">
+                <a16:creationId xmlns:a16="http://schemas.microsoft.com/office/drawing/2014/main" id="{45D547AC-FD75-4884-8CCB-15E6D9412640}"/>
+              </a:ext>
+            </a:extLst>
+          </p:cNvPr>
+          <p:cNvPicPr>
+            <a:picLocks noChangeAspect="1"/>
+          </p:cNvPicPr>
+          <p:nvPr/>
+        </p:nvPicPr>
+        <p:blipFill>
+          <a:blip r:embed="rId2" cstate="print">
+            <a:extLst>
+              <a:ext uri="{28A0092B-C50C-407E-A947-70E740481C1C}">
+                <a14:useLocalDpi xmlns:a14="http://schemas.microsoft.com/office/drawing/2010/main" val="0"/>
+              </a:ext>
+            </a:extLst>
+          </a:blip>
+          <a:stretch>
+            <a:fillRect/>
+          </a:stretch>
+        </p:blipFill>
+        <p:spPr>
+          <a:xfrm>
+            <a:off x="0" y="133351"/>
+            <a:ext cx="2540000" cy="776758"/>
+          </a:xfrm>
+          <a:prstGeom prst="rect">
+            <a:avLst/>
+          </a:prstGeom>
+        </p:spPr>
+      </p:pic>
+      <p:sp>
+        <p:nvSpPr>
+          <p:cNvPr id="7" name="ZoneTexte 6">
+            <a:extLst>
+              <a:ext uri="{FF2B5EF4-FFF2-40B4-BE49-F238E27FC236}">
+                <a16:creationId xmlns:a16="http://schemas.microsoft.com/office/drawing/2014/main" id="{91FB25D9-30FE-4009-A340-75BB7ACF4219}"/>
+              </a:ext>
+            </a:extLst>
+          </p:cNvPr>
+          <p:cNvSpPr txBox="1"/>
+          <p:nvPr/>
+        </p:nvSpPr>
+        <p:spPr>
+          <a:xfrm>
+            <a:off x="584200" y="1153755"/>
+            <a:ext cx="10737850" cy="369332"/>
+          </a:xfrm>
+          <a:prstGeom prst="rect">
+            <a:avLst/>
+          </a:prstGeom>
+          <a:noFill/>
+        </p:spPr>
+        <p:txBody>
+          <a:bodyPr wrap="square" rtlCol="0">
+            <a:spAutoFit/>
+          </a:bodyPr>
+          <a:lstStyle/>
+          <a:p>
+            <a:pPr lvl="0" algn="just"/>
+            <a:r>
+              <a:rPr lang="fr-FR" dirty="0"/>
+              <a:t>Link</a:t>
+            </a:r>
+            <a:endParaRPr lang="fr-CA" dirty="0"/>
+          </a:p>
+        </p:txBody>
+      </p:sp>
+      <p:sp>
+        <p:nvSpPr>
+          <p:cNvPr id="3" name="Espace réservé du numéro de diapositive 2">
+            <a:extLst>
+              <a:ext uri="{FF2B5EF4-FFF2-40B4-BE49-F238E27FC236}">
+                <a16:creationId xmlns:a16="http://schemas.microsoft.com/office/drawing/2014/main" id="{71116F50-7596-4FBB-A012-D38ADA80BE75}"/>
+              </a:ext>
+            </a:extLst>
+          </p:cNvPr>
+          <p:cNvSpPr>
+            <a:spLocks noGrp="1"/>
+          </p:cNvSpPr>
+          <p:nvPr>
+            <p:ph type="sldNum" sz="quarter" idx="12"/>
+          </p:nvPr>
+        </p:nvSpPr>
+        <p:spPr/>
+        <p:txBody>
+          <a:bodyPr/>
+          <a:lstStyle/>
+          <a:p>
+            <a:fld id="{7A79C5EC-18BC-4A24-B361-A108AE58E0DA}" type="slidenum">
+              <a:rPr lang="en-CA" smtClean="0"/>
+              <a:t>15</a:t>
             </a:fld>
             <a:endParaRPr lang="en-CA"/>
           </a:p>
@@ -9358,7 +9700,7 @@
           <p:cNvPr id="2" name="Titre 1">
             <a:extLst>
               <a:ext uri="{FF2B5EF4-FFF2-40B4-BE49-F238E27FC236}">
-                <a16:creationId xmlns:a16="http://schemas.microsoft.com/office/drawing/2014/main" xmlns="" id="{847B2002-85EF-4E53-BF50-1164BFEF0883}"/>
+                <a16:creationId xmlns:a16="http://schemas.microsoft.com/office/drawing/2014/main" id="{847B2002-85EF-4E53-BF50-1164BFEF0883}"/>
               </a:ext>
             </a:extLst>
           </p:cNvPr>
@@ -9407,7 +9749,7 @@
           <p:cNvPr id="6" name="Image 5">
             <a:extLst>
               <a:ext uri="{FF2B5EF4-FFF2-40B4-BE49-F238E27FC236}">
-                <a16:creationId xmlns:a16="http://schemas.microsoft.com/office/drawing/2014/main" xmlns="" id="{45D547AC-FD75-4884-8CCB-15E6D9412640}"/>
+                <a16:creationId xmlns:a16="http://schemas.microsoft.com/office/drawing/2014/main" id="{45D547AC-FD75-4884-8CCB-15E6D9412640}"/>
               </a:ext>
             </a:extLst>
           </p:cNvPr>
@@ -9443,7 +9785,7 @@
           <p:cNvPr id="11" name="ZoneTexte 10">
             <a:extLst>
               <a:ext uri="{FF2B5EF4-FFF2-40B4-BE49-F238E27FC236}">
-                <a16:creationId xmlns:a16="http://schemas.microsoft.com/office/drawing/2014/main" xmlns="" id="{2A9D3AE3-8A5D-42DA-AE55-24657E616430}"/>
+                <a16:creationId xmlns:a16="http://schemas.microsoft.com/office/drawing/2014/main" id="{2A9D3AE3-8A5D-42DA-AE55-24657E616430}"/>
               </a:ext>
             </a:extLst>
           </p:cNvPr>
@@ -9727,7 +10069,7 @@
           <p:cNvPr id="3" name="Espace réservé du numéro de diapositive 2">
             <a:extLst>
               <a:ext uri="{FF2B5EF4-FFF2-40B4-BE49-F238E27FC236}">
-                <a16:creationId xmlns:a16="http://schemas.microsoft.com/office/drawing/2014/main" xmlns="" id="{82BE3105-284A-4361-9E53-019FD39FBCAD}"/>
+                <a16:creationId xmlns:a16="http://schemas.microsoft.com/office/drawing/2014/main" id="{82BE3105-284A-4361-9E53-019FD39FBCAD}"/>
               </a:ext>
             </a:extLst>
           </p:cNvPr>
@@ -9761,13 +10103,6 @@
   <p:clrMapOvr>
     <a:masterClrMapping/>
   </p:clrMapOvr>
-  <p:timing>
-    <p:tnLst>
-      <p:par>
-        <p:cTn id="1" dur="indefinite" restart="never" nodeType="tmRoot"/>
-      </p:par>
-    </p:tnLst>
-  </p:timing>
 </p:sld>
 </file>
 
@@ -9816,7 +10151,7 @@
           <p:cNvPr id="2" name="Titre 1">
             <a:extLst>
               <a:ext uri="{FF2B5EF4-FFF2-40B4-BE49-F238E27FC236}">
-                <a16:creationId xmlns:a16="http://schemas.microsoft.com/office/drawing/2014/main" xmlns="" id="{847B2002-85EF-4E53-BF50-1164BFEF0883}"/>
+                <a16:creationId xmlns:a16="http://schemas.microsoft.com/office/drawing/2014/main" id="{847B2002-85EF-4E53-BF50-1164BFEF0883}"/>
               </a:ext>
             </a:extLst>
           </p:cNvPr>
@@ -9865,7 +10200,7 @@
           <p:cNvPr id="6" name="Image 5">
             <a:extLst>
               <a:ext uri="{FF2B5EF4-FFF2-40B4-BE49-F238E27FC236}">
-                <a16:creationId xmlns:a16="http://schemas.microsoft.com/office/drawing/2014/main" xmlns="" id="{45D547AC-FD75-4884-8CCB-15E6D9412640}"/>
+                <a16:creationId xmlns:a16="http://schemas.microsoft.com/office/drawing/2014/main" id="{45D547AC-FD75-4884-8CCB-15E6D9412640}"/>
               </a:ext>
             </a:extLst>
           </p:cNvPr>
@@ -9901,7 +10236,7 @@
           <p:cNvPr id="11" name="ZoneTexte 10">
             <a:extLst>
               <a:ext uri="{FF2B5EF4-FFF2-40B4-BE49-F238E27FC236}">
-                <a16:creationId xmlns:a16="http://schemas.microsoft.com/office/drawing/2014/main" xmlns="" id="{2A9D3AE3-8A5D-42DA-AE55-24657E616430}"/>
+                <a16:creationId xmlns:a16="http://schemas.microsoft.com/office/drawing/2014/main" id="{2A9D3AE3-8A5D-42DA-AE55-24657E616430}"/>
               </a:ext>
             </a:extLst>
           </p:cNvPr>
@@ -9984,7 +10319,7 @@
           <p:cNvPr id="14" name="Image 13">
             <a:extLst>
               <a:ext uri="{FF2B5EF4-FFF2-40B4-BE49-F238E27FC236}">
-                <a16:creationId xmlns:a16="http://schemas.microsoft.com/office/drawing/2014/main" xmlns="" id="{A8283403-4B3E-4BDD-BA55-AED6BD30D24A}"/>
+                <a16:creationId xmlns:a16="http://schemas.microsoft.com/office/drawing/2014/main" id="{A8283403-4B3E-4BDD-BA55-AED6BD30D24A}"/>
               </a:ext>
             </a:extLst>
           </p:cNvPr>
@@ -10014,7 +10349,7 @@
           <p:cNvPr id="15" name="Image 14">
             <a:extLst>
               <a:ext uri="{FF2B5EF4-FFF2-40B4-BE49-F238E27FC236}">
-                <a16:creationId xmlns:a16="http://schemas.microsoft.com/office/drawing/2014/main" xmlns="" id="{708FD9AC-12FA-4620-9ABC-5C18D9646232}"/>
+                <a16:creationId xmlns:a16="http://schemas.microsoft.com/office/drawing/2014/main" id="{708FD9AC-12FA-4620-9ABC-5C18D9646232}"/>
               </a:ext>
             </a:extLst>
           </p:cNvPr>
@@ -10044,7 +10379,7 @@
           <p:cNvPr id="16" name="Image 15">
             <a:extLst>
               <a:ext uri="{FF2B5EF4-FFF2-40B4-BE49-F238E27FC236}">
-                <a16:creationId xmlns:a16="http://schemas.microsoft.com/office/drawing/2014/main" xmlns="" id="{A34CEF4D-666E-41B4-B2D5-5690F6FD0343}"/>
+                <a16:creationId xmlns:a16="http://schemas.microsoft.com/office/drawing/2014/main" id="{A34CEF4D-666E-41B4-B2D5-5690F6FD0343}"/>
               </a:ext>
             </a:extLst>
           </p:cNvPr>
@@ -10074,7 +10409,7 @@
           <p:cNvPr id="17" name="Image 16">
             <a:extLst>
               <a:ext uri="{FF2B5EF4-FFF2-40B4-BE49-F238E27FC236}">
-                <a16:creationId xmlns:a16="http://schemas.microsoft.com/office/drawing/2014/main" xmlns="" id="{EB473C96-26A7-448B-B5D7-06091DDF2585}"/>
+                <a16:creationId xmlns:a16="http://schemas.microsoft.com/office/drawing/2014/main" id="{EB473C96-26A7-448B-B5D7-06091DDF2585}"/>
               </a:ext>
             </a:extLst>
           </p:cNvPr>
@@ -10104,7 +10439,7 @@
           <p:cNvPr id="18" name="Image 17">
             <a:extLst>
               <a:ext uri="{FF2B5EF4-FFF2-40B4-BE49-F238E27FC236}">
-                <a16:creationId xmlns:a16="http://schemas.microsoft.com/office/drawing/2014/main" xmlns="" id="{7FE01B9C-DE9C-4F06-8C6E-055C557AC176}"/>
+                <a16:creationId xmlns:a16="http://schemas.microsoft.com/office/drawing/2014/main" id="{7FE01B9C-DE9C-4F06-8C6E-055C557AC176}"/>
               </a:ext>
             </a:extLst>
           </p:cNvPr>
@@ -10134,7 +10469,7 @@
           <p:cNvPr id="19" name="Image 18">
             <a:extLst>
               <a:ext uri="{FF2B5EF4-FFF2-40B4-BE49-F238E27FC236}">
-                <a16:creationId xmlns:a16="http://schemas.microsoft.com/office/drawing/2014/main" xmlns="" id="{79FBD1E3-F7CD-4456-8A6B-43D1423FAD9D}"/>
+                <a16:creationId xmlns:a16="http://schemas.microsoft.com/office/drawing/2014/main" id="{79FBD1E3-F7CD-4456-8A6B-43D1423FAD9D}"/>
               </a:ext>
             </a:extLst>
           </p:cNvPr>
@@ -10164,7 +10499,7 @@
           <p:cNvPr id="20" name="Image 19">
             <a:extLst>
               <a:ext uri="{FF2B5EF4-FFF2-40B4-BE49-F238E27FC236}">
-                <a16:creationId xmlns:a16="http://schemas.microsoft.com/office/drawing/2014/main" xmlns="" id="{4051ADFE-A055-4A8D-8ED0-10FC57F922E8}"/>
+                <a16:creationId xmlns:a16="http://schemas.microsoft.com/office/drawing/2014/main" id="{4051ADFE-A055-4A8D-8ED0-10FC57F922E8}"/>
               </a:ext>
             </a:extLst>
           </p:cNvPr>
@@ -10194,7 +10529,7 @@
           <p:cNvPr id="21" name="Image 20">
             <a:extLst>
               <a:ext uri="{FF2B5EF4-FFF2-40B4-BE49-F238E27FC236}">
-                <a16:creationId xmlns:a16="http://schemas.microsoft.com/office/drawing/2014/main" xmlns="" id="{7AD9136E-425C-4E23-9D49-D234E24E20AD}"/>
+                <a16:creationId xmlns:a16="http://schemas.microsoft.com/office/drawing/2014/main" id="{7AD9136E-425C-4E23-9D49-D234E24E20AD}"/>
               </a:ext>
             </a:extLst>
           </p:cNvPr>
@@ -10224,7 +10559,7 @@
           <p:cNvPr id="22" name="Image 21">
             <a:extLst>
               <a:ext uri="{FF2B5EF4-FFF2-40B4-BE49-F238E27FC236}">
-                <a16:creationId xmlns:a16="http://schemas.microsoft.com/office/drawing/2014/main" xmlns="" id="{2EB9E1C1-6649-45EF-9546-D4FFA8FDFB96}"/>
+                <a16:creationId xmlns:a16="http://schemas.microsoft.com/office/drawing/2014/main" id="{2EB9E1C1-6649-45EF-9546-D4FFA8FDFB96}"/>
               </a:ext>
             </a:extLst>
           </p:cNvPr>
@@ -10254,7 +10589,7 @@
           <p:cNvPr id="3" name="Espace réservé du numéro de diapositive 2">
             <a:extLst>
               <a:ext uri="{FF2B5EF4-FFF2-40B4-BE49-F238E27FC236}">
-                <a16:creationId xmlns:a16="http://schemas.microsoft.com/office/drawing/2014/main" xmlns="" id="{732E5B10-6120-4129-843F-A5755C782E37}"/>
+                <a16:creationId xmlns:a16="http://schemas.microsoft.com/office/drawing/2014/main" id="{732E5B10-6120-4129-843F-A5755C782E37}"/>
               </a:ext>
             </a:extLst>
           </p:cNvPr>
@@ -10288,13 +10623,6 @@
   <p:clrMapOvr>
     <a:masterClrMapping/>
   </p:clrMapOvr>
-  <p:timing>
-    <p:tnLst>
-      <p:par>
-        <p:cTn id="1" dur="indefinite" restart="never" nodeType="tmRoot"/>
-      </p:par>
-    </p:tnLst>
-  </p:timing>
 </p:sld>
 </file>
 
@@ -10343,7 +10671,7 @@
           <p:cNvPr id="2" name="Titre 1">
             <a:extLst>
               <a:ext uri="{FF2B5EF4-FFF2-40B4-BE49-F238E27FC236}">
-                <a16:creationId xmlns:a16="http://schemas.microsoft.com/office/drawing/2014/main" xmlns="" id="{847B2002-85EF-4E53-BF50-1164BFEF0883}"/>
+                <a16:creationId xmlns:a16="http://schemas.microsoft.com/office/drawing/2014/main" id="{847B2002-85EF-4E53-BF50-1164BFEF0883}"/>
               </a:ext>
             </a:extLst>
           </p:cNvPr>
@@ -10392,7 +10720,7 @@
           <p:cNvPr id="6" name="Image 5">
             <a:extLst>
               <a:ext uri="{FF2B5EF4-FFF2-40B4-BE49-F238E27FC236}">
-                <a16:creationId xmlns:a16="http://schemas.microsoft.com/office/drawing/2014/main" xmlns="" id="{45D547AC-FD75-4884-8CCB-15E6D9412640}"/>
+                <a16:creationId xmlns:a16="http://schemas.microsoft.com/office/drawing/2014/main" id="{45D547AC-FD75-4884-8CCB-15E6D9412640}"/>
               </a:ext>
             </a:extLst>
           </p:cNvPr>
@@ -10428,7 +10756,7 @@
           <p:cNvPr id="11" name="ZoneTexte 10">
             <a:extLst>
               <a:ext uri="{FF2B5EF4-FFF2-40B4-BE49-F238E27FC236}">
-                <a16:creationId xmlns:a16="http://schemas.microsoft.com/office/drawing/2014/main" xmlns="" id="{2A9D3AE3-8A5D-42DA-AE55-24657E616430}"/>
+                <a16:creationId xmlns:a16="http://schemas.microsoft.com/office/drawing/2014/main" id="{2A9D3AE3-8A5D-42DA-AE55-24657E616430}"/>
               </a:ext>
             </a:extLst>
           </p:cNvPr>
@@ -10528,7 +10856,7 @@
           <p:cNvPr id="3" name="Espace réservé du numéro de diapositive 2">
             <a:extLst>
               <a:ext uri="{FF2B5EF4-FFF2-40B4-BE49-F238E27FC236}">
-                <a16:creationId xmlns:a16="http://schemas.microsoft.com/office/drawing/2014/main" xmlns="" id="{732E5B10-6120-4129-843F-A5755C782E37}"/>
+                <a16:creationId xmlns:a16="http://schemas.microsoft.com/office/drawing/2014/main" id="{732E5B10-6120-4129-843F-A5755C782E37}"/>
               </a:ext>
             </a:extLst>
           </p:cNvPr>
@@ -10562,7 +10890,7 @@
           <p:cNvPr id="5" name="Image 4">
             <a:extLst>
               <a:ext uri="{FF2B5EF4-FFF2-40B4-BE49-F238E27FC236}">
-                <a16:creationId xmlns:a16="http://schemas.microsoft.com/office/drawing/2014/main" xmlns="" id="{1A052849-2A0C-4AAB-AF45-5D891269409A}"/>
+                <a16:creationId xmlns:a16="http://schemas.microsoft.com/office/drawing/2014/main" id="{1A052849-2A0C-4AAB-AF45-5D891269409A}"/>
               </a:ext>
             </a:extLst>
           </p:cNvPr>
@@ -10603,13 +10931,6 @@
   <p:clrMapOvr>
     <a:masterClrMapping/>
   </p:clrMapOvr>
-  <p:timing>
-    <p:tnLst>
-      <p:par>
-        <p:cTn id="1" dur="indefinite" restart="never" nodeType="tmRoot"/>
-      </p:par>
-    </p:tnLst>
-  </p:timing>
 </p:sld>
 </file>
 
@@ -10635,7 +10956,7 @@
           <p:cNvPr id="2" name="Titre 1">
             <a:extLst>
               <a:ext uri="{FF2B5EF4-FFF2-40B4-BE49-F238E27FC236}">
-                <a16:creationId xmlns:a16="http://schemas.microsoft.com/office/drawing/2014/main" xmlns="" id="{847B2002-85EF-4E53-BF50-1164BFEF0883}"/>
+                <a16:creationId xmlns:a16="http://schemas.microsoft.com/office/drawing/2014/main" id="{847B2002-85EF-4E53-BF50-1164BFEF0883}"/>
               </a:ext>
             </a:extLst>
           </p:cNvPr>
@@ -10669,23 +10990,7 @@
                 <a:ea typeface="Ebrima" panose="02000000000000000000" pitchFamily="2" charset="0"/>
                 <a:cs typeface="Ebrima" panose="02000000000000000000" pitchFamily="2" charset="0"/>
               </a:rPr>
-              <a:t>3</a:t>
-            </a:r>
-            <a:r>
-              <a:rPr lang="fr-FR" sz="3100" u="sng" cap="none" dirty="0" smtClean="0">
-                <a:latin typeface="Ebrima" panose="02000000000000000000" pitchFamily="2" charset="0"/>
-                <a:ea typeface="Ebrima" panose="02000000000000000000" pitchFamily="2" charset="0"/>
-                <a:cs typeface="Ebrima" panose="02000000000000000000" pitchFamily="2" charset="0"/>
-              </a:rPr>
-              <a:t>. </a:t>
-            </a:r>
-            <a:r>
-              <a:rPr lang="fr-FR" sz="3100" u="sng" cap="none" dirty="0">
-                <a:latin typeface="Ebrima" panose="02000000000000000000" pitchFamily="2" charset="0"/>
-                <a:ea typeface="Ebrima" panose="02000000000000000000" pitchFamily="2" charset="0"/>
-                <a:cs typeface="Ebrima" panose="02000000000000000000" pitchFamily="2" charset="0"/>
-              </a:rPr>
-              <a:t>PUBLIC CIBLE DE L’APPLICATION</a:t>
+              <a:t>3. PUBLIC CIBLE DE L’APPLICATION</a:t>
             </a:r>
             <a:endParaRPr lang="en-CA" sz="3100" u="sng" cap="none" dirty="0">
               <a:latin typeface="Ebrima" panose="02000000000000000000" pitchFamily="2" charset="0"/>
@@ -10700,7 +11005,7 @@
           <p:cNvPr id="6" name="Image 5">
             <a:extLst>
               <a:ext uri="{FF2B5EF4-FFF2-40B4-BE49-F238E27FC236}">
-                <a16:creationId xmlns:a16="http://schemas.microsoft.com/office/drawing/2014/main" xmlns="" id="{45D547AC-FD75-4884-8CCB-15E6D9412640}"/>
+                <a16:creationId xmlns:a16="http://schemas.microsoft.com/office/drawing/2014/main" id="{45D547AC-FD75-4884-8CCB-15E6D9412640}"/>
               </a:ext>
             </a:extLst>
           </p:cNvPr>
@@ -10736,7 +11041,7 @@
           <p:cNvPr id="7" name="ZoneTexte 6">
             <a:extLst>
               <a:ext uri="{FF2B5EF4-FFF2-40B4-BE49-F238E27FC236}">
-                <a16:creationId xmlns:a16="http://schemas.microsoft.com/office/drawing/2014/main" xmlns="" id="{91FB25D9-30FE-4009-A340-75BB7ACF4219}"/>
+                <a16:creationId xmlns:a16="http://schemas.microsoft.com/office/drawing/2014/main" id="{91FB25D9-30FE-4009-A340-75BB7ACF4219}"/>
               </a:ext>
             </a:extLst>
           </p:cNvPr>
@@ -10832,7 +11137,7 @@
           <p:cNvPr id="17" name="Image 16">
             <a:extLst>
               <a:ext uri="{FF2B5EF4-FFF2-40B4-BE49-F238E27FC236}">
-                <a16:creationId xmlns:a16="http://schemas.microsoft.com/office/drawing/2014/main" xmlns="" id="{F52C5B31-4FFC-4B0A-A56C-7BAB614A6BAB}"/>
+                <a16:creationId xmlns:a16="http://schemas.microsoft.com/office/drawing/2014/main" id="{F52C5B31-4FFC-4B0A-A56C-7BAB614A6BAB}"/>
               </a:ext>
             </a:extLst>
           </p:cNvPr>
@@ -10862,7 +11167,7 @@
           <p:cNvPr id="18" name="Image 17">
             <a:extLst>
               <a:ext uri="{FF2B5EF4-FFF2-40B4-BE49-F238E27FC236}">
-                <a16:creationId xmlns:a16="http://schemas.microsoft.com/office/drawing/2014/main" xmlns="" id="{9608F96E-99F0-43CE-9CD2-AF6787836527}"/>
+                <a16:creationId xmlns:a16="http://schemas.microsoft.com/office/drawing/2014/main" id="{9608F96E-99F0-43CE-9CD2-AF6787836527}"/>
               </a:ext>
             </a:extLst>
           </p:cNvPr>
@@ -10892,7 +11197,7 @@
           <p:cNvPr id="3" name="Espace réservé du numéro de diapositive 2">
             <a:extLst>
               <a:ext uri="{FF2B5EF4-FFF2-40B4-BE49-F238E27FC236}">
-                <a16:creationId xmlns:a16="http://schemas.microsoft.com/office/drawing/2014/main" xmlns="" id="{BC62C326-C9BA-4DCF-9F98-A0D0CD1BAED1}"/>
+                <a16:creationId xmlns:a16="http://schemas.microsoft.com/office/drawing/2014/main" id="{BC62C326-C9BA-4DCF-9F98-A0D0CD1BAED1}"/>
               </a:ext>
             </a:extLst>
           </p:cNvPr>
@@ -10951,7 +11256,7 @@
           <p:cNvPr id="2" name="Titre 1">
             <a:extLst>
               <a:ext uri="{FF2B5EF4-FFF2-40B4-BE49-F238E27FC236}">
-                <a16:creationId xmlns:a16="http://schemas.microsoft.com/office/drawing/2014/main" xmlns="" id="{847B2002-85EF-4E53-BF50-1164BFEF0883}"/>
+                <a16:creationId xmlns:a16="http://schemas.microsoft.com/office/drawing/2014/main" id="{847B2002-85EF-4E53-BF50-1164BFEF0883}"/>
               </a:ext>
             </a:extLst>
           </p:cNvPr>
@@ -10985,23 +11290,7 @@
                 <a:ea typeface="Ebrima" panose="02000000000000000000" pitchFamily="2" charset="0"/>
                 <a:cs typeface="Ebrima" panose="02000000000000000000" pitchFamily="2" charset="0"/>
               </a:rPr>
-              <a:t>4</a:t>
-            </a:r>
-            <a:r>
-              <a:rPr lang="fr-FR" sz="3400" u="sng" cap="none" dirty="0" smtClean="0">
-                <a:latin typeface="Ebrima" panose="02000000000000000000" pitchFamily="2" charset="0"/>
-                <a:ea typeface="Ebrima" panose="02000000000000000000" pitchFamily="2" charset="0"/>
-                <a:cs typeface="Ebrima" panose="02000000000000000000" pitchFamily="2" charset="0"/>
-              </a:rPr>
-              <a:t>. </a:t>
-            </a:r>
-            <a:r>
-              <a:rPr lang="fr-FR" sz="3400" u="sng" cap="none" dirty="0">
-                <a:latin typeface="Ebrima" panose="02000000000000000000" pitchFamily="2" charset="0"/>
-                <a:ea typeface="Ebrima" panose="02000000000000000000" pitchFamily="2" charset="0"/>
-                <a:cs typeface="Ebrima" panose="02000000000000000000" pitchFamily="2" charset="0"/>
-              </a:rPr>
-              <a:t>IDENTIFICATION DES FONCTIONNALITÉS DU PAGE</a:t>
+              <a:t>4. IDENTIFICATION DES FONCTIONNALITÉS DU PAGE</a:t>
             </a:r>
             <a:endParaRPr lang="en-CA" sz="3400" u="sng" cap="none" dirty="0">
               <a:latin typeface="Ebrima" panose="02000000000000000000" pitchFamily="2" charset="0"/>
@@ -11016,7 +11305,7 @@
           <p:cNvPr id="6" name="Image 5">
             <a:extLst>
               <a:ext uri="{FF2B5EF4-FFF2-40B4-BE49-F238E27FC236}">
-                <a16:creationId xmlns:a16="http://schemas.microsoft.com/office/drawing/2014/main" xmlns="" id="{45D547AC-FD75-4884-8CCB-15E6D9412640}"/>
+                <a16:creationId xmlns:a16="http://schemas.microsoft.com/office/drawing/2014/main" id="{45D547AC-FD75-4884-8CCB-15E6D9412640}"/>
               </a:ext>
             </a:extLst>
           </p:cNvPr>
@@ -11052,7 +11341,7 @@
           <p:cNvPr id="5" name="Image 4">
             <a:extLst>
               <a:ext uri="{FF2B5EF4-FFF2-40B4-BE49-F238E27FC236}">
-                <a16:creationId xmlns:a16="http://schemas.microsoft.com/office/drawing/2014/main" xmlns="" id="{5F93B43B-6A13-4679-9256-D33D76750887}"/>
+                <a16:creationId xmlns:a16="http://schemas.microsoft.com/office/drawing/2014/main" id="{5F93B43B-6A13-4679-9256-D33D76750887}"/>
               </a:ext>
             </a:extLst>
           </p:cNvPr>
@@ -11088,7 +11377,7 @@
           <p:cNvPr id="8" name="Image 7">
             <a:extLst>
               <a:ext uri="{FF2B5EF4-FFF2-40B4-BE49-F238E27FC236}">
-                <a16:creationId xmlns:a16="http://schemas.microsoft.com/office/drawing/2014/main" xmlns="" id="{1678EAF0-D55A-4C9E-979D-A79B28F8BB5A}"/>
+                <a16:creationId xmlns:a16="http://schemas.microsoft.com/office/drawing/2014/main" id="{1678EAF0-D55A-4C9E-979D-A79B28F8BB5A}"/>
               </a:ext>
             </a:extLst>
           </p:cNvPr>
@@ -11124,7 +11413,7 @@
           <p:cNvPr id="10" name="Image 9">
             <a:extLst>
               <a:ext uri="{FF2B5EF4-FFF2-40B4-BE49-F238E27FC236}">
-                <a16:creationId xmlns:a16="http://schemas.microsoft.com/office/drawing/2014/main" xmlns="" id="{0328837E-D733-42C0-AABA-65225BB0F698}"/>
+                <a16:creationId xmlns:a16="http://schemas.microsoft.com/office/drawing/2014/main" id="{0328837E-D733-42C0-AABA-65225BB0F698}"/>
               </a:ext>
             </a:extLst>
           </p:cNvPr>
@@ -11160,7 +11449,7 @@
           <p:cNvPr id="12" name="Image 11">
             <a:extLst>
               <a:ext uri="{FF2B5EF4-FFF2-40B4-BE49-F238E27FC236}">
-                <a16:creationId xmlns:a16="http://schemas.microsoft.com/office/drawing/2014/main" xmlns="" id="{6C63FD2B-36E5-47BE-A6BD-66A4167C7A55}"/>
+                <a16:creationId xmlns:a16="http://schemas.microsoft.com/office/drawing/2014/main" id="{6C63FD2B-36E5-47BE-A6BD-66A4167C7A55}"/>
               </a:ext>
             </a:extLst>
           </p:cNvPr>
@@ -11196,7 +11485,7 @@
           <p:cNvPr id="14" name="Image 13">
             <a:extLst>
               <a:ext uri="{FF2B5EF4-FFF2-40B4-BE49-F238E27FC236}">
-                <a16:creationId xmlns:a16="http://schemas.microsoft.com/office/drawing/2014/main" xmlns="" id="{C2E6D974-8439-4A20-B673-B14110C19F75}"/>
+                <a16:creationId xmlns:a16="http://schemas.microsoft.com/office/drawing/2014/main" id="{C2E6D974-8439-4A20-B673-B14110C19F75}"/>
               </a:ext>
             </a:extLst>
           </p:cNvPr>
@@ -11232,7 +11521,7 @@
           <p:cNvPr id="16" name="Image 15">
             <a:extLst>
               <a:ext uri="{FF2B5EF4-FFF2-40B4-BE49-F238E27FC236}">
-                <a16:creationId xmlns:a16="http://schemas.microsoft.com/office/drawing/2014/main" xmlns="" id="{2E2A93CD-5150-4819-BE10-6868274EBB4D}"/>
+                <a16:creationId xmlns:a16="http://schemas.microsoft.com/office/drawing/2014/main" id="{2E2A93CD-5150-4819-BE10-6868274EBB4D}"/>
               </a:ext>
             </a:extLst>
           </p:cNvPr>
@@ -11268,7 +11557,7 @@
           <p:cNvPr id="18" name="Image 17">
             <a:extLst>
               <a:ext uri="{FF2B5EF4-FFF2-40B4-BE49-F238E27FC236}">
-                <a16:creationId xmlns:a16="http://schemas.microsoft.com/office/drawing/2014/main" xmlns="" id="{1A00E8A8-2B1D-48CA-BC45-287084143CA1}"/>
+                <a16:creationId xmlns:a16="http://schemas.microsoft.com/office/drawing/2014/main" id="{1A00E8A8-2B1D-48CA-BC45-287084143CA1}"/>
               </a:ext>
             </a:extLst>
           </p:cNvPr>
@@ -11304,7 +11593,7 @@
           <p:cNvPr id="20" name="Image 19">
             <a:extLst>
               <a:ext uri="{FF2B5EF4-FFF2-40B4-BE49-F238E27FC236}">
-                <a16:creationId xmlns:a16="http://schemas.microsoft.com/office/drawing/2014/main" xmlns="" id="{7DD675E1-7B96-4DFE-9EA5-6294560FCBF9}"/>
+                <a16:creationId xmlns:a16="http://schemas.microsoft.com/office/drawing/2014/main" id="{7DD675E1-7B96-4DFE-9EA5-6294560FCBF9}"/>
               </a:ext>
             </a:extLst>
           </p:cNvPr>
@@ -11340,7 +11629,7 @@
           <p:cNvPr id="22" name="Image 21">
             <a:extLst>
               <a:ext uri="{FF2B5EF4-FFF2-40B4-BE49-F238E27FC236}">
-                <a16:creationId xmlns:a16="http://schemas.microsoft.com/office/drawing/2014/main" xmlns="" id="{151E1314-759B-474B-BAF6-22FAB072BDC1}"/>
+                <a16:creationId xmlns:a16="http://schemas.microsoft.com/office/drawing/2014/main" id="{151E1314-759B-474B-BAF6-22FAB072BDC1}"/>
               </a:ext>
             </a:extLst>
           </p:cNvPr>
@@ -11376,7 +11665,7 @@
           <p:cNvPr id="24" name="Image 23">
             <a:extLst>
               <a:ext uri="{FF2B5EF4-FFF2-40B4-BE49-F238E27FC236}">
-                <a16:creationId xmlns:a16="http://schemas.microsoft.com/office/drawing/2014/main" xmlns="" id="{EDE8177F-D97D-4CED-BC15-8F2367A491A1}"/>
+                <a16:creationId xmlns:a16="http://schemas.microsoft.com/office/drawing/2014/main" id="{EDE8177F-D97D-4CED-BC15-8F2367A491A1}"/>
               </a:ext>
             </a:extLst>
           </p:cNvPr>
@@ -11412,7 +11701,7 @@
           <p:cNvPr id="26" name="Image 25">
             <a:extLst>
               <a:ext uri="{FF2B5EF4-FFF2-40B4-BE49-F238E27FC236}">
-                <a16:creationId xmlns:a16="http://schemas.microsoft.com/office/drawing/2014/main" xmlns="" id="{760B0038-13A3-425B-9B79-95EEC3698A40}"/>
+                <a16:creationId xmlns:a16="http://schemas.microsoft.com/office/drawing/2014/main" id="{760B0038-13A3-425B-9B79-95EEC3698A40}"/>
               </a:ext>
             </a:extLst>
           </p:cNvPr>
@@ -11448,7 +11737,7 @@
           <p:cNvPr id="28" name="Image 27">
             <a:extLst>
               <a:ext uri="{FF2B5EF4-FFF2-40B4-BE49-F238E27FC236}">
-                <a16:creationId xmlns:a16="http://schemas.microsoft.com/office/drawing/2014/main" xmlns="" id="{E3E46E22-63BB-4717-BA8B-DD9B268E5701}"/>
+                <a16:creationId xmlns:a16="http://schemas.microsoft.com/office/drawing/2014/main" id="{E3E46E22-63BB-4717-BA8B-DD9B268E5701}"/>
               </a:ext>
             </a:extLst>
           </p:cNvPr>
@@ -11484,7 +11773,7 @@
           <p:cNvPr id="30" name="Image 29">
             <a:extLst>
               <a:ext uri="{FF2B5EF4-FFF2-40B4-BE49-F238E27FC236}">
-                <a16:creationId xmlns:a16="http://schemas.microsoft.com/office/drawing/2014/main" xmlns="" id="{F8493397-6232-4793-94D1-649F3BE10310}"/>
+                <a16:creationId xmlns:a16="http://schemas.microsoft.com/office/drawing/2014/main" id="{F8493397-6232-4793-94D1-649F3BE10310}"/>
               </a:ext>
             </a:extLst>
           </p:cNvPr>
@@ -11520,7 +11809,7 @@
           <p:cNvPr id="33" name="Rectangle 32">
             <a:extLst>
               <a:ext uri="{FF2B5EF4-FFF2-40B4-BE49-F238E27FC236}">
-                <a16:creationId xmlns:a16="http://schemas.microsoft.com/office/drawing/2014/main" xmlns="" id="{3935108A-B52A-4FA3-8ECB-24DB1CFDFF05}"/>
+                <a16:creationId xmlns:a16="http://schemas.microsoft.com/office/drawing/2014/main" id="{3935108A-B52A-4FA3-8ECB-24DB1CFDFF05}"/>
               </a:ext>
             </a:extLst>
           </p:cNvPr>
@@ -11647,7 +11936,7 @@
           <p:cNvPr id="3" name="Espace réservé du numéro de diapositive 2">
             <a:extLst>
               <a:ext uri="{FF2B5EF4-FFF2-40B4-BE49-F238E27FC236}">
-                <a16:creationId xmlns:a16="http://schemas.microsoft.com/office/drawing/2014/main" xmlns="" id="{D87DD88E-0C01-4825-A360-95CA1067C517}"/>
+                <a16:creationId xmlns:a16="http://schemas.microsoft.com/office/drawing/2014/main" id="{D87DD88E-0C01-4825-A360-95CA1067C517}"/>
               </a:ext>
             </a:extLst>
           </p:cNvPr>
@@ -11706,7 +11995,7 @@
           <p:cNvPr id="2" name="Titre 1">
             <a:extLst>
               <a:ext uri="{FF2B5EF4-FFF2-40B4-BE49-F238E27FC236}">
-                <a16:creationId xmlns:a16="http://schemas.microsoft.com/office/drawing/2014/main" xmlns="" id="{847B2002-85EF-4E53-BF50-1164BFEF0883}"/>
+                <a16:creationId xmlns:a16="http://schemas.microsoft.com/office/drawing/2014/main" id="{847B2002-85EF-4E53-BF50-1164BFEF0883}"/>
               </a:ext>
             </a:extLst>
           </p:cNvPr>
@@ -11755,7 +12044,7 @@
           <p:cNvPr id="6" name="Image 5">
             <a:extLst>
               <a:ext uri="{FF2B5EF4-FFF2-40B4-BE49-F238E27FC236}">
-                <a16:creationId xmlns:a16="http://schemas.microsoft.com/office/drawing/2014/main" xmlns="" id="{45D547AC-FD75-4884-8CCB-15E6D9412640}"/>
+                <a16:creationId xmlns:a16="http://schemas.microsoft.com/office/drawing/2014/main" id="{45D547AC-FD75-4884-8CCB-15E6D9412640}"/>
               </a:ext>
             </a:extLst>
           </p:cNvPr>
@@ -11791,7 +12080,7 @@
           <p:cNvPr id="7" name="ZoneTexte 6">
             <a:extLst>
               <a:ext uri="{FF2B5EF4-FFF2-40B4-BE49-F238E27FC236}">
-                <a16:creationId xmlns:a16="http://schemas.microsoft.com/office/drawing/2014/main" xmlns="" id="{91FB25D9-30FE-4009-A340-75BB7ACF4219}"/>
+                <a16:creationId xmlns:a16="http://schemas.microsoft.com/office/drawing/2014/main" id="{91FB25D9-30FE-4009-A340-75BB7ACF4219}"/>
               </a:ext>
             </a:extLst>
           </p:cNvPr>
@@ -11835,7 +12124,7 @@
           <p:cNvPr id="4" name="Image 3">
             <a:extLst>
               <a:ext uri="{FF2B5EF4-FFF2-40B4-BE49-F238E27FC236}">
-                <a16:creationId xmlns:a16="http://schemas.microsoft.com/office/drawing/2014/main" xmlns="" id="{89B2994E-5707-477E-9E1B-C7D1DE580504}"/>
+                <a16:creationId xmlns:a16="http://schemas.microsoft.com/office/drawing/2014/main" id="{89B2994E-5707-477E-9E1B-C7D1DE580504}"/>
               </a:ext>
             </a:extLst>
           </p:cNvPr>
@@ -11871,7 +12160,7 @@
           <p:cNvPr id="3" name="Espace réservé du numéro de diapositive 2">
             <a:extLst>
               <a:ext uri="{FF2B5EF4-FFF2-40B4-BE49-F238E27FC236}">
-                <a16:creationId xmlns:a16="http://schemas.microsoft.com/office/drawing/2014/main" xmlns="" id="{BD5E13AC-C742-465A-9068-304287B963A9}"/>
+                <a16:creationId xmlns:a16="http://schemas.microsoft.com/office/drawing/2014/main" id="{BD5E13AC-C742-465A-9068-304287B963A9}"/>
               </a:ext>
             </a:extLst>
           </p:cNvPr>
@@ -11930,7 +12219,7 @@
           <p:cNvPr id="2" name="Titre 1">
             <a:extLst>
               <a:ext uri="{FF2B5EF4-FFF2-40B4-BE49-F238E27FC236}">
-                <a16:creationId xmlns:a16="http://schemas.microsoft.com/office/drawing/2014/main" xmlns="" id="{847B2002-85EF-4E53-BF50-1164BFEF0883}"/>
+                <a16:creationId xmlns:a16="http://schemas.microsoft.com/office/drawing/2014/main" id="{847B2002-85EF-4E53-BF50-1164BFEF0883}"/>
               </a:ext>
             </a:extLst>
           </p:cNvPr>
@@ -11959,21 +12248,7 @@
                 <a:ea typeface="Tahoma" panose="020B0604030504040204" pitchFamily="34" charset="0"/>
                 <a:cs typeface="Tahoma" panose="020B0604030504040204" pitchFamily="34" charset="0"/>
               </a:rPr>
-              <a:t>6</a:t>
-            </a:r>
-            <a:r>
-              <a:rPr lang="fr-FR" sz="3200" dirty="0" smtClean="0">
-                <a:ea typeface="Tahoma" panose="020B0604030504040204" pitchFamily="34" charset="0"/>
-                <a:cs typeface="Tahoma" panose="020B0604030504040204" pitchFamily="34" charset="0"/>
-              </a:rPr>
-              <a:t>. </a:t>
-            </a:r>
-            <a:r>
-              <a:rPr lang="fr-FR" sz="3200" dirty="0">
-                <a:ea typeface="Tahoma" panose="020B0604030504040204" pitchFamily="34" charset="0"/>
-                <a:cs typeface="Tahoma" panose="020B0604030504040204" pitchFamily="34" charset="0"/>
-              </a:rPr>
-              <a:t>Architecture </a:t>
+              <a:t>6. Architecture </a:t>
             </a:r>
             <a:r>
               <a:rPr lang="fr-FR" sz="3200" dirty="0" err="1">
@@ -11997,7 +12272,7 @@
           <p:cNvPr id="6" name="Image 5">
             <a:extLst>
               <a:ext uri="{FF2B5EF4-FFF2-40B4-BE49-F238E27FC236}">
-                <a16:creationId xmlns:a16="http://schemas.microsoft.com/office/drawing/2014/main" xmlns="" id="{45D547AC-FD75-4884-8CCB-15E6D9412640}"/>
+                <a16:creationId xmlns:a16="http://schemas.microsoft.com/office/drawing/2014/main" id="{45D547AC-FD75-4884-8CCB-15E6D9412640}"/>
               </a:ext>
             </a:extLst>
           </p:cNvPr>
@@ -12033,7 +12308,7 @@
           <p:cNvPr id="7" name="ZoneTexte 6">
             <a:extLst>
               <a:ext uri="{FF2B5EF4-FFF2-40B4-BE49-F238E27FC236}">
-                <a16:creationId xmlns:a16="http://schemas.microsoft.com/office/drawing/2014/main" xmlns="" id="{91FB25D9-30FE-4009-A340-75BB7ACF4219}"/>
+                <a16:creationId xmlns:a16="http://schemas.microsoft.com/office/drawing/2014/main" id="{91FB25D9-30FE-4009-A340-75BB7ACF4219}"/>
               </a:ext>
             </a:extLst>
           </p:cNvPr>
@@ -12070,7 +12345,7 @@
           <p:cNvPr id="9" name="Image 8">
             <a:extLst>
               <a:ext uri="{FF2B5EF4-FFF2-40B4-BE49-F238E27FC236}">
-                <a16:creationId xmlns:a16="http://schemas.microsoft.com/office/drawing/2014/main" xmlns="" id="{D3AE46DF-FC3D-49E3-9EE6-F36690111EB2}"/>
+                <a16:creationId xmlns:a16="http://schemas.microsoft.com/office/drawing/2014/main" id="{D3AE46DF-FC3D-49E3-9EE6-F36690111EB2}"/>
               </a:ext>
             </a:extLst>
           </p:cNvPr>
@@ -12100,7 +12375,7 @@
           <p:cNvPr id="13" name="Groupe 12">
             <a:extLst>
               <a:ext uri="{FF2B5EF4-FFF2-40B4-BE49-F238E27FC236}">
-                <a16:creationId xmlns:a16="http://schemas.microsoft.com/office/drawing/2014/main" xmlns="" id="{49C3330A-5332-4AD7-B1B9-DC31A2540CED}"/>
+                <a16:creationId xmlns:a16="http://schemas.microsoft.com/office/drawing/2014/main" id="{49C3330A-5332-4AD7-B1B9-DC31A2540CED}"/>
               </a:ext>
             </a:extLst>
           </p:cNvPr>
@@ -12120,7 +12395,7 @@
             <p:cNvPr id="3" name="Image 2">
               <a:extLst>
                 <a:ext uri="{FF2B5EF4-FFF2-40B4-BE49-F238E27FC236}">
-                  <a16:creationId xmlns:a16="http://schemas.microsoft.com/office/drawing/2014/main" xmlns="" id="{97F33094-9E2D-4C56-8BE7-54D7198AED1F}"/>
+                  <a16:creationId xmlns:a16="http://schemas.microsoft.com/office/drawing/2014/main" id="{97F33094-9E2D-4C56-8BE7-54D7198AED1F}"/>
                 </a:ext>
               </a:extLst>
             </p:cNvPr>
@@ -12150,7 +12425,7 @@
             <p:cNvPr id="4" name="ZoneTexte 3">
               <a:extLst>
                 <a:ext uri="{FF2B5EF4-FFF2-40B4-BE49-F238E27FC236}">
-                  <a16:creationId xmlns:a16="http://schemas.microsoft.com/office/drawing/2014/main" xmlns="" id="{8D90AE1B-4BC2-4382-9C0A-053629D75DEC}"/>
+                  <a16:creationId xmlns:a16="http://schemas.microsoft.com/office/drawing/2014/main" id="{8D90AE1B-4BC2-4382-9C0A-053629D75DEC}"/>
                 </a:ext>
               </a:extLst>
             </p:cNvPr>
@@ -12190,7 +12465,7 @@
           <p:cNvPr id="15" name="Groupe 14">
             <a:extLst>
               <a:ext uri="{FF2B5EF4-FFF2-40B4-BE49-F238E27FC236}">
-                <a16:creationId xmlns:a16="http://schemas.microsoft.com/office/drawing/2014/main" xmlns="" id="{B34CC806-0B3A-4B6D-9004-AEE474EC2AC9}"/>
+                <a16:creationId xmlns:a16="http://schemas.microsoft.com/office/drawing/2014/main" id="{B34CC806-0B3A-4B6D-9004-AEE474EC2AC9}"/>
               </a:ext>
             </a:extLst>
           </p:cNvPr>
@@ -12210,7 +12485,7 @@
             <p:cNvPr id="8" name="Image 7">
               <a:extLst>
                 <a:ext uri="{FF2B5EF4-FFF2-40B4-BE49-F238E27FC236}">
-                  <a16:creationId xmlns:a16="http://schemas.microsoft.com/office/drawing/2014/main" xmlns="" id="{233D06FA-A3A1-4780-AB9F-DC30AE161E7D}"/>
+                  <a16:creationId xmlns:a16="http://schemas.microsoft.com/office/drawing/2014/main" id="{233D06FA-A3A1-4780-AB9F-DC30AE161E7D}"/>
                 </a:ext>
               </a:extLst>
             </p:cNvPr>
@@ -12240,7 +12515,7 @@
             <p:cNvPr id="10" name="ZoneTexte 9">
               <a:extLst>
                 <a:ext uri="{FF2B5EF4-FFF2-40B4-BE49-F238E27FC236}">
-                  <a16:creationId xmlns:a16="http://schemas.microsoft.com/office/drawing/2014/main" xmlns="" id="{9B8DD328-73F3-4B85-9D6D-36620A1A621B}"/>
+                  <a16:creationId xmlns:a16="http://schemas.microsoft.com/office/drawing/2014/main" id="{9B8DD328-73F3-4B85-9D6D-36620A1A621B}"/>
                 </a:ext>
               </a:extLst>
             </p:cNvPr>
@@ -12280,7 +12555,7 @@
           <p:cNvPr id="14" name="Groupe 13">
             <a:extLst>
               <a:ext uri="{FF2B5EF4-FFF2-40B4-BE49-F238E27FC236}">
-                <a16:creationId xmlns:a16="http://schemas.microsoft.com/office/drawing/2014/main" xmlns="" id="{F984B755-A951-4CA4-A775-137CBB4C68FE}"/>
+                <a16:creationId xmlns:a16="http://schemas.microsoft.com/office/drawing/2014/main" id="{F984B755-A951-4CA4-A775-137CBB4C68FE}"/>
               </a:ext>
             </a:extLst>
           </p:cNvPr>
@@ -12300,7 +12575,7 @@
             <p:cNvPr id="5" name="Image 4">
               <a:extLst>
                 <a:ext uri="{FF2B5EF4-FFF2-40B4-BE49-F238E27FC236}">
-                  <a16:creationId xmlns:a16="http://schemas.microsoft.com/office/drawing/2014/main" xmlns="" id="{29BB9359-B700-436B-8D94-1F18BFFA19FD}"/>
+                  <a16:creationId xmlns:a16="http://schemas.microsoft.com/office/drawing/2014/main" id="{29BB9359-B700-436B-8D94-1F18BFFA19FD}"/>
                 </a:ext>
               </a:extLst>
             </p:cNvPr>
@@ -12330,7 +12605,7 @@
             <p:cNvPr id="11" name="ZoneTexte 10">
               <a:extLst>
                 <a:ext uri="{FF2B5EF4-FFF2-40B4-BE49-F238E27FC236}">
-                  <a16:creationId xmlns:a16="http://schemas.microsoft.com/office/drawing/2014/main" xmlns="" id="{5D0A5BC2-213F-4DC4-AEFB-26D78C7744C9}"/>
+                  <a16:creationId xmlns:a16="http://schemas.microsoft.com/office/drawing/2014/main" id="{5D0A5BC2-213F-4DC4-AEFB-26D78C7744C9}"/>
                 </a:ext>
               </a:extLst>
             </p:cNvPr>
@@ -12370,7 +12645,7 @@
           <p:cNvPr id="12" name="Espace réservé du numéro de diapositive 11">
             <a:extLst>
               <a:ext uri="{FF2B5EF4-FFF2-40B4-BE49-F238E27FC236}">
-                <a16:creationId xmlns:a16="http://schemas.microsoft.com/office/drawing/2014/main" xmlns="" id="{6C94EE64-C361-47CA-9EB1-2A761E13F250}"/>
+                <a16:creationId xmlns:a16="http://schemas.microsoft.com/office/drawing/2014/main" id="{6C94EE64-C361-47CA-9EB1-2A761E13F250}"/>
               </a:ext>
             </a:extLst>
           </p:cNvPr>
@@ -12429,7 +12704,7 @@
           <p:cNvPr id="2" name="Titre 1">
             <a:extLst>
               <a:ext uri="{FF2B5EF4-FFF2-40B4-BE49-F238E27FC236}">
-                <a16:creationId xmlns:a16="http://schemas.microsoft.com/office/drawing/2014/main" xmlns="" id="{847B2002-85EF-4E53-BF50-1164BFEF0883}"/>
+                <a16:creationId xmlns:a16="http://schemas.microsoft.com/office/drawing/2014/main" id="{847B2002-85EF-4E53-BF50-1164BFEF0883}"/>
               </a:ext>
             </a:extLst>
           </p:cNvPr>
@@ -12461,19 +12736,7 @@
               <a:rPr lang="fr-FR" sz="3100" u="sng" dirty="0">
                 <a:effectLst/>
               </a:rPr>
-              <a:t>7</a:t>
-            </a:r>
-            <a:r>
-              <a:rPr lang="fr-FR" sz="3100" u="sng" dirty="0" smtClean="0">
-                <a:effectLst/>
-              </a:rPr>
-              <a:t>. </a:t>
-            </a:r>
-            <a:r>
-              <a:rPr lang="fr-FR" sz="3100" u="sng" dirty="0">
-                <a:effectLst/>
-              </a:rPr>
-              <a:t>LOGICIEL POUR LE TRAVAIL EN ÉQUIPE</a:t>
+              <a:t>7. LOGICIEL POUR LE TRAVAIL EN ÉQUIPE</a:t>
             </a:r>
             <a:endParaRPr lang="fr-CA" sz="3100" u="sng" cap="none" dirty="0">
               <a:latin typeface="Ebrima" panose="02000000000000000000" pitchFamily="2" charset="0"/>
@@ -12488,7 +12751,7 @@
           <p:cNvPr id="6" name="Image 5">
             <a:extLst>
               <a:ext uri="{FF2B5EF4-FFF2-40B4-BE49-F238E27FC236}">
-                <a16:creationId xmlns:a16="http://schemas.microsoft.com/office/drawing/2014/main" xmlns="" id="{45D547AC-FD75-4884-8CCB-15E6D9412640}"/>
+                <a16:creationId xmlns:a16="http://schemas.microsoft.com/office/drawing/2014/main" id="{45D547AC-FD75-4884-8CCB-15E6D9412640}"/>
               </a:ext>
             </a:extLst>
           </p:cNvPr>
@@ -12524,7 +12787,7 @@
           <p:cNvPr id="7" name="ZoneTexte 6">
             <a:extLst>
               <a:ext uri="{FF2B5EF4-FFF2-40B4-BE49-F238E27FC236}">
-                <a16:creationId xmlns:a16="http://schemas.microsoft.com/office/drawing/2014/main" xmlns="" id="{91FB25D9-30FE-4009-A340-75BB7ACF4219}"/>
+                <a16:creationId xmlns:a16="http://schemas.microsoft.com/office/drawing/2014/main" id="{91FB25D9-30FE-4009-A340-75BB7ACF4219}"/>
               </a:ext>
             </a:extLst>
           </p:cNvPr>
@@ -12571,7 +12834,7 @@
           <p:cNvPr id="1026" name="Picture 2" descr="Resultado de imagen para github">
             <a:extLst>
               <a:ext uri="{FF2B5EF4-FFF2-40B4-BE49-F238E27FC236}">
-                <a16:creationId xmlns:a16="http://schemas.microsoft.com/office/drawing/2014/main" xmlns="" id="{74B7BB97-537D-4187-9901-1E5D6CEFB17E}"/>
+                <a16:creationId xmlns:a16="http://schemas.microsoft.com/office/drawing/2014/main" id="{74B7BB97-537D-4187-9901-1E5D6CEFB17E}"/>
               </a:ext>
             </a:extLst>
           </p:cNvPr>
@@ -12618,7 +12881,7 @@
           <p:cNvPr id="3" name="Image 2">
             <a:extLst>
               <a:ext uri="{FF2B5EF4-FFF2-40B4-BE49-F238E27FC236}">
-                <a16:creationId xmlns:a16="http://schemas.microsoft.com/office/drawing/2014/main" xmlns="" id="{39041F21-8BEA-48AE-A47C-6A40B77A5B5B}"/>
+                <a16:creationId xmlns:a16="http://schemas.microsoft.com/office/drawing/2014/main" id="{39041F21-8BEA-48AE-A47C-6A40B77A5B5B}"/>
               </a:ext>
             </a:extLst>
           </p:cNvPr>
@@ -12648,7 +12911,7 @@
           <p:cNvPr id="4" name="Espace réservé du numéro de diapositive 3">
             <a:extLst>
               <a:ext uri="{FF2B5EF4-FFF2-40B4-BE49-F238E27FC236}">
-                <a16:creationId xmlns:a16="http://schemas.microsoft.com/office/drawing/2014/main" xmlns="" id="{241321A1-5132-4284-A6AB-B4638E27C1F5}"/>
+                <a16:creationId xmlns:a16="http://schemas.microsoft.com/office/drawing/2014/main" id="{241321A1-5132-4284-A6AB-B4638E27C1F5}"/>
               </a:ext>
             </a:extLst>
           </p:cNvPr>
@@ -12677,7 +12940,7 @@
           <p:cNvPr id="8" name="Graphic 7">
             <a:extLst>
               <a:ext uri="{FF2B5EF4-FFF2-40B4-BE49-F238E27FC236}">
-                <a16:creationId xmlns:a16="http://schemas.microsoft.com/office/drawing/2014/main" xmlns="" id="{9528501D-83DA-4E36-A503-02013B2D01C4}"/>
+                <a16:creationId xmlns:a16="http://schemas.microsoft.com/office/drawing/2014/main" id="{9528501D-83DA-4E36-A503-02013B2D01C4}"/>
               </a:ext>
             </a:extLst>
           </p:cNvPr>
@@ -12693,7 +12956,7 @@
                 <a14:useLocalDpi xmlns:a14="http://schemas.microsoft.com/office/drawing/2010/main" val="0"/>
               </a:ext>
               <a:ext uri="{96DAC541-7B7A-43D3-8B79-37D633B846F1}">
-                <asvg:svgBlip xmlns:asvg="http://schemas.microsoft.com/office/drawing/2016/SVG/main" xmlns="" r:embed="rId7"/>
+                <asvg:svgBlip xmlns:asvg="http://schemas.microsoft.com/office/drawing/2016/SVG/main" r:embed="rId7"/>
               </a:ext>
             </a:extLst>
           </a:blip>

--- a/presentation/CommunAction.pptx
+++ b/presentation/CommunAction.pptx
@@ -270,7 +270,7 @@
           <p:cNvPr id="2" name="Espace réservé de l'en-tête 1">
             <a:extLst>
               <a:ext uri="{FF2B5EF4-FFF2-40B4-BE49-F238E27FC236}">
-                <a16:creationId xmlns:a16="http://schemas.microsoft.com/office/drawing/2014/main" xmlns="" id="{8644760A-0CED-4524-B0B6-28C2BD5D95B8}"/>
+                <a16:creationId xmlns:a16="http://schemas.microsoft.com/office/drawing/2014/main" id="{8644760A-0CED-4524-B0B6-28C2BD5D95B8}"/>
               </a:ext>
             </a:extLst>
           </p:cNvPr>
@@ -307,7 +307,7 @@
           <p:cNvPr id="3" name="Espace réservé de la date 2">
             <a:extLst>
               <a:ext uri="{FF2B5EF4-FFF2-40B4-BE49-F238E27FC236}">
-                <a16:creationId xmlns:a16="http://schemas.microsoft.com/office/drawing/2014/main" xmlns="" id="{51C3BB30-F71D-4779-A03A-DE3D020254B6}"/>
+                <a16:creationId xmlns:a16="http://schemas.microsoft.com/office/drawing/2014/main" id="{51C3BB30-F71D-4779-A03A-DE3D020254B6}"/>
               </a:ext>
             </a:extLst>
           </p:cNvPr>
@@ -337,7 +337,7 @@
           <a:p>
             <a:fld id="{B8A3D528-FB5C-4D45-B05E-18CF8F8001C6}" type="datetimeFigureOut">
               <a:rPr lang="en-CA" smtClean="0"/>
-              <a:t>25/10/2019</a:t>
+              <a:t>2019-10-27</a:t>
             </a:fld>
             <a:endParaRPr lang="en-CA"/>
           </a:p>
@@ -348,7 +348,7 @@
           <p:cNvPr id="4" name="Espace réservé du pied de page 3">
             <a:extLst>
               <a:ext uri="{FF2B5EF4-FFF2-40B4-BE49-F238E27FC236}">
-                <a16:creationId xmlns:a16="http://schemas.microsoft.com/office/drawing/2014/main" xmlns="" id="{8B39467F-21FB-49F1-9E77-21A51F430FAB}"/>
+                <a16:creationId xmlns:a16="http://schemas.microsoft.com/office/drawing/2014/main" id="{8B39467F-21FB-49F1-9E77-21A51F430FAB}"/>
               </a:ext>
             </a:extLst>
           </p:cNvPr>
@@ -385,7 +385,7 @@
           <p:cNvPr id="5" name="Espace réservé du numéro de diapositive 4">
             <a:extLst>
               <a:ext uri="{FF2B5EF4-FFF2-40B4-BE49-F238E27FC236}">
-                <a16:creationId xmlns:a16="http://schemas.microsoft.com/office/drawing/2014/main" xmlns="" id="{218DCF81-67A6-4D3D-AE8E-A44BBF1A1636}"/>
+                <a16:creationId xmlns:a16="http://schemas.microsoft.com/office/drawing/2014/main" id="{218DCF81-67A6-4D3D-AE8E-A44BBF1A1636}"/>
               </a:ext>
             </a:extLst>
           </p:cNvPr>
@@ -515,7 +515,7 @@
           <a:p>
             <a:fld id="{ED4450BA-E74B-4074-B01F-20A4D35CD716}" type="datetimeFigureOut">
               <a:rPr lang="en-CA" smtClean="0"/>
-              <a:t>25/10/2019</a:t>
+              <a:t>2019-10-27</a:t>
             </a:fld>
             <a:endParaRPr lang="en-CA"/>
           </a:p>
@@ -913,10 +913,9 @@
           <a:lstStyle/>
           <a:p>
             <a:r>
-              <a:rPr lang="fr-CA" dirty="0" smtClean="0"/>
+              <a:rPr lang="fr-CA" dirty="0"/>
               <a:t>Samuel</a:t>
             </a:r>
-            <a:endParaRPr lang="fr-CA" dirty="0"/>
           </a:p>
         </p:txBody>
       </p:sp>
@@ -1001,10 +1000,9 @@
           <a:lstStyle/>
           <a:p>
             <a:r>
-              <a:rPr lang="fr-CA" dirty="0" smtClean="0"/>
+              <a:rPr lang="fr-CA" dirty="0"/>
               <a:t>Samuel</a:t>
             </a:r>
-            <a:endParaRPr lang="fr-CA" dirty="0"/>
           </a:p>
         </p:txBody>
       </p:sp>
@@ -1089,16 +1087,15 @@
           <a:lstStyle/>
           <a:p>
             <a:r>
-              <a:rPr lang="fr-CA" dirty="0" smtClean="0"/>
+              <a:rPr lang="fr-CA" dirty="0"/>
               <a:t>John 1-2</a:t>
             </a:r>
           </a:p>
           <a:p>
             <a:r>
-              <a:rPr lang="fr-CA" dirty="0" smtClean="0"/>
+              <a:rPr lang="fr-CA" dirty="0"/>
               <a:t>Samuel 3-4</a:t>
             </a:r>
-            <a:endParaRPr lang="fr-CA" dirty="0"/>
           </a:p>
         </p:txBody>
       </p:sp>
@@ -1183,17 +1180,15 @@
           <a:lstStyle/>
           <a:p>
             <a:r>
-              <a:rPr lang="fr-CA" smtClean="0"/>
+              <a:rPr lang="fr-CA" dirty="0"/>
               <a:t>John 4-5-6</a:t>
             </a:r>
-            <a:endParaRPr lang="fr-CA" dirty="0" smtClean="0"/>
-          </a:p>
-          <a:p>
-            <a:r>
-              <a:rPr lang="fr-CA" dirty="0" smtClean="0"/>
+          </a:p>
+          <a:p>
+            <a:r>
+              <a:rPr lang="fr-CA" dirty="0"/>
               <a:t>Samuel 1-2-3</a:t>
             </a:r>
-            <a:endParaRPr lang="fr-CA" dirty="0"/>
           </a:p>
         </p:txBody>
       </p:sp>
@@ -1278,10 +1273,9 @@
           <a:lstStyle/>
           <a:p>
             <a:r>
-              <a:rPr lang="fr-CA" dirty="0" smtClean="0"/>
+              <a:rPr lang="fr-CA" dirty="0"/>
               <a:t>John</a:t>
             </a:r>
-            <a:endParaRPr lang="fr-CA" dirty="0"/>
           </a:p>
         </p:txBody>
       </p:sp>
@@ -1366,10 +1360,9 @@
           <a:lstStyle/>
           <a:p>
             <a:r>
-              <a:rPr lang="fr-CA" dirty="0" smtClean="0"/>
+              <a:rPr lang="fr-CA" dirty="0"/>
               <a:t>Samuel</a:t>
             </a:r>
-            <a:endParaRPr lang="fr-CA" dirty="0"/>
           </a:p>
         </p:txBody>
       </p:sp>
@@ -1454,10 +1447,9 @@
           <a:lstStyle/>
           <a:p>
             <a:r>
-              <a:rPr lang="fr-CA" dirty="0" smtClean="0"/>
+              <a:rPr lang="fr-CA" dirty="0"/>
               <a:t>Samuel</a:t>
             </a:r>
-            <a:endParaRPr lang="fr-CA" dirty="0"/>
           </a:p>
         </p:txBody>
       </p:sp>
@@ -1542,10 +1534,9 @@
           <a:lstStyle/>
           <a:p>
             <a:r>
-              <a:rPr lang="fr-CA" dirty="0" smtClean="0"/>
+              <a:rPr lang="fr-CA" dirty="0"/>
               <a:t>John</a:t>
             </a:r>
-            <a:endParaRPr lang="fr-CA" dirty="0"/>
           </a:p>
         </p:txBody>
       </p:sp>
@@ -1630,10 +1621,9 @@
           <a:lstStyle/>
           <a:p>
             <a:r>
-              <a:rPr lang="fr-CA" dirty="0" smtClean="0"/>
+              <a:rPr lang="fr-CA" dirty="0"/>
               <a:t>John</a:t>
             </a:r>
-            <a:endParaRPr lang="fr-CA" dirty="0"/>
           </a:p>
         </p:txBody>
       </p:sp>
@@ -1718,10 +1708,9 @@
           <a:lstStyle/>
           <a:p>
             <a:r>
-              <a:rPr lang="fr-CA" dirty="0" smtClean="0"/>
+              <a:rPr lang="fr-CA" dirty="0"/>
               <a:t>John</a:t>
             </a:r>
-            <a:endParaRPr lang="fr-CA" dirty="0"/>
           </a:p>
         </p:txBody>
       </p:sp>
@@ -1806,10 +1795,9 @@
           <a:lstStyle/>
           <a:p>
             <a:r>
-              <a:rPr lang="fr-CA" dirty="0" smtClean="0"/>
+              <a:rPr lang="fr-CA" dirty="0"/>
               <a:t>John</a:t>
             </a:r>
-            <a:endParaRPr lang="fr-CA" dirty="0"/>
           </a:p>
         </p:txBody>
       </p:sp>
@@ -1894,10 +1882,9 @@
           <a:lstStyle/>
           <a:p>
             <a:r>
-              <a:rPr lang="fr-CA" dirty="0" smtClean="0"/>
+              <a:rPr lang="fr-CA" dirty="0"/>
               <a:t>Samuel</a:t>
             </a:r>
-            <a:endParaRPr lang="fr-CA" dirty="0"/>
           </a:p>
         </p:txBody>
       </p:sp>
@@ -2150,7 +2137,7 @@
           <a:p>
             <a:fld id="{BFAE9FF1-848B-4EFE-94B6-1800E1388CB9}" type="datetime1">
               <a:rPr lang="en-CA" smtClean="0"/>
-              <a:t>25/10/2019</a:t>
+              <a:t>2019-10-27</a:t>
             </a:fld>
             <a:endParaRPr lang="en-CA"/>
           </a:p>
@@ -2441,7 +2428,7 @@
           <a:p>
             <a:fld id="{5E7B7732-3F68-45A3-9AE1-62D1E189183F}" type="datetime1">
               <a:rPr lang="en-CA" smtClean="0"/>
-              <a:t>25/10/2019</a:t>
+              <a:t>2019-10-27</a:t>
             </a:fld>
             <a:endParaRPr lang="en-CA"/>
           </a:p>
@@ -2700,7 +2687,7 @@
           <a:p>
             <a:fld id="{6337C19F-BFF0-42EF-97DE-513A483C8084}" type="datetime1">
               <a:rPr lang="en-CA" smtClean="0"/>
-              <a:t>25/10/2019</a:t>
+              <a:t>2019-10-27</a:t>
             </a:fld>
             <a:endParaRPr lang="en-CA"/>
           </a:p>
@@ -3169,7 +3156,7 @@
           <a:p>
             <a:fld id="{C83E4B7D-B817-4FD1-BD89-89EA88D97723}" type="datetime1">
               <a:rPr lang="en-CA" smtClean="0"/>
-              <a:t>25/10/2019</a:t>
+              <a:t>2019-10-27</a:t>
             </a:fld>
             <a:endParaRPr lang="en-CA"/>
           </a:p>
@@ -3349,7 +3336,7 @@
           <a:p>
             <a:fld id="{0798C252-E1F2-4BC4-8AF9-29BE0322A100}" type="datetime1">
               <a:rPr lang="en-CA" smtClean="0"/>
-              <a:t>25/10/2019</a:t>
+              <a:t>2019-10-27</a:t>
             </a:fld>
             <a:endParaRPr lang="en-CA"/>
           </a:p>
@@ -3925,7 +3912,7 @@
           <a:p>
             <a:fld id="{74AD3FBD-F92A-4527-9D27-5D88DFA0E997}" type="datetime1">
               <a:rPr lang="en-CA" smtClean="0"/>
-              <a:t>25/10/2019</a:t>
+              <a:t>2019-10-27</a:t>
             </a:fld>
             <a:endParaRPr lang="en-CA"/>
           </a:p>
@@ -4257,7 +4244,7 @@
           <a:p>
             <a:fld id="{AD719C4B-DF58-437C-B121-CF161EA58623}" type="datetime1">
               <a:rPr lang="en-CA" smtClean="0"/>
-              <a:t>25/10/2019</a:t>
+              <a:t>2019-10-27</a:t>
             </a:fld>
             <a:endParaRPr lang="en-CA"/>
           </a:p>
@@ -4432,7 +4419,7 @@
           <a:p>
             <a:fld id="{7B1A81F3-8325-4B49-9D8B-9B9827336BD8}" type="datetime1">
               <a:rPr lang="en-CA" smtClean="0"/>
-              <a:t>25/10/2019</a:t>
+              <a:t>2019-10-27</a:t>
             </a:fld>
             <a:endParaRPr lang="en-CA"/>
           </a:p>
@@ -4612,7 +4599,7 @@
           <a:p>
             <a:fld id="{6CFFDCD4-5269-4C1B-BB83-A5DFE248693A}" type="datetime1">
               <a:rPr lang="en-CA" smtClean="0"/>
-              <a:t>25/10/2019</a:t>
+              <a:t>2019-10-27</a:t>
             </a:fld>
             <a:endParaRPr lang="en-CA"/>
           </a:p>
@@ -4782,7 +4769,7 @@
           <a:p>
             <a:fld id="{87879D38-739C-4925-B7A5-083048A51BCF}" type="datetime1">
               <a:rPr lang="en-CA" smtClean="0"/>
-              <a:t>25/10/2019</a:t>
+              <a:t>2019-10-27</a:t>
             </a:fld>
             <a:endParaRPr lang="en-CA"/>
           </a:p>
@@ -5039,7 +5026,7 @@
           <a:p>
             <a:fld id="{5CB32453-2ABB-469E-84B1-2EF374E0A396}" type="datetime1">
               <a:rPr lang="en-CA" smtClean="0"/>
-              <a:t>25/10/2019</a:t>
+              <a:t>2019-10-27</a:t>
             </a:fld>
             <a:endParaRPr lang="en-CA"/>
           </a:p>
@@ -5331,7 +5318,7 @@
           <a:p>
             <a:fld id="{8763D3DA-4EB6-48C5-AC23-1AD4298DC266}" type="datetime1">
               <a:rPr lang="en-CA" smtClean="0"/>
-              <a:t>25/10/2019</a:t>
+              <a:t>2019-10-27</a:t>
             </a:fld>
             <a:endParaRPr lang="en-CA"/>
           </a:p>
@@ -5766,7 +5753,7 @@
           <a:p>
             <a:fld id="{48A0CBC6-8EEC-4C5B-855E-FC0AC3E2B999}" type="datetime1">
               <a:rPr lang="en-CA" smtClean="0"/>
-              <a:t>25/10/2019</a:t>
+              <a:t>2019-10-27</a:t>
             </a:fld>
             <a:endParaRPr lang="en-CA"/>
           </a:p>
@@ -5889,7 +5876,7 @@
           <a:p>
             <a:fld id="{9EEC71B5-B980-4E9F-A4B7-6F039F2E9F91}" type="datetime1">
               <a:rPr lang="en-CA" smtClean="0"/>
-              <a:t>25/10/2019</a:t>
+              <a:t>2019-10-27</a:t>
             </a:fld>
             <a:endParaRPr lang="en-CA"/>
           </a:p>
@@ -5984,7 +5971,7 @@
           <a:p>
             <a:fld id="{8766990C-5B52-4FFB-85B6-3A3B8A858ACE}" type="datetime1">
               <a:rPr lang="en-CA" smtClean="0"/>
-              <a:t>25/10/2019</a:t>
+              <a:t>2019-10-27</a:t>
             </a:fld>
             <a:endParaRPr lang="en-CA"/>
           </a:p>
@@ -6267,7 +6254,7 @@
           <a:p>
             <a:fld id="{0A64F24D-BB6D-4632-A551-F1BA07DCC583}" type="datetime1">
               <a:rPr lang="en-CA" smtClean="0"/>
-              <a:t>25/10/2019</a:t>
+              <a:t>2019-10-27</a:t>
             </a:fld>
             <a:endParaRPr lang="en-CA"/>
           </a:p>
@@ -6563,7 +6550,7 @@
           <a:p>
             <a:fld id="{9CD94F31-78ED-4118-8A03-5ECFF722D99B}" type="datetime1">
               <a:rPr lang="en-CA" smtClean="0"/>
-              <a:t>25/10/2019</a:t>
+              <a:t>2019-10-27</a:t>
             </a:fld>
             <a:endParaRPr lang="en-CA"/>
           </a:p>
@@ -6794,7 +6781,7 @@
           <a:p>
             <a:fld id="{A69C0212-2374-4363-BC54-F8AF15393913}" type="datetime1">
               <a:rPr lang="en-CA" smtClean="0"/>
-              <a:t>25/10/2019</a:t>
+              <a:t>2019-10-27</a:t>
             </a:fld>
             <a:endParaRPr lang="en-CA"/>
           </a:p>
@@ -7597,7 +7584,7 @@
           <p:cNvPr id="2" name="Titre 1">
             <a:extLst>
               <a:ext uri="{FF2B5EF4-FFF2-40B4-BE49-F238E27FC236}">
-                <a16:creationId xmlns:a16="http://schemas.microsoft.com/office/drawing/2014/main" xmlns="" id="{847B2002-85EF-4E53-BF50-1164BFEF0883}"/>
+                <a16:creationId xmlns:a16="http://schemas.microsoft.com/office/drawing/2014/main" id="{847B2002-85EF-4E53-BF50-1164BFEF0883}"/>
               </a:ext>
             </a:extLst>
           </p:cNvPr>
@@ -7654,7 +7641,7 @@
           <p:cNvPr id="3" name="Sous-titre 2">
             <a:extLst>
               <a:ext uri="{FF2B5EF4-FFF2-40B4-BE49-F238E27FC236}">
-                <a16:creationId xmlns:a16="http://schemas.microsoft.com/office/drawing/2014/main" xmlns="" id="{416AE19E-D09D-48BF-8E65-4B07423D25C0}"/>
+                <a16:creationId xmlns:a16="http://schemas.microsoft.com/office/drawing/2014/main" id="{416AE19E-D09D-48BF-8E65-4B07423D25C0}"/>
               </a:ext>
             </a:extLst>
           </p:cNvPr>
@@ -7777,7 +7764,7 @@
           <p:cNvPr id="5" name="Image 4">
             <a:extLst>
               <a:ext uri="{FF2B5EF4-FFF2-40B4-BE49-F238E27FC236}">
-                <a16:creationId xmlns:a16="http://schemas.microsoft.com/office/drawing/2014/main" xmlns="" id="{8ADAC322-65B3-46FE-8895-FE260BE36AEA}"/>
+                <a16:creationId xmlns:a16="http://schemas.microsoft.com/office/drawing/2014/main" id="{8ADAC322-65B3-46FE-8895-FE260BE36AEA}"/>
               </a:ext>
             </a:extLst>
           </p:cNvPr>
@@ -7838,7 +7825,7 @@
           <p:cNvPr id="4" name="Espace réservé du numéro de diapositive 3">
             <a:extLst>
               <a:ext uri="{FF2B5EF4-FFF2-40B4-BE49-F238E27FC236}">
-                <a16:creationId xmlns:a16="http://schemas.microsoft.com/office/drawing/2014/main" xmlns="" id="{59029A7C-5E43-4C5D-B890-CE77C4ADA613}"/>
+                <a16:creationId xmlns:a16="http://schemas.microsoft.com/office/drawing/2014/main" id="{59029A7C-5E43-4C5D-B890-CE77C4ADA613}"/>
               </a:ext>
             </a:extLst>
           </p:cNvPr>
@@ -7897,7 +7884,7 @@
           <p:cNvPr id="2" name="Titre 1">
             <a:extLst>
               <a:ext uri="{FF2B5EF4-FFF2-40B4-BE49-F238E27FC236}">
-                <a16:creationId xmlns:a16="http://schemas.microsoft.com/office/drawing/2014/main" xmlns="" id="{847B2002-85EF-4E53-BF50-1164BFEF0883}"/>
+                <a16:creationId xmlns:a16="http://schemas.microsoft.com/office/drawing/2014/main" id="{847B2002-85EF-4E53-BF50-1164BFEF0883}"/>
               </a:ext>
             </a:extLst>
           </p:cNvPr>
@@ -7944,7 +7931,7 @@
           <p:cNvPr id="6" name="Image 5">
             <a:extLst>
               <a:ext uri="{FF2B5EF4-FFF2-40B4-BE49-F238E27FC236}">
-                <a16:creationId xmlns:a16="http://schemas.microsoft.com/office/drawing/2014/main" xmlns="" id="{45D547AC-FD75-4884-8CCB-15E6D9412640}"/>
+                <a16:creationId xmlns:a16="http://schemas.microsoft.com/office/drawing/2014/main" id="{45D547AC-FD75-4884-8CCB-15E6D9412640}"/>
               </a:ext>
             </a:extLst>
           </p:cNvPr>
@@ -7980,7 +7967,7 @@
           <p:cNvPr id="7" name="ZoneTexte 6">
             <a:extLst>
               <a:ext uri="{FF2B5EF4-FFF2-40B4-BE49-F238E27FC236}">
-                <a16:creationId xmlns:a16="http://schemas.microsoft.com/office/drawing/2014/main" xmlns="" id="{91FB25D9-30FE-4009-A340-75BB7ACF4219}"/>
+                <a16:creationId xmlns:a16="http://schemas.microsoft.com/office/drawing/2014/main" id="{91FB25D9-30FE-4009-A340-75BB7ACF4219}"/>
               </a:ext>
             </a:extLst>
           </p:cNvPr>
@@ -8031,7 +8018,7 @@
           <p:cNvPr id="3" name="Espace réservé du numéro de diapositive 2">
             <a:extLst>
               <a:ext uri="{FF2B5EF4-FFF2-40B4-BE49-F238E27FC236}">
-                <a16:creationId xmlns:a16="http://schemas.microsoft.com/office/drawing/2014/main" xmlns="" id="{DF6F4BED-0A26-49F2-9241-EFABF77C7EF1}"/>
+                <a16:creationId xmlns:a16="http://schemas.microsoft.com/office/drawing/2014/main" id="{DF6F4BED-0A26-49F2-9241-EFABF77C7EF1}"/>
               </a:ext>
             </a:extLst>
           </p:cNvPr>
@@ -8060,7 +8047,7 @@
           <p:cNvPr id="13" name="Picture 12" descr="A screenshot of a cell phone&#10;&#10;Description automatically generated">
             <a:extLst>
               <a:ext uri="{FF2B5EF4-FFF2-40B4-BE49-F238E27FC236}">
-                <a16:creationId xmlns:a16="http://schemas.microsoft.com/office/drawing/2014/main" xmlns="" id="{FB017821-4565-4B28-974C-E6532D1E152E}"/>
+                <a16:creationId xmlns:a16="http://schemas.microsoft.com/office/drawing/2014/main" id="{FB017821-4565-4B28-974C-E6532D1E152E}"/>
               </a:ext>
             </a:extLst>
           </p:cNvPr>
@@ -8096,7 +8083,7 @@
           <p:cNvPr id="11" name="Picture 10" descr="A screenshot of a cell phone&#10;&#10;Description automatically generated">
             <a:extLst>
               <a:ext uri="{FF2B5EF4-FFF2-40B4-BE49-F238E27FC236}">
-                <a16:creationId xmlns:a16="http://schemas.microsoft.com/office/drawing/2014/main" xmlns="" id="{D3B360F5-3A66-4DBB-AFD2-3081ADA70971}"/>
+                <a16:creationId xmlns:a16="http://schemas.microsoft.com/office/drawing/2014/main" id="{D3B360F5-3A66-4DBB-AFD2-3081ADA70971}"/>
               </a:ext>
             </a:extLst>
           </p:cNvPr>
@@ -8162,7 +8149,7 @@
           <p:cNvPr id="2" name="Titre 1">
             <a:extLst>
               <a:ext uri="{FF2B5EF4-FFF2-40B4-BE49-F238E27FC236}">
-                <a16:creationId xmlns:a16="http://schemas.microsoft.com/office/drawing/2014/main" xmlns="" id="{847B2002-85EF-4E53-BF50-1164BFEF0883}"/>
+                <a16:creationId xmlns:a16="http://schemas.microsoft.com/office/drawing/2014/main" id="{847B2002-85EF-4E53-BF50-1164BFEF0883}"/>
               </a:ext>
             </a:extLst>
           </p:cNvPr>
@@ -8209,7 +8196,7 @@
           <p:cNvPr id="6" name="Image 5">
             <a:extLst>
               <a:ext uri="{FF2B5EF4-FFF2-40B4-BE49-F238E27FC236}">
-                <a16:creationId xmlns:a16="http://schemas.microsoft.com/office/drawing/2014/main" xmlns="" id="{45D547AC-FD75-4884-8CCB-15E6D9412640}"/>
+                <a16:creationId xmlns:a16="http://schemas.microsoft.com/office/drawing/2014/main" id="{45D547AC-FD75-4884-8CCB-15E6D9412640}"/>
               </a:ext>
             </a:extLst>
           </p:cNvPr>
@@ -8245,7 +8232,7 @@
           <p:cNvPr id="7" name="ZoneTexte 6">
             <a:extLst>
               <a:ext uri="{FF2B5EF4-FFF2-40B4-BE49-F238E27FC236}">
-                <a16:creationId xmlns:a16="http://schemas.microsoft.com/office/drawing/2014/main" xmlns="" id="{91FB25D9-30FE-4009-A340-75BB7ACF4219}"/>
+                <a16:creationId xmlns:a16="http://schemas.microsoft.com/office/drawing/2014/main" id="{91FB25D9-30FE-4009-A340-75BB7ACF4219}"/>
               </a:ext>
             </a:extLst>
           </p:cNvPr>
@@ -8292,7 +8279,7 @@
           <p:cNvPr id="3" name="Espace réservé du numéro de diapositive 2">
             <a:extLst>
               <a:ext uri="{FF2B5EF4-FFF2-40B4-BE49-F238E27FC236}">
-                <a16:creationId xmlns:a16="http://schemas.microsoft.com/office/drawing/2014/main" xmlns="" id="{82FEFFD9-9FD6-4C3B-B093-BBE03C4FF225}"/>
+                <a16:creationId xmlns:a16="http://schemas.microsoft.com/office/drawing/2014/main" id="{82FEFFD9-9FD6-4C3B-B093-BBE03C4FF225}"/>
               </a:ext>
             </a:extLst>
           </p:cNvPr>
@@ -8321,7 +8308,7 @@
           <p:cNvPr id="11" name="Picture 10" descr="A screenshot of a cell phone&#10;&#10;Description automatically generated">
             <a:extLst>
               <a:ext uri="{FF2B5EF4-FFF2-40B4-BE49-F238E27FC236}">
-                <a16:creationId xmlns:a16="http://schemas.microsoft.com/office/drawing/2014/main" xmlns="" id="{030CE460-9A94-4AA1-B618-16C5AACBB9C5}"/>
+                <a16:creationId xmlns:a16="http://schemas.microsoft.com/office/drawing/2014/main" id="{030CE460-9A94-4AA1-B618-16C5AACBB9C5}"/>
               </a:ext>
             </a:extLst>
           </p:cNvPr>
@@ -8357,7 +8344,7 @@
           <p:cNvPr id="9" name="Picture 8" descr="A screenshot of a computer screen&#10;&#10;Description automatically generated">
             <a:extLst>
               <a:ext uri="{FF2B5EF4-FFF2-40B4-BE49-F238E27FC236}">
-                <a16:creationId xmlns:a16="http://schemas.microsoft.com/office/drawing/2014/main" xmlns="" id="{E4CFDCF6-7710-455C-AA37-A3651D0C770D}"/>
+                <a16:creationId xmlns:a16="http://schemas.microsoft.com/office/drawing/2014/main" id="{E4CFDCF6-7710-455C-AA37-A3651D0C770D}"/>
               </a:ext>
             </a:extLst>
           </p:cNvPr>
@@ -8423,7 +8410,7 @@
           <p:cNvPr id="2" name="Titre 1">
             <a:extLst>
               <a:ext uri="{FF2B5EF4-FFF2-40B4-BE49-F238E27FC236}">
-                <a16:creationId xmlns:a16="http://schemas.microsoft.com/office/drawing/2014/main" xmlns="" id="{847B2002-85EF-4E53-BF50-1164BFEF0883}"/>
+                <a16:creationId xmlns:a16="http://schemas.microsoft.com/office/drawing/2014/main" id="{847B2002-85EF-4E53-BF50-1164BFEF0883}"/>
               </a:ext>
             </a:extLst>
           </p:cNvPr>
@@ -8470,7 +8457,7 @@
           <p:cNvPr id="6" name="Image 5">
             <a:extLst>
               <a:ext uri="{FF2B5EF4-FFF2-40B4-BE49-F238E27FC236}">
-                <a16:creationId xmlns:a16="http://schemas.microsoft.com/office/drawing/2014/main" xmlns="" id="{45D547AC-FD75-4884-8CCB-15E6D9412640}"/>
+                <a16:creationId xmlns:a16="http://schemas.microsoft.com/office/drawing/2014/main" id="{45D547AC-FD75-4884-8CCB-15E6D9412640}"/>
               </a:ext>
             </a:extLst>
           </p:cNvPr>
@@ -8506,7 +8493,7 @@
           <p:cNvPr id="7" name="ZoneTexte 6">
             <a:extLst>
               <a:ext uri="{FF2B5EF4-FFF2-40B4-BE49-F238E27FC236}">
-                <a16:creationId xmlns:a16="http://schemas.microsoft.com/office/drawing/2014/main" xmlns="" id="{91FB25D9-30FE-4009-A340-75BB7ACF4219}"/>
+                <a16:creationId xmlns:a16="http://schemas.microsoft.com/office/drawing/2014/main" id="{91FB25D9-30FE-4009-A340-75BB7ACF4219}"/>
               </a:ext>
             </a:extLst>
           </p:cNvPr>
@@ -8542,7 +8529,7 @@
           <p:cNvPr id="8" name="Tableau 7">
             <a:extLst>
               <a:ext uri="{FF2B5EF4-FFF2-40B4-BE49-F238E27FC236}">
-                <a16:creationId xmlns:a16="http://schemas.microsoft.com/office/drawing/2014/main" xmlns="" id="{1747A867-5854-4EE2-A496-9D1D0FB7CC63}"/>
+                <a16:creationId xmlns:a16="http://schemas.microsoft.com/office/drawing/2014/main" id="{1747A867-5854-4EE2-A496-9D1D0FB7CC63}"/>
               </a:ext>
             </a:extLst>
           </p:cNvPr>
@@ -8571,14 +8558,14 @@
                 <a:gridCol w="4561958">
                   <a:extLst>
                     <a:ext uri="{9D8B030D-6E8A-4147-A177-3AD203B41FA5}">
-                      <a16:colId xmlns:a16="http://schemas.microsoft.com/office/drawing/2014/main" xmlns="" val="4198972695"/>
+                      <a16:colId xmlns:a16="http://schemas.microsoft.com/office/drawing/2014/main" val="4198972695"/>
                     </a:ext>
                   </a:extLst>
                 </a:gridCol>
                 <a:gridCol w="6453964">
                   <a:extLst>
                     <a:ext uri="{9D8B030D-6E8A-4147-A177-3AD203B41FA5}">
-                      <a16:colId xmlns:a16="http://schemas.microsoft.com/office/drawing/2014/main" xmlns="" val="2878343701"/>
+                      <a16:colId xmlns:a16="http://schemas.microsoft.com/office/drawing/2014/main" val="2878343701"/>
                     </a:ext>
                   </a:extLst>
                 </a:gridCol>
@@ -8612,7 +8599,7 @@
                 </a:tc>
                 <a:extLst>
                   <a:ext uri="{0D108BD9-81ED-4DB2-BD59-A6C34878D82A}">
-                    <a16:rowId xmlns:a16="http://schemas.microsoft.com/office/drawing/2014/main" xmlns="" val="4289731011"/>
+                    <a16:rowId xmlns:a16="http://schemas.microsoft.com/office/drawing/2014/main" val="4289731011"/>
                   </a:ext>
                 </a:extLst>
               </a:tr>
@@ -8684,7 +8671,7 @@
                 </a:tc>
                 <a:extLst>
                   <a:ext uri="{0D108BD9-81ED-4DB2-BD59-A6C34878D82A}">
-                    <a16:rowId xmlns:a16="http://schemas.microsoft.com/office/drawing/2014/main" xmlns="" val="2808465594"/>
+                    <a16:rowId xmlns:a16="http://schemas.microsoft.com/office/drawing/2014/main" val="2808465594"/>
                   </a:ext>
                 </a:extLst>
               </a:tr>
@@ -8725,7 +8712,7 @@
                 </a:tc>
                 <a:extLst>
                   <a:ext uri="{0D108BD9-81ED-4DB2-BD59-A6C34878D82A}">
-                    <a16:rowId xmlns:a16="http://schemas.microsoft.com/office/drawing/2014/main" xmlns="" val="3055264572"/>
+                    <a16:rowId xmlns:a16="http://schemas.microsoft.com/office/drawing/2014/main" val="3055264572"/>
                   </a:ext>
                 </a:extLst>
               </a:tr>
@@ -8778,7 +8765,7 @@
                 </a:tc>
                 <a:extLst>
                   <a:ext uri="{0D108BD9-81ED-4DB2-BD59-A6C34878D82A}">
-                    <a16:rowId xmlns:a16="http://schemas.microsoft.com/office/drawing/2014/main" xmlns="" val="989331345"/>
+                    <a16:rowId xmlns:a16="http://schemas.microsoft.com/office/drawing/2014/main" val="989331345"/>
                   </a:ext>
                 </a:extLst>
               </a:tr>
@@ -8819,7 +8806,7 @@
                 </a:tc>
                 <a:extLst>
                   <a:ext uri="{0D108BD9-81ED-4DB2-BD59-A6C34878D82A}">
-                    <a16:rowId xmlns:a16="http://schemas.microsoft.com/office/drawing/2014/main" xmlns="" val="3726166962"/>
+                    <a16:rowId xmlns:a16="http://schemas.microsoft.com/office/drawing/2014/main" val="3726166962"/>
                   </a:ext>
                 </a:extLst>
               </a:tr>
@@ -8832,7 +8819,7 @@
           <p:cNvPr id="9" name="Espace réservé du numéro de diapositive 8">
             <a:extLst>
               <a:ext uri="{FF2B5EF4-FFF2-40B4-BE49-F238E27FC236}">
-                <a16:creationId xmlns:a16="http://schemas.microsoft.com/office/drawing/2014/main" xmlns="" id="{D19D4068-8C69-4A18-A3F3-ECB46A0A7401}"/>
+                <a16:creationId xmlns:a16="http://schemas.microsoft.com/office/drawing/2014/main" id="{D19D4068-8C69-4A18-A3F3-ECB46A0A7401}"/>
               </a:ext>
             </a:extLst>
           </p:cNvPr>
@@ -8891,7 +8878,7 @@
           <p:cNvPr id="2" name="Titre 1">
             <a:extLst>
               <a:ext uri="{FF2B5EF4-FFF2-40B4-BE49-F238E27FC236}">
-                <a16:creationId xmlns:a16="http://schemas.microsoft.com/office/drawing/2014/main" xmlns="" id="{847B2002-85EF-4E53-BF50-1164BFEF0883}"/>
+                <a16:creationId xmlns:a16="http://schemas.microsoft.com/office/drawing/2014/main" id="{847B2002-85EF-4E53-BF50-1164BFEF0883}"/>
               </a:ext>
             </a:extLst>
           </p:cNvPr>
@@ -8938,7 +8925,7 @@
           <p:cNvPr id="6" name="Image 5">
             <a:extLst>
               <a:ext uri="{FF2B5EF4-FFF2-40B4-BE49-F238E27FC236}">
-                <a16:creationId xmlns:a16="http://schemas.microsoft.com/office/drawing/2014/main" xmlns="" id="{45D547AC-FD75-4884-8CCB-15E6D9412640}"/>
+                <a16:creationId xmlns:a16="http://schemas.microsoft.com/office/drawing/2014/main" id="{45D547AC-FD75-4884-8CCB-15E6D9412640}"/>
               </a:ext>
             </a:extLst>
           </p:cNvPr>
@@ -8974,7 +8961,7 @@
           <p:cNvPr id="7" name="ZoneTexte 6">
             <a:extLst>
               <a:ext uri="{FF2B5EF4-FFF2-40B4-BE49-F238E27FC236}">
-                <a16:creationId xmlns:a16="http://schemas.microsoft.com/office/drawing/2014/main" xmlns="" id="{91FB25D9-30FE-4009-A340-75BB7ACF4219}"/>
+                <a16:creationId xmlns:a16="http://schemas.microsoft.com/office/drawing/2014/main" id="{91FB25D9-30FE-4009-A340-75BB7ACF4219}"/>
               </a:ext>
             </a:extLst>
           </p:cNvPr>
@@ -8984,7 +8971,7 @@
         <p:spPr>
           <a:xfrm>
             <a:off x="584200" y="1153755"/>
-            <a:ext cx="10737850" cy="4801314"/>
+            <a:ext cx="10737850" cy="5355312"/>
           </a:xfrm>
           <a:prstGeom prst="rect">
             <a:avLst/>
@@ -9051,13 +9038,8 @@
             </a:pPr>
             <a:r>
               <a:rPr lang="fr-FR" dirty="0"/>
-              <a:t>L'absence de débogueur rend très difficile la programmation d'applications Web si vous êtes débutant. La communication entre les différents langages de programmation peut aussi nous compliquer </a:t>
-            </a:r>
-            <a:r>
-              <a:rPr lang="fr-FR"/>
-              <a:t>la tâche.</a:t>
-            </a:r>
-            <a:endParaRPr lang="fr-FR" dirty="0"/>
+              <a:t>L'absence de débogueur rend très difficile la programmation d'applications Web si vous êtes débutant. La communication entre les différents langages de programmation peut aussi nous compliquer la tâche.</a:t>
+            </a:r>
           </a:p>
           <a:p>
             <a:pPr marL="285750" lvl="0" indent="-285750" algn="just">
@@ -9077,6 +9059,20 @@
             </a:r>
           </a:p>
           <a:p>
+            <a:pPr lvl="0" algn="just"/>
+            <a:endParaRPr lang="fr-FR" dirty="0"/>
+          </a:p>
+          <a:p>
+            <a:pPr marL="285750" lvl="0" indent="-285750" algn="just">
+              <a:buFont typeface="Arial" panose="020B0604020202020204" pitchFamily="34" charset="0"/>
+              <a:buChar char="•"/>
+            </a:pPr>
+            <a:r>
+              <a:rPr lang="fr-FR" dirty="0"/>
+              <a:t>La source potentiel de revenue de la page est la vente de publicité.  </a:t>
+            </a:r>
+          </a:p>
+          <a:p>
             <a:pPr marL="285750" lvl="0" indent="-285750" algn="just">
               <a:buFont typeface="Arial" panose="020B0604020202020204" pitchFamily="34" charset="0"/>
               <a:buChar char="•"/>
@@ -9097,7 +9093,7 @@
           <p:cNvPr id="3" name="Espace réservé du numéro de diapositive 2">
             <a:extLst>
               <a:ext uri="{FF2B5EF4-FFF2-40B4-BE49-F238E27FC236}">
-                <a16:creationId xmlns:a16="http://schemas.microsoft.com/office/drawing/2014/main" xmlns="" id="{92744A74-79D9-4D3F-9BD2-1896BFDEE026}"/>
+                <a16:creationId xmlns:a16="http://schemas.microsoft.com/office/drawing/2014/main" id="{92744A74-79D9-4D3F-9BD2-1896BFDEE026}"/>
               </a:ext>
             </a:extLst>
           </p:cNvPr>
@@ -9156,7 +9152,7 @@
           <p:cNvPr id="2" name="Titre 1">
             <a:extLst>
               <a:ext uri="{FF2B5EF4-FFF2-40B4-BE49-F238E27FC236}">
-                <a16:creationId xmlns:a16="http://schemas.microsoft.com/office/drawing/2014/main" xmlns="" id="{847B2002-85EF-4E53-BF50-1164BFEF0883}"/>
+                <a16:creationId xmlns:a16="http://schemas.microsoft.com/office/drawing/2014/main" id="{847B2002-85EF-4E53-BF50-1164BFEF0883}"/>
               </a:ext>
             </a:extLst>
           </p:cNvPr>
@@ -9203,7 +9199,7 @@
           <p:cNvPr id="6" name="Image 5">
             <a:extLst>
               <a:ext uri="{FF2B5EF4-FFF2-40B4-BE49-F238E27FC236}">
-                <a16:creationId xmlns:a16="http://schemas.microsoft.com/office/drawing/2014/main" xmlns="" id="{45D547AC-FD75-4884-8CCB-15E6D9412640}"/>
+                <a16:creationId xmlns:a16="http://schemas.microsoft.com/office/drawing/2014/main" id="{45D547AC-FD75-4884-8CCB-15E6D9412640}"/>
               </a:ext>
             </a:extLst>
           </p:cNvPr>
@@ -9239,7 +9235,7 @@
           <p:cNvPr id="7" name="ZoneTexte 6">
             <a:extLst>
               <a:ext uri="{FF2B5EF4-FFF2-40B4-BE49-F238E27FC236}">
-                <a16:creationId xmlns:a16="http://schemas.microsoft.com/office/drawing/2014/main" xmlns="" id="{91FB25D9-30FE-4009-A340-75BB7ACF4219}"/>
+                <a16:creationId xmlns:a16="http://schemas.microsoft.com/office/drawing/2014/main" id="{91FB25D9-30FE-4009-A340-75BB7ACF4219}"/>
               </a:ext>
             </a:extLst>
           </p:cNvPr>
@@ -9276,7 +9272,7 @@
           <p:cNvPr id="3" name="Espace réservé du numéro de diapositive 2">
             <a:extLst>
               <a:ext uri="{FF2B5EF4-FFF2-40B4-BE49-F238E27FC236}">
-                <a16:creationId xmlns:a16="http://schemas.microsoft.com/office/drawing/2014/main" xmlns="" id="{71116F50-7596-4FBB-A012-D38ADA80BE75}"/>
+                <a16:creationId xmlns:a16="http://schemas.microsoft.com/office/drawing/2014/main" id="{71116F50-7596-4FBB-A012-D38ADA80BE75}"/>
               </a:ext>
             </a:extLst>
           </p:cNvPr>
@@ -9358,7 +9354,7 @@
           <p:cNvPr id="2" name="Titre 1">
             <a:extLst>
               <a:ext uri="{FF2B5EF4-FFF2-40B4-BE49-F238E27FC236}">
-                <a16:creationId xmlns:a16="http://schemas.microsoft.com/office/drawing/2014/main" xmlns="" id="{847B2002-85EF-4E53-BF50-1164BFEF0883}"/>
+                <a16:creationId xmlns:a16="http://schemas.microsoft.com/office/drawing/2014/main" id="{847B2002-85EF-4E53-BF50-1164BFEF0883}"/>
               </a:ext>
             </a:extLst>
           </p:cNvPr>
@@ -9407,7 +9403,7 @@
           <p:cNvPr id="6" name="Image 5">
             <a:extLst>
               <a:ext uri="{FF2B5EF4-FFF2-40B4-BE49-F238E27FC236}">
-                <a16:creationId xmlns:a16="http://schemas.microsoft.com/office/drawing/2014/main" xmlns="" id="{45D547AC-FD75-4884-8CCB-15E6D9412640}"/>
+                <a16:creationId xmlns:a16="http://schemas.microsoft.com/office/drawing/2014/main" id="{45D547AC-FD75-4884-8CCB-15E6D9412640}"/>
               </a:ext>
             </a:extLst>
           </p:cNvPr>
@@ -9443,7 +9439,7 @@
           <p:cNvPr id="11" name="ZoneTexte 10">
             <a:extLst>
               <a:ext uri="{FF2B5EF4-FFF2-40B4-BE49-F238E27FC236}">
-                <a16:creationId xmlns:a16="http://schemas.microsoft.com/office/drawing/2014/main" xmlns="" id="{2A9D3AE3-8A5D-42DA-AE55-24657E616430}"/>
+                <a16:creationId xmlns:a16="http://schemas.microsoft.com/office/drawing/2014/main" id="{2A9D3AE3-8A5D-42DA-AE55-24657E616430}"/>
               </a:ext>
             </a:extLst>
           </p:cNvPr>
@@ -9532,7 +9528,7 @@
                 <a:ea typeface="Tahoma" panose="020B0604030504040204" pitchFamily="34" charset="0"/>
                 <a:cs typeface="Tahoma" panose="020B0604030504040204" pitchFamily="34" charset="0"/>
               </a:rPr>
-              <a:t>Identification des fonctionnalités de l'application</a:t>
+              <a:t>Public ciblé de l’application</a:t>
             </a:r>
           </a:p>
           <a:p>
@@ -9545,7 +9541,7 @@
                 <a:ea typeface="Tahoma" panose="020B0604030504040204" pitchFamily="34" charset="0"/>
                 <a:cs typeface="Tahoma" panose="020B0604030504040204" pitchFamily="34" charset="0"/>
               </a:rPr>
-              <a:t>Public ciblé de l’application</a:t>
+              <a:t>Identification des fonctionnalités de l'application</a:t>
             </a:r>
           </a:p>
           <a:p>
@@ -9727,7 +9723,7 @@
           <p:cNvPr id="3" name="Espace réservé du numéro de diapositive 2">
             <a:extLst>
               <a:ext uri="{FF2B5EF4-FFF2-40B4-BE49-F238E27FC236}">
-                <a16:creationId xmlns:a16="http://schemas.microsoft.com/office/drawing/2014/main" xmlns="" id="{82BE3105-284A-4361-9E53-019FD39FBCAD}"/>
+                <a16:creationId xmlns:a16="http://schemas.microsoft.com/office/drawing/2014/main" id="{82BE3105-284A-4361-9E53-019FD39FBCAD}"/>
               </a:ext>
             </a:extLst>
           </p:cNvPr>
@@ -9761,13 +9757,6 @@
   <p:clrMapOvr>
     <a:masterClrMapping/>
   </p:clrMapOvr>
-  <p:timing>
-    <p:tnLst>
-      <p:par>
-        <p:cTn id="1" dur="indefinite" restart="never" nodeType="tmRoot"/>
-      </p:par>
-    </p:tnLst>
-  </p:timing>
 </p:sld>
 </file>
 
@@ -9816,7 +9805,7 @@
           <p:cNvPr id="2" name="Titre 1">
             <a:extLst>
               <a:ext uri="{FF2B5EF4-FFF2-40B4-BE49-F238E27FC236}">
-                <a16:creationId xmlns:a16="http://schemas.microsoft.com/office/drawing/2014/main" xmlns="" id="{847B2002-85EF-4E53-BF50-1164BFEF0883}"/>
+                <a16:creationId xmlns:a16="http://schemas.microsoft.com/office/drawing/2014/main" id="{847B2002-85EF-4E53-BF50-1164BFEF0883}"/>
               </a:ext>
             </a:extLst>
           </p:cNvPr>
@@ -9865,7 +9854,7 @@
           <p:cNvPr id="6" name="Image 5">
             <a:extLst>
               <a:ext uri="{FF2B5EF4-FFF2-40B4-BE49-F238E27FC236}">
-                <a16:creationId xmlns:a16="http://schemas.microsoft.com/office/drawing/2014/main" xmlns="" id="{45D547AC-FD75-4884-8CCB-15E6D9412640}"/>
+                <a16:creationId xmlns:a16="http://schemas.microsoft.com/office/drawing/2014/main" id="{45D547AC-FD75-4884-8CCB-15E6D9412640}"/>
               </a:ext>
             </a:extLst>
           </p:cNvPr>
@@ -9901,7 +9890,7 @@
           <p:cNvPr id="11" name="ZoneTexte 10">
             <a:extLst>
               <a:ext uri="{FF2B5EF4-FFF2-40B4-BE49-F238E27FC236}">
-                <a16:creationId xmlns:a16="http://schemas.microsoft.com/office/drawing/2014/main" xmlns="" id="{2A9D3AE3-8A5D-42DA-AE55-24657E616430}"/>
+                <a16:creationId xmlns:a16="http://schemas.microsoft.com/office/drawing/2014/main" id="{2A9D3AE3-8A5D-42DA-AE55-24657E616430}"/>
               </a:ext>
             </a:extLst>
           </p:cNvPr>
@@ -9984,7 +9973,7 @@
           <p:cNvPr id="14" name="Image 13">
             <a:extLst>
               <a:ext uri="{FF2B5EF4-FFF2-40B4-BE49-F238E27FC236}">
-                <a16:creationId xmlns:a16="http://schemas.microsoft.com/office/drawing/2014/main" xmlns="" id="{A8283403-4B3E-4BDD-BA55-AED6BD30D24A}"/>
+                <a16:creationId xmlns:a16="http://schemas.microsoft.com/office/drawing/2014/main" id="{A8283403-4B3E-4BDD-BA55-AED6BD30D24A}"/>
               </a:ext>
             </a:extLst>
           </p:cNvPr>
@@ -10014,7 +10003,7 @@
           <p:cNvPr id="15" name="Image 14">
             <a:extLst>
               <a:ext uri="{FF2B5EF4-FFF2-40B4-BE49-F238E27FC236}">
-                <a16:creationId xmlns:a16="http://schemas.microsoft.com/office/drawing/2014/main" xmlns="" id="{708FD9AC-12FA-4620-9ABC-5C18D9646232}"/>
+                <a16:creationId xmlns:a16="http://schemas.microsoft.com/office/drawing/2014/main" id="{708FD9AC-12FA-4620-9ABC-5C18D9646232}"/>
               </a:ext>
             </a:extLst>
           </p:cNvPr>
@@ -10044,7 +10033,7 @@
           <p:cNvPr id="16" name="Image 15">
             <a:extLst>
               <a:ext uri="{FF2B5EF4-FFF2-40B4-BE49-F238E27FC236}">
-                <a16:creationId xmlns:a16="http://schemas.microsoft.com/office/drawing/2014/main" xmlns="" id="{A34CEF4D-666E-41B4-B2D5-5690F6FD0343}"/>
+                <a16:creationId xmlns:a16="http://schemas.microsoft.com/office/drawing/2014/main" id="{A34CEF4D-666E-41B4-B2D5-5690F6FD0343}"/>
               </a:ext>
             </a:extLst>
           </p:cNvPr>
@@ -10074,7 +10063,7 @@
           <p:cNvPr id="17" name="Image 16">
             <a:extLst>
               <a:ext uri="{FF2B5EF4-FFF2-40B4-BE49-F238E27FC236}">
-                <a16:creationId xmlns:a16="http://schemas.microsoft.com/office/drawing/2014/main" xmlns="" id="{EB473C96-26A7-448B-B5D7-06091DDF2585}"/>
+                <a16:creationId xmlns:a16="http://schemas.microsoft.com/office/drawing/2014/main" id="{EB473C96-26A7-448B-B5D7-06091DDF2585}"/>
               </a:ext>
             </a:extLst>
           </p:cNvPr>
@@ -10104,7 +10093,7 @@
           <p:cNvPr id="18" name="Image 17">
             <a:extLst>
               <a:ext uri="{FF2B5EF4-FFF2-40B4-BE49-F238E27FC236}">
-                <a16:creationId xmlns:a16="http://schemas.microsoft.com/office/drawing/2014/main" xmlns="" id="{7FE01B9C-DE9C-4F06-8C6E-055C557AC176}"/>
+                <a16:creationId xmlns:a16="http://schemas.microsoft.com/office/drawing/2014/main" id="{7FE01B9C-DE9C-4F06-8C6E-055C557AC176}"/>
               </a:ext>
             </a:extLst>
           </p:cNvPr>
@@ -10134,7 +10123,7 @@
           <p:cNvPr id="19" name="Image 18">
             <a:extLst>
               <a:ext uri="{FF2B5EF4-FFF2-40B4-BE49-F238E27FC236}">
-                <a16:creationId xmlns:a16="http://schemas.microsoft.com/office/drawing/2014/main" xmlns="" id="{79FBD1E3-F7CD-4456-8A6B-43D1423FAD9D}"/>
+                <a16:creationId xmlns:a16="http://schemas.microsoft.com/office/drawing/2014/main" id="{79FBD1E3-F7CD-4456-8A6B-43D1423FAD9D}"/>
               </a:ext>
             </a:extLst>
           </p:cNvPr>
@@ -10164,7 +10153,7 @@
           <p:cNvPr id="20" name="Image 19">
             <a:extLst>
               <a:ext uri="{FF2B5EF4-FFF2-40B4-BE49-F238E27FC236}">
-                <a16:creationId xmlns:a16="http://schemas.microsoft.com/office/drawing/2014/main" xmlns="" id="{4051ADFE-A055-4A8D-8ED0-10FC57F922E8}"/>
+                <a16:creationId xmlns:a16="http://schemas.microsoft.com/office/drawing/2014/main" id="{4051ADFE-A055-4A8D-8ED0-10FC57F922E8}"/>
               </a:ext>
             </a:extLst>
           </p:cNvPr>
@@ -10194,7 +10183,7 @@
           <p:cNvPr id="21" name="Image 20">
             <a:extLst>
               <a:ext uri="{FF2B5EF4-FFF2-40B4-BE49-F238E27FC236}">
-                <a16:creationId xmlns:a16="http://schemas.microsoft.com/office/drawing/2014/main" xmlns="" id="{7AD9136E-425C-4E23-9D49-D234E24E20AD}"/>
+                <a16:creationId xmlns:a16="http://schemas.microsoft.com/office/drawing/2014/main" id="{7AD9136E-425C-4E23-9D49-D234E24E20AD}"/>
               </a:ext>
             </a:extLst>
           </p:cNvPr>
@@ -10224,7 +10213,7 @@
           <p:cNvPr id="22" name="Image 21">
             <a:extLst>
               <a:ext uri="{FF2B5EF4-FFF2-40B4-BE49-F238E27FC236}">
-                <a16:creationId xmlns:a16="http://schemas.microsoft.com/office/drawing/2014/main" xmlns="" id="{2EB9E1C1-6649-45EF-9546-D4FFA8FDFB96}"/>
+                <a16:creationId xmlns:a16="http://schemas.microsoft.com/office/drawing/2014/main" id="{2EB9E1C1-6649-45EF-9546-D4FFA8FDFB96}"/>
               </a:ext>
             </a:extLst>
           </p:cNvPr>
@@ -10254,7 +10243,7 @@
           <p:cNvPr id="3" name="Espace réservé du numéro de diapositive 2">
             <a:extLst>
               <a:ext uri="{FF2B5EF4-FFF2-40B4-BE49-F238E27FC236}">
-                <a16:creationId xmlns:a16="http://schemas.microsoft.com/office/drawing/2014/main" xmlns="" id="{732E5B10-6120-4129-843F-A5755C782E37}"/>
+                <a16:creationId xmlns:a16="http://schemas.microsoft.com/office/drawing/2014/main" id="{732E5B10-6120-4129-843F-A5755C782E37}"/>
               </a:ext>
             </a:extLst>
           </p:cNvPr>
@@ -10288,13 +10277,6 @@
   <p:clrMapOvr>
     <a:masterClrMapping/>
   </p:clrMapOvr>
-  <p:timing>
-    <p:tnLst>
-      <p:par>
-        <p:cTn id="1" dur="indefinite" restart="never" nodeType="tmRoot"/>
-      </p:par>
-    </p:tnLst>
-  </p:timing>
 </p:sld>
 </file>
 
@@ -10343,7 +10325,7 @@
           <p:cNvPr id="2" name="Titre 1">
             <a:extLst>
               <a:ext uri="{FF2B5EF4-FFF2-40B4-BE49-F238E27FC236}">
-                <a16:creationId xmlns:a16="http://schemas.microsoft.com/office/drawing/2014/main" xmlns="" id="{847B2002-85EF-4E53-BF50-1164BFEF0883}"/>
+                <a16:creationId xmlns:a16="http://schemas.microsoft.com/office/drawing/2014/main" id="{847B2002-85EF-4E53-BF50-1164BFEF0883}"/>
               </a:ext>
             </a:extLst>
           </p:cNvPr>
@@ -10392,7 +10374,7 @@
           <p:cNvPr id="6" name="Image 5">
             <a:extLst>
               <a:ext uri="{FF2B5EF4-FFF2-40B4-BE49-F238E27FC236}">
-                <a16:creationId xmlns:a16="http://schemas.microsoft.com/office/drawing/2014/main" xmlns="" id="{45D547AC-FD75-4884-8CCB-15E6D9412640}"/>
+                <a16:creationId xmlns:a16="http://schemas.microsoft.com/office/drawing/2014/main" id="{45D547AC-FD75-4884-8CCB-15E6D9412640}"/>
               </a:ext>
             </a:extLst>
           </p:cNvPr>
@@ -10428,7 +10410,7 @@
           <p:cNvPr id="11" name="ZoneTexte 10">
             <a:extLst>
               <a:ext uri="{FF2B5EF4-FFF2-40B4-BE49-F238E27FC236}">
-                <a16:creationId xmlns:a16="http://schemas.microsoft.com/office/drawing/2014/main" xmlns="" id="{2A9D3AE3-8A5D-42DA-AE55-24657E616430}"/>
+                <a16:creationId xmlns:a16="http://schemas.microsoft.com/office/drawing/2014/main" id="{2A9D3AE3-8A5D-42DA-AE55-24657E616430}"/>
               </a:ext>
             </a:extLst>
           </p:cNvPr>
@@ -10528,7 +10510,7 @@
           <p:cNvPr id="3" name="Espace réservé du numéro de diapositive 2">
             <a:extLst>
               <a:ext uri="{FF2B5EF4-FFF2-40B4-BE49-F238E27FC236}">
-                <a16:creationId xmlns:a16="http://schemas.microsoft.com/office/drawing/2014/main" xmlns="" id="{732E5B10-6120-4129-843F-A5755C782E37}"/>
+                <a16:creationId xmlns:a16="http://schemas.microsoft.com/office/drawing/2014/main" id="{732E5B10-6120-4129-843F-A5755C782E37}"/>
               </a:ext>
             </a:extLst>
           </p:cNvPr>
@@ -10562,7 +10544,7 @@
           <p:cNvPr id="5" name="Image 4">
             <a:extLst>
               <a:ext uri="{FF2B5EF4-FFF2-40B4-BE49-F238E27FC236}">
-                <a16:creationId xmlns:a16="http://schemas.microsoft.com/office/drawing/2014/main" xmlns="" id="{1A052849-2A0C-4AAB-AF45-5D891269409A}"/>
+                <a16:creationId xmlns:a16="http://schemas.microsoft.com/office/drawing/2014/main" id="{1A052849-2A0C-4AAB-AF45-5D891269409A}"/>
               </a:ext>
             </a:extLst>
           </p:cNvPr>
@@ -10603,13 +10585,6 @@
   <p:clrMapOvr>
     <a:masterClrMapping/>
   </p:clrMapOvr>
-  <p:timing>
-    <p:tnLst>
-      <p:par>
-        <p:cTn id="1" dur="indefinite" restart="never" nodeType="tmRoot"/>
-      </p:par>
-    </p:tnLst>
-  </p:timing>
 </p:sld>
 </file>
 
@@ -10635,7 +10610,7 @@
           <p:cNvPr id="2" name="Titre 1">
             <a:extLst>
               <a:ext uri="{FF2B5EF4-FFF2-40B4-BE49-F238E27FC236}">
-                <a16:creationId xmlns:a16="http://schemas.microsoft.com/office/drawing/2014/main" xmlns="" id="{847B2002-85EF-4E53-BF50-1164BFEF0883}"/>
+                <a16:creationId xmlns:a16="http://schemas.microsoft.com/office/drawing/2014/main" id="{847B2002-85EF-4E53-BF50-1164BFEF0883}"/>
               </a:ext>
             </a:extLst>
           </p:cNvPr>
@@ -10669,23 +10644,7 @@
                 <a:ea typeface="Ebrima" panose="02000000000000000000" pitchFamily="2" charset="0"/>
                 <a:cs typeface="Ebrima" panose="02000000000000000000" pitchFamily="2" charset="0"/>
               </a:rPr>
-              <a:t>3</a:t>
-            </a:r>
-            <a:r>
-              <a:rPr lang="fr-FR" sz="3100" u="sng" cap="none" dirty="0" smtClean="0">
-                <a:latin typeface="Ebrima" panose="02000000000000000000" pitchFamily="2" charset="0"/>
-                <a:ea typeface="Ebrima" panose="02000000000000000000" pitchFamily="2" charset="0"/>
-                <a:cs typeface="Ebrima" panose="02000000000000000000" pitchFamily="2" charset="0"/>
-              </a:rPr>
-              <a:t>. </a:t>
-            </a:r>
-            <a:r>
-              <a:rPr lang="fr-FR" sz="3100" u="sng" cap="none" dirty="0">
-                <a:latin typeface="Ebrima" panose="02000000000000000000" pitchFamily="2" charset="0"/>
-                <a:ea typeface="Ebrima" panose="02000000000000000000" pitchFamily="2" charset="0"/>
-                <a:cs typeface="Ebrima" panose="02000000000000000000" pitchFamily="2" charset="0"/>
-              </a:rPr>
-              <a:t>PUBLIC CIBLE DE L’APPLICATION</a:t>
+              <a:t>3. PUBLIC CIBLE DE L’APPLICATION</a:t>
             </a:r>
             <a:endParaRPr lang="en-CA" sz="3100" u="sng" cap="none" dirty="0">
               <a:latin typeface="Ebrima" panose="02000000000000000000" pitchFamily="2" charset="0"/>
@@ -10700,7 +10659,7 @@
           <p:cNvPr id="6" name="Image 5">
             <a:extLst>
               <a:ext uri="{FF2B5EF4-FFF2-40B4-BE49-F238E27FC236}">
-                <a16:creationId xmlns:a16="http://schemas.microsoft.com/office/drawing/2014/main" xmlns="" id="{45D547AC-FD75-4884-8CCB-15E6D9412640}"/>
+                <a16:creationId xmlns:a16="http://schemas.microsoft.com/office/drawing/2014/main" id="{45D547AC-FD75-4884-8CCB-15E6D9412640}"/>
               </a:ext>
             </a:extLst>
           </p:cNvPr>
@@ -10736,7 +10695,7 @@
           <p:cNvPr id="7" name="ZoneTexte 6">
             <a:extLst>
               <a:ext uri="{FF2B5EF4-FFF2-40B4-BE49-F238E27FC236}">
-                <a16:creationId xmlns:a16="http://schemas.microsoft.com/office/drawing/2014/main" xmlns="" id="{91FB25D9-30FE-4009-A340-75BB7ACF4219}"/>
+                <a16:creationId xmlns:a16="http://schemas.microsoft.com/office/drawing/2014/main" id="{91FB25D9-30FE-4009-A340-75BB7ACF4219}"/>
               </a:ext>
             </a:extLst>
           </p:cNvPr>
@@ -10832,7 +10791,7 @@
           <p:cNvPr id="17" name="Image 16">
             <a:extLst>
               <a:ext uri="{FF2B5EF4-FFF2-40B4-BE49-F238E27FC236}">
-                <a16:creationId xmlns:a16="http://schemas.microsoft.com/office/drawing/2014/main" xmlns="" id="{F52C5B31-4FFC-4B0A-A56C-7BAB614A6BAB}"/>
+                <a16:creationId xmlns:a16="http://schemas.microsoft.com/office/drawing/2014/main" id="{F52C5B31-4FFC-4B0A-A56C-7BAB614A6BAB}"/>
               </a:ext>
             </a:extLst>
           </p:cNvPr>
@@ -10862,7 +10821,7 @@
           <p:cNvPr id="18" name="Image 17">
             <a:extLst>
               <a:ext uri="{FF2B5EF4-FFF2-40B4-BE49-F238E27FC236}">
-                <a16:creationId xmlns:a16="http://schemas.microsoft.com/office/drawing/2014/main" xmlns="" id="{9608F96E-99F0-43CE-9CD2-AF6787836527}"/>
+                <a16:creationId xmlns:a16="http://schemas.microsoft.com/office/drawing/2014/main" id="{9608F96E-99F0-43CE-9CD2-AF6787836527}"/>
               </a:ext>
             </a:extLst>
           </p:cNvPr>
@@ -10892,7 +10851,7 @@
           <p:cNvPr id="3" name="Espace réservé du numéro de diapositive 2">
             <a:extLst>
               <a:ext uri="{FF2B5EF4-FFF2-40B4-BE49-F238E27FC236}">
-                <a16:creationId xmlns:a16="http://schemas.microsoft.com/office/drawing/2014/main" xmlns="" id="{BC62C326-C9BA-4DCF-9F98-A0D0CD1BAED1}"/>
+                <a16:creationId xmlns:a16="http://schemas.microsoft.com/office/drawing/2014/main" id="{BC62C326-C9BA-4DCF-9F98-A0D0CD1BAED1}"/>
               </a:ext>
             </a:extLst>
           </p:cNvPr>
@@ -10951,7 +10910,7 @@
           <p:cNvPr id="2" name="Titre 1">
             <a:extLst>
               <a:ext uri="{FF2B5EF4-FFF2-40B4-BE49-F238E27FC236}">
-                <a16:creationId xmlns:a16="http://schemas.microsoft.com/office/drawing/2014/main" xmlns="" id="{847B2002-85EF-4E53-BF50-1164BFEF0883}"/>
+                <a16:creationId xmlns:a16="http://schemas.microsoft.com/office/drawing/2014/main" id="{847B2002-85EF-4E53-BF50-1164BFEF0883}"/>
               </a:ext>
             </a:extLst>
           </p:cNvPr>
@@ -10985,23 +10944,7 @@
                 <a:ea typeface="Ebrima" panose="02000000000000000000" pitchFamily="2" charset="0"/>
                 <a:cs typeface="Ebrima" panose="02000000000000000000" pitchFamily="2" charset="0"/>
               </a:rPr>
-              <a:t>4</a:t>
-            </a:r>
-            <a:r>
-              <a:rPr lang="fr-FR" sz="3400" u="sng" cap="none" dirty="0" smtClean="0">
-                <a:latin typeface="Ebrima" panose="02000000000000000000" pitchFamily="2" charset="0"/>
-                <a:ea typeface="Ebrima" panose="02000000000000000000" pitchFamily="2" charset="0"/>
-                <a:cs typeface="Ebrima" panose="02000000000000000000" pitchFamily="2" charset="0"/>
-              </a:rPr>
-              <a:t>. </a:t>
-            </a:r>
-            <a:r>
-              <a:rPr lang="fr-FR" sz="3400" u="sng" cap="none" dirty="0">
-                <a:latin typeface="Ebrima" panose="02000000000000000000" pitchFamily="2" charset="0"/>
-                <a:ea typeface="Ebrima" panose="02000000000000000000" pitchFamily="2" charset="0"/>
-                <a:cs typeface="Ebrima" panose="02000000000000000000" pitchFamily="2" charset="0"/>
-              </a:rPr>
-              <a:t>IDENTIFICATION DES FONCTIONNALITÉS DU PAGE</a:t>
+              <a:t>4. IDENTIFICATION DES FONCTIONNALITÉS DU PAGE</a:t>
             </a:r>
             <a:endParaRPr lang="en-CA" sz="3400" u="sng" cap="none" dirty="0">
               <a:latin typeface="Ebrima" panose="02000000000000000000" pitchFamily="2" charset="0"/>
@@ -11016,7 +10959,7 @@
           <p:cNvPr id="6" name="Image 5">
             <a:extLst>
               <a:ext uri="{FF2B5EF4-FFF2-40B4-BE49-F238E27FC236}">
-                <a16:creationId xmlns:a16="http://schemas.microsoft.com/office/drawing/2014/main" xmlns="" id="{45D547AC-FD75-4884-8CCB-15E6D9412640}"/>
+                <a16:creationId xmlns:a16="http://schemas.microsoft.com/office/drawing/2014/main" id="{45D547AC-FD75-4884-8CCB-15E6D9412640}"/>
               </a:ext>
             </a:extLst>
           </p:cNvPr>
@@ -11052,7 +10995,7 @@
           <p:cNvPr id="5" name="Image 4">
             <a:extLst>
               <a:ext uri="{FF2B5EF4-FFF2-40B4-BE49-F238E27FC236}">
-                <a16:creationId xmlns:a16="http://schemas.microsoft.com/office/drawing/2014/main" xmlns="" id="{5F93B43B-6A13-4679-9256-D33D76750887}"/>
+                <a16:creationId xmlns:a16="http://schemas.microsoft.com/office/drawing/2014/main" id="{5F93B43B-6A13-4679-9256-D33D76750887}"/>
               </a:ext>
             </a:extLst>
           </p:cNvPr>
@@ -11088,7 +11031,7 @@
           <p:cNvPr id="8" name="Image 7">
             <a:extLst>
               <a:ext uri="{FF2B5EF4-FFF2-40B4-BE49-F238E27FC236}">
-                <a16:creationId xmlns:a16="http://schemas.microsoft.com/office/drawing/2014/main" xmlns="" id="{1678EAF0-D55A-4C9E-979D-A79B28F8BB5A}"/>
+                <a16:creationId xmlns:a16="http://schemas.microsoft.com/office/drawing/2014/main" id="{1678EAF0-D55A-4C9E-979D-A79B28F8BB5A}"/>
               </a:ext>
             </a:extLst>
           </p:cNvPr>
@@ -11124,7 +11067,7 @@
           <p:cNvPr id="10" name="Image 9">
             <a:extLst>
               <a:ext uri="{FF2B5EF4-FFF2-40B4-BE49-F238E27FC236}">
-                <a16:creationId xmlns:a16="http://schemas.microsoft.com/office/drawing/2014/main" xmlns="" id="{0328837E-D733-42C0-AABA-65225BB0F698}"/>
+                <a16:creationId xmlns:a16="http://schemas.microsoft.com/office/drawing/2014/main" id="{0328837E-D733-42C0-AABA-65225BB0F698}"/>
               </a:ext>
             </a:extLst>
           </p:cNvPr>
@@ -11160,7 +11103,7 @@
           <p:cNvPr id="12" name="Image 11">
             <a:extLst>
               <a:ext uri="{FF2B5EF4-FFF2-40B4-BE49-F238E27FC236}">
-                <a16:creationId xmlns:a16="http://schemas.microsoft.com/office/drawing/2014/main" xmlns="" id="{6C63FD2B-36E5-47BE-A6BD-66A4167C7A55}"/>
+                <a16:creationId xmlns:a16="http://schemas.microsoft.com/office/drawing/2014/main" id="{6C63FD2B-36E5-47BE-A6BD-66A4167C7A55}"/>
               </a:ext>
             </a:extLst>
           </p:cNvPr>
@@ -11196,7 +11139,7 @@
           <p:cNvPr id="14" name="Image 13">
             <a:extLst>
               <a:ext uri="{FF2B5EF4-FFF2-40B4-BE49-F238E27FC236}">
-                <a16:creationId xmlns:a16="http://schemas.microsoft.com/office/drawing/2014/main" xmlns="" id="{C2E6D974-8439-4A20-B673-B14110C19F75}"/>
+                <a16:creationId xmlns:a16="http://schemas.microsoft.com/office/drawing/2014/main" id="{C2E6D974-8439-4A20-B673-B14110C19F75}"/>
               </a:ext>
             </a:extLst>
           </p:cNvPr>
@@ -11232,7 +11175,7 @@
           <p:cNvPr id="16" name="Image 15">
             <a:extLst>
               <a:ext uri="{FF2B5EF4-FFF2-40B4-BE49-F238E27FC236}">
-                <a16:creationId xmlns:a16="http://schemas.microsoft.com/office/drawing/2014/main" xmlns="" id="{2E2A93CD-5150-4819-BE10-6868274EBB4D}"/>
+                <a16:creationId xmlns:a16="http://schemas.microsoft.com/office/drawing/2014/main" id="{2E2A93CD-5150-4819-BE10-6868274EBB4D}"/>
               </a:ext>
             </a:extLst>
           </p:cNvPr>
@@ -11268,7 +11211,7 @@
           <p:cNvPr id="18" name="Image 17">
             <a:extLst>
               <a:ext uri="{FF2B5EF4-FFF2-40B4-BE49-F238E27FC236}">
-                <a16:creationId xmlns:a16="http://schemas.microsoft.com/office/drawing/2014/main" xmlns="" id="{1A00E8A8-2B1D-48CA-BC45-287084143CA1}"/>
+                <a16:creationId xmlns:a16="http://schemas.microsoft.com/office/drawing/2014/main" id="{1A00E8A8-2B1D-48CA-BC45-287084143CA1}"/>
               </a:ext>
             </a:extLst>
           </p:cNvPr>
@@ -11304,7 +11247,7 @@
           <p:cNvPr id="20" name="Image 19">
             <a:extLst>
               <a:ext uri="{FF2B5EF4-FFF2-40B4-BE49-F238E27FC236}">
-                <a16:creationId xmlns:a16="http://schemas.microsoft.com/office/drawing/2014/main" xmlns="" id="{7DD675E1-7B96-4DFE-9EA5-6294560FCBF9}"/>
+                <a16:creationId xmlns:a16="http://schemas.microsoft.com/office/drawing/2014/main" id="{7DD675E1-7B96-4DFE-9EA5-6294560FCBF9}"/>
               </a:ext>
             </a:extLst>
           </p:cNvPr>
@@ -11340,7 +11283,7 @@
           <p:cNvPr id="22" name="Image 21">
             <a:extLst>
               <a:ext uri="{FF2B5EF4-FFF2-40B4-BE49-F238E27FC236}">
-                <a16:creationId xmlns:a16="http://schemas.microsoft.com/office/drawing/2014/main" xmlns="" id="{151E1314-759B-474B-BAF6-22FAB072BDC1}"/>
+                <a16:creationId xmlns:a16="http://schemas.microsoft.com/office/drawing/2014/main" id="{151E1314-759B-474B-BAF6-22FAB072BDC1}"/>
               </a:ext>
             </a:extLst>
           </p:cNvPr>
@@ -11376,7 +11319,7 @@
           <p:cNvPr id="24" name="Image 23">
             <a:extLst>
               <a:ext uri="{FF2B5EF4-FFF2-40B4-BE49-F238E27FC236}">
-                <a16:creationId xmlns:a16="http://schemas.microsoft.com/office/drawing/2014/main" xmlns="" id="{EDE8177F-D97D-4CED-BC15-8F2367A491A1}"/>
+                <a16:creationId xmlns:a16="http://schemas.microsoft.com/office/drawing/2014/main" id="{EDE8177F-D97D-4CED-BC15-8F2367A491A1}"/>
               </a:ext>
             </a:extLst>
           </p:cNvPr>
@@ -11412,7 +11355,7 @@
           <p:cNvPr id="26" name="Image 25">
             <a:extLst>
               <a:ext uri="{FF2B5EF4-FFF2-40B4-BE49-F238E27FC236}">
-                <a16:creationId xmlns:a16="http://schemas.microsoft.com/office/drawing/2014/main" xmlns="" id="{760B0038-13A3-425B-9B79-95EEC3698A40}"/>
+                <a16:creationId xmlns:a16="http://schemas.microsoft.com/office/drawing/2014/main" id="{760B0038-13A3-425B-9B79-95EEC3698A40}"/>
               </a:ext>
             </a:extLst>
           </p:cNvPr>
@@ -11448,7 +11391,7 @@
           <p:cNvPr id="28" name="Image 27">
             <a:extLst>
               <a:ext uri="{FF2B5EF4-FFF2-40B4-BE49-F238E27FC236}">
-                <a16:creationId xmlns:a16="http://schemas.microsoft.com/office/drawing/2014/main" xmlns="" id="{E3E46E22-63BB-4717-BA8B-DD9B268E5701}"/>
+                <a16:creationId xmlns:a16="http://schemas.microsoft.com/office/drawing/2014/main" id="{E3E46E22-63BB-4717-BA8B-DD9B268E5701}"/>
               </a:ext>
             </a:extLst>
           </p:cNvPr>
@@ -11484,7 +11427,7 @@
           <p:cNvPr id="30" name="Image 29">
             <a:extLst>
               <a:ext uri="{FF2B5EF4-FFF2-40B4-BE49-F238E27FC236}">
-                <a16:creationId xmlns:a16="http://schemas.microsoft.com/office/drawing/2014/main" xmlns="" id="{F8493397-6232-4793-94D1-649F3BE10310}"/>
+                <a16:creationId xmlns:a16="http://schemas.microsoft.com/office/drawing/2014/main" id="{F8493397-6232-4793-94D1-649F3BE10310}"/>
               </a:ext>
             </a:extLst>
           </p:cNvPr>
@@ -11520,7 +11463,7 @@
           <p:cNvPr id="33" name="Rectangle 32">
             <a:extLst>
               <a:ext uri="{FF2B5EF4-FFF2-40B4-BE49-F238E27FC236}">
-                <a16:creationId xmlns:a16="http://schemas.microsoft.com/office/drawing/2014/main" xmlns="" id="{3935108A-B52A-4FA3-8ECB-24DB1CFDFF05}"/>
+                <a16:creationId xmlns:a16="http://schemas.microsoft.com/office/drawing/2014/main" id="{3935108A-B52A-4FA3-8ECB-24DB1CFDFF05}"/>
               </a:ext>
             </a:extLst>
           </p:cNvPr>
@@ -11647,7 +11590,7 @@
           <p:cNvPr id="3" name="Espace réservé du numéro de diapositive 2">
             <a:extLst>
               <a:ext uri="{FF2B5EF4-FFF2-40B4-BE49-F238E27FC236}">
-                <a16:creationId xmlns:a16="http://schemas.microsoft.com/office/drawing/2014/main" xmlns="" id="{D87DD88E-0C01-4825-A360-95CA1067C517}"/>
+                <a16:creationId xmlns:a16="http://schemas.microsoft.com/office/drawing/2014/main" id="{D87DD88E-0C01-4825-A360-95CA1067C517}"/>
               </a:ext>
             </a:extLst>
           </p:cNvPr>
@@ -11706,7 +11649,7 @@
           <p:cNvPr id="2" name="Titre 1">
             <a:extLst>
               <a:ext uri="{FF2B5EF4-FFF2-40B4-BE49-F238E27FC236}">
-                <a16:creationId xmlns:a16="http://schemas.microsoft.com/office/drawing/2014/main" xmlns="" id="{847B2002-85EF-4E53-BF50-1164BFEF0883}"/>
+                <a16:creationId xmlns:a16="http://schemas.microsoft.com/office/drawing/2014/main" id="{847B2002-85EF-4E53-BF50-1164BFEF0883}"/>
               </a:ext>
             </a:extLst>
           </p:cNvPr>
@@ -11755,7 +11698,7 @@
           <p:cNvPr id="6" name="Image 5">
             <a:extLst>
               <a:ext uri="{FF2B5EF4-FFF2-40B4-BE49-F238E27FC236}">
-                <a16:creationId xmlns:a16="http://schemas.microsoft.com/office/drawing/2014/main" xmlns="" id="{45D547AC-FD75-4884-8CCB-15E6D9412640}"/>
+                <a16:creationId xmlns:a16="http://schemas.microsoft.com/office/drawing/2014/main" id="{45D547AC-FD75-4884-8CCB-15E6D9412640}"/>
               </a:ext>
             </a:extLst>
           </p:cNvPr>
@@ -11791,7 +11734,7 @@
           <p:cNvPr id="7" name="ZoneTexte 6">
             <a:extLst>
               <a:ext uri="{FF2B5EF4-FFF2-40B4-BE49-F238E27FC236}">
-                <a16:creationId xmlns:a16="http://schemas.microsoft.com/office/drawing/2014/main" xmlns="" id="{91FB25D9-30FE-4009-A340-75BB7ACF4219}"/>
+                <a16:creationId xmlns:a16="http://schemas.microsoft.com/office/drawing/2014/main" id="{91FB25D9-30FE-4009-A340-75BB7ACF4219}"/>
               </a:ext>
             </a:extLst>
           </p:cNvPr>
@@ -11835,7 +11778,7 @@
           <p:cNvPr id="4" name="Image 3">
             <a:extLst>
               <a:ext uri="{FF2B5EF4-FFF2-40B4-BE49-F238E27FC236}">
-                <a16:creationId xmlns:a16="http://schemas.microsoft.com/office/drawing/2014/main" xmlns="" id="{89B2994E-5707-477E-9E1B-C7D1DE580504}"/>
+                <a16:creationId xmlns:a16="http://schemas.microsoft.com/office/drawing/2014/main" id="{89B2994E-5707-477E-9E1B-C7D1DE580504}"/>
               </a:ext>
             </a:extLst>
           </p:cNvPr>
@@ -11871,7 +11814,7 @@
           <p:cNvPr id="3" name="Espace réservé du numéro de diapositive 2">
             <a:extLst>
               <a:ext uri="{FF2B5EF4-FFF2-40B4-BE49-F238E27FC236}">
-                <a16:creationId xmlns:a16="http://schemas.microsoft.com/office/drawing/2014/main" xmlns="" id="{BD5E13AC-C742-465A-9068-304287B963A9}"/>
+                <a16:creationId xmlns:a16="http://schemas.microsoft.com/office/drawing/2014/main" id="{BD5E13AC-C742-465A-9068-304287B963A9}"/>
               </a:ext>
             </a:extLst>
           </p:cNvPr>
@@ -11930,7 +11873,7 @@
           <p:cNvPr id="2" name="Titre 1">
             <a:extLst>
               <a:ext uri="{FF2B5EF4-FFF2-40B4-BE49-F238E27FC236}">
-                <a16:creationId xmlns:a16="http://schemas.microsoft.com/office/drawing/2014/main" xmlns="" id="{847B2002-85EF-4E53-BF50-1164BFEF0883}"/>
+                <a16:creationId xmlns:a16="http://schemas.microsoft.com/office/drawing/2014/main" id="{847B2002-85EF-4E53-BF50-1164BFEF0883}"/>
               </a:ext>
             </a:extLst>
           </p:cNvPr>
@@ -11959,21 +11902,7 @@
                 <a:ea typeface="Tahoma" panose="020B0604030504040204" pitchFamily="34" charset="0"/>
                 <a:cs typeface="Tahoma" panose="020B0604030504040204" pitchFamily="34" charset="0"/>
               </a:rPr>
-              <a:t>6</a:t>
-            </a:r>
-            <a:r>
-              <a:rPr lang="fr-FR" sz="3200" dirty="0" smtClean="0">
-                <a:ea typeface="Tahoma" panose="020B0604030504040204" pitchFamily="34" charset="0"/>
-                <a:cs typeface="Tahoma" panose="020B0604030504040204" pitchFamily="34" charset="0"/>
-              </a:rPr>
-              <a:t>. </a:t>
-            </a:r>
-            <a:r>
-              <a:rPr lang="fr-FR" sz="3200" dirty="0">
-                <a:ea typeface="Tahoma" panose="020B0604030504040204" pitchFamily="34" charset="0"/>
-                <a:cs typeface="Tahoma" panose="020B0604030504040204" pitchFamily="34" charset="0"/>
-              </a:rPr>
-              <a:t>Architecture </a:t>
+              <a:t>6. Architecture </a:t>
             </a:r>
             <a:r>
               <a:rPr lang="fr-FR" sz="3200" dirty="0" err="1">
@@ -11997,7 +11926,7 @@
           <p:cNvPr id="6" name="Image 5">
             <a:extLst>
               <a:ext uri="{FF2B5EF4-FFF2-40B4-BE49-F238E27FC236}">
-                <a16:creationId xmlns:a16="http://schemas.microsoft.com/office/drawing/2014/main" xmlns="" id="{45D547AC-FD75-4884-8CCB-15E6D9412640}"/>
+                <a16:creationId xmlns:a16="http://schemas.microsoft.com/office/drawing/2014/main" id="{45D547AC-FD75-4884-8CCB-15E6D9412640}"/>
               </a:ext>
             </a:extLst>
           </p:cNvPr>
@@ -12033,7 +11962,7 @@
           <p:cNvPr id="7" name="ZoneTexte 6">
             <a:extLst>
               <a:ext uri="{FF2B5EF4-FFF2-40B4-BE49-F238E27FC236}">
-                <a16:creationId xmlns:a16="http://schemas.microsoft.com/office/drawing/2014/main" xmlns="" id="{91FB25D9-30FE-4009-A340-75BB7ACF4219}"/>
+                <a16:creationId xmlns:a16="http://schemas.microsoft.com/office/drawing/2014/main" id="{91FB25D9-30FE-4009-A340-75BB7ACF4219}"/>
               </a:ext>
             </a:extLst>
           </p:cNvPr>
@@ -12070,7 +11999,7 @@
           <p:cNvPr id="9" name="Image 8">
             <a:extLst>
               <a:ext uri="{FF2B5EF4-FFF2-40B4-BE49-F238E27FC236}">
-                <a16:creationId xmlns:a16="http://schemas.microsoft.com/office/drawing/2014/main" xmlns="" id="{D3AE46DF-FC3D-49E3-9EE6-F36690111EB2}"/>
+                <a16:creationId xmlns:a16="http://schemas.microsoft.com/office/drawing/2014/main" id="{D3AE46DF-FC3D-49E3-9EE6-F36690111EB2}"/>
               </a:ext>
             </a:extLst>
           </p:cNvPr>
@@ -12100,7 +12029,7 @@
           <p:cNvPr id="13" name="Groupe 12">
             <a:extLst>
               <a:ext uri="{FF2B5EF4-FFF2-40B4-BE49-F238E27FC236}">
-                <a16:creationId xmlns:a16="http://schemas.microsoft.com/office/drawing/2014/main" xmlns="" id="{49C3330A-5332-4AD7-B1B9-DC31A2540CED}"/>
+                <a16:creationId xmlns:a16="http://schemas.microsoft.com/office/drawing/2014/main" id="{49C3330A-5332-4AD7-B1B9-DC31A2540CED}"/>
               </a:ext>
             </a:extLst>
           </p:cNvPr>
@@ -12120,7 +12049,7 @@
             <p:cNvPr id="3" name="Image 2">
               <a:extLst>
                 <a:ext uri="{FF2B5EF4-FFF2-40B4-BE49-F238E27FC236}">
-                  <a16:creationId xmlns:a16="http://schemas.microsoft.com/office/drawing/2014/main" xmlns="" id="{97F33094-9E2D-4C56-8BE7-54D7198AED1F}"/>
+                  <a16:creationId xmlns:a16="http://schemas.microsoft.com/office/drawing/2014/main" id="{97F33094-9E2D-4C56-8BE7-54D7198AED1F}"/>
                 </a:ext>
               </a:extLst>
             </p:cNvPr>
@@ -12150,7 +12079,7 @@
             <p:cNvPr id="4" name="ZoneTexte 3">
               <a:extLst>
                 <a:ext uri="{FF2B5EF4-FFF2-40B4-BE49-F238E27FC236}">
-                  <a16:creationId xmlns:a16="http://schemas.microsoft.com/office/drawing/2014/main" xmlns="" id="{8D90AE1B-4BC2-4382-9C0A-053629D75DEC}"/>
+                  <a16:creationId xmlns:a16="http://schemas.microsoft.com/office/drawing/2014/main" id="{8D90AE1B-4BC2-4382-9C0A-053629D75DEC}"/>
                 </a:ext>
               </a:extLst>
             </p:cNvPr>
@@ -12190,7 +12119,7 @@
           <p:cNvPr id="15" name="Groupe 14">
             <a:extLst>
               <a:ext uri="{FF2B5EF4-FFF2-40B4-BE49-F238E27FC236}">
-                <a16:creationId xmlns:a16="http://schemas.microsoft.com/office/drawing/2014/main" xmlns="" id="{B34CC806-0B3A-4B6D-9004-AEE474EC2AC9}"/>
+                <a16:creationId xmlns:a16="http://schemas.microsoft.com/office/drawing/2014/main" id="{B34CC806-0B3A-4B6D-9004-AEE474EC2AC9}"/>
               </a:ext>
             </a:extLst>
           </p:cNvPr>
@@ -12210,7 +12139,7 @@
             <p:cNvPr id="8" name="Image 7">
               <a:extLst>
                 <a:ext uri="{FF2B5EF4-FFF2-40B4-BE49-F238E27FC236}">
-                  <a16:creationId xmlns:a16="http://schemas.microsoft.com/office/drawing/2014/main" xmlns="" id="{233D06FA-A3A1-4780-AB9F-DC30AE161E7D}"/>
+                  <a16:creationId xmlns:a16="http://schemas.microsoft.com/office/drawing/2014/main" id="{233D06FA-A3A1-4780-AB9F-DC30AE161E7D}"/>
                 </a:ext>
               </a:extLst>
             </p:cNvPr>
@@ -12240,7 +12169,7 @@
             <p:cNvPr id="10" name="ZoneTexte 9">
               <a:extLst>
                 <a:ext uri="{FF2B5EF4-FFF2-40B4-BE49-F238E27FC236}">
-                  <a16:creationId xmlns:a16="http://schemas.microsoft.com/office/drawing/2014/main" xmlns="" id="{9B8DD328-73F3-4B85-9D6D-36620A1A621B}"/>
+                  <a16:creationId xmlns:a16="http://schemas.microsoft.com/office/drawing/2014/main" id="{9B8DD328-73F3-4B85-9D6D-36620A1A621B}"/>
                 </a:ext>
               </a:extLst>
             </p:cNvPr>
@@ -12280,7 +12209,7 @@
           <p:cNvPr id="14" name="Groupe 13">
             <a:extLst>
               <a:ext uri="{FF2B5EF4-FFF2-40B4-BE49-F238E27FC236}">
-                <a16:creationId xmlns:a16="http://schemas.microsoft.com/office/drawing/2014/main" xmlns="" id="{F984B755-A951-4CA4-A775-137CBB4C68FE}"/>
+                <a16:creationId xmlns:a16="http://schemas.microsoft.com/office/drawing/2014/main" id="{F984B755-A951-4CA4-A775-137CBB4C68FE}"/>
               </a:ext>
             </a:extLst>
           </p:cNvPr>
@@ -12300,7 +12229,7 @@
             <p:cNvPr id="5" name="Image 4">
               <a:extLst>
                 <a:ext uri="{FF2B5EF4-FFF2-40B4-BE49-F238E27FC236}">
-                  <a16:creationId xmlns:a16="http://schemas.microsoft.com/office/drawing/2014/main" xmlns="" id="{29BB9359-B700-436B-8D94-1F18BFFA19FD}"/>
+                  <a16:creationId xmlns:a16="http://schemas.microsoft.com/office/drawing/2014/main" id="{29BB9359-B700-436B-8D94-1F18BFFA19FD}"/>
                 </a:ext>
               </a:extLst>
             </p:cNvPr>
@@ -12330,7 +12259,7 @@
             <p:cNvPr id="11" name="ZoneTexte 10">
               <a:extLst>
                 <a:ext uri="{FF2B5EF4-FFF2-40B4-BE49-F238E27FC236}">
-                  <a16:creationId xmlns:a16="http://schemas.microsoft.com/office/drawing/2014/main" xmlns="" id="{5D0A5BC2-213F-4DC4-AEFB-26D78C7744C9}"/>
+                  <a16:creationId xmlns:a16="http://schemas.microsoft.com/office/drawing/2014/main" id="{5D0A5BC2-213F-4DC4-AEFB-26D78C7744C9}"/>
                 </a:ext>
               </a:extLst>
             </p:cNvPr>
@@ -12370,7 +12299,7 @@
           <p:cNvPr id="12" name="Espace réservé du numéro de diapositive 11">
             <a:extLst>
               <a:ext uri="{FF2B5EF4-FFF2-40B4-BE49-F238E27FC236}">
-                <a16:creationId xmlns:a16="http://schemas.microsoft.com/office/drawing/2014/main" xmlns="" id="{6C94EE64-C361-47CA-9EB1-2A761E13F250}"/>
+                <a16:creationId xmlns:a16="http://schemas.microsoft.com/office/drawing/2014/main" id="{6C94EE64-C361-47CA-9EB1-2A761E13F250}"/>
               </a:ext>
             </a:extLst>
           </p:cNvPr>
@@ -12429,7 +12358,7 @@
           <p:cNvPr id="2" name="Titre 1">
             <a:extLst>
               <a:ext uri="{FF2B5EF4-FFF2-40B4-BE49-F238E27FC236}">
-                <a16:creationId xmlns:a16="http://schemas.microsoft.com/office/drawing/2014/main" xmlns="" id="{847B2002-85EF-4E53-BF50-1164BFEF0883}"/>
+                <a16:creationId xmlns:a16="http://schemas.microsoft.com/office/drawing/2014/main" id="{847B2002-85EF-4E53-BF50-1164BFEF0883}"/>
               </a:ext>
             </a:extLst>
           </p:cNvPr>
@@ -12461,19 +12390,7 @@
               <a:rPr lang="fr-FR" sz="3100" u="sng" dirty="0">
                 <a:effectLst/>
               </a:rPr>
-              <a:t>7</a:t>
-            </a:r>
-            <a:r>
-              <a:rPr lang="fr-FR" sz="3100" u="sng" dirty="0" smtClean="0">
-                <a:effectLst/>
-              </a:rPr>
-              <a:t>. </a:t>
-            </a:r>
-            <a:r>
-              <a:rPr lang="fr-FR" sz="3100" u="sng" dirty="0">
-                <a:effectLst/>
-              </a:rPr>
-              <a:t>LOGICIEL POUR LE TRAVAIL EN ÉQUIPE</a:t>
+              <a:t>7. LOGICIEL POUR LE TRAVAIL EN ÉQUIPE</a:t>
             </a:r>
             <a:endParaRPr lang="fr-CA" sz="3100" u="sng" cap="none" dirty="0">
               <a:latin typeface="Ebrima" panose="02000000000000000000" pitchFamily="2" charset="0"/>
@@ -12488,7 +12405,7 @@
           <p:cNvPr id="6" name="Image 5">
             <a:extLst>
               <a:ext uri="{FF2B5EF4-FFF2-40B4-BE49-F238E27FC236}">
-                <a16:creationId xmlns:a16="http://schemas.microsoft.com/office/drawing/2014/main" xmlns="" id="{45D547AC-FD75-4884-8CCB-15E6D9412640}"/>
+                <a16:creationId xmlns:a16="http://schemas.microsoft.com/office/drawing/2014/main" id="{45D547AC-FD75-4884-8CCB-15E6D9412640}"/>
               </a:ext>
             </a:extLst>
           </p:cNvPr>
@@ -12524,7 +12441,7 @@
           <p:cNvPr id="7" name="ZoneTexte 6">
             <a:extLst>
               <a:ext uri="{FF2B5EF4-FFF2-40B4-BE49-F238E27FC236}">
-                <a16:creationId xmlns:a16="http://schemas.microsoft.com/office/drawing/2014/main" xmlns="" id="{91FB25D9-30FE-4009-A340-75BB7ACF4219}"/>
+                <a16:creationId xmlns:a16="http://schemas.microsoft.com/office/drawing/2014/main" id="{91FB25D9-30FE-4009-A340-75BB7ACF4219}"/>
               </a:ext>
             </a:extLst>
           </p:cNvPr>
@@ -12571,7 +12488,7 @@
           <p:cNvPr id="1026" name="Picture 2" descr="Resultado de imagen para github">
             <a:extLst>
               <a:ext uri="{FF2B5EF4-FFF2-40B4-BE49-F238E27FC236}">
-                <a16:creationId xmlns:a16="http://schemas.microsoft.com/office/drawing/2014/main" xmlns="" id="{74B7BB97-537D-4187-9901-1E5D6CEFB17E}"/>
+                <a16:creationId xmlns:a16="http://schemas.microsoft.com/office/drawing/2014/main" id="{74B7BB97-537D-4187-9901-1E5D6CEFB17E}"/>
               </a:ext>
             </a:extLst>
           </p:cNvPr>
@@ -12618,7 +12535,7 @@
           <p:cNvPr id="3" name="Image 2">
             <a:extLst>
               <a:ext uri="{FF2B5EF4-FFF2-40B4-BE49-F238E27FC236}">
-                <a16:creationId xmlns:a16="http://schemas.microsoft.com/office/drawing/2014/main" xmlns="" id="{39041F21-8BEA-48AE-A47C-6A40B77A5B5B}"/>
+                <a16:creationId xmlns:a16="http://schemas.microsoft.com/office/drawing/2014/main" id="{39041F21-8BEA-48AE-A47C-6A40B77A5B5B}"/>
               </a:ext>
             </a:extLst>
           </p:cNvPr>
@@ -12648,7 +12565,7 @@
           <p:cNvPr id="4" name="Espace réservé du numéro de diapositive 3">
             <a:extLst>
               <a:ext uri="{FF2B5EF4-FFF2-40B4-BE49-F238E27FC236}">
-                <a16:creationId xmlns:a16="http://schemas.microsoft.com/office/drawing/2014/main" xmlns="" id="{241321A1-5132-4284-A6AB-B4638E27C1F5}"/>
+                <a16:creationId xmlns:a16="http://schemas.microsoft.com/office/drawing/2014/main" id="{241321A1-5132-4284-A6AB-B4638E27C1F5}"/>
               </a:ext>
             </a:extLst>
           </p:cNvPr>
@@ -12677,7 +12594,7 @@
           <p:cNvPr id="8" name="Graphic 7">
             <a:extLst>
               <a:ext uri="{FF2B5EF4-FFF2-40B4-BE49-F238E27FC236}">
-                <a16:creationId xmlns:a16="http://schemas.microsoft.com/office/drawing/2014/main" xmlns="" id="{9528501D-83DA-4E36-A503-02013B2D01C4}"/>
+                <a16:creationId xmlns:a16="http://schemas.microsoft.com/office/drawing/2014/main" id="{9528501D-83DA-4E36-A503-02013B2D01C4}"/>
               </a:ext>
             </a:extLst>
           </p:cNvPr>
@@ -12693,7 +12610,7 @@
                 <a14:useLocalDpi xmlns:a14="http://schemas.microsoft.com/office/drawing/2010/main" val="0"/>
               </a:ext>
               <a:ext uri="{96DAC541-7B7A-43D3-8B79-37D633B846F1}">
-                <asvg:svgBlip xmlns:asvg="http://schemas.microsoft.com/office/drawing/2016/SVG/main" xmlns="" r:embed="rId7"/>
+                <asvg:svgBlip xmlns:asvg="http://schemas.microsoft.com/office/drawing/2016/SVG/main" r:embed="rId7"/>
               </a:ext>
             </a:extLst>
           </a:blip>

--- a/presentation/CommunAction.pptx
+++ b/presentation/CommunAction.pptx
@@ -7795,7 +7795,7 @@
                 <a:ea typeface="Ebrima" panose="02000000000000000000" pitchFamily="2" charset="0"/>
                 <a:cs typeface="Ebrima" panose="02000000000000000000" pitchFamily="2" charset="0"/>
               </a:rPr>
-              <a:t>desroises-théroux</a:t>
+              <a:t>desrosiers-théroux</a:t>
             </a:r>
             <a:r>
               <a:rPr lang="en-CA" sz="1800" dirty="0">
@@ -10246,7 +10246,7 @@
         <p:spPr>
           <a:xfrm>
             <a:off x="908050" y="1279959"/>
-            <a:ext cx="10375900" cy="2585323"/>
+            <a:ext cx="10375900" cy="2308324"/>
           </a:xfrm>
           <a:prstGeom prst="rect">
             <a:avLst/>
@@ -10272,20 +10272,17 @@
                 <a:ea typeface="Tahoma" panose="020B0604030504040204" pitchFamily="34" charset="0"/>
                 <a:cs typeface="Tahoma" panose="020B0604030504040204" pitchFamily="34" charset="0"/>
               </a:rPr>
-              <a:t>faire du bénévolat et d'aider quelqu'un </a:t>
+              <a:t>venir en aide, en tant que bénévole, à des gens </a:t>
             </a:r>
             <a:r>
               <a:rPr lang="fr-FR" dirty="0"/>
-              <a:t>qui a besoin d'une aide particulière, c’est-à-dire, selon une catégorie spécifique, un utilisateur souhaitant faire du bénévolat peut aider un autre utilisateur ayant besoin de ce type d’aide. Il suffit simplement de compléter une demande et attendre de recevoir </a:t>
+              <a:t>qui ont besoin d'une aide particulière. Il suffit simplement de compléter une demande en inscrivant une description et une date où l’on veut le service et attendre de recevoir </a:t>
             </a:r>
             <a:r>
               <a:rPr lang="fr-FR" b="1" dirty="0"/>
-              <a:t>l’aide correspondante</a:t>
-            </a:r>
-            <a:r>
-              <a:rPr lang="fr-FR" dirty="0"/>
-              <a:t>.</a:t>
-            </a:r>
+              <a:t>une offre pour la demande.</a:t>
+            </a:r>
+            <a:endParaRPr lang="fr-FR" dirty="0"/>
           </a:p>
           <a:p>
             <a:pPr algn="just"/>
@@ -10301,7 +10298,7 @@
                 <a:ea typeface="Tahoma" panose="020B0604030504040204" pitchFamily="34" charset="0"/>
                 <a:cs typeface="Tahoma" panose="020B0604030504040204" pitchFamily="34" charset="0"/>
               </a:rPr>
-              <a:t>Il s’agit d’un système de soutien communautaire dans lequel toutes les services donnés sont gratuits et dans le simple but d’aider une personne.</a:t>
+              <a:t>Il s’agit d’un système de soutien communautaire dans lequel toutes les services donnés sont gratuits et dans le simple but d’aider une personne en besoin.</a:t>
             </a:r>
             <a:endParaRPr lang="en-CA" dirty="0">
               <a:ea typeface="Tahoma" panose="020B0604030504040204" pitchFamily="34" charset="0"/>

--- a/presentation/CommunAction.pptx
+++ b/presentation/CommunAction.pptx
@@ -271,7 +271,7 @@
           <p:cNvPr id="2" name="Espace réservé de l'en-tête 1">
             <a:extLst>
               <a:ext uri="{FF2B5EF4-FFF2-40B4-BE49-F238E27FC236}">
-                <a16:creationId xmlns:a16="http://schemas.microsoft.com/office/drawing/2014/main" id="{8644760A-0CED-4524-B0B6-28C2BD5D95B8}"/>
+                <a16:creationId xmlns:a16="http://schemas.microsoft.com/office/drawing/2014/main" xmlns="" id="{8644760A-0CED-4524-B0B6-28C2BD5D95B8}"/>
               </a:ext>
             </a:extLst>
           </p:cNvPr>
@@ -308,7 +308,7 @@
           <p:cNvPr id="3" name="Espace réservé de la date 2">
             <a:extLst>
               <a:ext uri="{FF2B5EF4-FFF2-40B4-BE49-F238E27FC236}">
-                <a16:creationId xmlns:a16="http://schemas.microsoft.com/office/drawing/2014/main" id="{51C3BB30-F71D-4779-A03A-DE3D020254B6}"/>
+                <a16:creationId xmlns:a16="http://schemas.microsoft.com/office/drawing/2014/main" xmlns="" id="{51C3BB30-F71D-4779-A03A-DE3D020254B6}"/>
               </a:ext>
             </a:extLst>
           </p:cNvPr>
@@ -338,7 +338,7 @@
           <a:p>
             <a:fld id="{B8A3D528-FB5C-4D45-B05E-18CF8F8001C6}" type="datetimeFigureOut">
               <a:rPr lang="en-CA" smtClean="0"/>
-              <a:t>2019-10-27</a:t>
+              <a:t>28/10/2019</a:t>
             </a:fld>
             <a:endParaRPr lang="en-CA"/>
           </a:p>
@@ -349,7 +349,7 @@
           <p:cNvPr id="4" name="Espace réservé du pied de page 3">
             <a:extLst>
               <a:ext uri="{FF2B5EF4-FFF2-40B4-BE49-F238E27FC236}">
-                <a16:creationId xmlns:a16="http://schemas.microsoft.com/office/drawing/2014/main" id="{8B39467F-21FB-49F1-9E77-21A51F430FAB}"/>
+                <a16:creationId xmlns:a16="http://schemas.microsoft.com/office/drawing/2014/main" xmlns="" id="{8B39467F-21FB-49F1-9E77-21A51F430FAB}"/>
               </a:ext>
             </a:extLst>
           </p:cNvPr>
@@ -386,7 +386,7 @@
           <p:cNvPr id="5" name="Espace réservé du numéro de diapositive 4">
             <a:extLst>
               <a:ext uri="{FF2B5EF4-FFF2-40B4-BE49-F238E27FC236}">
-                <a16:creationId xmlns:a16="http://schemas.microsoft.com/office/drawing/2014/main" id="{218DCF81-67A6-4D3D-AE8E-A44BBF1A1636}"/>
+                <a16:creationId xmlns:a16="http://schemas.microsoft.com/office/drawing/2014/main" xmlns="" id="{218DCF81-67A6-4D3D-AE8E-A44BBF1A1636}"/>
               </a:ext>
             </a:extLst>
           </p:cNvPr>
@@ -416,7 +416,7 @@
           <a:p>
             <a:fld id="{FD9A5612-4E0F-4985-85AE-C8E4DCDB60DD}" type="slidenum">
               <a:rPr lang="en-CA" smtClean="0"/>
-              <a:t>‹#›</a:t>
+              <a:t>‹N°›</a:t>
             </a:fld>
             <a:endParaRPr lang="en-CA"/>
           </a:p>
@@ -516,7 +516,7 @@
           <a:p>
             <a:fld id="{ED4450BA-E74B-4074-B01F-20A4D35CD716}" type="datetimeFigureOut">
               <a:rPr lang="en-CA" smtClean="0"/>
-              <a:t>2019-10-27</a:t>
+              <a:t>28/10/2019</a:t>
             </a:fld>
             <a:endParaRPr lang="en-CA"/>
           </a:p>
@@ -675,7 +675,7 @@
           <a:p>
             <a:fld id="{6E5469D4-D0FB-46F0-B698-EB03AAEACC1A}" type="slidenum">
               <a:rPr lang="en-CA" smtClean="0"/>
-              <a:t>‹#›</a:t>
+              <a:t>‹N°›</a:t>
             </a:fld>
             <a:endParaRPr lang="en-CA"/>
           </a:p>
@@ -2226,7 +2226,7 @@
           <a:p>
             <a:fld id="{BFAE9FF1-848B-4EFE-94B6-1800E1388CB9}" type="datetime1">
               <a:rPr lang="en-CA" smtClean="0"/>
-              <a:t>2019-10-27</a:t>
+              <a:t>28/10/2019</a:t>
             </a:fld>
             <a:endParaRPr lang="en-CA"/>
           </a:p>
@@ -2268,7 +2268,7 @@
           <a:p>
             <a:fld id="{7A79C5EC-18BC-4A24-B361-A108AE58E0DA}" type="slidenum">
               <a:rPr lang="en-CA" smtClean="0"/>
-              <a:t>‹#›</a:t>
+              <a:t>‹N°›</a:t>
             </a:fld>
             <a:endParaRPr lang="en-CA"/>
           </a:p>
@@ -2517,7 +2517,7 @@
           <a:p>
             <a:fld id="{5E7B7732-3F68-45A3-9AE1-62D1E189183F}" type="datetime1">
               <a:rPr lang="en-CA" smtClean="0"/>
-              <a:t>2019-10-27</a:t>
+              <a:t>28/10/2019</a:t>
             </a:fld>
             <a:endParaRPr lang="en-CA"/>
           </a:p>
@@ -2559,7 +2559,7 @@
           <a:p>
             <a:fld id="{7A79C5EC-18BC-4A24-B361-A108AE58E0DA}" type="slidenum">
               <a:rPr lang="en-CA" smtClean="0"/>
-              <a:t>‹#›</a:t>
+              <a:t>‹N°›</a:t>
             </a:fld>
             <a:endParaRPr lang="en-CA"/>
           </a:p>
@@ -2776,7 +2776,7 @@
           <a:p>
             <a:fld id="{6337C19F-BFF0-42EF-97DE-513A483C8084}" type="datetime1">
               <a:rPr lang="en-CA" smtClean="0"/>
-              <a:t>2019-10-27</a:t>
+              <a:t>28/10/2019</a:t>
             </a:fld>
             <a:endParaRPr lang="en-CA"/>
           </a:p>
@@ -2818,7 +2818,7 @@
           <a:p>
             <a:fld id="{7A79C5EC-18BC-4A24-B361-A108AE58E0DA}" type="slidenum">
               <a:rPr lang="en-CA" smtClean="0"/>
-              <a:t>‹#›</a:t>
+              <a:t>‹N°›</a:t>
             </a:fld>
             <a:endParaRPr lang="en-CA"/>
           </a:p>
@@ -3245,7 +3245,7 @@
           <a:p>
             <a:fld id="{C83E4B7D-B817-4FD1-BD89-89EA88D97723}" type="datetime1">
               <a:rPr lang="en-CA" smtClean="0"/>
-              <a:t>2019-10-27</a:t>
+              <a:t>28/10/2019</a:t>
             </a:fld>
             <a:endParaRPr lang="en-CA"/>
           </a:p>
@@ -3287,7 +3287,7 @@
           <a:p>
             <a:fld id="{7A79C5EC-18BC-4A24-B361-A108AE58E0DA}" type="slidenum">
               <a:rPr lang="en-CA" smtClean="0"/>
-              <a:t>‹#›</a:t>
+              <a:t>‹N°›</a:t>
             </a:fld>
             <a:endParaRPr lang="en-CA"/>
           </a:p>
@@ -3425,7 +3425,7 @@
           <a:p>
             <a:fld id="{0798C252-E1F2-4BC4-8AF9-29BE0322A100}" type="datetime1">
               <a:rPr lang="en-CA" smtClean="0"/>
-              <a:t>2019-10-27</a:t>
+              <a:t>28/10/2019</a:t>
             </a:fld>
             <a:endParaRPr lang="en-CA"/>
           </a:p>
@@ -3467,7 +3467,7 @@
           <a:p>
             <a:fld id="{7A79C5EC-18BC-4A24-B361-A108AE58E0DA}" type="slidenum">
               <a:rPr lang="en-CA" smtClean="0"/>
-              <a:t>‹#›</a:t>
+              <a:t>‹N°›</a:t>
             </a:fld>
             <a:endParaRPr lang="en-CA"/>
           </a:p>
@@ -4001,7 +4001,7 @@
           <a:p>
             <a:fld id="{74AD3FBD-F92A-4527-9D27-5D88DFA0E997}" type="datetime1">
               <a:rPr lang="en-CA" smtClean="0"/>
-              <a:t>2019-10-27</a:t>
+              <a:t>28/10/2019</a:t>
             </a:fld>
             <a:endParaRPr lang="en-CA"/>
           </a:p>
@@ -4043,7 +4043,7 @@
           <a:p>
             <a:fld id="{7A79C5EC-18BC-4A24-B361-A108AE58E0DA}" type="slidenum">
               <a:rPr lang="en-CA" smtClean="0"/>
-              <a:t>‹#›</a:t>
+              <a:t>‹N°›</a:t>
             </a:fld>
             <a:endParaRPr lang="en-CA"/>
           </a:p>
@@ -4333,7 +4333,7 @@
           <a:p>
             <a:fld id="{AD719C4B-DF58-437C-B121-CF161EA58623}" type="datetime1">
               <a:rPr lang="en-CA" smtClean="0"/>
-              <a:t>2019-10-27</a:t>
+              <a:t>28/10/2019</a:t>
             </a:fld>
             <a:endParaRPr lang="en-CA"/>
           </a:p>
@@ -4375,7 +4375,7 @@
           <a:p>
             <a:fld id="{7A79C5EC-18BC-4A24-B361-A108AE58E0DA}" type="slidenum">
               <a:rPr lang="en-CA" smtClean="0"/>
-              <a:t>‹#›</a:t>
+              <a:t>‹N°›</a:t>
             </a:fld>
             <a:endParaRPr lang="en-CA"/>
           </a:p>
@@ -4508,7 +4508,7 @@
           <a:p>
             <a:fld id="{7B1A81F3-8325-4B49-9D8B-9B9827336BD8}" type="datetime1">
               <a:rPr lang="en-CA" smtClean="0"/>
-              <a:t>2019-10-27</a:t>
+              <a:t>28/10/2019</a:t>
             </a:fld>
             <a:endParaRPr lang="en-CA"/>
           </a:p>
@@ -4550,7 +4550,7 @@
           <a:p>
             <a:fld id="{7A79C5EC-18BC-4A24-B361-A108AE58E0DA}" type="slidenum">
               <a:rPr lang="en-CA" smtClean="0"/>
-              <a:t>‹#›</a:t>
+              <a:t>‹N°›</a:t>
             </a:fld>
             <a:endParaRPr lang="en-CA"/>
           </a:p>
@@ -4688,7 +4688,7 @@
           <a:p>
             <a:fld id="{6CFFDCD4-5269-4C1B-BB83-A5DFE248693A}" type="datetime1">
               <a:rPr lang="en-CA" smtClean="0"/>
-              <a:t>2019-10-27</a:t>
+              <a:t>28/10/2019</a:t>
             </a:fld>
             <a:endParaRPr lang="en-CA"/>
           </a:p>
@@ -4730,7 +4730,7 @@
           <a:p>
             <a:fld id="{7A79C5EC-18BC-4A24-B361-A108AE58E0DA}" type="slidenum">
               <a:rPr lang="en-CA" smtClean="0"/>
-              <a:t>‹#›</a:t>
+              <a:t>‹N°›</a:t>
             </a:fld>
             <a:endParaRPr lang="en-CA"/>
           </a:p>
@@ -4858,7 +4858,7 @@
           <a:p>
             <a:fld id="{87879D38-739C-4925-B7A5-083048A51BCF}" type="datetime1">
               <a:rPr lang="en-CA" smtClean="0"/>
-              <a:t>2019-10-27</a:t>
+              <a:t>28/10/2019</a:t>
             </a:fld>
             <a:endParaRPr lang="en-CA"/>
           </a:p>
@@ -4900,7 +4900,7 @@
           <a:p>
             <a:fld id="{7A79C5EC-18BC-4A24-B361-A108AE58E0DA}" type="slidenum">
               <a:rPr lang="en-CA" smtClean="0"/>
-              <a:t>‹#›</a:t>
+              <a:t>‹N°›</a:t>
             </a:fld>
             <a:endParaRPr lang="en-CA"/>
           </a:p>
@@ -5115,7 +5115,7 @@
           <a:p>
             <a:fld id="{5CB32453-2ABB-469E-84B1-2EF374E0A396}" type="datetime1">
               <a:rPr lang="en-CA" smtClean="0"/>
-              <a:t>2019-10-27</a:t>
+              <a:t>28/10/2019</a:t>
             </a:fld>
             <a:endParaRPr lang="en-CA"/>
           </a:p>
@@ -5157,7 +5157,7 @@
           <a:p>
             <a:fld id="{7A79C5EC-18BC-4A24-B361-A108AE58E0DA}" type="slidenum">
               <a:rPr lang="en-CA" smtClean="0"/>
-              <a:t>‹#›</a:t>
+              <a:t>‹N°›</a:t>
             </a:fld>
             <a:endParaRPr lang="en-CA"/>
           </a:p>
@@ -5407,7 +5407,7 @@
           <a:p>
             <a:fld id="{8763D3DA-4EB6-48C5-AC23-1AD4298DC266}" type="datetime1">
               <a:rPr lang="en-CA" smtClean="0"/>
-              <a:t>2019-10-27</a:t>
+              <a:t>28/10/2019</a:t>
             </a:fld>
             <a:endParaRPr lang="en-CA"/>
           </a:p>
@@ -5449,7 +5449,7 @@
           <a:p>
             <a:fld id="{7A79C5EC-18BC-4A24-B361-A108AE58E0DA}" type="slidenum">
               <a:rPr lang="en-CA" smtClean="0"/>
-              <a:t>‹#›</a:t>
+              <a:t>‹N°›</a:t>
             </a:fld>
             <a:endParaRPr lang="en-CA"/>
           </a:p>
@@ -5842,7 +5842,7 @@
           <a:p>
             <a:fld id="{48A0CBC6-8EEC-4C5B-855E-FC0AC3E2B999}" type="datetime1">
               <a:rPr lang="en-CA" smtClean="0"/>
-              <a:t>2019-10-27</a:t>
+              <a:t>28/10/2019</a:t>
             </a:fld>
             <a:endParaRPr lang="en-CA"/>
           </a:p>
@@ -5884,7 +5884,7 @@
           <a:p>
             <a:fld id="{7A79C5EC-18BC-4A24-B361-A108AE58E0DA}" type="slidenum">
               <a:rPr lang="en-CA" smtClean="0"/>
-              <a:t>‹#›</a:t>
+              <a:t>‹N°›</a:t>
             </a:fld>
             <a:endParaRPr lang="en-CA"/>
           </a:p>
@@ -5965,7 +5965,7 @@
           <a:p>
             <a:fld id="{9EEC71B5-B980-4E9F-A4B7-6F039F2E9F91}" type="datetime1">
               <a:rPr lang="en-CA" smtClean="0"/>
-              <a:t>2019-10-27</a:t>
+              <a:t>28/10/2019</a:t>
             </a:fld>
             <a:endParaRPr lang="en-CA"/>
           </a:p>
@@ -6007,7 +6007,7 @@
           <a:p>
             <a:fld id="{7A79C5EC-18BC-4A24-B361-A108AE58E0DA}" type="slidenum">
               <a:rPr lang="en-CA" smtClean="0"/>
-              <a:t>‹#›</a:t>
+              <a:t>‹N°›</a:t>
             </a:fld>
             <a:endParaRPr lang="en-CA"/>
           </a:p>
@@ -6060,7 +6060,7 @@
           <a:p>
             <a:fld id="{8766990C-5B52-4FFB-85B6-3A3B8A858ACE}" type="datetime1">
               <a:rPr lang="en-CA" smtClean="0"/>
-              <a:t>2019-10-27</a:t>
+              <a:t>28/10/2019</a:t>
             </a:fld>
             <a:endParaRPr lang="en-CA"/>
           </a:p>
@@ -6102,7 +6102,7 @@
           <a:p>
             <a:fld id="{7A79C5EC-18BC-4A24-B361-A108AE58E0DA}" type="slidenum">
               <a:rPr lang="en-CA" smtClean="0"/>
-              <a:t>‹#›</a:t>
+              <a:t>‹N°›</a:t>
             </a:fld>
             <a:endParaRPr lang="en-CA"/>
           </a:p>
@@ -6343,7 +6343,7 @@
           <a:p>
             <a:fld id="{0A64F24D-BB6D-4632-A551-F1BA07DCC583}" type="datetime1">
               <a:rPr lang="en-CA" smtClean="0"/>
-              <a:t>2019-10-27</a:t>
+              <a:t>28/10/2019</a:t>
             </a:fld>
             <a:endParaRPr lang="en-CA"/>
           </a:p>
@@ -6385,7 +6385,7 @@
           <a:p>
             <a:fld id="{7A79C5EC-18BC-4A24-B361-A108AE58E0DA}" type="slidenum">
               <a:rPr lang="en-CA" smtClean="0"/>
-              <a:t>‹#›</a:t>
+              <a:t>‹N°›</a:t>
             </a:fld>
             <a:endParaRPr lang="en-CA"/>
           </a:p>
@@ -6639,7 +6639,7 @@
           <a:p>
             <a:fld id="{9CD94F31-78ED-4118-8A03-5ECFF722D99B}" type="datetime1">
               <a:rPr lang="en-CA" smtClean="0"/>
-              <a:t>2019-10-27</a:t>
+              <a:t>28/10/2019</a:t>
             </a:fld>
             <a:endParaRPr lang="en-CA"/>
           </a:p>
@@ -6691,7 +6691,7 @@
           <a:p>
             <a:fld id="{7A79C5EC-18BC-4A24-B361-A108AE58E0DA}" type="slidenum">
               <a:rPr lang="en-CA" smtClean="0"/>
-              <a:t>‹#›</a:t>
+              <a:t>‹N°›</a:t>
             </a:fld>
             <a:endParaRPr lang="en-CA"/>
           </a:p>
@@ -6870,7 +6870,7 @@
           <a:p>
             <a:fld id="{A69C0212-2374-4363-BC54-F8AF15393913}" type="datetime1">
               <a:rPr lang="en-CA" smtClean="0"/>
-              <a:t>2019-10-27</a:t>
+              <a:t>28/10/2019</a:t>
             </a:fld>
             <a:endParaRPr lang="en-CA"/>
           </a:p>
@@ -6964,7 +6964,7 @@
           <a:p>
             <a:fld id="{7A79C5EC-18BC-4A24-B361-A108AE58E0DA}" type="slidenum">
               <a:rPr lang="en-CA" smtClean="0"/>
-              <a:t>‹#›</a:t>
+              <a:t>‹N°›</a:t>
             </a:fld>
             <a:endParaRPr lang="en-CA"/>
           </a:p>
@@ -7673,7 +7673,7 @@
           <p:cNvPr id="2" name="Titre 1">
             <a:extLst>
               <a:ext uri="{FF2B5EF4-FFF2-40B4-BE49-F238E27FC236}">
-                <a16:creationId xmlns:a16="http://schemas.microsoft.com/office/drawing/2014/main" id="{847B2002-85EF-4E53-BF50-1164BFEF0883}"/>
+                <a16:creationId xmlns:a16="http://schemas.microsoft.com/office/drawing/2014/main" xmlns="" id="{847B2002-85EF-4E53-BF50-1164BFEF0883}"/>
               </a:ext>
             </a:extLst>
           </p:cNvPr>
@@ -7730,7 +7730,7 @@
           <p:cNvPr id="3" name="Sous-titre 2">
             <a:extLst>
               <a:ext uri="{FF2B5EF4-FFF2-40B4-BE49-F238E27FC236}">
-                <a16:creationId xmlns:a16="http://schemas.microsoft.com/office/drawing/2014/main" id="{416AE19E-D09D-48BF-8E65-4B07423D25C0}"/>
+                <a16:creationId xmlns:a16="http://schemas.microsoft.com/office/drawing/2014/main" xmlns="" id="{416AE19E-D09D-48BF-8E65-4B07423D25C0}"/>
               </a:ext>
             </a:extLst>
           </p:cNvPr>
@@ -7853,7 +7853,7 @@
           <p:cNvPr id="5" name="Image 4">
             <a:extLst>
               <a:ext uri="{FF2B5EF4-FFF2-40B4-BE49-F238E27FC236}">
-                <a16:creationId xmlns:a16="http://schemas.microsoft.com/office/drawing/2014/main" id="{8ADAC322-65B3-46FE-8895-FE260BE36AEA}"/>
+                <a16:creationId xmlns:a16="http://schemas.microsoft.com/office/drawing/2014/main" xmlns="" id="{8ADAC322-65B3-46FE-8895-FE260BE36AEA}"/>
               </a:ext>
             </a:extLst>
           </p:cNvPr>
@@ -7914,7 +7914,7 @@
           <p:cNvPr id="4" name="Espace réservé du numéro de diapositive 3">
             <a:extLst>
               <a:ext uri="{FF2B5EF4-FFF2-40B4-BE49-F238E27FC236}">
-                <a16:creationId xmlns:a16="http://schemas.microsoft.com/office/drawing/2014/main" id="{59029A7C-5E43-4C5D-B890-CE77C4ADA613}"/>
+                <a16:creationId xmlns:a16="http://schemas.microsoft.com/office/drawing/2014/main" xmlns="" id="{59029A7C-5E43-4C5D-B890-CE77C4ADA613}"/>
               </a:ext>
             </a:extLst>
           </p:cNvPr>
@@ -7973,7 +7973,7 @@
           <p:cNvPr id="2" name="Titre 1">
             <a:extLst>
               <a:ext uri="{FF2B5EF4-FFF2-40B4-BE49-F238E27FC236}">
-                <a16:creationId xmlns:a16="http://schemas.microsoft.com/office/drawing/2014/main" id="{847B2002-85EF-4E53-BF50-1164BFEF0883}"/>
+                <a16:creationId xmlns:a16="http://schemas.microsoft.com/office/drawing/2014/main" xmlns="" id="{847B2002-85EF-4E53-BF50-1164BFEF0883}"/>
               </a:ext>
             </a:extLst>
           </p:cNvPr>
@@ -8020,7 +8020,7 @@
           <p:cNvPr id="6" name="Image 5">
             <a:extLst>
               <a:ext uri="{FF2B5EF4-FFF2-40B4-BE49-F238E27FC236}">
-                <a16:creationId xmlns:a16="http://schemas.microsoft.com/office/drawing/2014/main" id="{45D547AC-FD75-4884-8CCB-15E6D9412640}"/>
+                <a16:creationId xmlns:a16="http://schemas.microsoft.com/office/drawing/2014/main" xmlns="" id="{45D547AC-FD75-4884-8CCB-15E6D9412640}"/>
               </a:ext>
             </a:extLst>
           </p:cNvPr>
@@ -8056,7 +8056,7 @@
           <p:cNvPr id="4" name="Espace réservé du numéro de diapositive 3">
             <a:extLst>
               <a:ext uri="{FF2B5EF4-FFF2-40B4-BE49-F238E27FC236}">
-                <a16:creationId xmlns:a16="http://schemas.microsoft.com/office/drawing/2014/main" id="{241321A1-5132-4284-A6AB-B4638E27C1F5}"/>
+                <a16:creationId xmlns:a16="http://schemas.microsoft.com/office/drawing/2014/main" xmlns="" id="{241321A1-5132-4284-A6AB-B4638E27C1F5}"/>
               </a:ext>
             </a:extLst>
           </p:cNvPr>
@@ -8085,7 +8085,7 @@
           <p:cNvPr id="5" name="Picture 4">
             <a:extLst>
               <a:ext uri="{FF2B5EF4-FFF2-40B4-BE49-F238E27FC236}">
-                <a16:creationId xmlns:a16="http://schemas.microsoft.com/office/drawing/2014/main" id="{DA525F0A-B5E7-4093-88D2-9B5B8DAC59C8}"/>
+                <a16:creationId xmlns:a16="http://schemas.microsoft.com/office/drawing/2014/main" xmlns="" id="{DA525F0A-B5E7-4093-88D2-9B5B8DAC59C8}"/>
               </a:ext>
             </a:extLst>
           </p:cNvPr>
@@ -8115,7 +8115,7 @@
           <p:cNvPr id="9" name="TextBox 8">
             <a:extLst>
               <a:ext uri="{FF2B5EF4-FFF2-40B4-BE49-F238E27FC236}">
-                <a16:creationId xmlns:a16="http://schemas.microsoft.com/office/drawing/2014/main" id="{DD3B1A5F-2E83-4269-AF61-60B129670591}"/>
+                <a16:creationId xmlns:a16="http://schemas.microsoft.com/office/drawing/2014/main" xmlns="" id="{DD3B1A5F-2E83-4269-AF61-60B129670591}"/>
               </a:ext>
             </a:extLst>
           </p:cNvPr>
@@ -8179,7 +8179,7 @@
           <p:cNvPr id="10" name="Picture 9">
             <a:extLst>
               <a:ext uri="{FF2B5EF4-FFF2-40B4-BE49-F238E27FC236}">
-                <a16:creationId xmlns:a16="http://schemas.microsoft.com/office/drawing/2014/main" id="{3A4F58E2-4B78-4A73-BB41-47559C13347D}"/>
+                <a16:creationId xmlns:a16="http://schemas.microsoft.com/office/drawing/2014/main" xmlns="" id="{3A4F58E2-4B78-4A73-BB41-47559C13347D}"/>
               </a:ext>
             </a:extLst>
           </p:cNvPr>
@@ -8239,7 +8239,7 @@
           <p:cNvPr id="2" name="Titre 1">
             <a:extLst>
               <a:ext uri="{FF2B5EF4-FFF2-40B4-BE49-F238E27FC236}">
-                <a16:creationId xmlns:a16="http://schemas.microsoft.com/office/drawing/2014/main" id="{847B2002-85EF-4E53-BF50-1164BFEF0883}"/>
+                <a16:creationId xmlns:a16="http://schemas.microsoft.com/office/drawing/2014/main" xmlns="" id="{847B2002-85EF-4E53-BF50-1164BFEF0883}"/>
               </a:ext>
             </a:extLst>
           </p:cNvPr>
@@ -8286,7 +8286,7 @@
           <p:cNvPr id="6" name="Image 5">
             <a:extLst>
               <a:ext uri="{FF2B5EF4-FFF2-40B4-BE49-F238E27FC236}">
-                <a16:creationId xmlns:a16="http://schemas.microsoft.com/office/drawing/2014/main" id="{45D547AC-FD75-4884-8CCB-15E6D9412640}"/>
+                <a16:creationId xmlns:a16="http://schemas.microsoft.com/office/drawing/2014/main" xmlns="" id="{45D547AC-FD75-4884-8CCB-15E6D9412640}"/>
               </a:ext>
             </a:extLst>
           </p:cNvPr>
@@ -8322,7 +8322,7 @@
           <p:cNvPr id="7" name="ZoneTexte 6">
             <a:extLst>
               <a:ext uri="{FF2B5EF4-FFF2-40B4-BE49-F238E27FC236}">
-                <a16:creationId xmlns:a16="http://schemas.microsoft.com/office/drawing/2014/main" id="{91FB25D9-30FE-4009-A340-75BB7ACF4219}"/>
+                <a16:creationId xmlns:a16="http://schemas.microsoft.com/office/drawing/2014/main" xmlns="" id="{91FB25D9-30FE-4009-A340-75BB7ACF4219}"/>
               </a:ext>
             </a:extLst>
           </p:cNvPr>
@@ -8373,7 +8373,7 @@
           <p:cNvPr id="3" name="Espace réservé du numéro de diapositive 2">
             <a:extLst>
               <a:ext uri="{FF2B5EF4-FFF2-40B4-BE49-F238E27FC236}">
-                <a16:creationId xmlns:a16="http://schemas.microsoft.com/office/drawing/2014/main" id="{DF6F4BED-0A26-49F2-9241-EFABF77C7EF1}"/>
+                <a16:creationId xmlns:a16="http://schemas.microsoft.com/office/drawing/2014/main" xmlns="" id="{DF6F4BED-0A26-49F2-9241-EFABF77C7EF1}"/>
               </a:ext>
             </a:extLst>
           </p:cNvPr>
@@ -8402,7 +8402,7 @@
           <p:cNvPr id="13" name="Picture 12" descr="A screenshot of a cell phone&#10;&#10;Description automatically generated">
             <a:extLst>
               <a:ext uri="{FF2B5EF4-FFF2-40B4-BE49-F238E27FC236}">
-                <a16:creationId xmlns:a16="http://schemas.microsoft.com/office/drawing/2014/main" id="{FB017821-4565-4B28-974C-E6532D1E152E}"/>
+                <a16:creationId xmlns:a16="http://schemas.microsoft.com/office/drawing/2014/main" xmlns="" id="{FB017821-4565-4B28-974C-E6532D1E152E}"/>
               </a:ext>
             </a:extLst>
           </p:cNvPr>
@@ -8438,7 +8438,7 @@
           <p:cNvPr id="11" name="Picture 10" descr="A screenshot of a cell phone&#10;&#10;Description automatically generated">
             <a:extLst>
               <a:ext uri="{FF2B5EF4-FFF2-40B4-BE49-F238E27FC236}">
-                <a16:creationId xmlns:a16="http://schemas.microsoft.com/office/drawing/2014/main" id="{D3B360F5-3A66-4DBB-AFD2-3081ADA70971}"/>
+                <a16:creationId xmlns:a16="http://schemas.microsoft.com/office/drawing/2014/main" xmlns="" id="{D3B360F5-3A66-4DBB-AFD2-3081ADA70971}"/>
               </a:ext>
             </a:extLst>
           </p:cNvPr>
@@ -8504,7 +8504,7 @@
           <p:cNvPr id="2" name="Titre 1">
             <a:extLst>
               <a:ext uri="{FF2B5EF4-FFF2-40B4-BE49-F238E27FC236}">
-                <a16:creationId xmlns:a16="http://schemas.microsoft.com/office/drawing/2014/main" id="{847B2002-85EF-4E53-BF50-1164BFEF0883}"/>
+                <a16:creationId xmlns:a16="http://schemas.microsoft.com/office/drawing/2014/main" xmlns="" id="{847B2002-85EF-4E53-BF50-1164BFEF0883}"/>
               </a:ext>
             </a:extLst>
           </p:cNvPr>
@@ -8551,7 +8551,7 @@
           <p:cNvPr id="6" name="Image 5">
             <a:extLst>
               <a:ext uri="{FF2B5EF4-FFF2-40B4-BE49-F238E27FC236}">
-                <a16:creationId xmlns:a16="http://schemas.microsoft.com/office/drawing/2014/main" id="{45D547AC-FD75-4884-8CCB-15E6D9412640}"/>
+                <a16:creationId xmlns:a16="http://schemas.microsoft.com/office/drawing/2014/main" xmlns="" id="{45D547AC-FD75-4884-8CCB-15E6D9412640}"/>
               </a:ext>
             </a:extLst>
           </p:cNvPr>
@@ -8587,7 +8587,7 @@
           <p:cNvPr id="7" name="ZoneTexte 6">
             <a:extLst>
               <a:ext uri="{FF2B5EF4-FFF2-40B4-BE49-F238E27FC236}">
-                <a16:creationId xmlns:a16="http://schemas.microsoft.com/office/drawing/2014/main" id="{91FB25D9-30FE-4009-A340-75BB7ACF4219}"/>
+                <a16:creationId xmlns:a16="http://schemas.microsoft.com/office/drawing/2014/main" xmlns="" id="{91FB25D9-30FE-4009-A340-75BB7ACF4219}"/>
               </a:ext>
             </a:extLst>
           </p:cNvPr>
@@ -8634,7 +8634,7 @@
           <p:cNvPr id="3" name="Espace réservé du numéro de diapositive 2">
             <a:extLst>
               <a:ext uri="{FF2B5EF4-FFF2-40B4-BE49-F238E27FC236}">
-                <a16:creationId xmlns:a16="http://schemas.microsoft.com/office/drawing/2014/main" id="{82FEFFD9-9FD6-4C3B-B093-BBE03C4FF225}"/>
+                <a16:creationId xmlns:a16="http://schemas.microsoft.com/office/drawing/2014/main" xmlns="" id="{82FEFFD9-9FD6-4C3B-B093-BBE03C4FF225}"/>
               </a:ext>
             </a:extLst>
           </p:cNvPr>
@@ -8663,7 +8663,7 @@
           <p:cNvPr id="11" name="Picture 10" descr="A screenshot of a cell phone&#10;&#10;Description automatically generated">
             <a:extLst>
               <a:ext uri="{FF2B5EF4-FFF2-40B4-BE49-F238E27FC236}">
-                <a16:creationId xmlns:a16="http://schemas.microsoft.com/office/drawing/2014/main" id="{030CE460-9A94-4AA1-B618-16C5AACBB9C5}"/>
+                <a16:creationId xmlns:a16="http://schemas.microsoft.com/office/drawing/2014/main" xmlns="" id="{030CE460-9A94-4AA1-B618-16C5AACBB9C5}"/>
               </a:ext>
             </a:extLst>
           </p:cNvPr>
@@ -8699,7 +8699,7 @@
           <p:cNvPr id="9" name="Picture 8" descr="A screenshot of a computer screen&#10;&#10;Description automatically generated">
             <a:extLst>
               <a:ext uri="{FF2B5EF4-FFF2-40B4-BE49-F238E27FC236}">
-                <a16:creationId xmlns:a16="http://schemas.microsoft.com/office/drawing/2014/main" id="{E4CFDCF6-7710-455C-AA37-A3651D0C770D}"/>
+                <a16:creationId xmlns:a16="http://schemas.microsoft.com/office/drawing/2014/main" xmlns="" id="{E4CFDCF6-7710-455C-AA37-A3651D0C770D}"/>
               </a:ext>
             </a:extLst>
           </p:cNvPr>
@@ -8765,7 +8765,7 @@
           <p:cNvPr id="2" name="Titre 1">
             <a:extLst>
               <a:ext uri="{FF2B5EF4-FFF2-40B4-BE49-F238E27FC236}">
-                <a16:creationId xmlns:a16="http://schemas.microsoft.com/office/drawing/2014/main" id="{847B2002-85EF-4E53-BF50-1164BFEF0883}"/>
+                <a16:creationId xmlns:a16="http://schemas.microsoft.com/office/drawing/2014/main" xmlns="" id="{847B2002-85EF-4E53-BF50-1164BFEF0883}"/>
               </a:ext>
             </a:extLst>
           </p:cNvPr>
@@ -8812,7 +8812,7 @@
           <p:cNvPr id="6" name="Image 5">
             <a:extLst>
               <a:ext uri="{FF2B5EF4-FFF2-40B4-BE49-F238E27FC236}">
-                <a16:creationId xmlns:a16="http://schemas.microsoft.com/office/drawing/2014/main" id="{45D547AC-FD75-4884-8CCB-15E6D9412640}"/>
+                <a16:creationId xmlns:a16="http://schemas.microsoft.com/office/drawing/2014/main" xmlns="" id="{45D547AC-FD75-4884-8CCB-15E6D9412640}"/>
               </a:ext>
             </a:extLst>
           </p:cNvPr>
@@ -8848,7 +8848,7 @@
           <p:cNvPr id="7" name="ZoneTexte 6">
             <a:extLst>
               <a:ext uri="{FF2B5EF4-FFF2-40B4-BE49-F238E27FC236}">
-                <a16:creationId xmlns:a16="http://schemas.microsoft.com/office/drawing/2014/main" id="{91FB25D9-30FE-4009-A340-75BB7ACF4219}"/>
+                <a16:creationId xmlns:a16="http://schemas.microsoft.com/office/drawing/2014/main" xmlns="" id="{91FB25D9-30FE-4009-A340-75BB7ACF4219}"/>
               </a:ext>
             </a:extLst>
           </p:cNvPr>
@@ -8884,7 +8884,7 @@
           <p:cNvPr id="8" name="Tableau 7">
             <a:extLst>
               <a:ext uri="{FF2B5EF4-FFF2-40B4-BE49-F238E27FC236}">
-                <a16:creationId xmlns:a16="http://schemas.microsoft.com/office/drawing/2014/main" id="{1747A867-5854-4EE2-A496-9D1D0FB7CC63}"/>
+                <a16:creationId xmlns:a16="http://schemas.microsoft.com/office/drawing/2014/main" xmlns="" id="{1747A867-5854-4EE2-A496-9D1D0FB7CC63}"/>
               </a:ext>
             </a:extLst>
           </p:cNvPr>
@@ -8913,14 +8913,14 @@
                 <a:gridCol w="4561958">
                   <a:extLst>
                     <a:ext uri="{9D8B030D-6E8A-4147-A177-3AD203B41FA5}">
-                      <a16:colId xmlns:a16="http://schemas.microsoft.com/office/drawing/2014/main" val="4198972695"/>
+                      <a16:colId xmlns:a16="http://schemas.microsoft.com/office/drawing/2014/main" xmlns="" val="4198972695"/>
                     </a:ext>
                   </a:extLst>
                 </a:gridCol>
                 <a:gridCol w="6453964">
                   <a:extLst>
                     <a:ext uri="{9D8B030D-6E8A-4147-A177-3AD203B41FA5}">
-                      <a16:colId xmlns:a16="http://schemas.microsoft.com/office/drawing/2014/main" val="2878343701"/>
+                      <a16:colId xmlns:a16="http://schemas.microsoft.com/office/drawing/2014/main" xmlns="" val="2878343701"/>
                     </a:ext>
                   </a:extLst>
                 </a:gridCol>
@@ -8954,7 +8954,7 @@
                 </a:tc>
                 <a:extLst>
                   <a:ext uri="{0D108BD9-81ED-4DB2-BD59-A6C34878D82A}">
-                    <a16:rowId xmlns:a16="http://schemas.microsoft.com/office/drawing/2014/main" val="4289731011"/>
+                    <a16:rowId xmlns:a16="http://schemas.microsoft.com/office/drawing/2014/main" xmlns="" val="4289731011"/>
                   </a:ext>
                 </a:extLst>
               </a:tr>
@@ -9026,7 +9026,7 @@
                 </a:tc>
                 <a:extLst>
                   <a:ext uri="{0D108BD9-81ED-4DB2-BD59-A6C34878D82A}">
-                    <a16:rowId xmlns:a16="http://schemas.microsoft.com/office/drawing/2014/main" val="2808465594"/>
+                    <a16:rowId xmlns:a16="http://schemas.microsoft.com/office/drawing/2014/main" xmlns="" val="2808465594"/>
                   </a:ext>
                 </a:extLst>
               </a:tr>
@@ -9067,7 +9067,7 @@
                 </a:tc>
                 <a:extLst>
                   <a:ext uri="{0D108BD9-81ED-4DB2-BD59-A6C34878D82A}">
-                    <a16:rowId xmlns:a16="http://schemas.microsoft.com/office/drawing/2014/main" val="3055264572"/>
+                    <a16:rowId xmlns:a16="http://schemas.microsoft.com/office/drawing/2014/main" xmlns="" val="3055264572"/>
                   </a:ext>
                 </a:extLst>
               </a:tr>
@@ -9120,7 +9120,7 @@
                 </a:tc>
                 <a:extLst>
                   <a:ext uri="{0D108BD9-81ED-4DB2-BD59-A6C34878D82A}">
-                    <a16:rowId xmlns:a16="http://schemas.microsoft.com/office/drawing/2014/main" val="989331345"/>
+                    <a16:rowId xmlns:a16="http://schemas.microsoft.com/office/drawing/2014/main" xmlns="" val="989331345"/>
                   </a:ext>
                 </a:extLst>
               </a:tr>
@@ -9161,7 +9161,7 @@
                 </a:tc>
                 <a:extLst>
                   <a:ext uri="{0D108BD9-81ED-4DB2-BD59-A6C34878D82A}">
-                    <a16:rowId xmlns:a16="http://schemas.microsoft.com/office/drawing/2014/main" val="3726166962"/>
+                    <a16:rowId xmlns:a16="http://schemas.microsoft.com/office/drawing/2014/main" xmlns="" val="3726166962"/>
                   </a:ext>
                 </a:extLst>
               </a:tr>
@@ -9174,7 +9174,7 @@
           <p:cNvPr id="9" name="Espace réservé du numéro de diapositive 8">
             <a:extLst>
               <a:ext uri="{FF2B5EF4-FFF2-40B4-BE49-F238E27FC236}">
-                <a16:creationId xmlns:a16="http://schemas.microsoft.com/office/drawing/2014/main" id="{D19D4068-8C69-4A18-A3F3-ECB46A0A7401}"/>
+                <a16:creationId xmlns:a16="http://schemas.microsoft.com/office/drawing/2014/main" xmlns="" id="{D19D4068-8C69-4A18-A3F3-ECB46A0A7401}"/>
               </a:ext>
             </a:extLst>
           </p:cNvPr>
@@ -9233,7 +9233,7 @@
           <p:cNvPr id="2" name="Titre 1">
             <a:extLst>
               <a:ext uri="{FF2B5EF4-FFF2-40B4-BE49-F238E27FC236}">
-                <a16:creationId xmlns:a16="http://schemas.microsoft.com/office/drawing/2014/main" id="{847B2002-85EF-4E53-BF50-1164BFEF0883}"/>
+                <a16:creationId xmlns:a16="http://schemas.microsoft.com/office/drawing/2014/main" xmlns="" id="{847B2002-85EF-4E53-BF50-1164BFEF0883}"/>
               </a:ext>
             </a:extLst>
           </p:cNvPr>
@@ -9280,7 +9280,7 @@
           <p:cNvPr id="6" name="Image 5">
             <a:extLst>
               <a:ext uri="{FF2B5EF4-FFF2-40B4-BE49-F238E27FC236}">
-                <a16:creationId xmlns:a16="http://schemas.microsoft.com/office/drawing/2014/main" id="{45D547AC-FD75-4884-8CCB-15E6D9412640}"/>
+                <a16:creationId xmlns:a16="http://schemas.microsoft.com/office/drawing/2014/main" xmlns="" id="{45D547AC-FD75-4884-8CCB-15E6D9412640}"/>
               </a:ext>
             </a:extLst>
           </p:cNvPr>
@@ -9316,7 +9316,7 @@
           <p:cNvPr id="7" name="ZoneTexte 6">
             <a:extLst>
               <a:ext uri="{FF2B5EF4-FFF2-40B4-BE49-F238E27FC236}">
-                <a16:creationId xmlns:a16="http://schemas.microsoft.com/office/drawing/2014/main" id="{91FB25D9-30FE-4009-A340-75BB7ACF4219}"/>
+                <a16:creationId xmlns:a16="http://schemas.microsoft.com/office/drawing/2014/main" xmlns="" id="{91FB25D9-30FE-4009-A340-75BB7ACF4219}"/>
               </a:ext>
             </a:extLst>
           </p:cNvPr>
@@ -9326,7 +9326,7 @@
         <p:spPr>
           <a:xfrm>
             <a:off x="584200" y="1153755"/>
-            <a:ext cx="10737850" cy="4801314"/>
+            <a:ext cx="10737850" cy="5909310"/>
           </a:xfrm>
           <a:prstGeom prst="rect">
             <a:avLst/>
@@ -9393,13 +9393,8 @@
             </a:pPr>
             <a:r>
               <a:rPr lang="fr-FR" dirty="0"/>
-              <a:t>L'absence de débogueur rend très difficile la programmation d'applications Web si vous êtes débutant. La communication entre les différents langages de programmation peut aussi nous compliquer </a:t>
-            </a:r>
-            <a:r>
-              <a:rPr lang="fr-FR"/>
-              <a:t>la tâche.</a:t>
-            </a:r>
-            <a:endParaRPr lang="fr-FR" dirty="0"/>
+              <a:t>L'absence de débogueur rend très difficile la programmation d'applications Web si vous êtes débutant. La communication entre les différents langages de programmation peut aussi nous compliquer la tâche.</a:t>
+            </a:r>
           </a:p>
           <a:p>
             <a:pPr marL="285750" lvl="0" indent="-285750" algn="just">
@@ -9415,7 +9410,11 @@
             </a:pPr>
             <a:r>
               <a:rPr lang="fr-FR" dirty="0"/>
-              <a:t>Nous voulons continuer à améliorer l'application pour la mettre en ligne.</a:t>
+              <a:t>Nous voulons continuer à améliorer l'application pour la mettre en ligne</a:t>
+            </a:r>
+            <a:r>
+              <a:rPr lang="fr-FR" dirty="0" smtClean="0"/>
+              <a:t>.</a:t>
             </a:r>
           </a:p>
           <a:p>
@@ -9430,6 +9429,31 @@
               <a:buFont typeface="Arial" panose="020B0604020202020204" pitchFamily="34" charset="0"/>
               <a:buChar char="•"/>
             </a:pPr>
+            <a:r>
+              <a:rPr lang="fr-CA" dirty="0"/>
+              <a:t>Les principales sources de revenus potentielles sont la vente de publicité et certaines associations avec des organismes communautaires.</a:t>
+            </a:r>
+            <a:endParaRPr lang="fr-FR" dirty="0" smtClean="0"/>
+          </a:p>
+          <a:p>
+            <a:pPr marL="285750" lvl="0" indent="-285750" algn="just">
+              <a:buFont typeface="Arial" panose="020B0604020202020204" pitchFamily="34" charset="0"/>
+              <a:buChar char="•"/>
+            </a:pPr>
+            <a:endParaRPr lang="fr-FR" dirty="0"/>
+          </a:p>
+          <a:p>
+            <a:pPr marL="285750" lvl="0" indent="-285750" algn="just">
+              <a:buFont typeface="Arial" panose="020B0604020202020204" pitchFamily="34" charset="0"/>
+              <a:buChar char="•"/>
+            </a:pPr>
+            <a:endParaRPr lang="fr-FR" dirty="0"/>
+          </a:p>
+          <a:p>
+            <a:pPr marL="285750" lvl="0" indent="-285750" algn="just">
+              <a:buFont typeface="Arial" panose="020B0604020202020204" pitchFamily="34" charset="0"/>
+              <a:buChar char="•"/>
+            </a:pPr>
             <a:endParaRPr lang="fr-CA" dirty="0"/>
           </a:p>
         </p:txBody>
@@ -9439,7 +9463,7 @@
           <p:cNvPr id="3" name="Espace réservé du numéro de diapositive 2">
             <a:extLst>
               <a:ext uri="{FF2B5EF4-FFF2-40B4-BE49-F238E27FC236}">
-                <a16:creationId xmlns:a16="http://schemas.microsoft.com/office/drawing/2014/main" id="{92744A74-79D9-4D3F-9BD2-1896BFDEE026}"/>
+                <a16:creationId xmlns:a16="http://schemas.microsoft.com/office/drawing/2014/main" xmlns="" id="{92744A74-79D9-4D3F-9BD2-1896BFDEE026}"/>
               </a:ext>
             </a:extLst>
           </p:cNvPr>
@@ -9498,7 +9522,7 @@
           <p:cNvPr id="2" name="Titre 1">
             <a:extLst>
               <a:ext uri="{FF2B5EF4-FFF2-40B4-BE49-F238E27FC236}">
-                <a16:creationId xmlns:a16="http://schemas.microsoft.com/office/drawing/2014/main" id="{847B2002-85EF-4E53-BF50-1164BFEF0883}"/>
+                <a16:creationId xmlns:a16="http://schemas.microsoft.com/office/drawing/2014/main" xmlns="" id="{847B2002-85EF-4E53-BF50-1164BFEF0883}"/>
               </a:ext>
             </a:extLst>
           </p:cNvPr>
@@ -9545,7 +9569,7 @@
           <p:cNvPr id="6" name="Image 5">
             <a:extLst>
               <a:ext uri="{FF2B5EF4-FFF2-40B4-BE49-F238E27FC236}">
-                <a16:creationId xmlns:a16="http://schemas.microsoft.com/office/drawing/2014/main" id="{45D547AC-FD75-4884-8CCB-15E6D9412640}"/>
+                <a16:creationId xmlns:a16="http://schemas.microsoft.com/office/drawing/2014/main" xmlns="" id="{45D547AC-FD75-4884-8CCB-15E6D9412640}"/>
               </a:ext>
             </a:extLst>
           </p:cNvPr>
@@ -9581,7 +9605,7 @@
           <p:cNvPr id="7" name="ZoneTexte 6">
             <a:extLst>
               <a:ext uri="{FF2B5EF4-FFF2-40B4-BE49-F238E27FC236}">
-                <a16:creationId xmlns:a16="http://schemas.microsoft.com/office/drawing/2014/main" id="{91FB25D9-30FE-4009-A340-75BB7ACF4219}"/>
+                <a16:creationId xmlns:a16="http://schemas.microsoft.com/office/drawing/2014/main" xmlns="" id="{91FB25D9-30FE-4009-A340-75BB7ACF4219}"/>
               </a:ext>
             </a:extLst>
           </p:cNvPr>
@@ -9618,7 +9642,7 @@
           <p:cNvPr id="3" name="Espace réservé du numéro de diapositive 2">
             <a:extLst>
               <a:ext uri="{FF2B5EF4-FFF2-40B4-BE49-F238E27FC236}">
-                <a16:creationId xmlns:a16="http://schemas.microsoft.com/office/drawing/2014/main" id="{71116F50-7596-4FBB-A012-D38ADA80BE75}"/>
+                <a16:creationId xmlns:a16="http://schemas.microsoft.com/office/drawing/2014/main" xmlns="" id="{71116F50-7596-4FBB-A012-D38ADA80BE75}"/>
               </a:ext>
             </a:extLst>
           </p:cNvPr>
@@ -9700,7 +9724,7 @@
           <p:cNvPr id="2" name="Titre 1">
             <a:extLst>
               <a:ext uri="{FF2B5EF4-FFF2-40B4-BE49-F238E27FC236}">
-                <a16:creationId xmlns:a16="http://schemas.microsoft.com/office/drawing/2014/main" id="{847B2002-85EF-4E53-BF50-1164BFEF0883}"/>
+                <a16:creationId xmlns:a16="http://schemas.microsoft.com/office/drawing/2014/main" xmlns="" id="{847B2002-85EF-4E53-BF50-1164BFEF0883}"/>
               </a:ext>
             </a:extLst>
           </p:cNvPr>
@@ -9749,7 +9773,7 @@
           <p:cNvPr id="6" name="Image 5">
             <a:extLst>
               <a:ext uri="{FF2B5EF4-FFF2-40B4-BE49-F238E27FC236}">
-                <a16:creationId xmlns:a16="http://schemas.microsoft.com/office/drawing/2014/main" id="{45D547AC-FD75-4884-8CCB-15E6D9412640}"/>
+                <a16:creationId xmlns:a16="http://schemas.microsoft.com/office/drawing/2014/main" xmlns="" id="{45D547AC-FD75-4884-8CCB-15E6D9412640}"/>
               </a:ext>
             </a:extLst>
           </p:cNvPr>
@@ -9785,7 +9809,7 @@
           <p:cNvPr id="11" name="ZoneTexte 10">
             <a:extLst>
               <a:ext uri="{FF2B5EF4-FFF2-40B4-BE49-F238E27FC236}">
-                <a16:creationId xmlns:a16="http://schemas.microsoft.com/office/drawing/2014/main" id="{2A9D3AE3-8A5D-42DA-AE55-24657E616430}"/>
+                <a16:creationId xmlns:a16="http://schemas.microsoft.com/office/drawing/2014/main" xmlns="" id="{2A9D3AE3-8A5D-42DA-AE55-24657E616430}"/>
               </a:ext>
             </a:extLst>
           </p:cNvPr>
@@ -10069,7 +10093,7 @@
           <p:cNvPr id="3" name="Espace réservé du numéro de diapositive 2">
             <a:extLst>
               <a:ext uri="{FF2B5EF4-FFF2-40B4-BE49-F238E27FC236}">
-                <a16:creationId xmlns:a16="http://schemas.microsoft.com/office/drawing/2014/main" id="{82BE3105-284A-4361-9E53-019FD39FBCAD}"/>
+                <a16:creationId xmlns:a16="http://schemas.microsoft.com/office/drawing/2014/main" xmlns="" id="{82BE3105-284A-4361-9E53-019FD39FBCAD}"/>
               </a:ext>
             </a:extLst>
           </p:cNvPr>
@@ -10151,7 +10175,7 @@
           <p:cNvPr id="2" name="Titre 1">
             <a:extLst>
               <a:ext uri="{FF2B5EF4-FFF2-40B4-BE49-F238E27FC236}">
-                <a16:creationId xmlns:a16="http://schemas.microsoft.com/office/drawing/2014/main" id="{847B2002-85EF-4E53-BF50-1164BFEF0883}"/>
+                <a16:creationId xmlns:a16="http://schemas.microsoft.com/office/drawing/2014/main" xmlns="" id="{847B2002-85EF-4E53-BF50-1164BFEF0883}"/>
               </a:ext>
             </a:extLst>
           </p:cNvPr>
@@ -10200,7 +10224,7 @@
           <p:cNvPr id="6" name="Image 5">
             <a:extLst>
               <a:ext uri="{FF2B5EF4-FFF2-40B4-BE49-F238E27FC236}">
-                <a16:creationId xmlns:a16="http://schemas.microsoft.com/office/drawing/2014/main" id="{45D547AC-FD75-4884-8CCB-15E6D9412640}"/>
+                <a16:creationId xmlns:a16="http://schemas.microsoft.com/office/drawing/2014/main" xmlns="" id="{45D547AC-FD75-4884-8CCB-15E6D9412640}"/>
               </a:ext>
             </a:extLst>
           </p:cNvPr>
@@ -10236,7 +10260,7 @@
           <p:cNvPr id="11" name="ZoneTexte 10">
             <a:extLst>
               <a:ext uri="{FF2B5EF4-FFF2-40B4-BE49-F238E27FC236}">
-                <a16:creationId xmlns:a16="http://schemas.microsoft.com/office/drawing/2014/main" id="{2A9D3AE3-8A5D-42DA-AE55-24657E616430}"/>
+                <a16:creationId xmlns:a16="http://schemas.microsoft.com/office/drawing/2014/main" xmlns="" id="{2A9D3AE3-8A5D-42DA-AE55-24657E616430}"/>
               </a:ext>
             </a:extLst>
           </p:cNvPr>
@@ -10316,7 +10340,7 @@
           <p:cNvPr id="14" name="Image 13">
             <a:extLst>
               <a:ext uri="{FF2B5EF4-FFF2-40B4-BE49-F238E27FC236}">
-                <a16:creationId xmlns:a16="http://schemas.microsoft.com/office/drawing/2014/main" id="{A8283403-4B3E-4BDD-BA55-AED6BD30D24A}"/>
+                <a16:creationId xmlns:a16="http://schemas.microsoft.com/office/drawing/2014/main" xmlns="" id="{A8283403-4B3E-4BDD-BA55-AED6BD30D24A}"/>
               </a:ext>
             </a:extLst>
           </p:cNvPr>
@@ -10346,7 +10370,7 @@
           <p:cNvPr id="15" name="Image 14">
             <a:extLst>
               <a:ext uri="{FF2B5EF4-FFF2-40B4-BE49-F238E27FC236}">
-                <a16:creationId xmlns:a16="http://schemas.microsoft.com/office/drawing/2014/main" id="{708FD9AC-12FA-4620-9ABC-5C18D9646232}"/>
+                <a16:creationId xmlns:a16="http://schemas.microsoft.com/office/drawing/2014/main" xmlns="" id="{708FD9AC-12FA-4620-9ABC-5C18D9646232}"/>
               </a:ext>
             </a:extLst>
           </p:cNvPr>
@@ -10376,7 +10400,7 @@
           <p:cNvPr id="16" name="Image 15">
             <a:extLst>
               <a:ext uri="{FF2B5EF4-FFF2-40B4-BE49-F238E27FC236}">
-                <a16:creationId xmlns:a16="http://schemas.microsoft.com/office/drawing/2014/main" id="{A34CEF4D-666E-41B4-B2D5-5690F6FD0343}"/>
+                <a16:creationId xmlns:a16="http://schemas.microsoft.com/office/drawing/2014/main" xmlns="" id="{A34CEF4D-666E-41B4-B2D5-5690F6FD0343}"/>
               </a:ext>
             </a:extLst>
           </p:cNvPr>
@@ -10406,7 +10430,7 @@
           <p:cNvPr id="17" name="Image 16">
             <a:extLst>
               <a:ext uri="{FF2B5EF4-FFF2-40B4-BE49-F238E27FC236}">
-                <a16:creationId xmlns:a16="http://schemas.microsoft.com/office/drawing/2014/main" id="{EB473C96-26A7-448B-B5D7-06091DDF2585}"/>
+                <a16:creationId xmlns:a16="http://schemas.microsoft.com/office/drawing/2014/main" xmlns="" id="{EB473C96-26A7-448B-B5D7-06091DDF2585}"/>
               </a:ext>
             </a:extLst>
           </p:cNvPr>
@@ -10436,7 +10460,7 @@
           <p:cNvPr id="18" name="Image 17">
             <a:extLst>
               <a:ext uri="{FF2B5EF4-FFF2-40B4-BE49-F238E27FC236}">
-                <a16:creationId xmlns:a16="http://schemas.microsoft.com/office/drawing/2014/main" id="{7FE01B9C-DE9C-4F06-8C6E-055C557AC176}"/>
+                <a16:creationId xmlns:a16="http://schemas.microsoft.com/office/drawing/2014/main" xmlns="" id="{7FE01B9C-DE9C-4F06-8C6E-055C557AC176}"/>
               </a:ext>
             </a:extLst>
           </p:cNvPr>
@@ -10466,7 +10490,7 @@
           <p:cNvPr id="19" name="Image 18">
             <a:extLst>
               <a:ext uri="{FF2B5EF4-FFF2-40B4-BE49-F238E27FC236}">
-                <a16:creationId xmlns:a16="http://schemas.microsoft.com/office/drawing/2014/main" id="{79FBD1E3-F7CD-4456-8A6B-43D1423FAD9D}"/>
+                <a16:creationId xmlns:a16="http://schemas.microsoft.com/office/drawing/2014/main" xmlns="" id="{79FBD1E3-F7CD-4456-8A6B-43D1423FAD9D}"/>
               </a:ext>
             </a:extLst>
           </p:cNvPr>
@@ -10496,7 +10520,7 @@
           <p:cNvPr id="20" name="Image 19">
             <a:extLst>
               <a:ext uri="{FF2B5EF4-FFF2-40B4-BE49-F238E27FC236}">
-                <a16:creationId xmlns:a16="http://schemas.microsoft.com/office/drawing/2014/main" id="{4051ADFE-A055-4A8D-8ED0-10FC57F922E8}"/>
+                <a16:creationId xmlns:a16="http://schemas.microsoft.com/office/drawing/2014/main" xmlns="" id="{4051ADFE-A055-4A8D-8ED0-10FC57F922E8}"/>
               </a:ext>
             </a:extLst>
           </p:cNvPr>
@@ -10526,7 +10550,7 @@
           <p:cNvPr id="21" name="Image 20">
             <a:extLst>
               <a:ext uri="{FF2B5EF4-FFF2-40B4-BE49-F238E27FC236}">
-                <a16:creationId xmlns:a16="http://schemas.microsoft.com/office/drawing/2014/main" id="{7AD9136E-425C-4E23-9D49-D234E24E20AD}"/>
+                <a16:creationId xmlns:a16="http://schemas.microsoft.com/office/drawing/2014/main" xmlns="" id="{7AD9136E-425C-4E23-9D49-D234E24E20AD}"/>
               </a:ext>
             </a:extLst>
           </p:cNvPr>
@@ -10556,7 +10580,7 @@
           <p:cNvPr id="22" name="Image 21">
             <a:extLst>
               <a:ext uri="{FF2B5EF4-FFF2-40B4-BE49-F238E27FC236}">
-                <a16:creationId xmlns:a16="http://schemas.microsoft.com/office/drawing/2014/main" id="{2EB9E1C1-6649-45EF-9546-D4FFA8FDFB96}"/>
+                <a16:creationId xmlns:a16="http://schemas.microsoft.com/office/drawing/2014/main" xmlns="" id="{2EB9E1C1-6649-45EF-9546-D4FFA8FDFB96}"/>
               </a:ext>
             </a:extLst>
           </p:cNvPr>
@@ -10586,7 +10610,7 @@
           <p:cNvPr id="3" name="Espace réservé du numéro de diapositive 2">
             <a:extLst>
               <a:ext uri="{FF2B5EF4-FFF2-40B4-BE49-F238E27FC236}">
-                <a16:creationId xmlns:a16="http://schemas.microsoft.com/office/drawing/2014/main" id="{732E5B10-6120-4129-843F-A5755C782E37}"/>
+                <a16:creationId xmlns:a16="http://schemas.microsoft.com/office/drawing/2014/main" xmlns="" id="{732E5B10-6120-4129-843F-A5755C782E37}"/>
               </a:ext>
             </a:extLst>
           </p:cNvPr>
@@ -10668,7 +10692,7 @@
           <p:cNvPr id="2" name="Titre 1">
             <a:extLst>
               <a:ext uri="{FF2B5EF4-FFF2-40B4-BE49-F238E27FC236}">
-                <a16:creationId xmlns:a16="http://schemas.microsoft.com/office/drawing/2014/main" id="{847B2002-85EF-4E53-BF50-1164BFEF0883}"/>
+                <a16:creationId xmlns:a16="http://schemas.microsoft.com/office/drawing/2014/main" xmlns="" id="{847B2002-85EF-4E53-BF50-1164BFEF0883}"/>
               </a:ext>
             </a:extLst>
           </p:cNvPr>
@@ -10717,7 +10741,7 @@
           <p:cNvPr id="6" name="Image 5">
             <a:extLst>
               <a:ext uri="{FF2B5EF4-FFF2-40B4-BE49-F238E27FC236}">
-                <a16:creationId xmlns:a16="http://schemas.microsoft.com/office/drawing/2014/main" id="{45D547AC-FD75-4884-8CCB-15E6D9412640}"/>
+                <a16:creationId xmlns:a16="http://schemas.microsoft.com/office/drawing/2014/main" xmlns="" id="{45D547AC-FD75-4884-8CCB-15E6D9412640}"/>
               </a:ext>
             </a:extLst>
           </p:cNvPr>
@@ -10753,7 +10777,7 @@
           <p:cNvPr id="11" name="ZoneTexte 10">
             <a:extLst>
               <a:ext uri="{FF2B5EF4-FFF2-40B4-BE49-F238E27FC236}">
-                <a16:creationId xmlns:a16="http://schemas.microsoft.com/office/drawing/2014/main" id="{2A9D3AE3-8A5D-42DA-AE55-24657E616430}"/>
+                <a16:creationId xmlns:a16="http://schemas.microsoft.com/office/drawing/2014/main" xmlns="" id="{2A9D3AE3-8A5D-42DA-AE55-24657E616430}"/>
               </a:ext>
             </a:extLst>
           </p:cNvPr>
@@ -10853,7 +10877,7 @@
           <p:cNvPr id="3" name="Espace réservé du numéro de diapositive 2">
             <a:extLst>
               <a:ext uri="{FF2B5EF4-FFF2-40B4-BE49-F238E27FC236}">
-                <a16:creationId xmlns:a16="http://schemas.microsoft.com/office/drawing/2014/main" id="{732E5B10-6120-4129-843F-A5755C782E37}"/>
+                <a16:creationId xmlns:a16="http://schemas.microsoft.com/office/drawing/2014/main" xmlns="" id="{732E5B10-6120-4129-843F-A5755C782E37}"/>
               </a:ext>
             </a:extLst>
           </p:cNvPr>
@@ -10887,7 +10911,7 @@
           <p:cNvPr id="5" name="Image 4">
             <a:extLst>
               <a:ext uri="{FF2B5EF4-FFF2-40B4-BE49-F238E27FC236}">
-                <a16:creationId xmlns:a16="http://schemas.microsoft.com/office/drawing/2014/main" id="{1A052849-2A0C-4AAB-AF45-5D891269409A}"/>
+                <a16:creationId xmlns:a16="http://schemas.microsoft.com/office/drawing/2014/main" xmlns="" id="{1A052849-2A0C-4AAB-AF45-5D891269409A}"/>
               </a:ext>
             </a:extLst>
           </p:cNvPr>
@@ -10953,7 +10977,7 @@
           <p:cNvPr id="2" name="Titre 1">
             <a:extLst>
               <a:ext uri="{FF2B5EF4-FFF2-40B4-BE49-F238E27FC236}">
-                <a16:creationId xmlns:a16="http://schemas.microsoft.com/office/drawing/2014/main" id="{847B2002-85EF-4E53-BF50-1164BFEF0883}"/>
+                <a16:creationId xmlns:a16="http://schemas.microsoft.com/office/drawing/2014/main" xmlns="" id="{847B2002-85EF-4E53-BF50-1164BFEF0883}"/>
               </a:ext>
             </a:extLst>
           </p:cNvPr>
@@ -11002,7 +11026,7 @@
           <p:cNvPr id="6" name="Image 5">
             <a:extLst>
               <a:ext uri="{FF2B5EF4-FFF2-40B4-BE49-F238E27FC236}">
-                <a16:creationId xmlns:a16="http://schemas.microsoft.com/office/drawing/2014/main" id="{45D547AC-FD75-4884-8CCB-15E6D9412640}"/>
+                <a16:creationId xmlns:a16="http://schemas.microsoft.com/office/drawing/2014/main" xmlns="" id="{45D547AC-FD75-4884-8CCB-15E6D9412640}"/>
               </a:ext>
             </a:extLst>
           </p:cNvPr>
@@ -11038,7 +11062,7 @@
           <p:cNvPr id="7" name="ZoneTexte 6">
             <a:extLst>
               <a:ext uri="{FF2B5EF4-FFF2-40B4-BE49-F238E27FC236}">
-                <a16:creationId xmlns:a16="http://schemas.microsoft.com/office/drawing/2014/main" id="{91FB25D9-30FE-4009-A340-75BB7ACF4219}"/>
+                <a16:creationId xmlns:a16="http://schemas.microsoft.com/office/drawing/2014/main" xmlns="" id="{91FB25D9-30FE-4009-A340-75BB7ACF4219}"/>
               </a:ext>
             </a:extLst>
           </p:cNvPr>
@@ -11134,7 +11158,7 @@
           <p:cNvPr id="17" name="Image 16">
             <a:extLst>
               <a:ext uri="{FF2B5EF4-FFF2-40B4-BE49-F238E27FC236}">
-                <a16:creationId xmlns:a16="http://schemas.microsoft.com/office/drawing/2014/main" id="{F52C5B31-4FFC-4B0A-A56C-7BAB614A6BAB}"/>
+                <a16:creationId xmlns:a16="http://schemas.microsoft.com/office/drawing/2014/main" xmlns="" id="{F52C5B31-4FFC-4B0A-A56C-7BAB614A6BAB}"/>
               </a:ext>
             </a:extLst>
           </p:cNvPr>
@@ -11164,7 +11188,7 @@
           <p:cNvPr id="18" name="Image 17">
             <a:extLst>
               <a:ext uri="{FF2B5EF4-FFF2-40B4-BE49-F238E27FC236}">
-                <a16:creationId xmlns:a16="http://schemas.microsoft.com/office/drawing/2014/main" id="{9608F96E-99F0-43CE-9CD2-AF6787836527}"/>
+                <a16:creationId xmlns:a16="http://schemas.microsoft.com/office/drawing/2014/main" xmlns="" id="{9608F96E-99F0-43CE-9CD2-AF6787836527}"/>
               </a:ext>
             </a:extLst>
           </p:cNvPr>
@@ -11194,7 +11218,7 @@
           <p:cNvPr id="3" name="Espace réservé du numéro de diapositive 2">
             <a:extLst>
               <a:ext uri="{FF2B5EF4-FFF2-40B4-BE49-F238E27FC236}">
-                <a16:creationId xmlns:a16="http://schemas.microsoft.com/office/drawing/2014/main" id="{BC62C326-C9BA-4DCF-9F98-A0D0CD1BAED1}"/>
+                <a16:creationId xmlns:a16="http://schemas.microsoft.com/office/drawing/2014/main" xmlns="" id="{BC62C326-C9BA-4DCF-9F98-A0D0CD1BAED1}"/>
               </a:ext>
             </a:extLst>
           </p:cNvPr>
@@ -11253,7 +11277,7 @@
           <p:cNvPr id="2" name="Titre 1">
             <a:extLst>
               <a:ext uri="{FF2B5EF4-FFF2-40B4-BE49-F238E27FC236}">
-                <a16:creationId xmlns:a16="http://schemas.microsoft.com/office/drawing/2014/main" id="{847B2002-85EF-4E53-BF50-1164BFEF0883}"/>
+                <a16:creationId xmlns:a16="http://schemas.microsoft.com/office/drawing/2014/main" xmlns="" id="{847B2002-85EF-4E53-BF50-1164BFEF0883}"/>
               </a:ext>
             </a:extLst>
           </p:cNvPr>
@@ -11302,7 +11326,7 @@
           <p:cNvPr id="6" name="Image 5">
             <a:extLst>
               <a:ext uri="{FF2B5EF4-FFF2-40B4-BE49-F238E27FC236}">
-                <a16:creationId xmlns:a16="http://schemas.microsoft.com/office/drawing/2014/main" id="{45D547AC-FD75-4884-8CCB-15E6D9412640}"/>
+                <a16:creationId xmlns:a16="http://schemas.microsoft.com/office/drawing/2014/main" xmlns="" id="{45D547AC-FD75-4884-8CCB-15E6D9412640}"/>
               </a:ext>
             </a:extLst>
           </p:cNvPr>
@@ -11338,7 +11362,7 @@
           <p:cNvPr id="5" name="Image 4">
             <a:extLst>
               <a:ext uri="{FF2B5EF4-FFF2-40B4-BE49-F238E27FC236}">
-                <a16:creationId xmlns:a16="http://schemas.microsoft.com/office/drawing/2014/main" id="{5F93B43B-6A13-4679-9256-D33D76750887}"/>
+                <a16:creationId xmlns:a16="http://schemas.microsoft.com/office/drawing/2014/main" xmlns="" id="{5F93B43B-6A13-4679-9256-D33D76750887}"/>
               </a:ext>
             </a:extLst>
           </p:cNvPr>
@@ -11374,7 +11398,7 @@
           <p:cNvPr id="8" name="Image 7">
             <a:extLst>
               <a:ext uri="{FF2B5EF4-FFF2-40B4-BE49-F238E27FC236}">
-                <a16:creationId xmlns:a16="http://schemas.microsoft.com/office/drawing/2014/main" id="{1678EAF0-D55A-4C9E-979D-A79B28F8BB5A}"/>
+                <a16:creationId xmlns:a16="http://schemas.microsoft.com/office/drawing/2014/main" xmlns="" id="{1678EAF0-D55A-4C9E-979D-A79B28F8BB5A}"/>
               </a:ext>
             </a:extLst>
           </p:cNvPr>
@@ -11410,7 +11434,7 @@
           <p:cNvPr id="10" name="Image 9">
             <a:extLst>
               <a:ext uri="{FF2B5EF4-FFF2-40B4-BE49-F238E27FC236}">
-                <a16:creationId xmlns:a16="http://schemas.microsoft.com/office/drawing/2014/main" id="{0328837E-D733-42C0-AABA-65225BB0F698}"/>
+                <a16:creationId xmlns:a16="http://schemas.microsoft.com/office/drawing/2014/main" xmlns="" id="{0328837E-D733-42C0-AABA-65225BB0F698}"/>
               </a:ext>
             </a:extLst>
           </p:cNvPr>
@@ -11446,7 +11470,7 @@
           <p:cNvPr id="12" name="Image 11">
             <a:extLst>
               <a:ext uri="{FF2B5EF4-FFF2-40B4-BE49-F238E27FC236}">
-                <a16:creationId xmlns:a16="http://schemas.microsoft.com/office/drawing/2014/main" id="{6C63FD2B-36E5-47BE-A6BD-66A4167C7A55}"/>
+                <a16:creationId xmlns:a16="http://schemas.microsoft.com/office/drawing/2014/main" xmlns="" id="{6C63FD2B-36E5-47BE-A6BD-66A4167C7A55}"/>
               </a:ext>
             </a:extLst>
           </p:cNvPr>
@@ -11482,7 +11506,7 @@
           <p:cNvPr id="14" name="Image 13">
             <a:extLst>
               <a:ext uri="{FF2B5EF4-FFF2-40B4-BE49-F238E27FC236}">
-                <a16:creationId xmlns:a16="http://schemas.microsoft.com/office/drawing/2014/main" id="{C2E6D974-8439-4A20-B673-B14110C19F75}"/>
+                <a16:creationId xmlns:a16="http://schemas.microsoft.com/office/drawing/2014/main" xmlns="" id="{C2E6D974-8439-4A20-B673-B14110C19F75}"/>
               </a:ext>
             </a:extLst>
           </p:cNvPr>
@@ -11518,7 +11542,7 @@
           <p:cNvPr id="16" name="Image 15">
             <a:extLst>
               <a:ext uri="{FF2B5EF4-FFF2-40B4-BE49-F238E27FC236}">
-                <a16:creationId xmlns:a16="http://schemas.microsoft.com/office/drawing/2014/main" id="{2E2A93CD-5150-4819-BE10-6868274EBB4D}"/>
+                <a16:creationId xmlns:a16="http://schemas.microsoft.com/office/drawing/2014/main" xmlns="" id="{2E2A93CD-5150-4819-BE10-6868274EBB4D}"/>
               </a:ext>
             </a:extLst>
           </p:cNvPr>
@@ -11554,7 +11578,7 @@
           <p:cNvPr id="18" name="Image 17">
             <a:extLst>
               <a:ext uri="{FF2B5EF4-FFF2-40B4-BE49-F238E27FC236}">
-                <a16:creationId xmlns:a16="http://schemas.microsoft.com/office/drawing/2014/main" id="{1A00E8A8-2B1D-48CA-BC45-287084143CA1}"/>
+                <a16:creationId xmlns:a16="http://schemas.microsoft.com/office/drawing/2014/main" xmlns="" id="{1A00E8A8-2B1D-48CA-BC45-287084143CA1}"/>
               </a:ext>
             </a:extLst>
           </p:cNvPr>
@@ -11590,7 +11614,7 @@
           <p:cNvPr id="20" name="Image 19">
             <a:extLst>
               <a:ext uri="{FF2B5EF4-FFF2-40B4-BE49-F238E27FC236}">
-                <a16:creationId xmlns:a16="http://schemas.microsoft.com/office/drawing/2014/main" id="{7DD675E1-7B96-4DFE-9EA5-6294560FCBF9}"/>
+                <a16:creationId xmlns:a16="http://schemas.microsoft.com/office/drawing/2014/main" xmlns="" id="{7DD675E1-7B96-4DFE-9EA5-6294560FCBF9}"/>
               </a:ext>
             </a:extLst>
           </p:cNvPr>
@@ -11626,7 +11650,7 @@
           <p:cNvPr id="22" name="Image 21">
             <a:extLst>
               <a:ext uri="{FF2B5EF4-FFF2-40B4-BE49-F238E27FC236}">
-                <a16:creationId xmlns:a16="http://schemas.microsoft.com/office/drawing/2014/main" id="{151E1314-759B-474B-BAF6-22FAB072BDC1}"/>
+                <a16:creationId xmlns:a16="http://schemas.microsoft.com/office/drawing/2014/main" xmlns="" id="{151E1314-759B-474B-BAF6-22FAB072BDC1}"/>
               </a:ext>
             </a:extLst>
           </p:cNvPr>
@@ -11662,7 +11686,7 @@
           <p:cNvPr id="24" name="Image 23">
             <a:extLst>
               <a:ext uri="{FF2B5EF4-FFF2-40B4-BE49-F238E27FC236}">
-                <a16:creationId xmlns:a16="http://schemas.microsoft.com/office/drawing/2014/main" id="{EDE8177F-D97D-4CED-BC15-8F2367A491A1}"/>
+                <a16:creationId xmlns:a16="http://schemas.microsoft.com/office/drawing/2014/main" xmlns="" id="{EDE8177F-D97D-4CED-BC15-8F2367A491A1}"/>
               </a:ext>
             </a:extLst>
           </p:cNvPr>
@@ -11698,7 +11722,7 @@
           <p:cNvPr id="26" name="Image 25">
             <a:extLst>
               <a:ext uri="{FF2B5EF4-FFF2-40B4-BE49-F238E27FC236}">
-                <a16:creationId xmlns:a16="http://schemas.microsoft.com/office/drawing/2014/main" id="{760B0038-13A3-425B-9B79-95EEC3698A40}"/>
+                <a16:creationId xmlns:a16="http://schemas.microsoft.com/office/drawing/2014/main" xmlns="" id="{760B0038-13A3-425B-9B79-95EEC3698A40}"/>
               </a:ext>
             </a:extLst>
           </p:cNvPr>
@@ -11734,7 +11758,7 @@
           <p:cNvPr id="28" name="Image 27">
             <a:extLst>
               <a:ext uri="{FF2B5EF4-FFF2-40B4-BE49-F238E27FC236}">
-                <a16:creationId xmlns:a16="http://schemas.microsoft.com/office/drawing/2014/main" id="{E3E46E22-63BB-4717-BA8B-DD9B268E5701}"/>
+                <a16:creationId xmlns:a16="http://schemas.microsoft.com/office/drawing/2014/main" xmlns="" id="{E3E46E22-63BB-4717-BA8B-DD9B268E5701}"/>
               </a:ext>
             </a:extLst>
           </p:cNvPr>
@@ -11770,7 +11794,7 @@
           <p:cNvPr id="30" name="Image 29">
             <a:extLst>
               <a:ext uri="{FF2B5EF4-FFF2-40B4-BE49-F238E27FC236}">
-                <a16:creationId xmlns:a16="http://schemas.microsoft.com/office/drawing/2014/main" id="{F8493397-6232-4793-94D1-649F3BE10310}"/>
+                <a16:creationId xmlns:a16="http://schemas.microsoft.com/office/drawing/2014/main" xmlns="" id="{F8493397-6232-4793-94D1-649F3BE10310}"/>
               </a:ext>
             </a:extLst>
           </p:cNvPr>
@@ -11806,7 +11830,7 @@
           <p:cNvPr id="33" name="Rectangle 32">
             <a:extLst>
               <a:ext uri="{FF2B5EF4-FFF2-40B4-BE49-F238E27FC236}">
-                <a16:creationId xmlns:a16="http://schemas.microsoft.com/office/drawing/2014/main" id="{3935108A-B52A-4FA3-8ECB-24DB1CFDFF05}"/>
+                <a16:creationId xmlns:a16="http://schemas.microsoft.com/office/drawing/2014/main" xmlns="" id="{3935108A-B52A-4FA3-8ECB-24DB1CFDFF05}"/>
               </a:ext>
             </a:extLst>
           </p:cNvPr>
@@ -11933,7 +11957,7 @@
           <p:cNvPr id="3" name="Espace réservé du numéro de diapositive 2">
             <a:extLst>
               <a:ext uri="{FF2B5EF4-FFF2-40B4-BE49-F238E27FC236}">
-                <a16:creationId xmlns:a16="http://schemas.microsoft.com/office/drawing/2014/main" id="{D87DD88E-0C01-4825-A360-95CA1067C517}"/>
+                <a16:creationId xmlns:a16="http://schemas.microsoft.com/office/drawing/2014/main" xmlns="" id="{D87DD88E-0C01-4825-A360-95CA1067C517}"/>
               </a:ext>
             </a:extLst>
           </p:cNvPr>
@@ -11992,7 +12016,7 @@
           <p:cNvPr id="2" name="Titre 1">
             <a:extLst>
               <a:ext uri="{FF2B5EF4-FFF2-40B4-BE49-F238E27FC236}">
-                <a16:creationId xmlns:a16="http://schemas.microsoft.com/office/drawing/2014/main" id="{847B2002-85EF-4E53-BF50-1164BFEF0883}"/>
+                <a16:creationId xmlns:a16="http://schemas.microsoft.com/office/drawing/2014/main" xmlns="" id="{847B2002-85EF-4E53-BF50-1164BFEF0883}"/>
               </a:ext>
             </a:extLst>
           </p:cNvPr>
@@ -12041,7 +12065,7 @@
           <p:cNvPr id="6" name="Image 5">
             <a:extLst>
               <a:ext uri="{FF2B5EF4-FFF2-40B4-BE49-F238E27FC236}">
-                <a16:creationId xmlns:a16="http://schemas.microsoft.com/office/drawing/2014/main" id="{45D547AC-FD75-4884-8CCB-15E6D9412640}"/>
+                <a16:creationId xmlns:a16="http://schemas.microsoft.com/office/drawing/2014/main" xmlns="" id="{45D547AC-FD75-4884-8CCB-15E6D9412640}"/>
               </a:ext>
             </a:extLst>
           </p:cNvPr>
@@ -12077,7 +12101,7 @@
           <p:cNvPr id="7" name="ZoneTexte 6">
             <a:extLst>
               <a:ext uri="{FF2B5EF4-FFF2-40B4-BE49-F238E27FC236}">
-                <a16:creationId xmlns:a16="http://schemas.microsoft.com/office/drawing/2014/main" id="{91FB25D9-30FE-4009-A340-75BB7ACF4219}"/>
+                <a16:creationId xmlns:a16="http://schemas.microsoft.com/office/drawing/2014/main" xmlns="" id="{91FB25D9-30FE-4009-A340-75BB7ACF4219}"/>
               </a:ext>
             </a:extLst>
           </p:cNvPr>
@@ -12121,7 +12145,7 @@
           <p:cNvPr id="4" name="Image 3">
             <a:extLst>
               <a:ext uri="{FF2B5EF4-FFF2-40B4-BE49-F238E27FC236}">
-                <a16:creationId xmlns:a16="http://schemas.microsoft.com/office/drawing/2014/main" id="{89B2994E-5707-477E-9E1B-C7D1DE580504}"/>
+                <a16:creationId xmlns:a16="http://schemas.microsoft.com/office/drawing/2014/main" xmlns="" id="{89B2994E-5707-477E-9E1B-C7D1DE580504}"/>
               </a:ext>
             </a:extLst>
           </p:cNvPr>
@@ -12157,7 +12181,7 @@
           <p:cNvPr id="3" name="Espace réservé du numéro de diapositive 2">
             <a:extLst>
               <a:ext uri="{FF2B5EF4-FFF2-40B4-BE49-F238E27FC236}">
-                <a16:creationId xmlns:a16="http://schemas.microsoft.com/office/drawing/2014/main" id="{BD5E13AC-C742-465A-9068-304287B963A9}"/>
+                <a16:creationId xmlns:a16="http://schemas.microsoft.com/office/drawing/2014/main" xmlns="" id="{BD5E13AC-C742-465A-9068-304287B963A9}"/>
               </a:ext>
             </a:extLst>
           </p:cNvPr>
@@ -12216,7 +12240,7 @@
           <p:cNvPr id="2" name="Titre 1">
             <a:extLst>
               <a:ext uri="{FF2B5EF4-FFF2-40B4-BE49-F238E27FC236}">
-                <a16:creationId xmlns:a16="http://schemas.microsoft.com/office/drawing/2014/main" id="{847B2002-85EF-4E53-BF50-1164BFEF0883}"/>
+                <a16:creationId xmlns:a16="http://schemas.microsoft.com/office/drawing/2014/main" xmlns="" id="{847B2002-85EF-4E53-BF50-1164BFEF0883}"/>
               </a:ext>
             </a:extLst>
           </p:cNvPr>
@@ -12269,7 +12293,7 @@
           <p:cNvPr id="6" name="Image 5">
             <a:extLst>
               <a:ext uri="{FF2B5EF4-FFF2-40B4-BE49-F238E27FC236}">
-                <a16:creationId xmlns:a16="http://schemas.microsoft.com/office/drawing/2014/main" id="{45D547AC-FD75-4884-8CCB-15E6D9412640}"/>
+                <a16:creationId xmlns:a16="http://schemas.microsoft.com/office/drawing/2014/main" xmlns="" id="{45D547AC-FD75-4884-8CCB-15E6D9412640}"/>
               </a:ext>
             </a:extLst>
           </p:cNvPr>
@@ -12305,7 +12329,7 @@
           <p:cNvPr id="7" name="ZoneTexte 6">
             <a:extLst>
               <a:ext uri="{FF2B5EF4-FFF2-40B4-BE49-F238E27FC236}">
-                <a16:creationId xmlns:a16="http://schemas.microsoft.com/office/drawing/2014/main" id="{91FB25D9-30FE-4009-A340-75BB7ACF4219}"/>
+                <a16:creationId xmlns:a16="http://schemas.microsoft.com/office/drawing/2014/main" xmlns="" id="{91FB25D9-30FE-4009-A340-75BB7ACF4219}"/>
               </a:ext>
             </a:extLst>
           </p:cNvPr>
@@ -12342,7 +12366,7 @@
           <p:cNvPr id="9" name="Image 8">
             <a:extLst>
               <a:ext uri="{FF2B5EF4-FFF2-40B4-BE49-F238E27FC236}">
-                <a16:creationId xmlns:a16="http://schemas.microsoft.com/office/drawing/2014/main" id="{D3AE46DF-FC3D-49E3-9EE6-F36690111EB2}"/>
+                <a16:creationId xmlns:a16="http://schemas.microsoft.com/office/drawing/2014/main" xmlns="" id="{D3AE46DF-FC3D-49E3-9EE6-F36690111EB2}"/>
               </a:ext>
             </a:extLst>
           </p:cNvPr>
@@ -12372,7 +12396,7 @@
           <p:cNvPr id="13" name="Groupe 12">
             <a:extLst>
               <a:ext uri="{FF2B5EF4-FFF2-40B4-BE49-F238E27FC236}">
-                <a16:creationId xmlns:a16="http://schemas.microsoft.com/office/drawing/2014/main" id="{49C3330A-5332-4AD7-B1B9-DC31A2540CED}"/>
+                <a16:creationId xmlns:a16="http://schemas.microsoft.com/office/drawing/2014/main" xmlns="" id="{49C3330A-5332-4AD7-B1B9-DC31A2540CED}"/>
               </a:ext>
             </a:extLst>
           </p:cNvPr>
@@ -12392,7 +12416,7 @@
             <p:cNvPr id="3" name="Image 2">
               <a:extLst>
                 <a:ext uri="{FF2B5EF4-FFF2-40B4-BE49-F238E27FC236}">
-                  <a16:creationId xmlns:a16="http://schemas.microsoft.com/office/drawing/2014/main" id="{97F33094-9E2D-4C56-8BE7-54D7198AED1F}"/>
+                  <a16:creationId xmlns:a16="http://schemas.microsoft.com/office/drawing/2014/main" xmlns="" id="{97F33094-9E2D-4C56-8BE7-54D7198AED1F}"/>
                 </a:ext>
               </a:extLst>
             </p:cNvPr>
@@ -12422,7 +12446,7 @@
             <p:cNvPr id="4" name="ZoneTexte 3">
               <a:extLst>
                 <a:ext uri="{FF2B5EF4-FFF2-40B4-BE49-F238E27FC236}">
-                  <a16:creationId xmlns:a16="http://schemas.microsoft.com/office/drawing/2014/main" id="{8D90AE1B-4BC2-4382-9C0A-053629D75DEC}"/>
+                  <a16:creationId xmlns:a16="http://schemas.microsoft.com/office/drawing/2014/main" xmlns="" id="{8D90AE1B-4BC2-4382-9C0A-053629D75DEC}"/>
                 </a:ext>
               </a:extLst>
             </p:cNvPr>
@@ -12462,7 +12486,7 @@
           <p:cNvPr id="15" name="Groupe 14">
             <a:extLst>
               <a:ext uri="{FF2B5EF4-FFF2-40B4-BE49-F238E27FC236}">
-                <a16:creationId xmlns:a16="http://schemas.microsoft.com/office/drawing/2014/main" id="{B34CC806-0B3A-4B6D-9004-AEE474EC2AC9}"/>
+                <a16:creationId xmlns:a16="http://schemas.microsoft.com/office/drawing/2014/main" xmlns="" id="{B34CC806-0B3A-4B6D-9004-AEE474EC2AC9}"/>
               </a:ext>
             </a:extLst>
           </p:cNvPr>
@@ -12482,7 +12506,7 @@
             <p:cNvPr id="8" name="Image 7">
               <a:extLst>
                 <a:ext uri="{FF2B5EF4-FFF2-40B4-BE49-F238E27FC236}">
-                  <a16:creationId xmlns:a16="http://schemas.microsoft.com/office/drawing/2014/main" id="{233D06FA-A3A1-4780-AB9F-DC30AE161E7D}"/>
+                  <a16:creationId xmlns:a16="http://schemas.microsoft.com/office/drawing/2014/main" xmlns="" id="{233D06FA-A3A1-4780-AB9F-DC30AE161E7D}"/>
                 </a:ext>
               </a:extLst>
             </p:cNvPr>
@@ -12512,7 +12536,7 @@
             <p:cNvPr id="10" name="ZoneTexte 9">
               <a:extLst>
                 <a:ext uri="{FF2B5EF4-FFF2-40B4-BE49-F238E27FC236}">
-                  <a16:creationId xmlns:a16="http://schemas.microsoft.com/office/drawing/2014/main" id="{9B8DD328-73F3-4B85-9D6D-36620A1A621B}"/>
+                  <a16:creationId xmlns:a16="http://schemas.microsoft.com/office/drawing/2014/main" xmlns="" id="{9B8DD328-73F3-4B85-9D6D-36620A1A621B}"/>
                 </a:ext>
               </a:extLst>
             </p:cNvPr>
@@ -12552,7 +12576,7 @@
           <p:cNvPr id="14" name="Groupe 13">
             <a:extLst>
               <a:ext uri="{FF2B5EF4-FFF2-40B4-BE49-F238E27FC236}">
-                <a16:creationId xmlns:a16="http://schemas.microsoft.com/office/drawing/2014/main" id="{F984B755-A951-4CA4-A775-137CBB4C68FE}"/>
+                <a16:creationId xmlns:a16="http://schemas.microsoft.com/office/drawing/2014/main" xmlns="" id="{F984B755-A951-4CA4-A775-137CBB4C68FE}"/>
               </a:ext>
             </a:extLst>
           </p:cNvPr>
@@ -12572,7 +12596,7 @@
             <p:cNvPr id="5" name="Image 4">
               <a:extLst>
                 <a:ext uri="{FF2B5EF4-FFF2-40B4-BE49-F238E27FC236}">
-                  <a16:creationId xmlns:a16="http://schemas.microsoft.com/office/drawing/2014/main" id="{29BB9359-B700-436B-8D94-1F18BFFA19FD}"/>
+                  <a16:creationId xmlns:a16="http://schemas.microsoft.com/office/drawing/2014/main" xmlns="" id="{29BB9359-B700-436B-8D94-1F18BFFA19FD}"/>
                 </a:ext>
               </a:extLst>
             </p:cNvPr>
@@ -12602,7 +12626,7 @@
             <p:cNvPr id="11" name="ZoneTexte 10">
               <a:extLst>
                 <a:ext uri="{FF2B5EF4-FFF2-40B4-BE49-F238E27FC236}">
-                  <a16:creationId xmlns:a16="http://schemas.microsoft.com/office/drawing/2014/main" id="{5D0A5BC2-213F-4DC4-AEFB-26D78C7744C9}"/>
+                  <a16:creationId xmlns:a16="http://schemas.microsoft.com/office/drawing/2014/main" xmlns="" id="{5D0A5BC2-213F-4DC4-AEFB-26D78C7744C9}"/>
                 </a:ext>
               </a:extLst>
             </p:cNvPr>
@@ -12642,7 +12666,7 @@
           <p:cNvPr id="12" name="Espace réservé du numéro de diapositive 11">
             <a:extLst>
               <a:ext uri="{FF2B5EF4-FFF2-40B4-BE49-F238E27FC236}">
-                <a16:creationId xmlns:a16="http://schemas.microsoft.com/office/drawing/2014/main" id="{6C94EE64-C361-47CA-9EB1-2A761E13F250}"/>
+                <a16:creationId xmlns:a16="http://schemas.microsoft.com/office/drawing/2014/main" xmlns="" id="{6C94EE64-C361-47CA-9EB1-2A761E13F250}"/>
               </a:ext>
             </a:extLst>
           </p:cNvPr>
@@ -12701,7 +12725,7 @@
           <p:cNvPr id="2" name="Titre 1">
             <a:extLst>
               <a:ext uri="{FF2B5EF4-FFF2-40B4-BE49-F238E27FC236}">
-                <a16:creationId xmlns:a16="http://schemas.microsoft.com/office/drawing/2014/main" id="{847B2002-85EF-4E53-BF50-1164BFEF0883}"/>
+                <a16:creationId xmlns:a16="http://schemas.microsoft.com/office/drawing/2014/main" xmlns="" id="{847B2002-85EF-4E53-BF50-1164BFEF0883}"/>
               </a:ext>
             </a:extLst>
           </p:cNvPr>
@@ -12748,7 +12772,7 @@
           <p:cNvPr id="6" name="Image 5">
             <a:extLst>
               <a:ext uri="{FF2B5EF4-FFF2-40B4-BE49-F238E27FC236}">
-                <a16:creationId xmlns:a16="http://schemas.microsoft.com/office/drawing/2014/main" id="{45D547AC-FD75-4884-8CCB-15E6D9412640}"/>
+                <a16:creationId xmlns:a16="http://schemas.microsoft.com/office/drawing/2014/main" xmlns="" id="{45D547AC-FD75-4884-8CCB-15E6D9412640}"/>
               </a:ext>
             </a:extLst>
           </p:cNvPr>
@@ -12784,7 +12808,7 @@
           <p:cNvPr id="7" name="ZoneTexte 6">
             <a:extLst>
               <a:ext uri="{FF2B5EF4-FFF2-40B4-BE49-F238E27FC236}">
-                <a16:creationId xmlns:a16="http://schemas.microsoft.com/office/drawing/2014/main" id="{91FB25D9-30FE-4009-A340-75BB7ACF4219}"/>
+                <a16:creationId xmlns:a16="http://schemas.microsoft.com/office/drawing/2014/main" xmlns="" id="{91FB25D9-30FE-4009-A340-75BB7ACF4219}"/>
               </a:ext>
             </a:extLst>
           </p:cNvPr>
@@ -12831,7 +12855,7 @@
           <p:cNvPr id="1026" name="Picture 2" descr="Resultado de imagen para github">
             <a:extLst>
               <a:ext uri="{FF2B5EF4-FFF2-40B4-BE49-F238E27FC236}">
-                <a16:creationId xmlns:a16="http://schemas.microsoft.com/office/drawing/2014/main" id="{74B7BB97-537D-4187-9901-1E5D6CEFB17E}"/>
+                <a16:creationId xmlns:a16="http://schemas.microsoft.com/office/drawing/2014/main" xmlns="" id="{74B7BB97-537D-4187-9901-1E5D6CEFB17E}"/>
               </a:ext>
             </a:extLst>
           </p:cNvPr>
@@ -12878,7 +12902,7 @@
           <p:cNvPr id="3" name="Image 2">
             <a:extLst>
               <a:ext uri="{FF2B5EF4-FFF2-40B4-BE49-F238E27FC236}">
-                <a16:creationId xmlns:a16="http://schemas.microsoft.com/office/drawing/2014/main" id="{39041F21-8BEA-48AE-A47C-6A40B77A5B5B}"/>
+                <a16:creationId xmlns:a16="http://schemas.microsoft.com/office/drawing/2014/main" xmlns="" id="{39041F21-8BEA-48AE-A47C-6A40B77A5B5B}"/>
               </a:ext>
             </a:extLst>
           </p:cNvPr>
@@ -12908,7 +12932,7 @@
           <p:cNvPr id="4" name="Espace réservé du numéro de diapositive 3">
             <a:extLst>
               <a:ext uri="{FF2B5EF4-FFF2-40B4-BE49-F238E27FC236}">
-                <a16:creationId xmlns:a16="http://schemas.microsoft.com/office/drawing/2014/main" id="{241321A1-5132-4284-A6AB-B4638E27C1F5}"/>
+                <a16:creationId xmlns:a16="http://schemas.microsoft.com/office/drawing/2014/main" xmlns="" id="{241321A1-5132-4284-A6AB-B4638E27C1F5}"/>
               </a:ext>
             </a:extLst>
           </p:cNvPr>
@@ -12937,7 +12961,7 @@
           <p:cNvPr id="8" name="Graphic 7">
             <a:extLst>
               <a:ext uri="{FF2B5EF4-FFF2-40B4-BE49-F238E27FC236}">
-                <a16:creationId xmlns:a16="http://schemas.microsoft.com/office/drawing/2014/main" id="{9528501D-83DA-4E36-A503-02013B2D01C4}"/>
+                <a16:creationId xmlns:a16="http://schemas.microsoft.com/office/drawing/2014/main" xmlns="" id="{9528501D-83DA-4E36-A503-02013B2D01C4}"/>
               </a:ext>
             </a:extLst>
           </p:cNvPr>
@@ -12953,7 +12977,7 @@
                 <a14:useLocalDpi xmlns:a14="http://schemas.microsoft.com/office/drawing/2010/main" val="0"/>
               </a:ext>
               <a:ext uri="{96DAC541-7B7A-43D3-8B79-37D633B846F1}">
-                <asvg:svgBlip xmlns:asvg="http://schemas.microsoft.com/office/drawing/2016/SVG/main" r:embed="rId7"/>
+                <asvg:svgBlip xmlns:asvg="http://schemas.microsoft.com/office/drawing/2016/SVG/main" xmlns="" r:embed="rId7"/>
               </a:ext>
             </a:extLst>
           </a:blip>
